--- a/01 Classes/Aula 03 - Programação Microcontroladores - Arduino Tinkercad.pptx
+++ b/01 Classes/Aula 03 - Programação Microcontroladores - Arduino Tinkercad.pptx
@@ -5884,18 +5884,31 @@
               <a:t>(“</a:t>
             </a:r>
             <a:r>
-              <a:rPr lang="pt-BR" sz="2000" dirty="0" err="1">
+              <a:rPr lang="pt-BR" sz="2000" b="1" dirty="0" err="1">
+                <a:solidFill>
+                  <a:srgbClr val="0070C0"/>
+                </a:solidFill>
                 <a:latin typeface="Times New Roman" panose="02020603050405020304" pitchFamily="18" charset="0"/>
                 <a:cs typeface="Times New Roman" panose="02020603050405020304" pitchFamily="18" charset="0"/>
               </a:rPr>
               <a:t>Hello</a:t>
             </a:r>
             <a:r>
-              <a:rPr lang="pt-BR" sz="2000" dirty="0">
-                <a:latin typeface="Times New Roman" panose="02020603050405020304" pitchFamily="18" charset="0"/>
-                <a:cs typeface="Times New Roman" panose="02020603050405020304" pitchFamily="18" charset="0"/>
-              </a:rPr>
-              <a:t> World”);</a:t>
+              <a:rPr lang="pt-BR" sz="2000" b="1" dirty="0">
+                <a:solidFill>
+                  <a:srgbClr val="0070C0"/>
+                </a:solidFill>
+                <a:latin typeface="Times New Roman" panose="02020603050405020304" pitchFamily="18" charset="0"/>
+                <a:cs typeface="Times New Roman" panose="02020603050405020304" pitchFamily="18" charset="0"/>
+              </a:rPr>
+              <a:t> World</a:t>
+            </a:r>
+            <a:r>
+              <a:rPr lang="pt-BR" sz="2000" dirty="0">
+                <a:latin typeface="Times New Roman" panose="02020603050405020304" pitchFamily="18" charset="0"/>
+                <a:cs typeface="Times New Roman" panose="02020603050405020304" pitchFamily="18" charset="0"/>
+              </a:rPr>
+              <a:t>”);</a:t>
             </a:r>
           </a:p>
           <a:p>
@@ -6643,7 +6656,7 @@
                 <a:latin typeface="Times New Roman" panose="02020603050405020304" pitchFamily="18" charset="0"/>
                 <a:cs typeface="Times New Roman" panose="02020603050405020304" pitchFamily="18" charset="0"/>
               </a:rPr>
-              <a:t>cátodo (-) ligar no GND</a:t>
+              <a:t>cátodo (-) ligar no resistor ou GND</a:t>
             </a:r>
             <a:r>
               <a:rPr lang="pt-BR" sz="1600" dirty="0">
@@ -6671,7 +6684,7 @@
                 <a:latin typeface="Times New Roman" panose="02020603050405020304" pitchFamily="18" charset="0"/>
                 <a:cs typeface="Times New Roman" panose="02020603050405020304" pitchFamily="18" charset="0"/>
               </a:rPr>
-              <a:t>resistor ou pino.</a:t>
+              <a:t>pino digital.</a:t>
             </a:r>
           </a:p>
           <a:p>
@@ -7143,21 +7156,21 @@
               <a:buNone/>
             </a:pPr>
             <a:r>
-              <a:rPr lang="pt-BR" sz="1800" dirty="0">
+              <a:rPr lang="pt-BR" sz="1600" dirty="0">
                 <a:latin typeface="Times New Roman" panose="02020603050405020304" pitchFamily="18" charset="0"/>
                 <a:cs typeface="Times New Roman" panose="02020603050405020304" pitchFamily="18" charset="0"/>
               </a:rPr>
               <a:t>#</a:t>
             </a:r>
             <a:r>
-              <a:rPr lang="pt-BR" sz="1800" b="1" dirty="0">
+              <a:rPr lang="pt-BR" sz="1600" b="1" dirty="0">
                 <a:latin typeface="Times New Roman" panose="02020603050405020304" pitchFamily="18" charset="0"/>
                 <a:cs typeface="Times New Roman" panose="02020603050405020304" pitchFamily="18" charset="0"/>
               </a:rPr>
               <a:t>define</a:t>
             </a:r>
             <a:r>
-              <a:rPr lang="pt-BR" sz="1800" dirty="0">
+              <a:rPr lang="pt-BR" sz="1600" dirty="0">
                 <a:latin typeface="Times New Roman" panose="02020603050405020304" pitchFamily="18" charset="0"/>
                 <a:cs typeface="Times New Roman" panose="02020603050405020304" pitchFamily="18" charset="0"/>
               </a:rPr>
@@ -7169,18 +7182,18 @@
               <a:buNone/>
             </a:pPr>
             <a:r>
-              <a:rPr lang="pt-BR" sz="1800" b="1" dirty="0" err="1">
+              <a:rPr lang="pt-BR" sz="1600" b="1" dirty="0" err="1">
                 <a:latin typeface="Times New Roman" panose="02020603050405020304" pitchFamily="18" charset="0"/>
                 <a:cs typeface="Times New Roman" panose="02020603050405020304" pitchFamily="18" charset="0"/>
               </a:rPr>
               <a:t>int</a:t>
             </a:r>
             <a:r>
-              <a:rPr lang="pt-BR" sz="1800" dirty="0">
-                <a:latin typeface="Times New Roman" panose="02020603050405020304" pitchFamily="18" charset="0"/>
-                <a:cs typeface="Times New Roman" panose="02020603050405020304" pitchFamily="18" charset="0"/>
-              </a:rPr>
-              <a:t> led8 = 8;</a:t>
+              <a:rPr lang="pt-BR" sz="1600" dirty="0">
+                <a:latin typeface="Times New Roman" panose="02020603050405020304" pitchFamily="18" charset="0"/>
+                <a:cs typeface="Times New Roman" panose="02020603050405020304" pitchFamily="18" charset="0"/>
+              </a:rPr>
+              <a:t> pinoLed9 = 9;</a:t>
             </a:r>
           </a:p>
           <a:p>
@@ -7188,18 +7201,18 @@
               <a:buNone/>
             </a:pPr>
             <a:r>
-              <a:rPr lang="pt-BR" sz="1800" b="1" dirty="0" err="1">
+              <a:rPr lang="pt-BR" sz="1600" b="1" dirty="0" err="1">
                 <a:latin typeface="Times New Roman" panose="02020603050405020304" pitchFamily="18" charset="0"/>
                 <a:cs typeface="Times New Roman" panose="02020603050405020304" pitchFamily="18" charset="0"/>
               </a:rPr>
               <a:t>int</a:t>
             </a:r>
             <a:r>
-              <a:rPr lang="pt-BR" sz="1800" dirty="0">
-                <a:latin typeface="Times New Roman" panose="02020603050405020304" pitchFamily="18" charset="0"/>
-                <a:cs typeface="Times New Roman" panose="02020603050405020304" pitchFamily="18" charset="0"/>
-              </a:rPr>
-              <a:t> led9 = 9;</a:t>
+              <a:rPr lang="pt-BR" sz="1600" dirty="0">
+                <a:latin typeface="Times New Roman" panose="02020603050405020304" pitchFamily="18" charset="0"/>
+                <a:cs typeface="Times New Roman" panose="02020603050405020304" pitchFamily="18" charset="0"/>
+              </a:rPr>
+              <a:t> pinoLed10 = 10;</a:t>
             </a:r>
           </a:p>
           <a:p>
@@ -7207,18 +7220,18 @@
               <a:buNone/>
             </a:pPr>
             <a:r>
-              <a:rPr lang="pt-BR" sz="1800" b="1" dirty="0" err="1">
+              <a:rPr lang="pt-BR" sz="1600" b="1" dirty="0" err="1">
                 <a:latin typeface="Times New Roman" panose="02020603050405020304" pitchFamily="18" charset="0"/>
                 <a:cs typeface="Times New Roman" panose="02020603050405020304" pitchFamily="18" charset="0"/>
               </a:rPr>
               <a:t>int</a:t>
             </a:r>
             <a:r>
-              <a:rPr lang="pt-BR" sz="1800" dirty="0">
-                <a:latin typeface="Times New Roman" panose="02020603050405020304" pitchFamily="18" charset="0"/>
-                <a:cs typeface="Times New Roman" panose="02020603050405020304" pitchFamily="18" charset="0"/>
-              </a:rPr>
-              <a:t> led10 = 10;</a:t>
+              <a:rPr lang="pt-BR" sz="1600" dirty="0">
+                <a:latin typeface="Times New Roman" panose="02020603050405020304" pitchFamily="18" charset="0"/>
+                <a:cs typeface="Times New Roman" panose="02020603050405020304" pitchFamily="18" charset="0"/>
+              </a:rPr>
+              <a:t> pinoLed11 = 11;</a:t>
             </a:r>
           </a:p>
           <a:p>
@@ -7226,18 +7239,18 @@
               <a:buNone/>
             </a:pPr>
             <a:r>
-              <a:rPr lang="pt-BR" sz="1800" b="1" dirty="0" err="1">
+              <a:rPr lang="pt-BR" sz="1600" b="1" dirty="0" err="1">
                 <a:latin typeface="Times New Roman" panose="02020603050405020304" pitchFamily="18" charset="0"/>
                 <a:cs typeface="Times New Roman" panose="02020603050405020304" pitchFamily="18" charset="0"/>
               </a:rPr>
               <a:t>int</a:t>
             </a:r>
             <a:r>
-              <a:rPr lang="pt-BR" sz="1800" dirty="0">
-                <a:latin typeface="Times New Roman" panose="02020603050405020304" pitchFamily="18" charset="0"/>
-                <a:cs typeface="Times New Roman" panose="02020603050405020304" pitchFamily="18" charset="0"/>
-              </a:rPr>
-              <a:t> led11 = 11;</a:t>
+              <a:rPr lang="pt-BR" sz="1600" dirty="0">
+                <a:latin typeface="Times New Roman" panose="02020603050405020304" pitchFamily="18" charset="0"/>
+                <a:cs typeface="Times New Roman" panose="02020603050405020304" pitchFamily="18" charset="0"/>
+              </a:rPr>
+              <a:t> pinoLed12 = 12;</a:t>
             </a:r>
           </a:p>
           <a:p>
@@ -7245,18 +7258,32 @@
               <a:buNone/>
             </a:pPr>
             <a:r>
-              <a:rPr lang="pt-BR" sz="1800" b="1" dirty="0" err="1">
-                <a:latin typeface="Times New Roman" panose="02020603050405020304" pitchFamily="18" charset="0"/>
-                <a:cs typeface="Times New Roman" panose="02020603050405020304" pitchFamily="18" charset="0"/>
-              </a:rPr>
-              <a:t>int</a:t>
-            </a:r>
-            <a:r>
-              <a:rPr lang="pt-BR" sz="1800" dirty="0">
-                <a:latin typeface="Times New Roman" panose="02020603050405020304" pitchFamily="18" charset="0"/>
-                <a:cs typeface="Times New Roman" panose="02020603050405020304" pitchFamily="18" charset="0"/>
-              </a:rPr>
-              <a:t> led12 = 12;</a:t>
+              <a:rPr lang="pt-BR" sz="1600" dirty="0" err="1">
+                <a:latin typeface="Times New Roman" panose="02020603050405020304" pitchFamily="18" charset="0"/>
+                <a:cs typeface="Times New Roman" panose="02020603050405020304" pitchFamily="18" charset="0"/>
+              </a:rPr>
+              <a:t>void</a:t>
+            </a:r>
+            <a:r>
+              <a:rPr lang="pt-BR" sz="1600" dirty="0">
+                <a:latin typeface="Times New Roman" panose="02020603050405020304" pitchFamily="18" charset="0"/>
+                <a:cs typeface="Times New Roman" panose="02020603050405020304" pitchFamily="18" charset="0"/>
+              </a:rPr>
+              <a:t> </a:t>
+            </a:r>
+            <a:r>
+              <a:rPr lang="pt-BR" sz="1600" b="1" dirty="0">
+                <a:latin typeface="Times New Roman" panose="02020603050405020304" pitchFamily="18" charset="0"/>
+                <a:cs typeface="Times New Roman" panose="02020603050405020304" pitchFamily="18" charset="0"/>
+              </a:rPr>
+              <a:t>setup</a:t>
+            </a:r>
+            <a:r>
+              <a:rPr lang="pt-BR" sz="1600" dirty="0">
+                <a:latin typeface="Times New Roman" panose="02020603050405020304" pitchFamily="18" charset="0"/>
+                <a:cs typeface="Times New Roman" panose="02020603050405020304" pitchFamily="18" charset="0"/>
+              </a:rPr>
+              <a:t>() {</a:t>
             </a:r>
           </a:p>
           <a:p>
@@ -7264,32 +7291,39 @@
               <a:buNone/>
             </a:pPr>
             <a:r>
-              <a:rPr lang="pt-BR" sz="1800" dirty="0" err="1">
-                <a:latin typeface="Times New Roman" panose="02020603050405020304" pitchFamily="18" charset="0"/>
-                <a:cs typeface="Times New Roman" panose="02020603050405020304" pitchFamily="18" charset="0"/>
-              </a:rPr>
-              <a:t>void</a:t>
-            </a:r>
-            <a:r>
-              <a:rPr lang="pt-BR" sz="1800" dirty="0">
-                <a:latin typeface="Times New Roman" panose="02020603050405020304" pitchFamily="18" charset="0"/>
-                <a:cs typeface="Times New Roman" panose="02020603050405020304" pitchFamily="18" charset="0"/>
-              </a:rPr>
-              <a:t> </a:t>
-            </a:r>
-            <a:r>
-              <a:rPr lang="pt-BR" sz="1800" b="1" dirty="0">
-                <a:latin typeface="Times New Roman" panose="02020603050405020304" pitchFamily="18" charset="0"/>
-                <a:cs typeface="Times New Roman" panose="02020603050405020304" pitchFamily="18" charset="0"/>
-              </a:rPr>
-              <a:t>setup</a:t>
-            </a:r>
-            <a:r>
-              <a:rPr lang="pt-BR" sz="1800" dirty="0">
-                <a:latin typeface="Times New Roman" panose="02020603050405020304" pitchFamily="18" charset="0"/>
-                <a:cs typeface="Times New Roman" panose="02020603050405020304" pitchFamily="18" charset="0"/>
-              </a:rPr>
-              <a:t>() {</a:t>
+              <a:rPr lang="pt-BR" sz="1600" dirty="0">
+                <a:latin typeface="Times New Roman" panose="02020603050405020304" pitchFamily="18" charset="0"/>
+                <a:cs typeface="Times New Roman" panose="02020603050405020304" pitchFamily="18" charset="0"/>
+              </a:rPr>
+              <a:t>  </a:t>
+            </a:r>
+            <a:r>
+              <a:rPr lang="pt-BR" sz="1600" b="1" dirty="0" err="1">
+                <a:latin typeface="Times New Roman" panose="02020603050405020304" pitchFamily="18" charset="0"/>
+                <a:cs typeface="Times New Roman" panose="02020603050405020304" pitchFamily="18" charset="0"/>
+              </a:rPr>
+              <a:t>pinMode</a:t>
+            </a:r>
+            <a:r>
+              <a:rPr lang="pt-BR" sz="1600" dirty="0">
+                <a:latin typeface="Times New Roman" panose="02020603050405020304" pitchFamily="18" charset="0"/>
+                <a:cs typeface="Times New Roman" panose="02020603050405020304" pitchFamily="18" charset="0"/>
+              </a:rPr>
+              <a:t>(pinoLed9, </a:t>
+            </a:r>
+            <a:r>
+              <a:rPr lang="pt-BR" sz="1600" b="1" dirty="0">
+                <a:latin typeface="Times New Roman" panose="02020603050405020304" pitchFamily="18" charset="0"/>
+                <a:cs typeface="Times New Roman" panose="02020603050405020304" pitchFamily="18" charset="0"/>
+              </a:rPr>
+              <a:t>OUTPUT</a:t>
+            </a:r>
+            <a:r>
+              <a:rPr lang="pt-BR" sz="1600" dirty="0">
+                <a:latin typeface="Times New Roman" panose="02020603050405020304" pitchFamily="18" charset="0"/>
+                <a:cs typeface="Times New Roman" panose="02020603050405020304" pitchFamily="18" charset="0"/>
+              </a:rPr>
+              <a:t>);</a:t>
             </a:r>
           </a:p>
           <a:p>
@@ -7297,35 +7331,35 @@
               <a:buNone/>
             </a:pPr>
             <a:r>
-              <a:rPr lang="pt-BR" sz="1800" dirty="0">
+              <a:rPr lang="pt-BR" sz="1600" dirty="0">
                 <a:latin typeface="Times New Roman" panose="02020603050405020304" pitchFamily="18" charset="0"/>
                 <a:cs typeface="Times New Roman" panose="02020603050405020304" pitchFamily="18" charset="0"/>
               </a:rPr>
               <a:t>  </a:t>
             </a:r>
             <a:r>
-              <a:rPr lang="pt-BR" sz="1800" b="1" dirty="0" err="1">
+              <a:rPr lang="pt-BR" sz="1600" b="1" dirty="0" err="1">
                 <a:latin typeface="Times New Roman" panose="02020603050405020304" pitchFamily="18" charset="0"/>
                 <a:cs typeface="Times New Roman" panose="02020603050405020304" pitchFamily="18" charset="0"/>
               </a:rPr>
               <a:t>pinMode</a:t>
             </a:r>
             <a:r>
-              <a:rPr lang="pt-BR" sz="1800" dirty="0">
-                <a:latin typeface="Times New Roman" panose="02020603050405020304" pitchFamily="18" charset="0"/>
-                <a:cs typeface="Times New Roman" panose="02020603050405020304" pitchFamily="18" charset="0"/>
-              </a:rPr>
-              <a:t>(led9, </a:t>
-            </a:r>
-            <a:r>
-              <a:rPr lang="pt-BR" sz="1800" b="1" dirty="0">
+              <a:rPr lang="pt-BR" sz="1600" dirty="0">
+                <a:latin typeface="Times New Roman" panose="02020603050405020304" pitchFamily="18" charset="0"/>
+                <a:cs typeface="Times New Roman" panose="02020603050405020304" pitchFamily="18" charset="0"/>
+              </a:rPr>
+              <a:t>(pinoLed10, </a:t>
+            </a:r>
+            <a:r>
+              <a:rPr lang="pt-BR" sz="1600" b="1" dirty="0">
                 <a:latin typeface="Times New Roman" panose="02020603050405020304" pitchFamily="18" charset="0"/>
                 <a:cs typeface="Times New Roman" panose="02020603050405020304" pitchFamily="18" charset="0"/>
               </a:rPr>
               <a:t>OUTPUT</a:t>
             </a:r>
             <a:r>
-              <a:rPr lang="pt-BR" sz="1800" dirty="0">
+              <a:rPr lang="pt-BR" sz="1600" dirty="0">
                 <a:latin typeface="Times New Roman" panose="02020603050405020304" pitchFamily="18" charset="0"/>
                 <a:cs typeface="Times New Roman" panose="02020603050405020304" pitchFamily="18" charset="0"/>
               </a:rPr>
@@ -7337,35 +7371,35 @@
               <a:buNone/>
             </a:pPr>
             <a:r>
-              <a:rPr lang="pt-BR" sz="1800" dirty="0">
+              <a:rPr lang="pt-BR" sz="1600" dirty="0">
                 <a:latin typeface="Times New Roman" panose="02020603050405020304" pitchFamily="18" charset="0"/>
                 <a:cs typeface="Times New Roman" panose="02020603050405020304" pitchFamily="18" charset="0"/>
               </a:rPr>
               <a:t>  </a:t>
             </a:r>
             <a:r>
-              <a:rPr lang="pt-BR" sz="1800" b="1" dirty="0" err="1">
+              <a:rPr lang="pt-BR" sz="1600" b="1" dirty="0" err="1">
                 <a:latin typeface="Times New Roman" panose="02020603050405020304" pitchFamily="18" charset="0"/>
                 <a:cs typeface="Times New Roman" panose="02020603050405020304" pitchFamily="18" charset="0"/>
               </a:rPr>
               <a:t>pinMode</a:t>
             </a:r>
             <a:r>
-              <a:rPr lang="pt-BR" sz="1800" dirty="0">
-                <a:latin typeface="Times New Roman" panose="02020603050405020304" pitchFamily="18" charset="0"/>
-                <a:cs typeface="Times New Roman" panose="02020603050405020304" pitchFamily="18" charset="0"/>
-              </a:rPr>
-              <a:t>(led10, </a:t>
-            </a:r>
-            <a:r>
-              <a:rPr lang="pt-BR" sz="1800" b="1" dirty="0">
+              <a:rPr lang="pt-BR" sz="1600" dirty="0">
+                <a:latin typeface="Times New Roman" panose="02020603050405020304" pitchFamily="18" charset="0"/>
+                <a:cs typeface="Times New Roman" panose="02020603050405020304" pitchFamily="18" charset="0"/>
+              </a:rPr>
+              <a:t>(pinoLed11, </a:t>
+            </a:r>
+            <a:r>
+              <a:rPr lang="pt-BR" sz="1600" b="1" dirty="0">
                 <a:latin typeface="Times New Roman" panose="02020603050405020304" pitchFamily="18" charset="0"/>
                 <a:cs typeface="Times New Roman" panose="02020603050405020304" pitchFamily="18" charset="0"/>
               </a:rPr>
               <a:t>OUTPUT</a:t>
             </a:r>
             <a:r>
-              <a:rPr lang="pt-BR" sz="1800" dirty="0">
+              <a:rPr lang="pt-BR" sz="1600" dirty="0">
                 <a:latin typeface="Times New Roman" panose="02020603050405020304" pitchFamily="18" charset="0"/>
                 <a:cs typeface="Times New Roman" panose="02020603050405020304" pitchFamily="18" charset="0"/>
               </a:rPr>
@@ -7377,68 +7411,28 @@
               <a:buNone/>
             </a:pPr>
             <a:r>
-              <a:rPr lang="pt-BR" sz="1800" dirty="0">
+              <a:rPr lang="pt-BR" sz="1600" dirty="0">
                 <a:latin typeface="Times New Roman" panose="02020603050405020304" pitchFamily="18" charset="0"/>
                 <a:cs typeface="Times New Roman" panose="02020603050405020304" pitchFamily="18" charset="0"/>
               </a:rPr>
               <a:t>  </a:t>
             </a:r>
             <a:r>
-              <a:rPr lang="pt-BR" sz="1800" b="1" dirty="0" err="1">
+              <a:rPr lang="pt-BR" sz="1600" b="1" dirty="0" err="1">
                 <a:latin typeface="Times New Roman" panose="02020603050405020304" pitchFamily="18" charset="0"/>
                 <a:cs typeface="Times New Roman" panose="02020603050405020304" pitchFamily="18" charset="0"/>
               </a:rPr>
               <a:t>pinMode</a:t>
             </a:r>
             <a:r>
-              <a:rPr lang="pt-BR" sz="1800" dirty="0">
-                <a:latin typeface="Times New Roman" panose="02020603050405020304" pitchFamily="18" charset="0"/>
-                <a:cs typeface="Times New Roman" panose="02020603050405020304" pitchFamily="18" charset="0"/>
-              </a:rPr>
-              <a:t>(led11, </a:t>
-            </a:r>
-            <a:r>
-              <a:rPr lang="pt-BR" sz="1800" b="1" dirty="0">
-                <a:latin typeface="Times New Roman" panose="02020603050405020304" pitchFamily="18" charset="0"/>
-                <a:cs typeface="Times New Roman" panose="02020603050405020304" pitchFamily="18" charset="0"/>
-              </a:rPr>
-              <a:t>OUTPUT</a:t>
-            </a:r>
-            <a:r>
-              <a:rPr lang="pt-BR" sz="1800" dirty="0">
-                <a:latin typeface="Times New Roman" panose="02020603050405020304" pitchFamily="18" charset="0"/>
-                <a:cs typeface="Times New Roman" panose="02020603050405020304" pitchFamily="18" charset="0"/>
-              </a:rPr>
-              <a:t>);</a:t>
-            </a:r>
-          </a:p>
-          <a:p>
-            <a:pPr marL="0" indent="0">
-              <a:buNone/>
-            </a:pPr>
-            <a:r>
-              <a:rPr lang="pt-BR" sz="1800" dirty="0">
-                <a:latin typeface="Times New Roman" panose="02020603050405020304" pitchFamily="18" charset="0"/>
-                <a:cs typeface="Times New Roman" panose="02020603050405020304" pitchFamily="18" charset="0"/>
-              </a:rPr>
-              <a:t>  </a:t>
-            </a:r>
-            <a:r>
-              <a:rPr lang="pt-BR" sz="1800" b="1" dirty="0" err="1">
-                <a:latin typeface="Times New Roman" panose="02020603050405020304" pitchFamily="18" charset="0"/>
-                <a:cs typeface="Times New Roman" panose="02020603050405020304" pitchFamily="18" charset="0"/>
-              </a:rPr>
-              <a:t>pinMode</a:t>
-            </a:r>
-            <a:r>
-              <a:rPr lang="pt-BR" sz="1800" dirty="0">
-                <a:latin typeface="Times New Roman" panose="02020603050405020304" pitchFamily="18" charset="0"/>
-                <a:cs typeface="Times New Roman" panose="02020603050405020304" pitchFamily="18" charset="0"/>
-              </a:rPr>
-              <a:t>(led12, </a:t>
-            </a:r>
-            <a:r>
-              <a:rPr lang="pt-BR" sz="1800" b="1" dirty="0">
+              <a:rPr lang="pt-BR" sz="1600" dirty="0">
+                <a:latin typeface="Times New Roman" panose="02020603050405020304" pitchFamily="18" charset="0"/>
+                <a:cs typeface="Times New Roman" panose="02020603050405020304" pitchFamily="18" charset="0"/>
+              </a:rPr>
+              <a:t>(pinoLed12, </a:t>
+            </a:r>
+            <a:r>
+              <a:rPr lang="pt-BR" sz="1600" b="1" dirty="0">
                 <a:latin typeface="Times New Roman" panose="02020603050405020304" pitchFamily="18" charset="0"/>
                 <a:cs typeface="Times New Roman" panose="02020603050405020304" pitchFamily="18" charset="0"/>
               </a:rPr>
@@ -7608,7 +7602,7 @@
                 <a:latin typeface="Times New Roman" panose="02020603050405020304" pitchFamily="18" charset="0"/>
                 <a:cs typeface="Times New Roman" panose="02020603050405020304" pitchFamily="18" charset="0"/>
               </a:rPr>
-              <a:t>(led9, HIGH);</a:t>
+              <a:t>(pinoLed9, HIGH);</a:t>
             </a:r>
           </a:p>
           <a:p>
@@ -7688,7 +7682,7 @@
                 <a:latin typeface="Times New Roman" panose="02020603050405020304" pitchFamily="18" charset="0"/>
                 <a:cs typeface="Times New Roman" panose="02020603050405020304" pitchFamily="18" charset="0"/>
               </a:rPr>
-              <a:t>(led9, LOW);</a:t>
+              <a:t>(pinoLed9, LOW);</a:t>
             </a:r>
           </a:p>
           <a:p>
@@ -7768,7 +7762,7 @@
                 <a:latin typeface="Times New Roman" panose="02020603050405020304" pitchFamily="18" charset="0"/>
                 <a:cs typeface="Times New Roman" panose="02020603050405020304" pitchFamily="18" charset="0"/>
               </a:rPr>
-              <a:t>(led10, HIGH);</a:t>
+              <a:t>(pinoLed10, HIGH);</a:t>
             </a:r>
           </a:p>
           <a:p>
@@ -7848,7 +7842,7 @@
                 <a:latin typeface="Times New Roman" panose="02020603050405020304" pitchFamily="18" charset="0"/>
                 <a:cs typeface="Times New Roman" panose="02020603050405020304" pitchFamily="18" charset="0"/>
               </a:rPr>
-              <a:t>(led10, LOW);</a:t>
+              <a:t>(pinoLed10, LOW);</a:t>
             </a:r>
           </a:p>
           <a:p>
@@ -7928,7 +7922,7 @@
                 <a:latin typeface="Times New Roman" panose="02020603050405020304" pitchFamily="18" charset="0"/>
                 <a:cs typeface="Times New Roman" panose="02020603050405020304" pitchFamily="18" charset="0"/>
               </a:rPr>
-              <a:t>(led11, HIGH);</a:t>
+              <a:t>(pinoLed11, HIGH);</a:t>
             </a:r>
           </a:p>
           <a:p>
@@ -8008,7 +8002,7 @@
                 <a:latin typeface="Times New Roman" panose="02020603050405020304" pitchFamily="18" charset="0"/>
                 <a:cs typeface="Times New Roman" panose="02020603050405020304" pitchFamily="18" charset="0"/>
               </a:rPr>
-              <a:t>(led11, LOW);</a:t>
+              <a:t>(pinoLed11, LOW);</a:t>
             </a:r>
           </a:p>
           <a:p>
@@ -8088,7 +8082,7 @@
                 <a:latin typeface="Times New Roman" panose="02020603050405020304" pitchFamily="18" charset="0"/>
                 <a:cs typeface="Times New Roman" panose="02020603050405020304" pitchFamily="18" charset="0"/>
               </a:rPr>
-              <a:t>(led12, HIGH);</a:t>
+              <a:t>(pinoLed12, HIGH);</a:t>
             </a:r>
           </a:p>
           <a:p>
@@ -8168,7 +8162,7 @@
                 <a:latin typeface="Times New Roman" panose="02020603050405020304" pitchFamily="18" charset="0"/>
                 <a:cs typeface="Times New Roman" panose="02020603050405020304" pitchFamily="18" charset="0"/>
               </a:rPr>
-              <a:t>(led12, LOW);</a:t>
+              <a:t>(pinoLed12, LOW);</a:t>
             </a:r>
           </a:p>
           <a:p>
@@ -9140,8 +9134,8 @@
         </p:nvSpPr>
         <p:spPr>
           <a:xfrm>
-            <a:off x="142865" y="914400"/>
-            <a:ext cx="8865056" cy="3864864"/>
+            <a:off x="142865" y="914399"/>
+            <a:ext cx="8865056" cy="4105487"/>
           </a:xfrm>
         </p:spPr>
         <p:txBody>
@@ -9224,7 +9218,35 @@
                 <a:latin typeface="Times New Roman" panose="02020603050405020304" pitchFamily="18" charset="0"/>
                 <a:cs typeface="Times New Roman" panose="02020603050405020304" pitchFamily="18" charset="0"/>
               </a:rPr>
-              <a:t> segundos = 0; // contador de segundos</a:t>
+              <a:t> </a:t>
+            </a:r>
+            <a:r>
+              <a:rPr lang="pt-BR" sz="2000" dirty="0" err="1">
+                <a:latin typeface="Times New Roman" panose="02020603050405020304" pitchFamily="18" charset="0"/>
+                <a:cs typeface="Times New Roman" panose="02020603050405020304" pitchFamily="18" charset="0"/>
+              </a:rPr>
+              <a:t>cont_segs</a:t>
+            </a:r>
+            <a:r>
+              <a:rPr lang="pt-BR" sz="2000" dirty="0">
+                <a:latin typeface="Times New Roman" panose="02020603050405020304" pitchFamily="18" charset="0"/>
+                <a:cs typeface="Times New Roman" panose="02020603050405020304" pitchFamily="18" charset="0"/>
+              </a:rPr>
+              <a:t> </a:t>
+            </a:r>
+            <a:r>
+              <a:rPr lang="pt-BR" sz="2000">
+                <a:latin typeface="Times New Roman" panose="02020603050405020304" pitchFamily="18" charset="0"/>
+                <a:cs typeface="Times New Roman" panose="02020603050405020304" pitchFamily="18" charset="0"/>
+              </a:rPr>
+              <a:t>= 1; </a:t>
+            </a:r>
+            <a:r>
+              <a:rPr lang="pt-BR" sz="2000" dirty="0">
+                <a:latin typeface="Times New Roman" panose="02020603050405020304" pitchFamily="18" charset="0"/>
+                <a:cs typeface="Times New Roman" panose="02020603050405020304" pitchFamily="18" charset="0"/>
+              </a:rPr>
+              <a:t>// contador de segundos</a:t>
             </a:r>
           </a:p>
           <a:p>
@@ -9356,21 +9378,24 @@
                 <a:latin typeface="Times New Roman" panose="02020603050405020304" pitchFamily="18" charset="0"/>
                 <a:cs typeface="Times New Roman" panose="02020603050405020304" pitchFamily="18" charset="0"/>
               </a:rPr>
-              <a:t>("</a:t>
-            </a:r>
-            <a:r>
-              <a:rPr lang="pt-BR" sz="2000" dirty="0" err="1">
-                <a:latin typeface="Times New Roman" panose="02020603050405020304" pitchFamily="18" charset="0"/>
-                <a:cs typeface="Times New Roman" panose="02020603050405020304" pitchFamily="18" charset="0"/>
-              </a:rPr>
-              <a:t>hello</a:t>
-            </a:r>
-            <a:r>
-              <a:rPr lang="pt-BR" sz="2000" dirty="0">
-                <a:latin typeface="Times New Roman" panose="02020603050405020304" pitchFamily="18" charset="0"/>
-                <a:cs typeface="Times New Roman" panose="02020603050405020304" pitchFamily="18" charset="0"/>
-              </a:rPr>
-              <a:t> world"); }</a:t>
+              <a:t>(“</a:t>
+            </a:r>
+            <a:r>
+              <a:rPr lang="pt-BR" sz="2000" b="1" dirty="0">
+                <a:solidFill>
+                  <a:srgbClr val="0070C0"/>
+                </a:solidFill>
+                <a:latin typeface="Times New Roman" panose="02020603050405020304" pitchFamily="18" charset="0"/>
+                <a:cs typeface="Times New Roman" panose="02020603050405020304" pitchFamily="18" charset="0"/>
+              </a:rPr>
+              <a:t>Senha</a:t>
+            </a:r>
+            <a:r>
+              <a:rPr lang="pt-BR" sz="2000" dirty="0">
+                <a:latin typeface="Times New Roman" panose="02020603050405020304" pitchFamily="18" charset="0"/>
+                <a:cs typeface="Times New Roman" panose="02020603050405020304" pitchFamily="18" charset="0"/>
+              </a:rPr>
+              <a:t>"); }</a:t>
             </a:r>
           </a:p>
           <a:p>
@@ -9398,8 +9423,8 @@
         </p:nvSpPr>
         <p:spPr>
           <a:xfrm>
-            <a:off x="3456431" y="2465342"/>
-            <a:ext cx="5544703" cy="2554545"/>
+            <a:off x="3980687" y="2465342"/>
+            <a:ext cx="4919473" cy="2554545"/>
           </a:xfrm>
           <a:prstGeom prst="rect">
             <a:avLst/>
@@ -9513,7 +9538,21 @@
                 <a:latin typeface="Times New Roman" panose="02020603050405020304" pitchFamily="18" charset="0"/>
                 <a:cs typeface="Times New Roman" panose="02020603050405020304" pitchFamily="18" charset="0"/>
               </a:rPr>
-              <a:t>(segundos);</a:t>
+              <a:t>(</a:t>
+            </a:r>
+            <a:r>
+              <a:rPr lang="pt-BR" sz="2000" dirty="0" err="1">
+                <a:latin typeface="Times New Roman" panose="02020603050405020304" pitchFamily="18" charset="0"/>
+                <a:cs typeface="Times New Roman" panose="02020603050405020304" pitchFamily="18" charset="0"/>
+              </a:rPr>
+              <a:t>cont_segs</a:t>
+            </a:r>
+            <a:r>
+              <a:rPr lang="pt-BR" sz="2000" dirty="0">
+                <a:latin typeface="Times New Roman" panose="02020603050405020304" pitchFamily="18" charset="0"/>
+                <a:cs typeface="Times New Roman" panose="02020603050405020304" pitchFamily="18" charset="0"/>
+              </a:rPr>
+              <a:t>);</a:t>
             </a:r>
           </a:p>
           <a:p>
@@ -9657,7 +9696,21 @@
                 <a:latin typeface="Times New Roman" panose="02020603050405020304" pitchFamily="18" charset="0"/>
                 <a:cs typeface="Times New Roman" panose="02020603050405020304" pitchFamily="18" charset="0"/>
               </a:rPr>
-              <a:t> segundos += 1; }</a:t>
+              <a:t> </a:t>
+            </a:r>
+            <a:r>
+              <a:rPr lang="pt-BR" sz="2000" dirty="0" err="1">
+                <a:latin typeface="Times New Roman" panose="02020603050405020304" pitchFamily="18" charset="0"/>
+                <a:cs typeface="Times New Roman" panose="02020603050405020304" pitchFamily="18" charset="0"/>
+              </a:rPr>
+              <a:t>cont_segs</a:t>
+            </a:r>
+            <a:r>
+              <a:rPr lang="pt-BR" sz="2000" dirty="0">
+                <a:latin typeface="Times New Roman" panose="02020603050405020304" pitchFamily="18" charset="0"/>
+                <a:cs typeface="Times New Roman" panose="02020603050405020304" pitchFamily="18" charset="0"/>
+              </a:rPr>
+              <a:t> += 1; }</a:t>
             </a:r>
             <a:endParaRPr lang="pt-BR" sz="2000" dirty="0">
               <a:solidFill>
@@ -10396,7 +10449,7 @@
                 <a:latin typeface="Times New Roman" panose="02020603050405020304" pitchFamily="18" charset="0"/>
                 <a:cs typeface="Times New Roman" panose="02020603050405020304" pitchFamily="18" charset="0"/>
               </a:rPr>
-              <a:t>Otimizar o código do projeto 3 utilizando a estrutura de repetição </a:t>
+              <a:t>Otimizar o código do projeto 3 utilizando estrutura de repetição </a:t>
             </a:r>
             <a:r>
               <a:rPr lang="pt-BR" sz="2000" b="1" dirty="0">
@@ -13115,62 +13168,6 @@
               </a:rPr>
               <a:t>Expositores</a:t>
             </a:r>
-          </a:p>
-        </p:txBody>
-      </p:sp>
-      <p:sp>
-        <p:nvSpPr>
-          <p:cNvPr id="3" name="CaixaDeTexto 2">
-            <a:extLst>
-              <a:ext uri="{FF2B5EF4-FFF2-40B4-BE49-F238E27FC236}">
-                <a16:creationId xmlns:a16="http://schemas.microsoft.com/office/drawing/2014/main" id="{A161C935-F27D-A572-711A-F477D4BC1E7B}"/>
-              </a:ext>
-            </a:extLst>
-          </p:cNvPr>
-          <p:cNvSpPr txBox="1"/>
-          <p:nvPr/>
-        </p:nvSpPr>
-        <p:spPr>
-          <a:xfrm>
-            <a:off x="2286000" y="2387846"/>
-            <a:ext cx="4572000" cy="369332"/>
-          </a:xfrm>
-          <a:prstGeom prst="rect">
-            <a:avLst/>
-          </a:prstGeom>
-          <a:noFill/>
-          <a:ln w="12700" cap="flat">
-            <a:noFill/>
-            <a:miter lim="400000"/>
-          </a:ln>
-          <a:effectLst/>
-        </p:spPr>
-        <p:style>
-          <a:lnRef idx="0">
-            <a:scrgbClr r="0" g="0" b="0"/>
-          </a:lnRef>
-          <a:fillRef idx="0">
-            <a:scrgbClr r="0" g="0" b="0"/>
-          </a:fillRef>
-          <a:effectRef idx="0">
-            <a:scrgbClr r="0" g="0" b="0"/>
-          </a:effectRef>
-          <a:fontRef idx="none"/>
-        </p:style>
-        <p:txBody>
-          <a:bodyPr wrap="square">
-            <a:spAutoFit/>
-          </a:bodyPr>
-          <a:lstStyle/>
-          <a:p>
-            <a:r>
-              <a:rPr lang="pt-BR" sz="1800" dirty="0">
-                <a:latin typeface="Times New Roman" panose="02020603050405020304" pitchFamily="18" charset="0"/>
-                <a:cs typeface="Times New Roman" panose="02020603050405020304" pitchFamily="18" charset="0"/>
-              </a:rPr>
-              <a:t>tempo</a:t>
-            </a:r>
-            <a:endParaRPr lang="pt-BR" dirty="0"/>
           </a:p>
         </p:txBody>
       </p:sp>

--- a/01 Classes/Aula 03 - Programação Microcontroladores - Arduino Tinkercad.pptx
+++ b/01 Classes/Aula 03 - Programação Microcontroladores - Arduino Tinkercad.pptx
@@ -12748,17 +12748,17 @@
                 <a:latin typeface="Times New Roman" panose="02020603050405020304" pitchFamily="18" charset="0"/>
                 <a:cs typeface="Times New Roman" panose="02020603050405020304" pitchFamily="18" charset="0"/>
               </a:rPr>
-              <a:t>, 10ª </a:t>
-            </a:r>
-            <a:r>
-              <a:rPr lang="pt-BR" sz="2000" b="1" dirty="0" err="1">
-                <a:solidFill>
-                  <a:schemeClr val="tx1"/>
-                </a:solidFill>
-                <a:latin typeface="Times New Roman" panose="02020603050405020304" pitchFamily="18" charset="0"/>
-                <a:cs typeface="Times New Roman" panose="02020603050405020304" pitchFamily="18" charset="0"/>
-              </a:rPr>
-              <a:t>ediação</a:t>
+              <a:t>, </a:t>
+            </a:r>
+            <a:r>
+              <a:rPr lang="pt-BR" sz="2000" b="1">
+                <a:solidFill>
+                  <a:schemeClr val="tx1"/>
+                </a:solidFill>
+                <a:latin typeface="Times New Roman" panose="02020603050405020304" pitchFamily="18" charset="0"/>
+                <a:cs typeface="Times New Roman" panose="02020603050405020304" pitchFamily="18" charset="0"/>
+              </a:rPr>
+              <a:t>10ª edição</a:t>
             </a:r>
             <a:r>
               <a:rPr lang="pt-BR" sz="2000" b="1" dirty="0">

--- a/01 Classes/Aula 03 - Programação Microcontroladores - Arduino Tinkercad.pptx
+++ b/01 Classes/Aula 03 - Programação Microcontroladores - Arduino Tinkercad.pptx
@@ -5,7 +5,7 @@
     <p:sldMasterId id="2147483648" r:id="rId1"/>
   </p:sldMasterIdLst>
   <p:notesMasterIdLst>
-    <p:notesMasterId r:id="rId23"/>
+    <p:notesMasterId r:id="rId15"/>
   </p:notesMasterIdLst>
   <p:sldIdLst>
     <p:sldId id="256" r:id="rId2"/>
@@ -16,19 +16,11 @@
     <p:sldId id="372" r:id="rId7"/>
     <p:sldId id="373" r:id="rId8"/>
     <p:sldId id="380" r:id="rId9"/>
-    <p:sldId id="369" r:id="rId10"/>
-    <p:sldId id="364" r:id="rId11"/>
-    <p:sldId id="374" r:id="rId12"/>
-    <p:sldId id="381" r:id="rId13"/>
-    <p:sldId id="378" r:id="rId14"/>
-    <p:sldId id="376" r:id="rId15"/>
-    <p:sldId id="379" r:id="rId16"/>
-    <p:sldId id="375" r:id="rId17"/>
-    <p:sldId id="333" r:id="rId18"/>
-    <p:sldId id="323" r:id="rId19"/>
-    <p:sldId id="334" r:id="rId20"/>
-    <p:sldId id="337" r:id="rId21"/>
-    <p:sldId id="309" r:id="rId22"/>
+    <p:sldId id="333" r:id="rId10"/>
+    <p:sldId id="323" r:id="rId11"/>
+    <p:sldId id="334" r:id="rId12"/>
+    <p:sldId id="337" r:id="rId13"/>
+    <p:sldId id="309" r:id="rId14"/>
   </p:sldIdLst>
   <p:sldSz cx="9144000" cy="5143500" type="screen16x9"/>
   <p:notesSz cx="6858000" cy="9144000"/>
@@ -631,7 +623,7 @@
     </p:spTree>
     <p:extLst>
       <p:ext uri="{BB962C8B-B14F-4D97-AF65-F5344CB8AC3E}">
-        <p14:creationId xmlns:p14="http://schemas.microsoft.com/office/powerpoint/2010/main" val="3870718945"/>
+        <p14:creationId xmlns:p14="http://schemas.microsoft.com/office/powerpoint/2010/main" val="2296249050"/>
       </p:ext>
     </p:extLst>
   </p:cSld>
@@ -642,534 +634,6 @@
 </file>
 
 <file path=ppt/notesSlides/notesSlide11.xml><?xml version="1.0" encoding="utf-8"?>
-<p:notes xmlns:a="http://schemas.openxmlformats.org/drawingml/2006/main" xmlns:r="http://schemas.openxmlformats.org/officeDocument/2006/relationships" xmlns:p="http://schemas.openxmlformats.org/presentationml/2006/main">
-  <p:cSld>
-    <p:spTree>
-      <p:nvGrpSpPr>
-        <p:cNvPr id="1" name=""/>
-        <p:cNvGrpSpPr/>
-        <p:nvPr/>
-      </p:nvGrpSpPr>
-      <p:grpSpPr>
-        <a:xfrm>
-          <a:off x="0" y="0"/>
-          <a:ext cx="0" cy="0"/>
-          <a:chOff x="0" y="0"/>
-          <a:chExt cx="0" cy="0"/>
-        </a:xfrm>
-      </p:grpSpPr>
-      <p:sp>
-        <p:nvSpPr>
-          <p:cNvPr id="2" name="Espaço Reservado para Imagem de Slide 1"/>
-          <p:cNvSpPr>
-            <a:spLocks noGrp="1" noRot="1" noChangeAspect="1"/>
-          </p:cNvSpPr>
-          <p:nvPr>
-            <p:ph type="sldImg"/>
-          </p:nvPr>
-        </p:nvSpPr>
-        <p:spPr>
-          <a:xfrm>
-            <a:off x="381000" y="685800"/>
-            <a:ext cx="6096000" cy="3429000"/>
-          </a:xfrm>
-        </p:spPr>
-      </p:sp>
-      <p:sp>
-        <p:nvSpPr>
-          <p:cNvPr id="3" name="Espaço Reservado para Anotações 2"/>
-          <p:cNvSpPr>
-            <a:spLocks noGrp="1"/>
-          </p:cNvSpPr>
-          <p:nvPr>
-            <p:ph type="body" idx="1"/>
-          </p:nvPr>
-        </p:nvSpPr>
-        <p:spPr/>
-        <p:txBody>
-          <a:bodyPr/>
-          <a:lstStyle/>
-          <a:p>
-            <a:endParaRPr lang="pt-BR" dirty="0"/>
-          </a:p>
-        </p:txBody>
-      </p:sp>
-    </p:spTree>
-    <p:extLst>
-      <p:ext uri="{BB962C8B-B14F-4D97-AF65-F5344CB8AC3E}">
-        <p14:creationId xmlns:p14="http://schemas.microsoft.com/office/powerpoint/2010/main" val="3365628818"/>
-      </p:ext>
-    </p:extLst>
-  </p:cSld>
-  <p:clrMapOvr>
-    <a:masterClrMapping/>
-  </p:clrMapOvr>
-</p:notes>
-</file>
-
-<file path=ppt/notesSlides/notesSlide12.xml><?xml version="1.0" encoding="utf-8"?>
-<p:notes xmlns:a="http://schemas.openxmlformats.org/drawingml/2006/main" xmlns:r="http://schemas.openxmlformats.org/officeDocument/2006/relationships" xmlns:p="http://schemas.openxmlformats.org/presentationml/2006/main">
-  <p:cSld>
-    <p:spTree>
-      <p:nvGrpSpPr>
-        <p:cNvPr id="1" name=""/>
-        <p:cNvGrpSpPr/>
-        <p:nvPr/>
-      </p:nvGrpSpPr>
-      <p:grpSpPr>
-        <a:xfrm>
-          <a:off x="0" y="0"/>
-          <a:ext cx="0" cy="0"/>
-          <a:chOff x="0" y="0"/>
-          <a:chExt cx="0" cy="0"/>
-        </a:xfrm>
-      </p:grpSpPr>
-      <p:sp>
-        <p:nvSpPr>
-          <p:cNvPr id="2" name="Espaço Reservado para Imagem de Slide 1"/>
-          <p:cNvSpPr>
-            <a:spLocks noGrp="1" noRot="1" noChangeAspect="1"/>
-          </p:cNvSpPr>
-          <p:nvPr>
-            <p:ph type="sldImg"/>
-          </p:nvPr>
-        </p:nvSpPr>
-        <p:spPr>
-          <a:xfrm>
-            <a:off x="381000" y="685800"/>
-            <a:ext cx="6096000" cy="3429000"/>
-          </a:xfrm>
-        </p:spPr>
-      </p:sp>
-      <p:sp>
-        <p:nvSpPr>
-          <p:cNvPr id="3" name="Espaço Reservado para Anotações 2"/>
-          <p:cNvSpPr>
-            <a:spLocks noGrp="1"/>
-          </p:cNvSpPr>
-          <p:nvPr>
-            <p:ph type="body" idx="1"/>
-          </p:nvPr>
-        </p:nvSpPr>
-        <p:spPr/>
-        <p:txBody>
-          <a:bodyPr/>
-          <a:lstStyle/>
-          <a:p>
-            <a:endParaRPr lang="pt-BR" dirty="0"/>
-          </a:p>
-        </p:txBody>
-      </p:sp>
-    </p:spTree>
-    <p:extLst>
-      <p:ext uri="{BB962C8B-B14F-4D97-AF65-F5344CB8AC3E}">
-        <p14:creationId xmlns:p14="http://schemas.microsoft.com/office/powerpoint/2010/main" val="1681762061"/>
-      </p:ext>
-    </p:extLst>
-  </p:cSld>
-  <p:clrMapOvr>
-    <a:masterClrMapping/>
-  </p:clrMapOvr>
-</p:notes>
-</file>
-
-<file path=ppt/notesSlides/notesSlide13.xml><?xml version="1.0" encoding="utf-8"?>
-<p:notes xmlns:a="http://schemas.openxmlformats.org/drawingml/2006/main" xmlns:r="http://schemas.openxmlformats.org/officeDocument/2006/relationships" xmlns:p="http://schemas.openxmlformats.org/presentationml/2006/main">
-  <p:cSld>
-    <p:spTree>
-      <p:nvGrpSpPr>
-        <p:cNvPr id="1" name=""/>
-        <p:cNvGrpSpPr/>
-        <p:nvPr/>
-      </p:nvGrpSpPr>
-      <p:grpSpPr>
-        <a:xfrm>
-          <a:off x="0" y="0"/>
-          <a:ext cx="0" cy="0"/>
-          <a:chOff x="0" y="0"/>
-          <a:chExt cx="0" cy="0"/>
-        </a:xfrm>
-      </p:grpSpPr>
-      <p:sp>
-        <p:nvSpPr>
-          <p:cNvPr id="2" name="Espaço Reservado para Imagem de Slide 1"/>
-          <p:cNvSpPr>
-            <a:spLocks noGrp="1" noRot="1" noChangeAspect="1"/>
-          </p:cNvSpPr>
-          <p:nvPr>
-            <p:ph type="sldImg"/>
-          </p:nvPr>
-        </p:nvSpPr>
-        <p:spPr>
-          <a:xfrm>
-            <a:off x="381000" y="685800"/>
-            <a:ext cx="6096000" cy="3429000"/>
-          </a:xfrm>
-        </p:spPr>
-      </p:sp>
-      <p:sp>
-        <p:nvSpPr>
-          <p:cNvPr id="3" name="Espaço Reservado para Anotações 2"/>
-          <p:cNvSpPr>
-            <a:spLocks noGrp="1"/>
-          </p:cNvSpPr>
-          <p:nvPr>
-            <p:ph type="body" idx="1"/>
-          </p:nvPr>
-        </p:nvSpPr>
-        <p:spPr/>
-        <p:txBody>
-          <a:bodyPr/>
-          <a:lstStyle/>
-          <a:p>
-            <a:endParaRPr lang="pt-BR" dirty="0"/>
-          </a:p>
-        </p:txBody>
-      </p:sp>
-    </p:spTree>
-    <p:extLst>
-      <p:ext uri="{BB962C8B-B14F-4D97-AF65-F5344CB8AC3E}">
-        <p14:creationId xmlns:p14="http://schemas.microsoft.com/office/powerpoint/2010/main" val="1868126557"/>
-      </p:ext>
-    </p:extLst>
-  </p:cSld>
-  <p:clrMapOvr>
-    <a:masterClrMapping/>
-  </p:clrMapOvr>
-</p:notes>
-</file>
-
-<file path=ppt/notesSlides/notesSlide14.xml><?xml version="1.0" encoding="utf-8"?>
-<p:notes xmlns:a="http://schemas.openxmlformats.org/drawingml/2006/main" xmlns:r="http://schemas.openxmlformats.org/officeDocument/2006/relationships" xmlns:p="http://schemas.openxmlformats.org/presentationml/2006/main">
-  <p:cSld>
-    <p:spTree>
-      <p:nvGrpSpPr>
-        <p:cNvPr id="1" name=""/>
-        <p:cNvGrpSpPr/>
-        <p:nvPr/>
-      </p:nvGrpSpPr>
-      <p:grpSpPr>
-        <a:xfrm>
-          <a:off x="0" y="0"/>
-          <a:ext cx="0" cy="0"/>
-          <a:chOff x="0" y="0"/>
-          <a:chExt cx="0" cy="0"/>
-        </a:xfrm>
-      </p:grpSpPr>
-      <p:sp>
-        <p:nvSpPr>
-          <p:cNvPr id="2" name="Espaço Reservado para Imagem de Slide 1"/>
-          <p:cNvSpPr>
-            <a:spLocks noGrp="1" noRot="1" noChangeAspect="1"/>
-          </p:cNvSpPr>
-          <p:nvPr>
-            <p:ph type="sldImg"/>
-          </p:nvPr>
-        </p:nvSpPr>
-        <p:spPr>
-          <a:xfrm>
-            <a:off x="381000" y="685800"/>
-            <a:ext cx="6096000" cy="3429000"/>
-          </a:xfrm>
-        </p:spPr>
-      </p:sp>
-      <p:sp>
-        <p:nvSpPr>
-          <p:cNvPr id="3" name="Espaço Reservado para Anotações 2"/>
-          <p:cNvSpPr>
-            <a:spLocks noGrp="1"/>
-          </p:cNvSpPr>
-          <p:nvPr>
-            <p:ph type="body" idx="1"/>
-          </p:nvPr>
-        </p:nvSpPr>
-        <p:spPr/>
-        <p:txBody>
-          <a:bodyPr/>
-          <a:lstStyle/>
-          <a:p>
-            <a:endParaRPr lang="pt-BR" dirty="0"/>
-          </a:p>
-        </p:txBody>
-      </p:sp>
-    </p:spTree>
-    <p:extLst>
-      <p:ext uri="{BB962C8B-B14F-4D97-AF65-F5344CB8AC3E}">
-        <p14:creationId xmlns:p14="http://schemas.microsoft.com/office/powerpoint/2010/main" val="2314358159"/>
-      </p:ext>
-    </p:extLst>
-  </p:cSld>
-  <p:clrMapOvr>
-    <a:masterClrMapping/>
-  </p:clrMapOvr>
-</p:notes>
-</file>
-
-<file path=ppt/notesSlides/notesSlide15.xml><?xml version="1.0" encoding="utf-8"?>
-<p:notes xmlns:a="http://schemas.openxmlformats.org/drawingml/2006/main" xmlns:r="http://schemas.openxmlformats.org/officeDocument/2006/relationships" xmlns:p="http://schemas.openxmlformats.org/presentationml/2006/main">
-  <p:cSld>
-    <p:spTree>
-      <p:nvGrpSpPr>
-        <p:cNvPr id="1" name=""/>
-        <p:cNvGrpSpPr/>
-        <p:nvPr/>
-      </p:nvGrpSpPr>
-      <p:grpSpPr>
-        <a:xfrm>
-          <a:off x="0" y="0"/>
-          <a:ext cx="0" cy="0"/>
-          <a:chOff x="0" y="0"/>
-          <a:chExt cx="0" cy="0"/>
-        </a:xfrm>
-      </p:grpSpPr>
-      <p:sp>
-        <p:nvSpPr>
-          <p:cNvPr id="2" name="Espaço Reservado para Imagem de Slide 1"/>
-          <p:cNvSpPr>
-            <a:spLocks noGrp="1" noRot="1" noChangeAspect="1"/>
-          </p:cNvSpPr>
-          <p:nvPr>
-            <p:ph type="sldImg"/>
-          </p:nvPr>
-        </p:nvSpPr>
-        <p:spPr>
-          <a:xfrm>
-            <a:off x="381000" y="685800"/>
-            <a:ext cx="6096000" cy="3429000"/>
-          </a:xfrm>
-        </p:spPr>
-      </p:sp>
-      <p:sp>
-        <p:nvSpPr>
-          <p:cNvPr id="3" name="Espaço Reservado para Anotações 2"/>
-          <p:cNvSpPr>
-            <a:spLocks noGrp="1"/>
-          </p:cNvSpPr>
-          <p:nvPr>
-            <p:ph type="body" idx="1"/>
-          </p:nvPr>
-        </p:nvSpPr>
-        <p:spPr/>
-        <p:txBody>
-          <a:bodyPr/>
-          <a:lstStyle/>
-          <a:p>
-            <a:endParaRPr lang="pt-BR" dirty="0"/>
-          </a:p>
-        </p:txBody>
-      </p:sp>
-    </p:spTree>
-    <p:extLst>
-      <p:ext uri="{BB962C8B-B14F-4D97-AF65-F5344CB8AC3E}">
-        <p14:creationId xmlns:p14="http://schemas.microsoft.com/office/powerpoint/2010/main" val="3894051092"/>
-      </p:ext>
-    </p:extLst>
-  </p:cSld>
-  <p:clrMapOvr>
-    <a:masterClrMapping/>
-  </p:clrMapOvr>
-</p:notes>
-</file>
-
-<file path=ppt/notesSlides/notesSlide16.xml><?xml version="1.0" encoding="utf-8"?>
-<p:notes xmlns:a="http://schemas.openxmlformats.org/drawingml/2006/main" xmlns:r="http://schemas.openxmlformats.org/officeDocument/2006/relationships" xmlns:p="http://schemas.openxmlformats.org/presentationml/2006/main">
-  <p:cSld>
-    <p:spTree>
-      <p:nvGrpSpPr>
-        <p:cNvPr id="1" name=""/>
-        <p:cNvGrpSpPr/>
-        <p:nvPr/>
-      </p:nvGrpSpPr>
-      <p:grpSpPr>
-        <a:xfrm>
-          <a:off x="0" y="0"/>
-          <a:ext cx="0" cy="0"/>
-          <a:chOff x="0" y="0"/>
-          <a:chExt cx="0" cy="0"/>
-        </a:xfrm>
-      </p:grpSpPr>
-      <p:sp>
-        <p:nvSpPr>
-          <p:cNvPr id="2" name="Espaço Reservado para Imagem de Slide 1"/>
-          <p:cNvSpPr>
-            <a:spLocks noGrp="1" noRot="1" noChangeAspect="1"/>
-          </p:cNvSpPr>
-          <p:nvPr>
-            <p:ph type="sldImg"/>
-          </p:nvPr>
-        </p:nvSpPr>
-        <p:spPr>
-          <a:xfrm>
-            <a:off x="381000" y="685800"/>
-            <a:ext cx="6096000" cy="3429000"/>
-          </a:xfrm>
-        </p:spPr>
-      </p:sp>
-      <p:sp>
-        <p:nvSpPr>
-          <p:cNvPr id="3" name="Espaço Reservado para Anotações 2"/>
-          <p:cNvSpPr>
-            <a:spLocks noGrp="1"/>
-          </p:cNvSpPr>
-          <p:nvPr>
-            <p:ph type="body" idx="1"/>
-          </p:nvPr>
-        </p:nvSpPr>
-        <p:spPr/>
-        <p:txBody>
-          <a:bodyPr/>
-          <a:lstStyle/>
-          <a:p>
-            <a:endParaRPr lang="pt-BR" dirty="0"/>
-          </a:p>
-        </p:txBody>
-      </p:sp>
-    </p:spTree>
-    <p:extLst>
-      <p:ext uri="{BB962C8B-B14F-4D97-AF65-F5344CB8AC3E}">
-        <p14:creationId xmlns:p14="http://schemas.microsoft.com/office/powerpoint/2010/main" val="585304384"/>
-      </p:ext>
-    </p:extLst>
-  </p:cSld>
-  <p:clrMapOvr>
-    <a:masterClrMapping/>
-  </p:clrMapOvr>
-</p:notes>
-</file>
-
-<file path=ppt/notesSlides/notesSlide17.xml><?xml version="1.0" encoding="utf-8"?>
-<p:notes xmlns:a="http://schemas.openxmlformats.org/drawingml/2006/main" xmlns:r="http://schemas.openxmlformats.org/officeDocument/2006/relationships" xmlns:p="http://schemas.openxmlformats.org/presentationml/2006/main">
-  <p:cSld>
-    <p:spTree>
-      <p:nvGrpSpPr>
-        <p:cNvPr id="1" name=""/>
-        <p:cNvGrpSpPr/>
-        <p:nvPr/>
-      </p:nvGrpSpPr>
-      <p:grpSpPr>
-        <a:xfrm>
-          <a:off x="0" y="0"/>
-          <a:ext cx="0" cy="0"/>
-          <a:chOff x="0" y="0"/>
-          <a:chExt cx="0" cy="0"/>
-        </a:xfrm>
-      </p:grpSpPr>
-      <p:sp>
-        <p:nvSpPr>
-          <p:cNvPr id="2" name="Espaço Reservado para Imagem de Slide 1"/>
-          <p:cNvSpPr>
-            <a:spLocks noGrp="1" noRot="1" noChangeAspect="1"/>
-          </p:cNvSpPr>
-          <p:nvPr>
-            <p:ph type="sldImg"/>
-          </p:nvPr>
-        </p:nvSpPr>
-        <p:spPr>
-          <a:xfrm>
-            <a:off x="381000" y="685800"/>
-            <a:ext cx="6096000" cy="3429000"/>
-          </a:xfrm>
-        </p:spPr>
-      </p:sp>
-      <p:sp>
-        <p:nvSpPr>
-          <p:cNvPr id="3" name="Espaço Reservado para Anotações 2"/>
-          <p:cNvSpPr>
-            <a:spLocks noGrp="1"/>
-          </p:cNvSpPr>
-          <p:nvPr>
-            <p:ph type="body" idx="1"/>
-          </p:nvPr>
-        </p:nvSpPr>
-        <p:spPr/>
-        <p:txBody>
-          <a:bodyPr/>
-          <a:lstStyle/>
-          <a:p>
-            <a:endParaRPr lang="pt-BR" dirty="0"/>
-          </a:p>
-        </p:txBody>
-      </p:sp>
-    </p:spTree>
-    <p:extLst>
-      <p:ext uri="{BB962C8B-B14F-4D97-AF65-F5344CB8AC3E}">
-        <p14:creationId xmlns:p14="http://schemas.microsoft.com/office/powerpoint/2010/main" val="2709569597"/>
-      </p:ext>
-    </p:extLst>
-  </p:cSld>
-  <p:clrMapOvr>
-    <a:masterClrMapping/>
-  </p:clrMapOvr>
-</p:notes>
-</file>
-
-<file path=ppt/notesSlides/notesSlide18.xml><?xml version="1.0" encoding="utf-8"?>
-<p:notes xmlns:a="http://schemas.openxmlformats.org/drawingml/2006/main" xmlns:r="http://schemas.openxmlformats.org/officeDocument/2006/relationships" xmlns:p="http://schemas.openxmlformats.org/presentationml/2006/main">
-  <p:cSld>
-    <p:spTree>
-      <p:nvGrpSpPr>
-        <p:cNvPr id="1" name=""/>
-        <p:cNvGrpSpPr/>
-        <p:nvPr/>
-      </p:nvGrpSpPr>
-      <p:grpSpPr>
-        <a:xfrm>
-          <a:off x="0" y="0"/>
-          <a:ext cx="0" cy="0"/>
-          <a:chOff x="0" y="0"/>
-          <a:chExt cx="0" cy="0"/>
-        </a:xfrm>
-      </p:grpSpPr>
-      <p:sp>
-        <p:nvSpPr>
-          <p:cNvPr id="2" name="Espaço Reservado para Imagem de Slide 1"/>
-          <p:cNvSpPr>
-            <a:spLocks noGrp="1" noRot="1" noChangeAspect="1"/>
-          </p:cNvSpPr>
-          <p:nvPr>
-            <p:ph type="sldImg"/>
-          </p:nvPr>
-        </p:nvSpPr>
-        <p:spPr>
-          <a:xfrm>
-            <a:off x="381000" y="685800"/>
-            <a:ext cx="6096000" cy="3429000"/>
-          </a:xfrm>
-        </p:spPr>
-      </p:sp>
-      <p:sp>
-        <p:nvSpPr>
-          <p:cNvPr id="3" name="Espaço Reservado para Anotações 2"/>
-          <p:cNvSpPr>
-            <a:spLocks noGrp="1"/>
-          </p:cNvSpPr>
-          <p:nvPr>
-            <p:ph type="body" idx="1"/>
-          </p:nvPr>
-        </p:nvSpPr>
-        <p:spPr/>
-        <p:txBody>
-          <a:bodyPr/>
-          <a:lstStyle/>
-          <a:p>
-            <a:endParaRPr lang="pt-BR" dirty="0"/>
-          </a:p>
-        </p:txBody>
-      </p:sp>
-    </p:spTree>
-    <p:extLst>
-      <p:ext uri="{BB962C8B-B14F-4D97-AF65-F5344CB8AC3E}">
-        <p14:creationId xmlns:p14="http://schemas.microsoft.com/office/powerpoint/2010/main" val="2296249050"/>
-      </p:ext>
-    </p:extLst>
-  </p:cSld>
-  <p:clrMapOvr>
-    <a:masterClrMapping/>
-  </p:clrMapOvr>
-</p:notes>
-</file>
-
-<file path=ppt/notesSlides/notesSlide19.xml><?xml version="1.0" encoding="utf-8"?>
 <p:notes xmlns:a="http://schemas.openxmlformats.org/drawingml/2006/main" xmlns:r="http://schemas.openxmlformats.org/officeDocument/2006/relationships" xmlns:p="http://schemas.openxmlformats.org/presentationml/2006/main">
   <p:cSld>
     <p:spTree>
@@ -1687,7 +1151,7 @@
     </p:spTree>
     <p:extLst>
       <p:ext uri="{BB962C8B-B14F-4D97-AF65-F5344CB8AC3E}">
-        <p14:creationId xmlns:p14="http://schemas.microsoft.com/office/powerpoint/2010/main" val="2069260822"/>
+        <p14:creationId xmlns:p14="http://schemas.microsoft.com/office/powerpoint/2010/main" val="585304384"/>
       </p:ext>
     </p:extLst>
   </p:cSld>
@@ -1753,7 +1217,7 @@
     </p:spTree>
     <p:extLst>
       <p:ext uri="{BB962C8B-B14F-4D97-AF65-F5344CB8AC3E}">
-        <p14:creationId xmlns:p14="http://schemas.microsoft.com/office/powerpoint/2010/main" val="3389750308"/>
+        <p14:creationId xmlns:p14="http://schemas.microsoft.com/office/powerpoint/2010/main" val="2709569597"/>
       </p:ext>
     </p:extLst>
   </p:cSld>
@@ -4745,7 +4209,7 @@
                   <a:srgbClr val="0070C0"/>
                 </a:solidFill>
               </a:rPr>
-              <a:t>Tinkercad</a:t>
+              <a:t>Aprenda</a:t>
             </a:r>
             <a:r>
               <a:rPr lang="en-US" b="1" dirty="0">
@@ -4753,21 +4217,8 @@
                   <a:srgbClr val="0070C0"/>
                 </a:solidFill>
               </a:rPr>
-              <a:t> – Código </a:t>
-            </a:r>
-            <a:r>
-              <a:rPr lang="en-US" b="1" dirty="0" err="1">
-                <a:solidFill>
-                  <a:srgbClr val="0070C0"/>
-                </a:solidFill>
-              </a:rPr>
-              <a:t>Básico</a:t>
-            </a:r>
-            <a:endParaRPr lang="en-US" b="1" dirty="0">
-              <a:solidFill>
-                <a:srgbClr val="0070C0"/>
-              </a:solidFill>
-            </a:endParaRPr>
+              <a:t>+</a:t>
+            </a:r>
           </a:p>
         </p:txBody>
       </p:sp>
@@ -4783,8 +4234,8 @@
         </p:nvSpPr>
         <p:spPr>
           <a:xfrm>
-            <a:off x="142865" y="992886"/>
-            <a:ext cx="8865056" cy="3944634"/>
+            <a:off x="142865" y="1200150"/>
+            <a:ext cx="8865056" cy="3737370"/>
           </a:xfrm>
         </p:spPr>
         <p:txBody>
@@ -4797,54 +4248,11 @@
               <a:buNone/>
             </a:pPr>
             <a:r>
-              <a:rPr lang="pt-BR" sz="1800" dirty="0">
-                <a:solidFill>
-                  <a:schemeClr val="tx1"/>
-                </a:solidFill>
-                <a:latin typeface="Times New Roman" panose="02020603050405020304" pitchFamily="18" charset="0"/>
-                <a:cs typeface="Times New Roman" panose="02020603050405020304" pitchFamily="18" charset="0"/>
-              </a:rPr>
-              <a:t>Na </a:t>
-            </a:r>
-            <a:r>
-              <a:rPr lang="pt-BR" sz="1800" b="1" dirty="0">
-                <a:solidFill>
-                  <a:schemeClr val="tx1"/>
-                </a:solidFill>
-                <a:latin typeface="Times New Roman" panose="02020603050405020304" pitchFamily="18" charset="0"/>
-                <a:cs typeface="Times New Roman" panose="02020603050405020304" pitchFamily="18" charset="0"/>
-              </a:rPr>
-              <a:t>aba circuitos</a:t>
-            </a:r>
-            <a:r>
-              <a:rPr lang="pt-BR" sz="1800" dirty="0">
-                <a:solidFill>
-                  <a:schemeClr val="tx1"/>
-                </a:solidFill>
-                <a:latin typeface="Times New Roman" panose="02020603050405020304" pitchFamily="18" charset="0"/>
-                <a:cs typeface="Times New Roman" panose="02020603050405020304" pitchFamily="18" charset="0"/>
-              </a:rPr>
-              <a:t>, cria </a:t>
-            </a:r>
-            <a:r>
-              <a:rPr lang="pt-BR" sz="1800" b="1" dirty="0">
-                <a:solidFill>
-                  <a:srgbClr val="FF0000"/>
-                </a:solidFill>
-                <a:latin typeface="Times New Roman" panose="02020603050405020304" pitchFamily="18" charset="0"/>
-                <a:cs typeface="Times New Roman" panose="02020603050405020304" pitchFamily="18" charset="0"/>
-              </a:rPr>
-              <a:t>NOVO circuito</a:t>
-            </a:r>
-            <a:r>
-              <a:rPr lang="pt-BR" sz="1800" dirty="0">
-                <a:solidFill>
-                  <a:schemeClr val="tx1"/>
-                </a:solidFill>
-                <a:latin typeface="Times New Roman" panose="02020603050405020304" pitchFamily="18" charset="0"/>
-                <a:cs typeface="Times New Roman" panose="02020603050405020304" pitchFamily="18" charset="0"/>
-              </a:rPr>
-              <a:t>.</a:t>
+              <a:rPr lang="pt-BR" sz="2400" dirty="0">
+                <a:latin typeface="Times New Roman" panose="02020603050405020304" pitchFamily="18" charset="0"/>
+                <a:cs typeface="Times New Roman" panose="02020603050405020304" pitchFamily="18" charset="0"/>
+              </a:rPr>
+              <a:t>[1] Cursos Sistemas Embarcados - Microcontroladores</a:t>
             </a:r>
           </a:p>
           <a:p>
@@ -4852,159 +4260,42 @@
               <a:buNone/>
             </a:pPr>
             <a:r>
-              <a:rPr lang="pt-BR" sz="1800" dirty="0">
-                <a:solidFill>
-                  <a:schemeClr val="tx1"/>
-                </a:solidFill>
-                <a:latin typeface="Times New Roman" panose="02020603050405020304" pitchFamily="18" charset="0"/>
-                <a:cs typeface="Times New Roman" panose="02020603050405020304" pitchFamily="18" charset="0"/>
-              </a:rPr>
-              <a:t>// </a:t>
-            </a:r>
-            <a:r>
-              <a:rPr lang="pt-BR" sz="1800" b="1" dirty="0">
-                <a:solidFill>
-                  <a:srgbClr val="0070C0"/>
-                </a:solidFill>
-                <a:latin typeface="Times New Roman" panose="02020603050405020304" pitchFamily="18" charset="0"/>
-                <a:cs typeface="Times New Roman" panose="02020603050405020304" pitchFamily="18" charset="0"/>
-              </a:rPr>
-              <a:t>Seção de Configuração - </a:t>
-            </a:r>
-            <a:r>
-              <a:rPr lang="pt-BR" sz="1800" b="1" dirty="0">
+              <a:rPr lang="pt-BR" sz="2400" b="1" dirty="0">
                 <a:solidFill>
                   <a:srgbClr val="FF0000"/>
                 </a:solidFill>
                 <a:latin typeface="Times New Roman" panose="02020603050405020304" pitchFamily="18" charset="0"/>
                 <a:cs typeface="Times New Roman" panose="02020603050405020304" pitchFamily="18" charset="0"/>
               </a:rPr>
-              <a:t>Arduino Uno R3, </a:t>
-            </a:r>
-            <a:r>
-              <a:rPr lang="pt-BR" sz="1800" b="1" dirty="0">
-                <a:solidFill>
-                  <a:schemeClr val="tx1"/>
-                </a:solidFill>
-                <a:latin typeface="Times New Roman" panose="02020603050405020304" pitchFamily="18" charset="0"/>
-                <a:cs typeface="Times New Roman" panose="02020603050405020304" pitchFamily="18" charset="0"/>
-              </a:rPr>
-              <a:t>pino 13 default</a:t>
-            </a:r>
+              <a:t>Disponível em: </a:t>
+            </a:r>
+            <a:r>
+              <a:rPr lang="pt-BR" sz="2400" dirty="0">
+                <a:latin typeface="Times New Roman" panose="02020603050405020304" pitchFamily="18" charset="0"/>
+                <a:cs typeface="Times New Roman" panose="02020603050405020304" pitchFamily="18" charset="0"/>
+                <a:hlinkClick r:id="rId3"/>
+              </a:rPr>
+              <a:t>https://embarcados.com.br/cursos/</a:t>
+            </a:r>
+            <a:endParaRPr lang="pt-BR" sz="2400" dirty="0">
+              <a:latin typeface="Times New Roman" panose="02020603050405020304" pitchFamily="18" charset="0"/>
+              <a:cs typeface="Times New Roman" panose="02020603050405020304" pitchFamily="18" charset="0"/>
+            </a:endParaRPr>
           </a:p>
           <a:p>
             <a:pPr marL="0" indent="0" algn="just">
               <a:buNone/>
             </a:pPr>
-            <a:r>
-              <a:rPr lang="pt-BR" sz="1800" b="1" dirty="0" err="1">
-                <a:solidFill>
-                  <a:schemeClr val="tx1"/>
-                </a:solidFill>
-                <a:latin typeface="Times New Roman" panose="02020603050405020304" pitchFamily="18" charset="0"/>
-                <a:cs typeface="Times New Roman" panose="02020603050405020304" pitchFamily="18" charset="0"/>
-              </a:rPr>
-              <a:t>void</a:t>
-            </a:r>
-            <a:r>
-              <a:rPr lang="pt-BR" sz="1800" b="1" dirty="0">
-                <a:solidFill>
-                  <a:schemeClr val="tx1"/>
-                </a:solidFill>
-                <a:latin typeface="Times New Roman" panose="02020603050405020304" pitchFamily="18" charset="0"/>
-                <a:cs typeface="Times New Roman" panose="02020603050405020304" pitchFamily="18" charset="0"/>
-              </a:rPr>
-              <a:t> </a:t>
-            </a:r>
-            <a:r>
-              <a:rPr lang="pt-BR" sz="1800" b="1" dirty="0">
-                <a:solidFill>
-                  <a:srgbClr val="FF0000"/>
-                </a:solidFill>
-                <a:latin typeface="Times New Roman" panose="02020603050405020304" pitchFamily="18" charset="0"/>
-                <a:cs typeface="Times New Roman" panose="02020603050405020304" pitchFamily="18" charset="0"/>
-              </a:rPr>
-              <a:t>setup</a:t>
-            </a:r>
-            <a:r>
-              <a:rPr lang="pt-BR" sz="1800" dirty="0">
-                <a:solidFill>
-                  <a:schemeClr val="tx1"/>
-                </a:solidFill>
-                <a:latin typeface="Times New Roman" panose="02020603050405020304" pitchFamily="18" charset="0"/>
-                <a:cs typeface="Times New Roman" panose="02020603050405020304" pitchFamily="18" charset="0"/>
-              </a:rPr>
-              <a:t> () { </a:t>
-            </a:r>
+            <a:endParaRPr lang="pt-BR" sz="2400" dirty="0">
+              <a:latin typeface="Times New Roman" panose="02020603050405020304" pitchFamily="18" charset="0"/>
+              <a:cs typeface="Times New Roman" panose="02020603050405020304" pitchFamily="18" charset="0"/>
+            </a:endParaRPr>
           </a:p>
           <a:p>
             <a:pPr marL="0" indent="0" algn="just">
               <a:buNone/>
             </a:pPr>
-            <a:r>
-              <a:rPr lang="pt-BR" sz="1800" b="1" dirty="0">
-                <a:solidFill>
-                  <a:schemeClr val="tx1"/>
-                </a:solidFill>
-                <a:latin typeface="Times New Roman" panose="02020603050405020304" pitchFamily="18" charset="0"/>
-                <a:cs typeface="Times New Roman" panose="02020603050405020304" pitchFamily="18" charset="0"/>
-              </a:rPr>
-              <a:t>	</a:t>
-            </a:r>
-            <a:r>
-              <a:rPr lang="pt-BR" sz="1800" b="1" dirty="0" err="1">
-                <a:solidFill>
-                  <a:schemeClr val="tx1"/>
-                </a:solidFill>
-                <a:latin typeface="Times New Roman" panose="02020603050405020304" pitchFamily="18" charset="0"/>
-                <a:cs typeface="Times New Roman" panose="02020603050405020304" pitchFamily="18" charset="0"/>
-              </a:rPr>
-              <a:t>pinMode</a:t>
-            </a:r>
-            <a:r>
-              <a:rPr lang="pt-BR" sz="1800" dirty="0">
-                <a:solidFill>
-                  <a:schemeClr val="tx1"/>
-                </a:solidFill>
-                <a:latin typeface="Times New Roman" panose="02020603050405020304" pitchFamily="18" charset="0"/>
-                <a:cs typeface="Times New Roman" panose="02020603050405020304" pitchFamily="18" charset="0"/>
-              </a:rPr>
-              <a:t>(LED_BUILTIN, </a:t>
-            </a:r>
-            <a:r>
-              <a:rPr lang="pt-BR" sz="1800" b="1" dirty="0">
-                <a:solidFill>
-                  <a:schemeClr val="tx1"/>
-                </a:solidFill>
-                <a:latin typeface="Times New Roman" panose="02020603050405020304" pitchFamily="18" charset="0"/>
-                <a:cs typeface="Times New Roman" panose="02020603050405020304" pitchFamily="18" charset="0"/>
-              </a:rPr>
-              <a:t>OUTPUT</a:t>
-            </a:r>
-            <a:r>
-              <a:rPr lang="pt-BR" sz="1800" dirty="0">
-                <a:solidFill>
-                  <a:schemeClr val="tx1"/>
-                </a:solidFill>
-                <a:latin typeface="Times New Roman" panose="02020603050405020304" pitchFamily="18" charset="0"/>
-                <a:cs typeface="Times New Roman" panose="02020603050405020304" pitchFamily="18" charset="0"/>
-              </a:rPr>
-              <a:t>); } // </a:t>
-            </a:r>
-            <a:r>
-              <a:rPr lang="pt-BR" sz="1800" b="1" dirty="0">
-                <a:solidFill>
-                  <a:schemeClr val="tx1"/>
-                </a:solidFill>
-                <a:latin typeface="Times New Roman" panose="02020603050405020304" pitchFamily="18" charset="0"/>
-                <a:cs typeface="Times New Roman" panose="02020603050405020304" pitchFamily="18" charset="0"/>
-              </a:rPr>
-              <a:t>Saída Digital, pino 13</a:t>
-            </a:r>
-            <a:endParaRPr lang="pt-BR" sz="1800" dirty="0">
-              <a:solidFill>
-                <a:schemeClr val="tx1"/>
-              </a:solidFill>
+            <a:endParaRPr lang="pt-BR" sz="2400" dirty="0">
               <a:latin typeface="Times New Roman" panose="02020603050405020304" pitchFamily="18" charset="0"/>
               <a:cs typeface="Times New Roman" panose="02020603050405020304" pitchFamily="18" charset="0"/>
             </a:endParaRPr>
@@ -5013,270 +4304,47 @@
             <a:pPr marL="0" indent="0" algn="just">
               <a:buNone/>
             </a:pPr>
-            <a:endParaRPr lang="pt-BR" sz="1800" dirty="0">
-              <a:solidFill>
-                <a:schemeClr val="tx1"/>
-              </a:solidFill>
+            <a:r>
+              <a:rPr lang="pt-BR" sz="2400" dirty="0">
+                <a:latin typeface="Times New Roman" panose="02020603050405020304" pitchFamily="18" charset="0"/>
+                <a:cs typeface="Times New Roman" panose="02020603050405020304" pitchFamily="18" charset="0"/>
+              </a:rPr>
+              <a:t>[2] Arquitetura de Software para Sistemas Embarcados</a:t>
+            </a:r>
+          </a:p>
+          <a:p>
+            <a:pPr marL="0" indent="0" algn="just">
+              <a:buNone/>
+            </a:pPr>
+            <a:r>
+              <a:rPr lang="pt-BR" sz="2400" b="1" dirty="0">
+                <a:solidFill>
+                  <a:srgbClr val="FF0000"/>
+                </a:solidFill>
+                <a:latin typeface="Times New Roman" panose="02020603050405020304" pitchFamily="18" charset="0"/>
+                <a:cs typeface="Times New Roman" panose="02020603050405020304" pitchFamily="18" charset="0"/>
+              </a:rPr>
+              <a:t>Disponível em: </a:t>
+            </a:r>
+            <a:r>
+              <a:rPr lang="pt-BR" sz="2400" dirty="0">
+                <a:latin typeface="Times New Roman" panose="02020603050405020304" pitchFamily="18" charset="0"/>
+                <a:cs typeface="Times New Roman" panose="02020603050405020304" pitchFamily="18" charset="0"/>
+                <a:hlinkClick r:id="rId4"/>
+              </a:rPr>
+              <a:t>https://www.youtube.com/watch?v=UIAOR32H1vk</a:t>
+            </a:r>
+            <a:endParaRPr lang="pt-BR" sz="2400" dirty="0">
               <a:latin typeface="Times New Roman" panose="02020603050405020304" pitchFamily="18" charset="0"/>
               <a:cs typeface="Times New Roman" panose="02020603050405020304" pitchFamily="18" charset="0"/>
             </a:endParaRPr>
-          </a:p>
-          <a:p>
-            <a:pPr marL="0" indent="0" algn="just">
-              <a:buNone/>
-            </a:pPr>
-            <a:r>
-              <a:rPr lang="pt-BR" sz="1800" dirty="0">
-                <a:solidFill>
-                  <a:schemeClr val="tx1"/>
-                </a:solidFill>
-                <a:latin typeface="Times New Roman" panose="02020603050405020304" pitchFamily="18" charset="0"/>
-                <a:cs typeface="Times New Roman" panose="02020603050405020304" pitchFamily="18" charset="0"/>
-              </a:rPr>
-              <a:t>// </a:t>
-            </a:r>
-            <a:r>
-              <a:rPr lang="pt-BR" sz="1800" b="1" dirty="0">
-                <a:solidFill>
-                  <a:srgbClr val="0070C0"/>
-                </a:solidFill>
-                <a:latin typeface="Times New Roman" panose="02020603050405020304" pitchFamily="18" charset="0"/>
-                <a:cs typeface="Times New Roman" panose="02020603050405020304" pitchFamily="18" charset="0"/>
-              </a:rPr>
-              <a:t>Seção da Aplicação</a:t>
-            </a:r>
-          </a:p>
-          <a:p>
-            <a:pPr marL="0" indent="0" algn="just">
-              <a:buNone/>
-            </a:pPr>
-            <a:r>
-              <a:rPr lang="pt-BR" sz="1800" b="1" dirty="0" err="1">
-                <a:solidFill>
-                  <a:schemeClr val="tx1"/>
-                </a:solidFill>
-                <a:latin typeface="Times New Roman" panose="02020603050405020304" pitchFamily="18" charset="0"/>
-                <a:cs typeface="Times New Roman" panose="02020603050405020304" pitchFamily="18" charset="0"/>
-              </a:rPr>
-              <a:t>void</a:t>
-            </a:r>
-            <a:r>
-              <a:rPr lang="pt-BR" sz="1800" b="1" dirty="0">
-                <a:solidFill>
-                  <a:schemeClr val="tx1"/>
-                </a:solidFill>
-                <a:latin typeface="Times New Roman" panose="02020603050405020304" pitchFamily="18" charset="0"/>
-                <a:cs typeface="Times New Roman" panose="02020603050405020304" pitchFamily="18" charset="0"/>
-              </a:rPr>
-              <a:t> </a:t>
-            </a:r>
-            <a:r>
-              <a:rPr lang="pt-BR" sz="1800" b="1" dirty="0">
-                <a:solidFill>
-                  <a:srgbClr val="FF0000"/>
-                </a:solidFill>
-                <a:latin typeface="Times New Roman" panose="02020603050405020304" pitchFamily="18" charset="0"/>
-                <a:cs typeface="Times New Roman" panose="02020603050405020304" pitchFamily="18" charset="0"/>
-              </a:rPr>
-              <a:t>loop</a:t>
-            </a:r>
-            <a:r>
-              <a:rPr lang="pt-BR" sz="1800" b="1" dirty="0">
-                <a:solidFill>
-                  <a:schemeClr val="tx1"/>
-                </a:solidFill>
-                <a:latin typeface="Times New Roman" panose="02020603050405020304" pitchFamily="18" charset="0"/>
-                <a:cs typeface="Times New Roman" panose="02020603050405020304" pitchFamily="18" charset="0"/>
-              </a:rPr>
-              <a:t> </a:t>
-            </a:r>
-            <a:r>
-              <a:rPr lang="pt-BR" sz="1800" dirty="0">
-                <a:solidFill>
-                  <a:schemeClr val="tx1"/>
-                </a:solidFill>
-                <a:latin typeface="Times New Roman" panose="02020603050405020304" pitchFamily="18" charset="0"/>
-                <a:cs typeface="Times New Roman" panose="02020603050405020304" pitchFamily="18" charset="0"/>
-              </a:rPr>
-              <a:t>() { // </a:t>
-            </a:r>
-            <a:r>
-              <a:rPr lang="pt-BR" sz="1800" b="1" dirty="0">
-                <a:solidFill>
-                  <a:schemeClr val="tx1"/>
-                </a:solidFill>
-                <a:latin typeface="Times New Roman" panose="02020603050405020304" pitchFamily="18" charset="0"/>
-                <a:cs typeface="Times New Roman" panose="02020603050405020304" pitchFamily="18" charset="0"/>
-              </a:rPr>
-              <a:t>Acende e desliga o led ligado ao pino 13, num intervalo de 1s</a:t>
-            </a:r>
-          </a:p>
-          <a:p>
-            <a:pPr marL="0" indent="0" algn="just">
-              <a:buNone/>
-            </a:pPr>
-            <a:r>
-              <a:rPr lang="pt-BR" sz="1800" b="1" dirty="0">
-                <a:solidFill>
-                  <a:schemeClr val="tx1"/>
-                </a:solidFill>
-                <a:latin typeface="Times New Roman" panose="02020603050405020304" pitchFamily="18" charset="0"/>
-                <a:cs typeface="Times New Roman" panose="02020603050405020304" pitchFamily="18" charset="0"/>
-              </a:rPr>
-              <a:t>	</a:t>
-            </a:r>
-            <a:r>
-              <a:rPr lang="pt-BR" sz="1800" b="1" dirty="0" err="1">
-                <a:solidFill>
-                  <a:schemeClr val="tx1"/>
-                </a:solidFill>
-                <a:latin typeface="Times New Roman" panose="02020603050405020304" pitchFamily="18" charset="0"/>
-                <a:cs typeface="Times New Roman" panose="02020603050405020304" pitchFamily="18" charset="0"/>
-              </a:rPr>
-              <a:t>digitalWrite</a:t>
-            </a:r>
-            <a:r>
-              <a:rPr lang="pt-BR" sz="1800" dirty="0">
-                <a:solidFill>
-                  <a:schemeClr val="tx1"/>
-                </a:solidFill>
-                <a:latin typeface="Times New Roman" panose="02020603050405020304" pitchFamily="18" charset="0"/>
-                <a:cs typeface="Times New Roman" panose="02020603050405020304" pitchFamily="18" charset="0"/>
-              </a:rPr>
-              <a:t>(LED_BUILTIN, </a:t>
-            </a:r>
-            <a:r>
-              <a:rPr lang="pt-BR" sz="1800" b="1" dirty="0">
-                <a:solidFill>
-                  <a:schemeClr val="tx1"/>
-                </a:solidFill>
-                <a:latin typeface="Times New Roman" panose="02020603050405020304" pitchFamily="18" charset="0"/>
-                <a:cs typeface="Times New Roman" panose="02020603050405020304" pitchFamily="18" charset="0"/>
-              </a:rPr>
-              <a:t>HIGH</a:t>
-            </a:r>
-            <a:r>
-              <a:rPr lang="pt-BR" sz="1800" dirty="0">
-                <a:solidFill>
-                  <a:schemeClr val="tx1"/>
-                </a:solidFill>
-                <a:latin typeface="Times New Roman" panose="02020603050405020304" pitchFamily="18" charset="0"/>
-                <a:cs typeface="Times New Roman" panose="02020603050405020304" pitchFamily="18" charset="0"/>
-              </a:rPr>
-              <a:t>); </a:t>
-            </a:r>
-          </a:p>
-          <a:p>
-            <a:pPr marL="0" indent="0" algn="just">
-              <a:buNone/>
-            </a:pPr>
-            <a:r>
-              <a:rPr lang="pt-BR" sz="1800" b="1" dirty="0">
-                <a:solidFill>
-                  <a:schemeClr val="tx1"/>
-                </a:solidFill>
-                <a:latin typeface="Times New Roman" panose="02020603050405020304" pitchFamily="18" charset="0"/>
-                <a:cs typeface="Times New Roman" panose="02020603050405020304" pitchFamily="18" charset="0"/>
-              </a:rPr>
-              <a:t>	delay</a:t>
-            </a:r>
-            <a:r>
-              <a:rPr lang="pt-BR" sz="1800" dirty="0">
-                <a:solidFill>
-                  <a:schemeClr val="tx1"/>
-                </a:solidFill>
-                <a:latin typeface="Times New Roman" panose="02020603050405020304" pitchFamily="18" charset="0"/>
-                <a:cs typeface="Times New Roman" panose="02020603050405020304" pitchFamily="18" charset="0"/>
-              </a:rPr>
-              <a:t>(1000); </a:t>
-            </a:r>
-          </a:p>
-          <a:p>
-            <a:pPr marL="0" indent="0" algn="just">
-              <a:buNone/>
-            </a:pPr>
-            <a:r>
-              <a:rPr lang="pt-BR" sz="1800" b="1" dirty="0">
-                <a:solidFill>
-                  <a:schemeClr val="tx1"/>
-                </a:solidFill>
-                <a:latin typeface="Times New Roman" panose="02020603050405020304" pitchFamily="18" charset="0"/>
-                <a:cs typeface="Times New Roman" panose="02020603050405020304" pitchFamily="18" charset="0"/>
-              </a:rPr>
-              <a:t>	</a:t>
-            </a:r>
-            <a:r>
-              <a:rPr lang="pt-BR" sz="1800" b="1" dirty="0" err="1">
-                <a:solidFill>
-                  <a:schemeClr val="tx1"/>
-                </a:solidFill>
-                <a:latin typeface="Times New Roman" panose="02020603050405020304" pitchFamily="18" charset="0"/>
-                <a:cs typeface="Times New Roman" panose="02020603050405020304" pitchFamily="18" charset="0"/>
-              </a:rPr>
-              <a:t>digitalWrite</a:t>
-            </a:r>
-            <a:r>
-              <a:rPr lang="pt-BR" sz="1800" dirty="0">
-                <a:solidFill>
-                  <a:schemeClr val="tx1"/>
-                </a:solidFill>
-                <a:latin typeface="Times New Roman" panose="02020603050405020304" pitchFamily="18" charset="0"/>
-                <a:cs typeface="Times New Roman" panose="02020603050405020304" pitchFamily="18" charset="0"/>
-              </a:rPr>
-              <a:t>(LED_BUILTIN, </a:t>
-            </a:r>
-            <a:r>
-              <a:rPr lang="pt-BR" sz="1800" b="1" dirty="0">
-                <a:solidFill>
-                  <a:schemeClr val="tx1"/>
-                </a:solidFill>
-                <a:latin typeface="Times New Roman" panose="02020603050405020304" pitchFamily="18" charset="0"/>
-                <a:cs typeface="Times New Roman" panose="02020603050405020304" pitchFamily="18" charset="0"/>
-              </a:rPr>
-              <a:t>LOW</a:t>
-            </a:r>
-            <a:r>
-              <a:rPr lang="pt-BR" sz="1800" dirty="0">
-                <a:solidFill>
-                  <a:schemeClr val="tx1"/>
-                </a:solidFill>
-                <a:latin typeface="Times New Roman" panose="02020603050405020304" pitchFamily="18" charset="0"/>
-                <a:cs typeface="Times New Roman" panose="02020603050405020304" pitchFamily="18" charset="0"/>
-              </a:rPr>
-              <a:t>); </a:t>
-            </a:r>
-          </a:p>
-          <a:p>
-            <a:pPr marL="0" indent="0" algn="just">
-              <a:buNone/>
-            </a:pPr>
-            <a:r>
-              <a:rPr lang="pt-BR" sz="1800" b="1" dirty="0">
-                <a:solidFill>
-                  <a:schemeClr val="tx1"/>
-                </a:solidFill>
-                <a:latin typeface="Times New Roman" panose="02020603050405020304" pitchFamily="18" charset="0"/>
-                <a:cs typeface="Times New Roman" panose="02020603050405020304" pitchFamily="18" charset="0"/>
-              </a:rPr>
-              <a:t>	delay</a:t>
-            </a:r>
-            <a:r>
-              <a:rPr lang="pt-BR" sz="1800" dirty="0">
-                <a:solidFill>
-                  <a:schemeClr val="tx1"/>
-                </a:solidFill>
-                <a:latin typeface="Times New Roman" panose="02020603050405020304" pitchFamily="18" charset="0"/>
-                <a:cs typeface="Times New Roman" panose="02020603050405020304" pitchFamily="18" charset="0"/>
-              </a:rPr>
-              <a:t>(1000); }</a:t>
-            </a:r>
           </a:p>
         </p:txBody>
       </p:sp>
     </p:spTree>
     <p:extLst>
       <p:ext uri="{BB962C8B-B14F-4D97-AF65-F5344CB8AC3E}">
-        <p14:creationId xmlns:p14="http://schemas.microsoft.com/office/powerpoint/2010/main" val="3395413864"/>
+        <p14:creationId xmlns:p14="http://schemas.microsoft.com/office/powerpoint/2010/main" val="2747596967"/>
       </p:ext>
     </p:extLst>
   </p:cSld>
@@ -5322,7 +4390,7 @@
         </p:spPr>
         <p:txBody>
           <a:bodyPr>
-            <a:normAutofit fontScale="90000"/>
+            <a:normAutofit/>
           </a:bodyPr>
           <a:lstStyle/>
           <a:p>
@@ -5332,7 +4400,7 @@
                   <a:srgbClr val="0070C0"/>
                 </a:solidFill>
               </a:rPr>
-              <a:t>Passos</a:t>
+              <a:t>Dinâmica</a:t>
             </a:r>
             <a:r>
               <a:rPr lang="en-US" b="1" dirty="0">
@@ -5340,7 +4408,7 @@
                   <a:srgbClr val="0070C0"/>
                 </a:solidFill>
               </a:rPr>
-              <a:t> p/ </a:t>
+              <a:t>/</a:t>
             </a:r>
             <a:r>
               <a:rPr lang="en-US" b="1" dirty="0" err="1">
@@ -5348,7 +4416,7 @@
                   <a:srgbClr val="0070C0"/>
                 </a:solidFill>
               </a:rPr>
-              <a:t>Criar</a:t>
+              <a:t>Atividades</a:t>
             </a:r>
             <a:r>
               <a:rPr lang="en-US" b="1" dirty="0">
@@ -5356,7 +4424,7 @@
                   <a:srgbClr val="0070C0"/>
                 </a:solidFill>
               </a:rPr>
-              <a:t> </a:t>
+              <a:t> - </a:t>
             </a:r>
             <a:r>
               <a:rPr lang="en-US" b="1" dirty="0" err="1">
@@ -5364,23 +4432,7 @@
                   <a:srgbClr val="0070C0"/>
                 </a:solidFill>
               </a:rPr>
-              <a:t>Projetos</a:t>
-            </a:r>
-            <a:r>
-              <a:rPr lang="en-US" b="1" dirty="0">
-                <a:solidFill>
-                  <a:srgbClr val="0070C0"/>
-                </a:solidFill>
-              </a:rPr>
-              <a:t> no </a:t>
-            </a:r>
-            <a:r>
-              <a:rPr lang="en-US" b="1" dirty="0" err="1">
-                <a:solidFill>
-                  <a:srgbClr val="0070C0"/>
-                </a:solidFill>
-              </a:rPr>
-              <a:t>Tinkercad</a:t>
+              <a:t>Exercícios</a:t>
             </a:r>
             <a:endParaRPr lang="en-US" b="1" dirty="0">
               <a:solidFill>
@@ -5402,8 +4454,8 @@
         </p:nvSpPr>
         <p:spPr>
           <a:xfrm>
-            <a:off x="142865" y="914400"/>
-            <a:ext cx="8865056" cy="3864864"/>
+            <a:off x="139472" y="1063230"/>
+            <a:ext cx="8865056" cy="3996450"/>
           </a:xfrm>
         </p:spPr>
         <p:txBody>
@@ -5412,169 +4464,135 @@
           </a:bodyPr>
           <a:lstStyle/>
           <a:p>
-            <a:pPr marL="0" indent="0">
+            <a:pPr marL="0" indent="0" algn="just">
               <a:buNone/>
             </a:pPr>
-            <a:endParaRPr lang="pt-BR" sz="2400" dirty="0">
+            <a:r>
+              <a:rPr lang="pt-BR" sz="2000" dirty="0">
+                <a:latin typeface="Times New Roman" panose="02020603050405020304" pitchFamily="18" charset="0"/>
+                <a:cs typeface="Times New Roman" panose="02020603050405020304" pitchFamily="18" charset="0"/>
+              </a:rPr>
+              <a:t>Criar </a:t>
+            </a:r>
+            <a:r>
+              <a:rPr lang="pt-BR" sz="2000" b="1" dirty="0">
+                <a:solidFill>
+                  <a:srgbClr val="FF0000"/>
+                </a:solidFill>
+                <a:latin typeface="Times New Roman" panose="02020603050405020304" pitchFamily="18" charset="0"/>
+                <a:cs typeface="Times New Roman" panose="02020603050405020304" pitchFamily="18" charset="0"/>
+              </a:rPr>
+              <a:t>projeto</a:t>
+            </a:r>
+            <a:r>
+              <a:rPr lang="pt-BR" sz="2000" dirty="0">
+                <a:solidFill>
+                  <a:srgbClr val="FF0000"/>
+                </a:solidFill>
+                <a:latin typeface="Times New Roman" panose="02020603050405020304" pitchFamily="18" charset="0"/>
+                <a:cs typeface="Times New Roman" panose="02020603050405020304" pitchFamily="18" charset="0"/>
+              </a:rPr>
+              <a:t> </a:t>
+            </a:r>
+            <a:r>
+              <a:rPr lang="pt-BR" sz="2000" b="1" dirty="0">
+                <a:solidFill>
+                  <a:srgbClr val="FF0000"/>
+                </a:solidFill>
+                <a:latin typeface="Times New Roman" panose="02020603050405020304" pitchFamily="18" charset="0"/>
+                <a:cs typeface="Times New Roman" panose="02020603050405020304" pitchFamily="18" charset="0"/>
+              </a:rPr>
+              <a:t>Arduino</a:t>
+            </a:r>
+            <a:r>
+              <a:rPr lang="pt-BR" sz="2000" dirty="0">
+                <a:latin typeface="Times New Roman" panose="02020603050405020304" pitchFamily="18" charset="0"/>
+                <a:cs typeface="Times New Roman" panose="02020603050405020304" pitchFamily="18" charset="0"/>
+              </a:rPr>
+              <a:t> para:</a:t>
+            </a:r>
+          </a:p>
+          <a:p>
+            <a:pPr marL="0" indent="0" algn="just">
+              <a:buNone/>
+            </a:pPr>
+            <a:endParaRPr lang="pt-BR" sz="2000" dirty="0">
               <a:latin typeface="Times New Roman" panose="02020603050405020304" pitchFamily="18" charset="0"/>
               <a:cs typeface="Times New Roman" panose="02020603050405020304" pitchFamily="18" charset="0"/>
             </a:endParaRPr>
           </a:p>
           <a:p>
-            <a:pPr>
-              <a:buFont typeface="Wingdings" panose="05000000000000000000" pitchFamily="2" charset="2"/>
-              <a:buChar char="§"/>
+            <a:pPr marL="457200" indent="-457200" algn="just">
+              <a:buFont typeface="+mj-lt"/>
+              <a:buAutoNum type="arabicPeriod"/>
             </a:pPr>
             <a:r>
-              <a:rPr lang="pt-BR" sz="2400" dirty="0">
-                <a:latin typeface="Times New Roman" panose="02020603050405020304" pitchFamily="18" charset="0"/>
-                <a:cs typeface="Times New Roman" panose="02020603050405020304" pitchFamily="18" charset="0"/>
-              </a:rPr>
-              <a:t>Criar um </a:t>
-            </a:r>
-            <a:r>
-              <a:rPr lang="pt-BR" sz="2400" b="1" dirty="0">
-                <a:latin typeface="Times New Roman" panose="02020603050405020304" pitchFamily="18" charset="0"/>
-                <a:cs typeface="Times New Roman" panose="02020603050405020304" pitchFamily="18" charset="0"/>
-              </a:rPr>
-              <a:t>NOVO</a:t>
-            </a:r>
-            <a:r>
-              <a:rPr lang="pt-BR" sz="2400" dirty="0">
-                <a:latin typeface="Times New Roman" panose="02020603050405020304" pitchFamily="18" charset="0"/>
-                <a:cs typeface="Times New Roman" panose="02020603050405020304" pitchFamily="18" charset="0"/>
-              </a:rPr>
-              <a:t> projeto do tipo </a:t>
-            </a:r>
-            <a:r>
-              <a:rPr lang="pt-BR" sz="2400" b="1" dirty="0">
-                <a:solidFill>
-                  <a:srgbClr val="FF0000"/>
-                </a:solidFill>
-                <a:latin typeface="Times New Roman" panose="02020603050405020304" pitchFamily="18" charset="0"/>
-                <a:cs typeface="Times New Roman" panose="02020603050405020304" pitchFamily="18" charset="0"/>
-              </a:rPr>
-              <a:t>circuito</a:t>
-            </a:r>
-          </a:p>
-          <a:p>
-            <a:pPr>
-              <a:buFont typeface="Wingdings" panose="05000000000000000000" pitchFamily="2" charset="2"/>
-              <a:buChar char="§"/>
+              <a:rPr lang="pt-BR" sz="2000" dirty="0">
+                <a:latin typeface="Times New Roman" panose="02020603050405020304" pitchFamily="18" charset="0"/>
+                <a:cs typeface="Times New Roman" panose="02020603050405020304" pitchFamily="18" charset="0"/>
+              </a:rPr>
+              <a:t>Conhecendo o ambiente do </a:t>
+            </a:r>
+            <a:r>
+              <a:rPr lang="pt-BR" sz="2000" dirty="0" err="1">
+                <a:latin typeface="Times New Roman" panose="02020603050405020304" pitchFamily="18" charset="0"/>
+                <a:cs typeface="Times New Roman" panose="02020603050405020304" pitchFamily="18" charset="0"/>
+              </a:rPr>
+              <a:t>Tinkercad</a:t>
+            </a:r>
+            <a:r>
+              <a:rPr lang="pt-BR" sz="2000" dirty="0">
+                <a:latin typeface="Times New Roman" panose="02020603050405020304" pitchFamily="18" charset="0"/>
+                <a:cs typeface="Times New Roman" panose="02020603050405020304" pitchFamily="18" charset="0"/>
+              </a:rPr>
+              <a:t>;</a:t>
+            </a:r>
+          </a:p>
+          <a:p>
+            <a:pPr marL="457200" indent="-457200" algn="just">
+              <a:buFont typeface="+mj-lt"/>
+              <a:buAutoNum type="arabicPeriod"/>
             </a:pPr>
             <a:r>
-              <a:rPr lang="pt-BR" sz="2400" dirty="0">
-                <a:latin typeface="Times New Roman" panose="02020603050405020304" pitchFamily="18" charset="0"/>
-                <a:cs typeface="Times New Roman" panose="02020603050405020304" pitchFamily="18" charset="0"/>
-              </a:rPr>
-              <a:t>Adicionar o Arduino UNO R3</a:t>
-            </a:r>
-          </a:p>
-          <a:p>
-            <a:pPr>
-              <a:buFont typeface="Wingdings" panose="05000000000000000000" pitchFamily="2" charset="2"/>
-              <a:buChar char="§"/>
+              <a:rPr lang="pt-BR" sz="2000" dirty="0">
+                <a:latin typeface="Times New Roman" panose="02020603050405020304" pitchFamily="18" charset="0"/>
+                <a:cs typeface="Times New Roman" panose="02020603050405020304" pitchFamily="18" charset="0"/>
+              </a:rPr>
+              <a:t>Fazer um led piscar no Arduino Uno R3;</a:t>
+            </a:r>
+          </a:p>
+          <a:p>
+            <a:pPr marL="457200" indent="-457200" algn="just">
+              <a:buFont typeface="+mj-lt"/>
+              <a:buAutoNum type="arabicPeriod"/>
             </a:pPr>
             <a:r>
-              <a:rPr lang="pt-BR" sz="2400" dirty="0">
-                <a:latin typeface="Times New Roman" panose="02020603050405020304" pitchFamily="18" charset="0"/>
-                <a:cs typeface="Times New Roman" panose="02020603050405020304" pitchFamily="18" charset="0"/>
-              </a:rPr>
-              <a:t>Abrir a aba Código</a:t>
-            </a:r>
-          </a:p>
-          <a:p>
-            <a:pPr>
-              <a:buFont typeface="Wingdings" panose="05000000000000000000" pitchFamily="2" charset="2"/>
-              <a:buChar char="§"/>
+              <a:rPr lang="pt-BR" sz="2000" dirty="0">
+                <a:latin typeface="Times New Roman" panose="02020603050405020304" pitchFamily="18" charset="0"/>
+                <a:cs typeface="Times New Roman" panose="02020603050405020304" pitchFamily="18" charset="0"/>
+              </a:rPr>
+              <a:t>Fazer um led piscar no protoboard controlado pelo Arduino Uno R3.</a:t>
+            </a:r>
+            <a:endParaRPr lang="pt-BR" sz="2000" b="1" dirty="0">
+              <a:latin typeface="Times New Roman" panose="02020603050405020304" pitchFamily="18" charset="0"/>
+              <a:cs typeface="Times New Roman" panose="02020603050405020304" pitchFamily="18" charset="0"/>
+            </a:endParaRPr>
+          </a:p>
+          <a:p>
+            <a:pPr marL="0" indent="0" algn="just">
+              <a:buNone/>
             </a:pPr>
-            <a:r>
-              <a:rPr lang="pt-BR" sz="2400" dirty="0">
-                <a:latin typeface="Times New Roman" panose="02020603050405020304" pitchFamily="18" charset="0"/>
-                <a:cs typeface="Times New Roman" panose="02020603050405020304" pitchFamily="18" charset="0"/>
-              </a:rPr>
-              <a:t>Mudar para a </a:t>
-            </a:r>
-            <a:r>
-              <a:rPr lang="pt-BR" sz="2400" b="1" dirty="0">
-                <a:latin typeface="Times New Roman" panose="02020603050405020304" pitchFamily="18" charset="0"/>
-                <a:cs typeface="Times New Roman" panose="02020603050405020304" pitchFamily="18" charset="0"/>
-              </a:rPr>
-              <a:t>programação texto</a:t>
-            </a:r>
-          </a:p>
-          <a:p>
-            <a:pPr>
-              <a:buFont typeface="Wingdings" panose="05000000000000000000" pitchFamily="2" charset="2"/>
-              <a:buChar char="§"/>
-            </a:pPr>
-            <a:r>
-              <a:rPr lang="pt-BR" sz="2400" dirty="0">
-                <a:latin typeface="Times New Roman" panose="02020603050405020304" pitchFamily="18" charset="0"/>
-                <a:cs typeface="Times New Roman" panose="02020603050405020304" pitchFamily="18" charset="0"/>
-              </a:rPr>
-              <a:t>Codificar se necessário conforme a solução do projeto</a:t>
-            </a:r>
-          </a:p>
-          <a:p>
-            <a:pPr>
-              <a:buFont typeface="Wingdings" panose="05000000000000000000" pitchFamily="2" charset="2"/>
-              <a:buChar char="§"/>
-            </a:pPr>
-            <a:r>
-              <a:rPr lang="pt-BR" sz="2400" dirty="0">
-                <a:latin typeface="Times New Roman" panose="02020603050405020304" pitchFamily="18" charset="0"/>
-                <a:cs typeface="Times New Roman" panose="02020603050405020304" pitchFamily="18" charset="0"/>
-              </a:rPr>
-              <a:t>Testar solução no </a:t>
-            </a:r>
-            <a:r>
-              <a:rPr lang="pt-BR" sz="2400" b="1" dirty="0" err="1">
-                <a:solidFill>
-                  <a:srgbClr val="FF0000"/>
-                </a:solidFill>
-                <a:latin typeface="Times New Roman" panose="02020603050405020304" pitchFamily="18" charset="0"/>
-                <a:cs typeface="Times New Roman" panose="02020603050405020304" pitchFamily="18" charset="0"/>
-              </a:rPr>
-              <a:t>Void</a:t>
-            </a:r>
-            <a:r>
-              <a:rPr lang="pt-BR" sz="2400" b="1" dirty="0">
-                <a:solidFill>
-                  <a:srgbClr val="FF0000"/>
-                </a:solidFill>
-                <a:latin typeface="Times New Roman" panose="02020603050405020304" pitchFamily="18" charset="0"/>
-                <a:cs typeface="Times New Roman" panose="02020603050405020304" pitchFamily="18" charset="0"/>
-              </a:rPr>
-              <a:t> Setup e </a:t>
-            </a:r>
-            <a:r>
-              <a:rPr lang="pt-BR" sz="2400" b="1" dirty="0" err="1">
-                <a:solidFill>
-                  <a:srgbClr val="FF0000"/>
-                </a:solidFill>
-                <a:latin typeface="Times New Roman" panose="02020603050405020304" pitchFamily="18" charset="0"/>
-                <a:cs typeface="Times New Roman" panose="02020603050405020304" pitchFamily="18" charset="0"/>
-              </a:rPr>
-              <a:t>Void</a:t>
-            </a:r>
-            <a:r>
-              <a:rPr lang="pt-BR" sz="2400" b="1" dirty="0">
-                <a:solidFill>
-                  <a:srgbClr val="FF0000"/>
-                </a:solidFill>
-                <a:latin typeface="Times New Roman" panose="02020603050405020304" pitchFamily="18" charset="0"/>
-                <a:cs typeface="Times New Roman" panose="02020603050405020304" pitchFamily="18" charset="0"/>
-              </a:rPr>
-              <a:t> Loop</a:t>
-            </a:r>
+            <a:endParaRPr lang="pt-BR" sz="2000" dirty="0">
+              <a:latin typeface="Times New Roman" panose="02020603050405020304" pitchFamily="18" charset="0"/>
+              <a:cs typeface="Times New Roman" panose="02020603050405020304" pitchFamily="18" charset="0"/>
+            </a:endParaRPr>
           </a:p>
         </p:txBody>
       </p:sp>
     </p:spTree>
     <p:extLst>
       <p:ext uri="{BB962C8B-B14F-4D97-AF65-F5344CB8AC3E}">
-        <p14:creationId xmlns:p14="http://schemas.microsoft.com/office/powerpoint/2010/main" val="4146549695"/>
+        <p14:creationId xmlns:p14="http://schemas.microsoft.com/office/powerpoint/2010/main" val="2470652989"/>
       </p:ext>
     </p:extLst>
   </p:cSld>
@@ -5620,7 +4638,7 @@
         </p:spPr>
         <p:txBody>
           <a:bodyPr>
-            <a:normAutofit fontScale="90000"/>
+            <a:normAutofit/>
           </a:bodyPr>
           <a:lstStyle/>
           <a:p>
@@ -5630,7 +4648,7 @@
                   <a:srgbClr val="0070C0"/>
                 </a:solidFill>
               </a:rPr>
-              <a:t>Tinkercad</a:t>
+              <a:t>Referências</a:t>
             </a:r>
             <a:r>
               <a:rPr lang="en-US" b="1" dirty="0">
@@ -5638,8 +4656,21 @@
                   <a:srgbClr val="0070C0"/>
                 </a:solidFill>
               </a:rPr>
-              <a:t> – Hello World no Monitor</a:t>
-            </a:r>
+              <a:t> </a:t>
+            </a:r>
+            <a:r>
+              <a:rPr lang="en-US" b="1" dirty="0" err="1">
+                <a:solidFill>
+                  <a:srgbClr val="0070C0"/>
+                </a:solidFill>
+              </a:rPr>
+              <a:t>Bibliográficas</a:t>
+            </a:r>
+            <a:endParaRPr lang="en-US" b="1" dirty="0">
+              <a:solidFill>
+                <a:srgbClr val="0070C0"/>
+              </a:solidFill>
+            </a:endParaRPr>
           </a:p>
         </p:txBody>
       </p:sp>
@@ -5655,8 +4686,8 @@
         </p:nvSpPr>
         <p:spPr>
           <a:xfrm>
-            <a:off x="142865" y="914400"/>
-            <a:ext cx="8865056" cy="3864864"/>
+            <a:off x="142865" y="1200150"/>
+            <a:ext cx="8865056" cy="3737369"/>
           </a:xfrm>
         </p:spPr>
         <p:txBody>
@@ -5665,632 +4696,209 @@
           </a:bodyPr>
           <a:lstStyle/>
           <a:p>
-            <a:pPr marL="0" indent="0">
+            <a:pPr marL="0" indent="0" algn="just">
               <a:buNone/>
             </a:pPr>
             <a:r>
-              <a:rPr lang="pt-BR" sz="2000" dirty="0">
-                <a:latin typeface="Times New Roman" panose="02020603050405020304" pitchFamily="18" charset="0"/>
-                <a:cs typeface="Times New Roman" panose="02020603050405020304" pitchFamily="18" charset="0"/>
-              </a:rPr>
-              <a:t>#</a:t>
-            </a:r>
-            <a:r>
-              <a:rPr lang="pt-BR" sz="2000" b="1" dirty="0">
-                <a:latin typeface="Times New Roman" panose="02020603050405020304" pitchFamily="18" charset="0"/>
-                <a:cs typeface="Times New Roman" panose="02020603050405020304" pitchFamily="18" charset="0"/>
-              </a:rPr>
-              <a:t>define</a:t>
-            </a:r>
-            <a:r>
-              <a:rPr lang="pt-BR" sz="2000" dirty="0">
-                <a:latin typeface="Times New Roman" panose="02020603050405020304" pitchFamily="18" charset="0"/>
-                <a:cs typeface="Times New Roman" panose="02020603050405020304" pitchFamily="18" charset="0"/>
-              </a:rPr>
-              <a:t> tempo 1000</a:t>
-            </a:r>
-          </a:p>
-          <a:p>
-            <a:pPr marL="0" indent="0">
+              <a:rPr lang="pt-BR" sz="1800" dirty="0">
+                <a:latin typeface="Calibri" panose="020F0502020204030204" pitchFamily="34" charset="0"/>
+              </a:rPr>
+              <a:t>[1] </a:t>
+            </a:r>
+            <a:r>
+              <a:rPr lang="pt-BR" sz="1800" b="1" dirty="0">
+                <a:latin typeface="Calibri" panose="020F0502020204030204" pitchFamily="34" charset="0"/>
+              </a:rPr>
+              <a:t>OSSADA, Jaime </a:t>
+            </a:r>
+            <a:r>
+              <a:rPr lang="pt-BR" sz="1800" b="1" dirty="0" err="1">
+                <a:latin typeface="Calibri" panose="020F0502020204030204" pitchFamily="34" charset="0"/>
+              </a:rPr>
+              <a:t>Cazuhiro</a:t>
+            </a:r>
+            <a:r>
+              <a:rPr lang="pt-BR" sz="1800" b="1" dirty="0">
+                <a:latin typeface="Calibri" panose="020F0502020204030204" pitchFamily="34" charset="0"/>
+              </a:rPr>
+              <a:t> et al. GERSE</a:t>
+            </a:r>
+            <a:r>
+              <a:rPr lang="pt-BR" sz="1800" dirty="0">
+                <a:latin typeface="Calibri" panose="020F0502020204030204" pitchFamily="34" charset="0"/>
+              </a:rPr>
+              <a:t>: Guia de </a:t>
+            </a:r>
+            <a:r>
+              <a:rPr lang="pt-BR" sz="1800" dirty="0" err="1">
+                <a:latin typeface="Calibri" panose="020F0502020204030204" pitchFamily="34" charset="0"/>
+              </a:rPr>
+              <a:t>Elicitação</a:t>
+            </a:r>
+            <a:r>
+              <a:rPr lang="pt-BR" sz="1800" dirty="0">
+                <a:latin typeface="Calibri" panose="020F0502020204030204" pitchFamily="34" charset="0"/>
+              </a:rPr>
+              <a:t> de Requisitos para Sistemas Embarcados. In: WER. 2012.</a:t>
+            </a:r>
+          </a:p>
+          <a:p>
+            <a:pPr marL="0" indent="0" algn="just">
               <a:buNone/>
             </a:pPr>
-            <a:endParaRPr lang="pt-BR" sz="2000" dirty="0">
+            <a:endParaRPr lang="pt-BR" sz="1800" dirty="0">
+              <a:latin typeface="Calibri" panose="020F0502020204030204" pitchFamily="34" charset="0"/>
+            </a:endParaRPr>
+          </a:p>
+          <a:p>
+            <a:pPr marL="0" indent="0" algn="just">
+              <a:buNone/>
+            </a:pPr>
+            <a:r>
+              <a:rPr lang="pt-BR" sz="1800" dirty="0">
+                <a:latin typeface="Calibri" panose="020F0502020204030204" pitchFamily="34" charset="0"/>
+              </a:rPr>
+              <a:t>[2] </a:t>
+            </a:r>
+            <a:r>
+              <a:rPr lang="pt-BR" sz="1800" b="1" dirty="0">
+                <a:latin typeface="Calibri" panose="020F0502020204030204" pitchFamily="34" charset="0"/>
+              </a:rPr>
+              <a:t>BARBIERO, Andréia Aparecida; HEXSEL, Roberto André.</a:t>
+            </a:r>
+            <a:r>
+              <a:rPr lang="pt-BR" sz="1800" dirty="0">
+                <a:latin typeface="Calibri" panose="020F0502020204030204" pitchFamily="34" charset="0"/>
+              </a:rPr>
+              <a:t> </a:t>
+            </a:r>
+            <a:r>
+              <a:rPr lang="pt-BR" sz="1800" dirty="0" err="1">
+                <a:latin typeface="Calibri" panose="020F0502020204030204" pitchFamily="34" charset="0"/>
+              </a:rPr>
+              <a:t>Simulaçao</a:t>
+            </a:r>
+            <a:r>
+              <a:rPr lang="pt-BR" sz="1800" dirty="0">
+                <a:latin typeface="Calibri" panose="020F0502020204030204" pitchFamily="34" charset="0"/>
+              </a:rPr>
+              <a:t> de Sistemas Embarcados utilizando </a:t>
+            </a:r>
+            <a:r>
+              <a:rPr lang="pt-BR" sz="1800" dirty="0" err="1">
+                <a:latin typeface="Calibri" panose="020F0502020204030204" pitchFamily="34" charset="0"/>
+              </a:rPr>
+              <a:t>ArchC</a:t>
+            </a:r>
+            <a:r>
+              <a:rPr lang="pt-BR" sz="1800" dirty="0">
+                <a:latin typeface="Calibri" panose="020F0502020204030204" pitchFamily="34" charset="0"/>
+              </a:rPr>
+              <a:t>. In: Anais do VII Workshop em Sistemas Computacionais de Alto Desempenho. SBC, 2006. p. 17-24.</a:t>
+            </a:r>
+          </a:p>
+          <a:p>
+            <a:pPr marL="0" indent="0" algn="just">
+              <a:buNone/>
+            </a:pPr>
+            <a:endParaRPr lang="pt-BR" sz="1800" dirty="0">
+              <a:latin typeface="Calibri" panose="020F0502020204030204" pitchFamily="34" charset="0"/>
+            </a:endParaRPr>
+          </a:p>
+          <a:p>
+            <a:pPr marL="0" indent="0" algn="just">
+              <a:buNone/>
+            </a:pPr>
+            <a:r>
+              <a:rPr lang="pt-BR" sz="1800" dirty="0">
+                <a:latin typeface="Times New Roman" panose="02020603050405020304" pitchFamily="18" charset="0"/>
+                <a:cs typeface="Times New Roman" panose="02020603050405020304" pitchFamily="18" charset="0"/>
+              </a:rPr>
+              <a:t>[3] </a:t>
+            </a:r>
+            <a:r>
+              <a:rPr lang="pt-BR" sz="1800" b="1" dirty="0">
+                <a:latin typeface="Times New Roman" panose="02020603050405020304" pitchFamily="18" charset="0"/>
+                <a:cs typeface="Times New Roman" panose="02020603050405020304" pitchFamily="18" charset="0"/>
+              </a:rPr>
+              <a:t>CUNHA, Alessandro F</a:t>
+            </a:r>
+            <a:r>
+              <a:rPr lang="pt-BR" sz="1800" dirty="0">
+                <a:latin typeface="Times New Roman" panose="02020603050405020304" pitchFamily="18" charset="0"/>
+                <a:cs typeface="Times New Roman" panose="02020603050405020304" pitchFamily="18" charset="0"/>
+              </a:rPr>
+              <a:t>. O que são sistemas embarcados. Saber Eletrônica, v. 43, n. 414, p. 1-6, 2007.</a:t>
+            </a:r>
+          </a:p>
+          <a:p>
+            <a:pPr marL="0" indent="0" algn="just">
+              <a:buNone/>
+            </a:pPr>
+            <a:endParaRPr lang="pt-BR" sz="1800" dirty="0">
               <a:latin typeface="Times New Roman" panose="02020603050405020304" pitchFamily="18" charset="0"/>
               <a:cs typeface="Times New Roman" panose="02020603050405020304" pitchFamily="18" charset="0"/>
             </a:endParaRPr>
           </a:p>
           <a:p>
-            <a:pPr marL="0" indent="0">
+            <a:pPr marL="0" indent="0" algn="just">
               <a:buNone/>
             </a:pPr>
             <a:r>
-              <a:rPr lang="pt-BR" sz="2000" dirty="0" err="1">
-                <a:latin typeface="Times New Roman" panose="02020603050405020304" pitchFamily="18" charset="0"/>
-                <a:cs typeface="Times New Roman" panose="02020603050405020304" pitchFamily="18" charset="0"/>
-              </a:rPr>
-              <a:t>void</a:t>
-            </a:r>
-            <a:r>
-              <a:rPr lang="pt-BR" sz="2000" dirty="0">
-                <a:latin typeface="Times New Roman" panose="02020603050405020304" pitchFamily="18" charset="0"/>
-                <a:cs typeface="Times New Roman" panose="02020603050405020304" pitchFamily="18" charset="0"/>
-              </a:rPr>
-              <a:t> </a:t>
-            </a:r>
-            <a:r>
-              <a:rPr lang="pt-BR" sz="2000" b="1" dirty="0">
-                <a:latin typeface="Times New Roman" panose="02020603050405020304" pitchFamily="18" charset="0"/>
-                <a:cs typeface="Times New Roman" panose="02020603050405020304" pitchFamily="18" charset="0"/>
-              </a:rPr>
-              <a:t>setup</a:t>
-            </a:r>
-            <a:r>
-              <a:rPr lang="pt-BR" sz="2000" dirty="0">
-                <a:latin typeface="Times New Roman" panose="02020603050405020304" pitchFamily="18" charset="0"/>
-                <a:cs typeface="Times New Roman" panose="02020603050405020304" pitchFamily="18" charset="0"/>
-              </a:rPr>
-              <a:t>() </a:t>
-            </a:r>
-          </a:p>
-          <a:p>
-            <a:pPr marL="0" indent="0">
+              <a:rPr lang="pt-BR" sz="1800" dirty="0">
+                <a:latin typeface="Times New Roman" panose="02020603050405020304" pitchFamily="18" charset="0"/>
+                <a:cs typeface="Times New Roman" panose="02020603050405020304" pitchFamily="18" charset="0"/>
+              </a:rPr>
+              <a:t>[4] </a:t>
+            </a:r>
+            <a:r>
+              <a:rPr lang="pt-BR" sz="1800" b="1" dirty="0">
+                <a:latin typeface="Times New Roman" panose="02020603050405020304" pitchFamily="18" charset="0"/>
+                <a:cs typeface="Times New Roman" panose="02020603050405020304" pitchFamily="18" charset="0"/>
+              </a:rPr>
+              <a:t>OSSADA, Jaime </a:t>
+            </a:r>
+            <a:r>
+              <a:rPr lang="pt-BR" sz="1800" b="1" dirty="0" err="1">
+                <a:latin typeface="Times New Roman" panose="02020603050405020304" pitchFamily="18" charset="0"/>
+                <a:cs typeface="Times New Roman" panose="02020603050405020304" pitchFamily="18" charset="0"/>
+              </a:rPr>
+              <a:t>Cazuhiro</a:t>
+            </a:r>
+            <a:r>
+              <a:rPr lang="pt-BR" sz="1800" b="1" dirty="0">
+                <a:latin typeface="Times New Roman" panose="02020603050405020304" pitchFamily="18" charset="0"/>
+                <a:cs typeface="Times New Roman" panose="02020603050405020304" pitchFamily="18" charset="0"/>
+              </a:rPr>
+              <a:t> et al. GERSE</a:t>
+            </a:r>
+            <a:r>
+              <a:rPr lang="pt-BR" sz="1800" dirty="0">
+                <a:latin typeface="Times New Roman" panose="02020603050405020304" pitchFamily="18" charset="0"/>
+                <a:cs typeface="Times New Roman" panose="02020603050405020304" pitchFamily="18" charset="0"/>
+              </a:rPr>
+              <a:t>: Guia de </a:t>
+            </a:r>
+            <a:r>
+              <a:rPr lang="pt-BR" sz="1800" dirty="0" err="1">
+                <a:latin typeface="Times New Roman" panose="02020603050405020304" pitchFamily="18" charset="0"/>
+                <a:cs typeface="Times New Roman" panose="02020603050405020304" pitchFamily="18" charset="0"/>
+              </a:rPr>
+              <a:t>Elicitação</a:t>
+            </a:r>
+            <a:r>
+              <a:rPr lang="pt-BR" sz="1800" dirty="0">
+                <a:latin typeface="Times New Roman" panose="02020603050405020304" pitchFamily="18" charset="0"/>
+                <a:cs typeface="Times New Roman" panose="02020603050405020304" pitchFamily="18" charset="0"/>
+              </a:rPr>
+              <a:t> de Requisitos para Sistemas Embarcados. In: WER. 2012.</a:t>
+            </a:r>
+          </a:p>
+          <a:p>
+            <a:pPr marL="0" indent="0" algn="just">
               <a:buNone/>
             </a:pPr>
-            <a:r>
-              <a:rPr lang="pt-BR" sz="2000" dirty="0">
-                <a:latin typeface="Times New Roman" panose="02020603050405020304" pitchFamily="18" charset="0"/>
-                <a:cs typeface="Times New Roman" panose="02020603050405020304" pitchFamily="18" charset="0"/>
-              </a:rPr>
-              <a:t>{</a:t>
-            </a:r>
-          </a:p>
-          <a:p>
-            <a:pPr marL="0" indent="0">
-              <a:buNone/>
-            </a:pPr>
-            <a:r>
-              <a:rPr lang="pt-BR" sz="2000" dirty="0">
-                <a:latin typeface="Times New Roman" panose="02020603050405020304" pitchFamily="18" charset="0"/>
-                <a:cs typeface="Times New Roman" panose="02020603050405020304" pitchFamily="18" charset="0"/>
-              </a:rPr>
-              <a:t>  </a:t>
-            </a:r>
-            <a:r>
-              <a:rPr lang="pt-BR" sz="2000" b="1" dirty="0" err="1">
-                <a:latin typeface="Times New Roman" panose="02020603050405020304" pitchFamily="18" charset="0"/>
-                <a:cs typeface="Times New Roman" panose="02020603050405020304" pitchFamily="18" charset="0"/>
-              </a:rPr>
-              <a:t>pinMode</a:t>
-            </a:r>
-            <a:r>
-              <a:rPr lang="pt-BR" sz="2000" dirty="0">
-                <a:latin typeface="Times New Roman" panose="02020603050405020304" pitchFamily="18" charset="0"/>
-                <a:cs typeface="Times New Roman" panose="02020603050405020304" pitchFamily="18" charset="0"/>
-              </a:rPr>
-              <a:t>(LED_BUILTIN, </a:t>
-            </a:r>
-            <a:r>
-              <a:rPr lang="pt-BR" sz="2000" b="1" dirty="0">
-                <a:latin typeface="Times New Roman" panose="02020603050405020304" pitchFamily="18" charset="0"/>
-                <a:cs typeface="Times New Roman" panose="02020603050405020304" pitchFamily="18" charset="0"/>
-              </a:rPr>
-              <a:t>OUTPUT</a:t>
-            </a:r>
-            <a:r>
-              <a:rPr lang="pt-BR" sz="2000" dirty="0">
-                <a:latin typeface="Times New Roman" panose="02020603050405020304" pitchFamily="18" charset="0"/>
-                <a:cs typeface="Times New Roman" panose="02020603050405020304" pitchFamily="18" charset="0"/>
-              </a:rPr>
-              <a:t>); </a:t>
-            </a:r>
-          </a:p>
-          <a:p>
-            <a:pPr marL="0" indent="0">
-              <a:buNone/>
-            </a:pPr>
-            <a:r>
-              <a:rPr lang="pt-BR" sz="2000" dirty="0">
-                <a:latin typeface="Times New Roman" panose="02020603050405020304" pitchFamily="18" charset="0"/>
-                <a:cs typeface="Times New Roman" panose="02020603050405020304" pitchFamily="18" charset="0"/>
-              </a:rPr>
-              <a:t>  </a:t>
-            </a:r>
-            <a:r>
-              <a:rPr lang="pt-BR" sz="2000" dirty="0" err="1">
-                <a:latin typeface="Times New Roman" panose="02020603050405020304" pitchFamily="18" charset="0"/>
-                <a:cs typeface="Times New Roman" panose="02020603050405020304" pitchFamily="18" charset="0"/>
-              </a:rPr>
-              <a:t>Serial.</a:t>
-            </a:r>
-            <a:r>
-              <a:rPr lang="pt-BR" sz="2000" b="1" dirty="0" err="1">
-                <a:latin typeface="Times New Roman" panose="02020603050405020304" pitchFamily="18" charset="0"/>
-                <a:cs typeface="Times New Roman" panose="02020603050405020304" pitchFamily="18" charset="0"/>
-              </a:rPr>
-              <a:t>begin</a:t>
-            </a:r>
-            <a:r>
-              <a:rPr lang="pt-BR" sz="2000" dirty="0">
-                <a:latin typeface="Times New Roman" panose="02020603050405020304" pitchFamily="18" charset="0"/>
-                <a:cs typeface="Times New Roman" panose="02020603050405020304" pitchFamily="18" charset="0"/>
-              </a:rPr>
-              <a:t>(</a:t>
-            </a:r>
-            <a:r>
-              <a:rPr lang="pt-BR" sz="2000" b="1" dirty="0">
-                <a:latin typeface="Times New Roman" panose="02020603050405020304" pitchFamily="18" charset="0"/>
-                <a:cs typeface="Times New Roman" panose="02020603050405020304" pitchFamily="18" charset="0"/>
-              </a:rPr>
-              <a:t>9600</a:t>
-            </a:r>
-            <a:r>
-              <a:rPr lang="pt-BR" sz="2000" dirty="0">
-                <a:latin typeface="Times New Roman" panose="02020603050405020304" pitchFamily="18" charset="0"/>
-                <a:cs typeface="Times New Roman" panose="02020603050405020304" pitchFamily="18" charset="0"/>
-              </a:rPr>
-              <a:t>); // </a:t>
-            </a:r>
-            <a:r>
-              <a:rPr lang="pt-BR" sz="2000" b="1" dirty="0" err="1">
-                <a:solidFill>
-                  <a:srgbClr val="FF0000"/>
-                </a:solidFill>
-                <a:latin typeface="Times New Roman" panose="02020603050405020304" pitchFamily="18" charset="0"/>
-                <a:cs typeface="Times New Roman" panose="02020603050405020304" pitchFamily="18" charset="0"/>
-              </a:rPr>
-              <a:t>baud</a:t>
-            </a:r>
-            <a:r>
-              <a:rPr lang="pt-BR" sz="2000" b="1" dirty="0">
-                <a:solidFill>
-                  <a:srgbClr val="FF0000"/>
-                </a:solidFill>
-                <a:latin typeface="Times New Roman" panose="02020603050405020304" pitchFamily="18" charset="0"/>
-                <a:cs typeface="Times New Roman" panose="02020603050405020304" pitchFamily="18" charset="0"/>
-              </a:rPr>
-              <a:t> rate</a:t>
-            </a:r>
-          </a:p>
-          <a:p>
-            <a:pPr marL="0" indent="0">
-              <a:buNone/>
-            </a:pPr>
-            <a:r>
-              <a:rPr lang="pt-BR" sz="2000" dirty="0">
-                <a:latin typeface="Times New Roman" panose="02020603050405020304" pitchFamily="18" charset="0"/>
-                <a:cs typeface="Times New Roman" panose="02020603050405020304" pitchFamily="18" charset="0"/>
-              </a:rPr>
-              <a:t>  </a:t>
-            </a:r>
-            <a:r>
-              <a:rPr lang="pt-BR" sz="2000" dirty="0" err="1">
-                <a:latin typeface="Times New Roman" panose="02020603050405020304" pitchFamily="18" charset="0"/>
-                <a:cs typeface="Times New Roman" panose="02020603050405020304" pitchFamily="18" charset="0"/>
-              </a:rPr>
-              <a:t>Serial.</a:t>
-            </a:r>
-            <a:r>
-              <a:rPr lang="pt-BR" sz="2000" b="1" dirty="0" err="1">
-                <a:latin typeface="Times New Roman" panose="02020603050405020304" pitchFamily="18" charset="0"/>
-                <a:cs typeface="Times New Roman" panose="02020603050405020304" pitchFamily="18" charset="0"/>
-              </a:rPr>
-              <a:t>print</a:t>
-            </a:r>
-            <a:r>
-              <a:rPr lang="pt-BR" sz="2000" dirty="0">
-                <a:latin typeface="Times New Roman" panose="02020603050405020304" pitchFamily="18" charset="0"/>
-                <a:cs typeface="Times New Roman" panose="02020603050405020304" pitchFamily="18" charset="0"/>
-              </a:rPr>
-              <a:t>(“</a:t>
-            </a:r>
-            <a:r>
-              <a:rPr lang="pt-BR" sz="2000" b="1" dirty="0" err="1">
-                <a:solidFill>
-                  <a:srgbClr val="0070C0"/>
-                </a:solidFill>
-                <a:latin typeface="Times New Roman" panose="02020603050405020304" pitchFamily="18" charset="0"/>
-                <a:cs typeface="Times New Roman" panose="02020603050405020304" pitchFamily="18" charset="0"/>
-              </a:rPr>
-              <a:t>Hello</a:t>
-            </a:r>
-            <a:r>
-              <a:rPr lang="pt-BR" sz="2000" b="1" dirty="0">
-                <a:solidFill>
-                  <a:srgbClr val="0070C0"/>
-                </a:solidFill>
-                <a:latin typeface="Times New Roman" panose="02020603050405020304" pitchFamily="18" charset="0"/>
-                <a:cs typeface="Times New Roman" panose="02020603050405020304" pitchFamily="18" charset="0"/>
-              </a:rPr>
-              <a:t> World</a:t>
-            </a:r>
-            <a:r>
-              <a:rPr lang="pt-BR" sz="2000" dirty="0">
-                <a:latin typeface="Times New Roman" panose="02020603050405020304" pitchFamily="18" charset="0"/>
-                <a:cs typeface="Times New Roman" panose="02020603050405020304" pitchFamily="18" charset="0"/>
-              </a:rPr>
-              <a:t>”);</a:t>
-            </a:r>
-          </a:p>
-          <a:p>
-            <a:pPr marL="0" indent="0">
-              <a:buNone/>
-            </a:pPr>
-            <a:r>
-              <a:rPr lang="pt-BR" sz="2000" dirty="0">
-                <a:latin typeface="Times New Roman" panose="02020603050405020304" pitchFamily="18" charset="0"/>
-                <a:cs typeface="Times New Roman" panose="02020603050405020304" pitchFamily="18" charset="0"/>
-              </a:rPr>
-              <a:t>}</a:t>
-            </a:r>
-          </a:p>
-          <a:p>
-            <a:pPr marL="0" indent="0">
-              <a:buNone/>
-            </a:pPr>
-            <a:endParaRPr lang="pt-BR" sz="2000" dirty="0">
-              <a:latin typeface="Times New Roman" panose="02020603050405020304" pitchFamily="18" charset="0"/>
-              <a:cs typeface="Times New Roman" panose="02020603050405020304" pitchFamily="18" charset="0"/>
-            </a:endParaRPr>
-          </a:p>
-          <a:p>
-            <a:pPr marL="0" indent="0">
-              <a:buNone/>
-            </a:pPr>
-            <a:r>
-              <a:rPr lang="pt-BR" sz="2000" b="1" dirty="0">
-                <a:latin typeface="Times New Roman" panose="02020603050405020304" pitchFamily="18" charset="0"/>
-                <a:cs typeface="Times New Roman" panose="02020603050405020304" pitchFamily="18" charset="0"/>
-              </a:rPr>
-              <a:t>Nota</a:t>
-            </a:r>
-            <a:r>
-              <a:rPr lang="pt-BR" sz="2000" dirty="0">
-                <a:latin typeface="Times New Roman" panose="02020603050405020304" pitchFamily="18" charset="0"/>
-                <a:cs typeface="Times New Roman" panose="02020603050405020304" pitchFamily="18" charset="0"/>
-              </a:rPr>
-              <a:t>: </a:t>
-            </a:r>
-            <a:r>
-              <a:rPr lang="pt-BR" sz="2000" b="1" dirty="0" err="1">
-                <a:solidFill>
-                  <a:srgbClr val="FF0000"/>
-                </a:solidFill>
-                <a:latin typeface="Times New Roman" panose="02020603050405020304" pitchFamily="18" charset="0"/>
-                <a:cs typeface="Times New Roman" panose="02020603050405020304" pitchFamily="18" charset="0"/>
-              </a:rPr>
-              <a:t>baud</a:t>
-            </a:r>
-            <a:r>
-              <a:rPr lang="pt-BR" sz="2000" b="1" dirty="0">
-                <a:solidFill>
-                  <a:srgbClr val="FF0000"/>
-                </a:solidFill>
-                <a:latin typeface="Times New Roman" panose="02020603050405020304" pitchFamily="18" charset="0"/>
-                <a:cs typeface="Times New Roman" panose="02020603050405020304" pitchFamily="18" charset="0"/>
-              </a:rPr>
-              <a:t> rate</a:t>
-            </a:r>
-            <a:r>
-              <a:rPr lang="pt-BR" sz="2000" dirty="0">
-                <a:latin typeface="Times New Roman" panose="02020603050405020304" pitchFamily="18" charset="0"/>
-                <a:cs typeface="Times New Roman" panose="02020603050405020304" pitchFamily="18" charset="0"/>
-              </a:rPr>
-              <a:t> velocidade de comunicação o computador, </a:t>
-            </a:r>
-            <a:r>
-              <a:rPr lang="pt-BR" sz="2000" b="1" dirty="0">
-                <a:latin typeface="Times New Roman" panose="02020603050405020304" pitchFamily="18" charset="0"/>
-                <a:cs typeface="Times New Roman" panose="02020603050405020304" pitchFamily="18" charset="0"/>
-              </a:rPr>
-              <a:t>taxa em bps</a:t>
-            </a:r>
-            <a:r>
-              <a:rPr lang="pt-BR" sz="2000" dirty="0">
-                <a:latin typeface="Times New Roman" panose="02020603050405020304" pitchFamily="18" charset="0"/>
-                <a:cs typeface="Times New Roman" panose="02020603050405020304" pitchFamily="18" charset="0"/>
-              </a:rPr>
-              <a:t>.</a:t>
-            </a:r>
-          </a:p>
-        </p:txBody>
-      </p:sp>
-      <p:sp>
-        <p:nvSpPr>
-          <p:cNvPr id="4" name="CaixaDeTexto 3">
-            <a:extLst>
-              <a:ext uri="{FF2B5EF4-FFF2-40B4-BE49-F238E27FC236}">
-                <a16:creationId xmlns:a16="http://schemas.microsoft.com/office/drawing/2014/main" id="{F0790EAA-BD40-6646-0955-2EDBC47F45A4}"/>
-              </a:ext>
-            </a:extLst>
-          </p:cNvPr>
-          <p:cNvSpPr txBox="1"/>
-          <p:nvPr/>
-        </p:nvSpPr>
-        <p:spPr>
-          <a:xfrm>
-            <a:off x="4362770" y="1706125"/>
-            <a:ext cx="4645151" cy="2308324"/>
-          </a:xfrm>
-          <a:prstGeom prst="rect">
-            <a:avLst/>
-          </a:prstGeom>
-          <a:noFill/>
-          <a:ln w="12700" cap="flat">
-            <a:noFill/>
-            <a:miter lim="400000"/>
-          </a:ln>
-          <a:effectLst/>
-        </p:spPr>
-        <p:style>
-          <a:lnRef idx="0">
-            <a:scrgbClr r="0" g="0" b="0"/>
-          </a:lnRef>
-          <a:fillRef idx="0">
-            <a:scrgbClr r="0" g="0" b="0"/>
-          </a:fillRef>
-          <a:effectRef idx="0">
-            <a:scrgbClr r="0" g="0" b="0"/>
-          </a:effectRef>
-          <a:fontRef idx="none"/>
-        </p:style>
-        <p:txBody>
-          <a:bodyPr wrap="square">
-            <a:spAutoFit/>
-          </a:bodyPr>
-          <a:lstStyle/>
-          <a:p>
-            <a:pPr marL="0" indent="0">
-              <a:buNone/>
-            </a:pPr>
-            <a:r>
-              <a:rPr lang="pt-BR" dirty="0" err="1">
-                <a:latin typeface="Times New Roman" panose="02020603050405020304" pitchFamily="18" charset="0"/>
-                <a:cs typeface="Times New Roman" panose="02020603050405020304" pitchFamily="18" charset="0"/>
-              </a:rPr>
-              <a:t>void</a:t>
-            </a:r>
-            <a:r>
-              <a:rPr lang="pt-BR" dirty="0">
-                <a:latin typeface="Times New Roman" panose="02020603050405020304" pitchFamily="18" charset="0"/>
-                <a:cs typeface="Times New Roman" panose="02020603050405020304" pitchFamily="18" charset="0"/>
-              </a:rPr>
-              <a:t> </a:t>
-            </a:r>
-            <a:r>
-              <a:rPr lang="pt-BR" b="1" dirty="0">
-                <a:latin typeface="Times New Roman" panose="02020603050405020304" pitchFamily="18" charset="0"/>
-                <a:cs typeface="Times New Roman" panose="02020603050405020304" pitchFamily="18" charset="0"/>
-              </a:rPr>
-              <a:t>loop</a:t>
-            </a:r>
-            <a:r>
-              <a:rPr lang="pt-BR" dirty="0">
-                <a:latin typeface="Times New Roman" panose="02020603050405020304" pitchFamily="18" charset="0"/>
-                <a:cs typeface="Times New Roman" panose="02020603050405020304" pitchFamily="18" charset="0"/>
-              </a:rPr>
-              <a:t>()</a:t>
-            </a:r>
-          </a:p>
-          <a:p>
-            <a:pPr marL="0" indent="0">
-              <a:buNone/>
-            </a:pPr>
-            <a:r>
-              <a:rPr lang="pt-BR" dirty="0">
-                <a:latin typeface="Times New Roman" panose="02020603050405020304" pitchFamily="18" charset="0"/>
-                <a:cs typeface="Times New Roman" panose="02020603050405020304" pitchFamily="18" charset="0"/>
-              </a:rPr>
-              <a:t>{</a:t>
-            </a:r>
-          </a:p>
-          <a:p>
-            <a:pPr marL="0" indent="0">
-              <a:buNone/>
-            </a:pPr>
-            <a:r>
-              <a:rPr lang="pt-BR" dirty="0">
-                <a:latin typeface="Times New Roman" panose="02020603050405020304" pitchFamily="18" charset="0"/>
-                <a:cs typeface="Times New Roman" panose="02020603050405020304" pitchFamily="18" charset="0"/>
-              </a:rPr>
-              <a:t>  </a:t>
-            </a:r>
-            <a:r>
-              <a:rPr lang="pt-BR" b="1" dirty="0" err="1">
-                <a:latin typeface="Times New Roman" panose="02020603050405020304" pitchFamily="18" charset="0"/>
-                <a:cs typeface="Times New Roman" panose="02020603050405020304" pitchFamily="18" charset="0"/>
-              </a:rPr>
-              <a:t>digitalWrite</a:t>
-            </a:r>
-            <a:r>
-              <a:rPr lang="pt-BR" dirty="0">
-                <a:latin typeface="Times New Roman" panose="02020603050405020304" pitchFamily="18" charset="0"/>
-                <a:cs typeface="Times New Roman" panose="02020603050405020304" pitchFamily="18" charset="0"/>
-              </a:rPr>
-              <a:t>(LED_BUILTIN, </a:t>
-            </a:r>
-            <a:r>
-              <a:rPr lang="pt-BR" b="1" dirty="0">
-                <a:latin typeface="Times New Roman" panose="02020603050405020304" pitchFamily="18" charset="0"/>
-                <a:cs typeface="Times New Roman" panose="02020603050405020304" pitchFamily="18" charset="0"/>
-              </a:rPr>
-              <a:t>HIGH</a:t>
-            </a:r>
-            <a:r>
-              <a:rPr lang="pt-BR" dirty="0">
-                <a:latin typeface="Times New Roman" panose="02020603050405020304" pitchFamily="18" charset="0"/>
-                <a:cs typeface="Times New Roman" panose="02020603050405020304" pitchFamily="18" charset="0"/>
-              </a:rPr>
-              <a:t>);</a:t>
-            </a:r>
-          </a:p>
-          <a:p>
-            <a:pPr marL="0" indent="0">
-              <a:buNone/>
-            </a:pPr>
-            <a:r>
-              <a:rPr lang="pt-BR" dirty="0">
-                <a:latin typeface="Times New Roman" panose="02020603050405020304" pitchFamily="18" charset="0"/>
-                <a:cs typeface="Times New Roman" panose="02020603050405020304" pitchFamily="18" charset="0"/>
-              </a:rPr>
-              <a:t>  </a:t>
-            </a:r>
-            <a:r>
-              <a:rPr lang="pt-BR" b="1" dirty="0">
-                <a:latin typeface="Times New Roman" panose="02020603050405020304" pitchFamily="18" charset="0"/>
-                <a:cs typeface="Times New Roman" panose="02020603050405020304" pitchFamily="18" charset="0"/>
-              </a:rPr>
-              <a:t>delay</a:t>
-            </a:r>
-            <a:r>
-              <a:rPr lang="pt-BR" dirty="0">
-                <a:latin typeface="Times New Roman" panose="02020603050405020304" pitchFamily="18" charset="0"/>
-                <a:cs typeface="Times New Roman" panose="02020603050405020304" pitchFamily="18" charset="0"/>
-              </a:rPr>
-              <a:t>(tempo); // </a:t>
-            </a:r>
-            <a:r>
-              <a:rPr lang="pt-BR" dirty="0" err="1">
-                <a:latin typeface="Times New Roman" panose="02020603050405020304" pitchFamily="18" charset="0"/>
-                <a:cs typeface="Times New Roman" panose="02020603050405020304" pitchFamily="18" charset="0"/>
-              </a:rPr>
-              <a:t>Wait</a:t>
-            </a:r>
-            <a:r>
-              <a:rPr lang="pt-BR" dirty="0">
-                <a:latin typeface="Times New Roman" panose="02020603050405020304" pitchFamily="18" charset="0"/>
-                <a:cs typeface="Times New Roman" panose="02020603050405020304" pitchFamily="18" charset="0"/>
-              </a:rPr>
-              <a:t> for 1000 </a:t>
-            </a:r>
-            <a:r>
-              <a:rPr lang="pt-BR" dirty="0" err="1">
-                <a:latin typeface="Times New Roman" panose="02020603050405020304" pitchFamily="18" charset="0"/>
-                <a:cs typeface="Times New Roman" panose="02020603050405020304" pitchFamily="18" charset="0"/>
-              </a:rPr>
-              <a:t>millisecond</a:t>
-            </a:r>
-            <a:r>
-              <a:rPr lang="pt-BR" dirty="0">
-                <a:latin typeface="Times New Roman" panose="02020603050405020304" pitchFamily="18" charset="0"/>
-                <a:cs typeface="Times New Roman" panose="02020603050405020304" pitchFamily="18" charset="0"/>
-              </a:rPr>
-              <a:t>(s)</a:t>
-            </a:r>
-          </a:p>
-          <a:p>
-            <a:pPr marL="0" indent="0">
-              <a:buNone/>
-            </a:pPr>
-            <a:r>
-              <a:rPr lang="pt-BR" dirty="0">
-                <a:latin typeface="Times New Roman" panose="02020603050405020304" pitchFamily="18" charset="0"/>
-                <a:cs typeface="Times New Roman" panose="02020603050405020304" pitchFamily="18" charset="0"/>
-              </a:rPr>
-              <a:t>  </a:t>
-            </a:r>
-            <a:r>
-              <a:rPr lang="pt-BR" b="1" dirty="0" err="1">
-                <a:latin typeface="Times New Roman" panose="02020603050405020304" pitchFamily="18" charset="0"/>
-                <a:cs typeface="Times New Roman" panose="02020603050405020304" pitchFamily="18" charset="0"/>
-              </a:rPr>
-              <a:t>digitalWrite</a:t>
-            </a:r>
-            <a:r>
-              <a:rPr lang="pt-BR" dirty="0">
-                <a:latin typeface="Times New Roman" panose="02020603050405020304" pitchFamily="18" charset="0"/>
-                <a:cs typeface="Times New Roman" panose="02020603050405020304" pitchFamily="18" charset="0"/>
-              </a:rPr>
-              <a:t>(LED_BUILTIN, </a:t>
-            </a:r>
-            <a:r>
-              <a:rPr lang="pt-BR" b="1" dirty="0">
-                <a:latin typeface="Times New Roman" panose="02020603050405020304" pitchFamily="18" charset="0"/>
-                <a:cs typeface="Times New Roman" panose="02020603050405020304" pitchFamily="18" charset="0"/>
-              </a:rPr>
-              <a:t>LOW</a:t>
-            </a:r>
-            <a:r>
-              <a:rPr lang="pt-BR" dirty="0">
-                <a:latin typeface="Times New Roman" panose="02020603050405020304" pitchFamily="18" charset="0"/>
-                <a:cs typeface="Times New Roman" panose="02020603050405020304" pitchFamily="18" charset="0"/>
-              </a:rPr>
-              <a:t>);</a:t>
-            </a:r>
-          </a:p>
-          <a:p>
-            <a:pPr marL="0" indent="0">
-              <a:buNone/>
-            </a:pPr>
-            <a:r>
-              <a:rPr lang="pt-BR" dirty="0">
-                <a:latin typeface="Times New Roman" panose="02020603050405020304" pitchFamily="18" charset="0"/>
-                <a:cs typeface="Times New Roman" panose="02020603050405020304" pitchFamily="18" charset="0"/>
-              </a:rPr>
-              <a:t>  </a:t>
-            </a:r>
-            <a:r>
-              <a:rPr lang="pt-BR" b="1" dirty="0">
-                <a:latin typeface="Times New Roman" panose="02020603050405020304" pitchFamily="18" charset="0"/>
-                <a:cs typeface="Times New Roman" panose="02020603050405020304" pitchFamily="18" charset="0"/>
-              </a:rPr>
-              <a:t>delay</a:t>
-            </a:r>
-            <a:r>
-              <a:rPr lang="pt-BR" dirty="0">
-                <a:latin typeface="Times New Roman" panose="02020603050405020304" pitchFamily="18" charset="0"/>
-                <a:cs typeface="Times New Roman" panose="02020603050405020304" pitchFamily="18" charset="0"/>
-              </a:rPr>
-              <a:t>(tempo); // </a:t>
-            </a:r>
-            <a:r>
-              <a:rPr lang="pt-BR" dirty="0" err="1">
-                <a:latin typeface="Times New Roman" panose="02020603050405020304" pitchFamily="18" charset="0"/>
-                <a:cs typeface="Times New Roman" panose="02020603050405020304" pitchFamily="18" charset="0"/>
-              </a:rPr>
-              <a:t>Wait</a:t>
-            </a:r>
-            <a:r>
-              <a:rPr lang="pt-BR" dirty="0">
-                <a:latin typeface="Times New Roman" panose="02020603050405020304" pitchFamily="18" charset="0"/>
-                <a:cs typeface="Times New Roman" panose="02020603050405020304" pitchFamily="18" charset="0"/>
-              </a:rPr>
-              <a:t> for 1000 </a:t>
-            </a:r>
-            <a:r>
-              <a:rPr lang="pt-BR" dirty="0" err="1">
-                <a:latin typeface="Times New Roman" panose="02020603050405020304" pitchFamily="18" charset="0"/>
-                <a:cs typeface="Times New Roman" panose="02020603050405020304" pitchFamily="18" charset="0"/>
-              </a:rPr>
-              <a:t>millisecond</a:t>
-            </a:r>
-            <a:r>
-              <a:rPr lang="pt-BR" dirty="0">
-                <a:latin typeface="Times New Roman" panose="02020603050405020304" pitchFamily="18" charset="0"/>
-                <a:cs typeface="Times New Roman" panose="02020603050405020304" pitchFamily="18" charset="0"/>
-              </a:rPr>
-              <a:t>(s)</a:t>
-            </a:r>
-          </a:p>
-          <a:p>
-            <a:pPr marL="0" indent="0">
-              <a:buNone/>
-            </a:pPr>
-            <a:r>
-              <a:rPr lang="pt-BR" dirty="0">
-                <a:latin typeface="Times New Roman" panose="02020603050405020304" pitchFamily="18" charset="0"/>
-                <a:cs typeface="Times New Roman" panose="02020603050405020304" pitchFamily="18" charset="0"/>
-              </a:rPr>
-              <a:t>}</a:t>
-            </a:r>
-          </a:p>
-          <a:p>
-            <a:pPr marL="0" indent="0">
-              <a:buNone/>
-            </a:pPr>
-            <a:endParaRPr lang="pt-BR" dirty="0">
-              <a:solidFill>
-                <a:schemeClr val="tx1"/>
-              </a:solidFill>
+            <a:endParaRPr lang="pt-BR" sz="1800" dirty="0">
               <a:latin typeface="Times New Roman" panose="02020603050405020304" pitchFamily="18" charset="0"/>
               <a:cs typeface="Times New Roman" panose="02020603050405020304" pitchFamily="18" charset="0"/>
             </a:endParaRPr>
@@ -6300,7 +4908,7 @@
     </p:spTree>
     <p:extLst>
       <p:ext uri="{BB962C8B-B14F-4D97-AF65-F5344CB8AC3E}">
-        <p14:creationId xmlns:p14="http://schemas.microsoft.com/office/powerpoint/2010/main" val="3990434969"/>
+        <p14:creationId xmlns:p14="http://schemas.microsoft.com/office/powerpoint/2010/main" val="1115311843"/>
       </p:ext>
     </p:extLst>
   </p:cSld>
@@ -6328,9 +4936,67 @@
           <a:chExt cx="0" cy="0"/>
         </a:xfrm>
       </p:grpSpPr>
+      <p:pic>
+        <p:nvPicPr>
+          <p:cNvPr id="112" name="Picture 6" descr="Picture 6"/>
+          <p:cNvPicPr>
+            <a:picLocks noChangeAspect="1"/>
+          </p:cNvPicPr>
+          <p:nvPr/>
+        </p:nvPicPr>
+        <p:blipFill>
+          <a:blip r:embed="rId2"/>
+          <a:stretch>
+            <a:fillRect/>
+          </a:stretch>
+        </p:blipFill>
+        <p:spPr>
+          <a:xfrm>
+            <a:off x="0" y="0"/>
+            <a:ext cx="9144000" cy="5143500"/>
+          </a:xfrm>
+          <a:prstGeom prst="rect">
+            <a:avLst/>
+          </a:prstGeom>
+          <a:ln w="12700">
+            <a:miter lim="400000"/>
+            <a:headEnd/>
+            <a:tailEnd/>
+          </a:ln>
+        </p:spPr>
+      </p:pic>
+      <p:pic>
+        <p:nvPicPr>
+          <p:cNvPr id="114" name="Picture 5" descr="Picture 5"/>
+          <p:cNvPicPr>
+            <a:picLocks noChangeAspect="1"/>
+          </p:cNvPicPr>
+          <p:nvPr/>
+        </p:nvPicPr>
+        <p:blipFill>
+          <a:blip r:embed="rId3"/>
+          <a:stretch>
+            <a:fillRect/>
+          </a:stretch>
+        </p:blipFill>
+        <p:spPr>
+          <a:xfrm>
+            <a:off x="469900" y="0"/>
+            <a:ext cx="4391984" cy="171450"/>
+          </a:xfrm>
+          <a:prstGeom prst="rect">
+            <a:avLst/>
+          </a:prstGeom>
+          <a:ln w="12700">
+            <a:miter lim="400000"/>
+            <a:headEnd/>
+            <a:tailEnd/>
+          </a:ln>
+        </p:spPr>
+      </p:pic>
       <p:sp>
         <p:nvSpPr>
-          <p:cNvPr id="6" name="Title 1"/>
+          <p:cNvPr id="3" name="Título 2"/>
           <p:cNvSpPr>
             <a:spLocks noGrp="1"/>
           </p:cNvSpPr>
@@ -6340,65 +5006,8 @@
         </p:nvSpPr>
         <p:spPr>
           <a:xfrm>
-            <a:off x="457200" y="205980"/>
-            <a:ext cx="8229600" cy="857251"/>
-          </a:xfrm>
-        </p:spPr>
-        <p:txBody>
-          <a:bodyPr>
-            <a:normAutofit/>
-          </a:bodyPr>
-          <a:lstStyle/>
-          <a:p>
-            <a:r>
-              <a:rPr lang="en-US" b="1" dirty="0" err="1">
-                <a:solidFill>
-                  <a:srgbClr val="0070C0"/>
-                </a:solidFill>
-              </a:rPr>
-              <a:t>Tinkercad</a:t>
-            </a:r>
-            <a:r>
-              <a:rPr lang="en-US" b="1" dirty="0">
-                <a:solidFill>
-                  <a:srgbClr val="0070C0"/>
-                </a:solidFill>
-              </a:rPr>
-              <a:t> – Led Blink, </a:t>
-            </a:r>
-            <a:r>
-              <a:rPr lang="en-US" b="1" dirty="0" err="1">
-                <a:solidFill>
-                  <a:srgbClr val="0070C0"/>
-                </a:solidFill>
-              </a:rPr>
-              <a:t>pino</a:t>
-            </a:r>
-            <a:r>
-              <a:rPr lang="en-US" b="1" dirty="0">
-                <a:solidFill>
-                  <a:srgbClr val="0070C0"/>
-                </a:solidFill>
-              </a:rPr>
-              <a:t> 12</a:t>
-            </a:r>
-          </a:p>
-        </p:txBody>
-      </p:sp>
-      <p:sp>
-        <p:nvSpPr>
-          <p:cNvPr id="8" name="Text Placeholder 2"/>
-          <p:cNvSpPr>
-            <a:spLocks noGrp="1"/>
-          </p:cNvSpPr>
-          <p:nvPr>
-            <p:ph type="body" sz="half" idx="1"/>
-          </p:nvPr>
-        </p:nvSpPr>
-        <p:spPr>
-          <a:xfrm>
-            <a:off x="142865" y="914400"/>
-            <a:ext cx="8865056" cy="3864864"/>
+            <a:off x="285751" y="2386770"/>
+            <a:ext cx="8615364" cy="1102519"/>
           </a:xfrm>
         </p:spPr>
         <p:txBody>
@@ -6407,4088 +5016,356 @@
           </a:bodyPr>
           <a:lstStyle/>
           <a:p>
-            <a:pPr marL="0" indent="0">
-              <a:buNone/>
-            </a:pPr>
-            <a:r>
-              <a:rPr lang="pt-BR" sz="2000" dirty="0">
-                <a:latin typeface="Times New Roman" panose="02020603050405020304" pitchFamily="18" charset="0"/>
-                <a:cs typeface="Times New Roman" panose="02020603050405020304" pitchFamily="18" charset="0"/>
-              </a:rPr>
-              <a:t>#</a:t>
-            </a:r>
-            <a:r>
-              <a:rPr lang="pt-BR" sz="2000" b="1" dirty="0">
-                <a:latin typeface="Times New Roman" panose="02020603050405020304" pitchFamily="18" charset="0"/>
-                <a:cs typeface="Times New Roman" panose="02020603050405020304" pitchFamily="18" charset="0"/>
-              </a:rPr>
-              <a:t>define</a:t>
-            </a:r>
-            <a:r>
-              <a:rPr lang="pt-BR" sz="2000" dirty="0">
-                <a:latin typeface="Times New Roman" panose="02020603050405020304" pitchFamily="18" charset="0"/>
-                <a:cs typeface="Times New Roman" panose="02020603050405020304" pitchFamily="18" charset="0"/>
-              </a:rPr>
-              <a:t> tempo 1000</a:t>
-            </a:r>
-          </a:p>
-          <a:p>
-            <a:pPr marL="0" indent="0">
-              <a:buNone/>
-            </a:pPr>
-            <a:r>
-              <a:rPr lang="pt-BR" sz="2000" b="1" dirty="0" err="1">
-                <a:latin typeface="Times New Roman" panose="02020603050405020304" pitchFamily="18" charset="0"/>
-                <a:cs typeface="Times New Roman" panose="02020603050405020304" pitchFamily="18" charset="0"/>
-              </a:rPr>
-              <a:t>int</a:t>
-            </a:r>
-            <a:r>
-              <a:rPr lang="pt-BR" sz="2000" dirty="0">
-                <a:latin typeface="Times New Roman" panose="02020603050405020304" pitchFamily="18" charset="0"/>
-                <a:cs typeface="Times New Roman" panose="02020603050405020304" pitchFamily="18" charset="0"/>
-              </a:rPr>
-              <a:t> </a:t>
-            </a:r>
-            <a:r>
-              <a:rPr lang="pt-BR" sz="2000" dirty="0" err="1">
-                <a:latin typeface="Times New Roman" panose="02020603050405020304" pitchFamily="18" charset="0"/>
-                <a:cs typeface="Times New Roman" panose="02020603050405020304" pitchFamily="18" charset="0"/>
-              </a:rPr>
-              <a:t>pinoLed</a:t>
-            </a:r>
-            <a:r>
-              <a:rPr lang="pt-BR" sz="2000" dirty="0">
-                <a:latin typeface="Times New Roman" panose="02020603050405020304" pitchFamily="18" charset="0"/>
-                <a:cs typeface="Times New Roman" panose="02020603050405020304" pitchFamily="18" charset="0"/>
-              </a:rPr>
-              <a:t> = 12;</a:t>
-            </a:r>
-          </a:p>
-          <a:p>
-            <a:pPr marL="0" indent="0">
-              <a:buNone/>
-            </a:pPr>
-            <a:endParaRPr lang="pt-BR" sz="2000" dirty="0">
-              <a:latin typeface="Times New Roman" panose="02020603050405020304" pitchFamily="18" charset="0"/>
-              <a:cs typeface="Times New Roman" panose="02020603050405020304" pitchFamily="18" charset="0"/>
-            </a:endParaRPr>
-          </a:p>
-          <a:p>
-            <a:pPr marL="0" indent="0">
-              <a:buNone/>
-            </a:pPr>
-            <a:r>
-              <a:rPr lang="pt-BR" sz="2000" dirty="0" err="1">
-                <a:latin typeface="Times New Roman" panose="02020603050405020304" pitchFamily="18" charset="0"/>
-                <a:cs typeface="Times New Roman" panose="02020603050405020304" pitchFamily="18" charset="0"/>
-              </a:rPr>
-              <a:t>void</a:t>
-            </a:r>
-            <a:r>
-              <a:rPr lang="pt-BR" sz="2000" dirty="0">
-                <a:latin typeface="Times New Roman" panose="02020603050405020304" pitchFamily="18" charset="0"/>
-                <a:cs typeface="Times New Roman" panose="02020603050405020304" pitchFamily="18" charset="0"/>
-              </a:rPr>
-              <a:t> </a:t>
-            </a:r>
-            <a:r>
-              <a:rPr lang="pt-BR" sz="2000" b="1" dirty="0">
-                <a:latin typeface="Times New Roman" panose="02020603050405020304" pitchFamily="18" charset="0"/>
-                <a:cs typeface="Times New Roman" panose="02020603050405020304" pitchFamily="18" charset="0"/>
-              </a:rPr>
-              <a:t>setup</a:t>
-            </a:r>
-            <a:r>
-              <a:rPr lang="pt-BR" sz="2000" dirty="0">
-                <a:latin typeface="Times New Roman" panose="02020603050405020304" pitchFamily="18" charset="0"/>
-                <a:cs typeface="Times New Roman" panose="02020603050405020304" pitchFamily="18" charset="0"/>
-              </a:rPr>
-              <a:t>() </a:t>
-            </a:r>
-          </a:p>
-          <a:p>
-            <a:pPr marL="0" indent="0">
-              <a:buNone/>
-            </a:pPr>
-            <a:r>
-              <a:rPr lang="pt-BR" sz="2000" dirty="0">
-                <a:latin typeface="Times New Roman" panose="02020603050405020304" pitchFamily="18" charset="0"/>
-                <a:cs typeface="Times New Roman" panose="02020603050405020304" pitchFamily="18" charset="0"/>
-              </a:rPr>
-              <a:t>{</a:t>
-            </a:r>
-          </a:p>
-          <a:p>
-            <a:pPr marL="0" indent="0">
-              <a:buNone/>
-            </a:pPr>
-            <a:r>
-              <a:rPr lang="pt-BR" sz="2000" dirty="0">
-                <a:latin typeface="Times New Roman" panose="02020603050405020304" pitchFamily="18" charset="0"/>
-                <a:cs typeface="Times New Roman" panose="02020603050405020304" pitchFamily="18" charset="0"/>
-              </a:rPr>
-              <a:t>  </a:t>
-            </a:r>
-            <a:r>
-              <a:rPr lang="pt-BR" sz="2000" b="1" dirty="0" err="1">
-                <a:latin typeface="Times New Roman" panose="02020603050405020304" pitchFamily="18" charset="0"/>
-                <a:cs typeface="Times New Roman" panose="02020603050405020304" pitchFamily="18" charset="0"/>
-              </a:rPr>
-              <a:t>pinMode</a:t>
-            </a:r>
-            <a:r>
-              <a:rPr lang="pt-BR" sz="2000" dirty="0">
-                <a:latin typeface="Times New Roman" panose="02020603050405020304" pitchFamily="18" charset="0"/>
-                <a:cs typeface="Times New Roman" panose="02020603050405020304" pitchFamily="18" charset="0"/>
-              </a:rPr>
-              <a:t>(</a:t>
-            </a:r>
-            <a:r>
-              <a:rPr lang="pt-BR" sz="2000" dirty="0" err="1">
-                <a:latin typeface="Times New Roman" panose="02020603050405020304" pitchFamily="18" charset="0"/>
-                <a:cs typeface="Times New Roman" panose="02020603050405020304" pitchFamily="18" charset="0"/>
-              </a:rPr>
-              <a:t>pinoLed</a:t>
-            </a:r>
-            <a:r>
-              <a:rPr lang="pt-BR" sz="2000" dirty="0">
-                <a:latin typeface="Times New Roman" panose="02020603050405020304" pitchFamily="18" charset="0"/>
-                <a:cs typeface="Times New Roman" panose="02020603050405020304" pitchFamily="18" charset="0"/>
-              </a:rPr>
-              <a:t>, OUTPUT); </a:t>
-            </a:r>
-          </a:p>
-          <a:p>
-            <a:pPr marL="0" indent="0">
-              <a:buNone/>
-            </a:pPr>
-            <a:r>
-              <a:rPr lang="pt-BR" sz="2000" dirty="0">
-                <a:latin typeface="Times New Roman" panose="02020603050405020304" pitchFamily="18" charset="0"/>
-                <a:cs typeface="Times New Roman" panose="02020603050405020304" pitchFamily="18" charset="0"/>
-              </a:rPr>
-              <a:t>}</a:t>
-            </a:r>
-          </a:p>
-          <a:p>
-            <a:pPr marL="0" indent="0">
-              <a:buNone/>
-            </a:pPr>
-            <a:endParaRPr lang="pt-BR" sz="2000" dirty="0">
-              <a:latin typeface="Times New Roman" panose="02020603050405020304" pitchFamily="18" charset="0"/>
-              <a:cs typeface="Times New Roman" panose="02020603050405020304" pitchFamily="18" charset="0"/>
-            </a:endParaRPr>
-          </a:p>
-          <a:p>
-            <a:pPr marL="0" indent="0">
-              <a:buNone/>
-            </a:pPr>
-            <a:r>
-              <a:rPr lang="pt-BR" sz="1600" b="1" dirty="0">
-                <a:latin typeface="Times New Roman" panose="02020603050405020304" pitchFamily="18" charset="0"/>
-                <a:cs typeface="Times New Roman" panose="02020603050405020304" pitchFamily="18" charset="0"/>
-              </a:rPr>
-              <a:t>Nota</a:t>
-            </a:r>
-            <a:r>
-              <a:rPr lang="pt-BR" sz="1600" dirty="0">
-                <a:latin typeface="Times New Roman" panose="02020603050405020304" pitchFamily="18" charset="0"/>
-                <a:cs typeface="Times New Roman" panose="02020603050405020304" pitchFamily="18" charset="0"/>
-              </a:rPr>
-              <a:t>: Pode utilizar </a:t>
-            </a:r>
-            <a:r>
-              <a:rPr lang="pt-BR" sz="1600" b="1" dirty="0">
-                <a:solidFill>
-                  <a:srgbClr val="FF0000"/>
-                </a:solidFill>
-                <a:latin typeface="Times New Roman" panose="02020603050405020304" pitchFamily="18" charset="0"/>
-                <a:cs typeface="Times New Roman" panose="02020603050405020304" pitchFamily="18" charset="0"/>
-              </a:rPr>
-              <a:t>resistor (ohms)</a:t>
-            </a:r>
-            <a:r>
-              <a:rPr lang="pt-BR" sz="1600" dirty="0">
-                <a:latin typeface="Times New Roman" panose="02020603050405020304" pitchFamily="18" charset="0"/>
-                <a:cs typeface="Times New Roman" panose="02020603050405020304" pitchFamily="18" charset="0"/>
-              </a:rPr>
-              <a:t>, limitador de </a:t>
-            </a:r>
-            <a:r>
-              <a:rPr lang="pt-BR" sz="1600" b="1" dirty="0">
-                <a:latin typeface="Times New Roman" panose="02020603050405020304" pitchFamily="18" charset="0"/>
-                <a:cs typeface="Times New Roman" panose="02020603050405020304" pitchFamily="18" charset="0"/>
-              </a:rPr>
-              <a:t>corrente elétrica</a:t>
-            </a:r>
-            <a:r>
-              <a:rPr lang="pt-BR" sz="1600" dirty="0">
-                <a:latin typeface="Times New Roman" panose="02020603050405020304" pitchFamily="18" charset="0"/>
-                <a:cs typeface="Times New Roman" panose="02020603050405020304" pitchFamily="18" charset="0"/>
-              </a:rPr>
-              <a:t>.</a:t>
-            </a:r>
-          </a:p>
-          <a:p>
-            <a:pPr marL="0" indent="0">
-              <a:buNone/>
-            </a:pPr>
-            <a:r>
-              <a:rPr lang="pt-BR" sz="1600" b="1" dirty="0">
-                <a:latin typeface="Times New Roman" panose="02020603050405020304" pitchFamily="18" charset="0"/>
-                <a:cs typeface="Times New Roman" panose="02020603050405020304" pitchFamily="18" charset="0"/>
-              </a:rPr>
-              <a:t>	 LED</a:t>
-            </a:r>
-            <a:r>
-              <a:rPr lang="pt-BR" sz="1600" dirty="0">
-                <a:latin typeface="Times New Roman" panose="02020603050405020304" pitchFamily="18" charset="0"/>
-                <a:cs typeface="Times New Roman" panose="02020603050405020304" pitchFamily="18" charset="0"/>
-              </a:rPr>
-              <a:t>: pino </a:t>
-            </a:r>
-            <a:r>
-              <a:rPr lang="pt-BR" sz="1600" b="1" dirty="0">
-                <a:solidFill>
-                  <a:srgbClr val="FF0000"/>
-                </a:solidFill>
-                <a:latin typeface="Times New Roman" panose="02020603050405020304" pitchFamily="18" charset="0"/>
-                <a:cs typeface="Times New Roman" panose="02020603050405020304" pitchFamily="18" charset="0"/>
-              </a:rPr>
-              <a:t>cátodo (-) ligar no resistor ou GND</a:t>
-            </a:r>
-            <a:r>
-              <a:rPr lang="pt-BR" sz="1600" dirty="0">
-                <a:latin typeface="Times New Roman" panose="02020603050405020304" pitchFamily="18" charset="0"/>
-                <a:cs typeface="Times New Roman" panose="02020603050405020304" pitchFamily="18" charset="0"/>
-              </a:rPr>
-              <a:t> e </a:t>
-            </a:r>
-            <a:r>
-              <a:rPr lang="pt-BR" sz="1600" b="1" dirty="0">
-                <a:latin typeface="Times New Roman" panose="02020603050405020304" pitchFamily="18" charset="0"/>
-                <a:cs typeface="Times New Roman" panose="02020603050405020304" pitchFamily="18" charset="0"/>
-              </a:rPr>
-              <a:t>anodo</a:t>
-            </a:r>
-            <a:r>
-              <a:rPr lang="pt-BR" sz="1600" dirty="0">
-                <a:latin typeface="Times New Roman" panose="02020603050405020304" pitchFamily="18" charset="0"/>
-                <a:cs typeface="Times New Roman" panose="02020603050405020304" pitchFamily="18" charset="0"/>
-              </a:rPr>
-              <a:t> (+) ligar no </a:t>
-            </a:r>
-            <a:r>
-              <a:rPr lang="pt-BR" sz="1600" b="1" dirty="0">
-                <a:latin typeface="Times New Roman" panose="02020603050405020304" pitchFamily="18" charset="0"/>
-                <a:cs typeface="Times New Roman" panose="02020603050405020304" pitchFamily="18" charset="0"/>
-              </a:rPr>
-              <a:t>pino digital.</a:t>
-            </a:r>
-          </a:p>
-          <a:p>
-            <a:pPr marL="0" indent="0">
-              <a:buNone/>
-            </a:pPr>
-            <a:endParaRPr lang="pt-BR" sz="1600" dirty="0">
-              <a:latin typeface="Times New Roman" panose="02020603050405020304" pitchFamily="18" charset="0"/>
-              <a:cs typeface="Times New Roman" panose="02020603050405020304" pitchFamily="18" charset="0"/>
-            </a:endParaRPr>
+            <a:r>
+              <a:rPr lang="pt-BR" sz="4800" b="1" dirty="0">
+                <a:solidFill>
+                  <a:schemeClr val="bg1"/>
+                </a:solidFill>
+              </a:rPr>
+              <a:t>Programação Microcontroladores</a:t>
+            </a:r>
           </a:p>
         </p:txBody>
       </p:sp>
       <p:sp>
         <p:nvSpPr>
-          <p:cNvPr id="4" name="CaixaDeTexto 3">
-            <a:extLst>
-              <a:ext uri="{FF2B5EF4-FFF2-40B4-BE49-F238E27FC236}">
-                <a16:creationId xmlns:a16="http://schemas.microsoft.com/office/drawing/2014/main" id="{F0790EAA-BD40-6646-0955-2EDBC47F45A4}"/>
-              </a:ext>
-            </a:extLst>
-          </p:cNvPr>
+          <p:cNvPr id="6" name="Título 2"/>
           <p:cNvSpPr txBox="1"/>
           <p:nvPr/>
         </p:nvSpPr>
         <p:spPr>
           <a:xfrm>
-            <a:off x="3456432" y="2017455"/>
-            <a:ext cx="5544703" cy="2554545"/>
+            <a:off x="975683" y="3866663"/>
+            <a:ext cx="7772400" cy="1102519"/>
+          </a:xfrm>
+          <a:prstGeom prst="rect">
+            <a:avLst/>
+          </a:prstGeom>
+          <a:ln w="12700">
+            <a:miter lim="400000"/>
+          </a:ln>
+        </p:spPr>
+        <p:txBody>
+          <a:bodyPr lIns="45718" tIns="45718" rIns="45718" bIns="45718" anchor="ctr">
+            <a:noAutofit/>
+          </a:bodyPr>
+          <a:lstStyle>
+            <a:lvl1pPr marL="0" marR="0" indent="0" algn="ctr" defTabSz="457200" rtl="0" latinLnBrk="0">
+              <a:lnSpc>
+                <a:spcPct val="100000"/>
+              </a:lnSpc>
+              <a:spcBef>
+                <a:spcPts val="0"/>
+              </a:spcBef>
+              <a:spcAft>
+                <a:spcPts val="0"/>
+              </a:spcAft>
+              <a:buClrTx/>
+              <a:buSzTx/>
+              <a:buFontTx/>
+              <a:buNone/>
+              <a:defRPr sz="4400" b="0" i="0" u="none" strike="noStrike" cap="none" spc="0" baseline="0">
+                <a:ln>
+                  <a:noFill/>
+                </a:ln>
+                <a:solidFill>
+                  <a:srgbClr val="000000"/>
+                </a:solidFill>
+                <a:uFillTx/>
+                <a:latin typeface="+mj-lt"/>
+                <a:ea typeface="+mj-ea"/>
+                <a:cs typeface="+mj-cs"/>
+                <a:sym typeface="Calibri"/>
+              </a:defRPr>
+            </a:lvl1pPr>
+            <a:lvl2pPr marL="0" marR="0" indent="0" algn="ctr" defTabSz="457200" rtl="0" latinLnBrk="0">
+              <a:lnSpc>
+                <a:spcPct val="100000"/>
+              </a:lnSpc>
+              <a:spcBef>
+                <a:spcPts val="0"/>
+              </a:spcBef>
+              <a:spcAft>
+                <a:spcPts val="0"/>
+              </a:spcAft>
+              <a:buClrTx/>
+              <a:buSzTx/>
+              <a:buFontTx/>
+              <a:buNone/>
+              <a:defRPr sz="4400" b="0" i="0" u="none" strike="noStrike" cap="none" spc="0" baseline="0">
+                <a:ln>
+                  <a:noFill/>
+                </a:ln>
+                <a:solidFill>
+                  <a:srgbClr val="000000"/>
+                </a:solidFill>
+                <a:uFillTx/>
+                <a:latin typeface="+mj-lt"/>
+                <a:ea typeface="+mj-ea"/>
+                <a:cs typeface="+mj-cs"/>
+                <a:sym typeface="Calibri"/>
+              </a:defRPr>
+            </a:lvl2pPr>
+            <a:lvl3pPr marL="0" marR="0" indent="0" algn="ctr" defTabSz="457200" rtl="0" latinLnBrk="0">
+              <a:lnSpc>
+                <a:spcPct val="100000"/>
+              </a:lnSpc>
+              <a:spcBef>
+                <a:spcPts val="0"/>
+              </a:spcBef>
+              <a:spcAft>
+                <a:spcPts val="0"/>
+              </a:spcAft>
+              <a:buClrTx/>
+              <a:buSzTx/>
+              <a:buFontTx/>
+              <a:buNone/>
+              <a:defRPr sz="4400" b="0" i="0" u="none" strike="noStrike" cap="none" spc="0" baseline="0">
+                <a:ln>
+                  <a:noFill/>
+                </a:ln>
+                <a:solidFill>
+                  <a:srgbClr val="000000"/>
+                </a:solidFill>
+                <a:uFillTx/>
+                <a:latin typeface="+mj-lt"/>
+                <a:ea typeface="+mj-ea"/>
+                <a:cs typeface="+mj-cs"/>
+                <a:sym typeface="Calibri"/>
+              </a:defRPr>
+            </a:lvl3pPr>
+            <a:lvl4pPr marL="0" marR="0" indent="0" algn="ctr" defTabSz="457200" rtl="0" latinLnBrk="0">
+              <a:lnSpc>
+                <a:spcPct val="100000"/>
+              </a:lnSpc>
+              <a:spcBef>
+                <a:spcPts val="0"/>
+              </a:spcBef>
+              <a:spcAft>
+                <a:spcPts val="0"/>
+              </a:spcAft>
+              <a:buClrTx/>
+              <a:buSzTx/>
+              <a:buFontTx/>
+              <a:buNone/>
+              <a:defRPr sz="4400" b="0" i="0" u="none" strike="noStrike" cap="none" spc="0" baseline="0">
+                <a:ln>
+                  <a:noFill/>
+                </a:ln>
+                <a:solidFill>
+                  <a:srgbClr val="000000"/>
+                </a:solidFill>
+                <a:uFillTx/>
+                <a:latin typeface="+mj-lt"/>
+                <a:ea typeface="+mj-ea"/>
+                <a:cs typeface="+mj-cs"/>
+                <a:sym typeface="Calibri"/>
+              </a:defRPr>
+            </a:lvl4pPr>
+            <a:lvl5pPr marL="0" marR="0" indent="0" algn="ctr" defTabSz="457200" rtl="0" latinLnBrk="0">
+              <a:lnSpc>
+                <a:spcPct val="100000"/>
+              </a:lnSpc>
+              <a:spcBef>
+                <a:spcPts val="0"/>
+              </a:spcBef>
+              <a:spcAft>
+                <a:spcPts val="0"/>
+              </a:spcAft>
+              <a:buClrTx/>
+              <a:buSzTx/>
+              <a:buFontTx/>
+              <a:buNone/>
+              <a:defRPr sz="4400" b="0" i="0" u="none" strike="noStrike" cap="none" spc="0" baseline="0">
+                <a:ln>
+                  <a:noFill/>
+                </a:ln>
+                <a:solidFill>
+                  <a:srgbClr val="000000"/>
+                </a:solidFill>
+                <a:uFillTx/>
+                <a:latin typeface="+mj-lt"/>
+                <a:ea typeface="+mj-ea"/>
+                <a:cs typeface="+mj-cs"/>
+                <a:sym typeface="Calibri"/>
+              </a:defRPr>
+            </a:lvl5pPr>
+            <a:lvl6pPr marL="0" marR="0" indent="0" algn="ctr" defTabSz="457200" rtl="0" latinLnBrk="0">
+              <a:lnSpc>
+                <a:spcPct val="100000"/>
+              </a:lnSpc>
+              <a:spcBef>
+                <a:spcPts val="0"/>
+              </a:spcBef>
+              <a:spcAft>
+                <a:spcPts val="0"/>
+              </a:spcAft>
+              <a:buClrTx/>
+              <a:buSzTx/>
+              <a:buFontTx/>
+              <a:buNone/>
+              <a:defRPr sz="4400" b="0" i="0" u="none" strike="noStrike" cap="none" spc="0" baseline="0">
+                <a:ln>
+                  <a:noFill/>
+                </a:ln>
+                <a:solidFill>
+                  <a:srgbClr val="000000"/>
+                </a:solidFill>
+                <a:uFillTx/>
+                <a:latin typeface="+mj-lt"/>
+                <a:ea typeface="+mj-ea"/>
+                <a:cs typeface="+mj-cs"/>
+                <a:sym typeface="Calibri"/>
+              </a:defRPr>
+            </a:lvl6pPr>
+            <a:lvl7pPr marL="0" marR="0" indent="0" algn="ctr" defTabSz="457200" rtl="0" latinLnBrk="0">
+              <a:lnSpc>
+                <a:spcPct val="100000"/>
+              </a:lnSpc>
+              <a:spcBef>
+                <a:spcPts val="0"/>
+              </a:spcBef>
+              <a:spcAft>
+                <a:spcPts val="0"/>
+              </a:spcAft>
+              <a:buClrTx/>
+              <a:buSzTx/>
+              <a:buFontTx/>
+              <a:buNone/>
+              <a:defRPr sz="4400" b="0" i="0" u="none" strike="noStrike" cap="none" spc="0" baseline="0">
+                <a:ln>
+                  <a:noFill/>
+                </a:ln>
+                <a:solidFill>
+                  <a:srgbClr val="000000"/>
+                </a:solidFill>
+                <a:uFillTx/>
+                <a:latin typeface="+mj-lt"/>
+                <a:ea typeface="+mj-ea"/>
+                <a:cs typeface="+mj-cs"/>
+                <a:sym typeface="Calibri"/>
+              </a:defRPr>
+            </a:lvl7pPr>
+            <a:lvl8pPr marL="0" marR="0" indent="0" algn="ctr" defTabSz="457200" rtl="0" latinLnBrk="0">
+              <a:lnSpc>
+                <a:spcPct val="100000"/>
+              </a:lnSpc>
+              <a:spcBef>
+                <a:spcPts val="0"/>
+              </a:spcBef>
+              <a:spcAft>
+                <a:spcPts val="0"/>
+              </a:spcAft>
+              <a:buClrTx/>
+              <a:buSzTx/>
+              <a:buFontTx/>
+              <a:buNone/>
+              <a:defRPr sz="4400" b="0" i="0" u="none" strike="noStrike" cap="none" spc="0" baseline="0">
+                <a:ln>
+                  <a:noFill/>
+                </a:ln>
+                <a:solidFill>
+                  <a:srgbClr val="000000"/>
+                </a:solidFill>
+                <a:uFillTx/>
+                <a:latin typeface="+mj-lt"/>
+                <a:ea typeface="+mj-ea"/>
+                <a:cs typeface="+mj-cs"/>
+                <a:sym typeface="Calibri"/>
+              </a:defRPr>
+            </a:lvl8pPr>
+            <a:lvl9pPr marL="0" marR="0" indent="0" algn="ctr" defTabSz="457200" rtl="0" latinLnBrk="0">
+              <a:lnSpc>
+                <a:spcPct val="100000"/>
+              </a:lnSpc>
+              <a:spcBef>
+                <a:spcPts val="0"/>
+              </a:spcBef>
+              <a:spcAft>
+                <a:spcPts val="0"/>
+              </a:spcAft>
+              <a:buClrTx/>
+              <a:buSzTx/>
+              <a:buFontTx/>
+              <a:buNone/>
+              <a:defRPr sz="4400" b="0" i="0" u="none" strike="noStrike" cap="none" spc="0" baseline="0">
+                <a:ln>
+                  <a:noFill/>
+                </a:ln>
+                <a:solidFill>
+                  <a:srgbClr val="000000"/>
+                </a:solidFill>
+                <a:uFillTx/>
+                <a:latin typeface="+mj-lt"/>
+                <a:ea typeface="+mj-ea"/>
+                <a:cs typeface="+mj-cs"/>
+                <a:sym typeface="Calibri"/>
+              </a:defRPr>
+            </a:lvl9pPr>
+          </a:lstStyle>
+          <a:p>
+            <a:pPr algn="r" hangingPunct="1"/>
+            <a:r>
+              <a:rPr lang="pt-BR" sz="2000" b="1" dirty="0">
+                <a:solidFill>
+                  <a:schemeClr val="bg1"/>
+                </a:solidFill>
+              </a:rPr>
+              <a:t>Professor </a:t>
+            </a:r>
+            <a:r>
+              <a:rPr lang="pt-BR" sz="2000" b="1">
+                <a:solidFill>
+                  <a:schemeClr val="bg1"/>
+                </a:solidFill>
+              </a:rPr>
+              <a:t>M.Sc</a:t>
+            </a:r>
+            <a:r>
+              <a:rPr lang="pt-BR" sz="2000" b="1" dirty="0">
+                <a:solidFill>
+                  <a:schemeClr val="bg1"/>
+                </a:solidFill>
+              </a:rPr>
+              <a:t>. Heleno Cardoso</a:t>
+            </a:r>
+          </a:p>
+        </p:txBody>
+      </p:sp>
+      <p:pic>
+        <p:nvPicPr>
+          <p:cNvPr id="2" name="Google Shape;62;p1" descr="Imagem">
+            <a:extLst>
+              <a:ext uri="{FF2B5EF4-FFF2-40B4-BE49-F238E27FC236}">
+                <a16:creationId xmlns:a16="http://schemas.microsoft.com/office/drawing/2014/main" id="{9C895622-2963-024D-634E-EA58F5381D06}"/>
+              </a:ext>
+            </a:extLst>
+          </p:cNvPr>
+          <p:cNvPicPr preferRelativeResize="0"/>
+          <p:nvPr/>
+        </p:nvPicPr>
+        <p:blipFill rotWithShape="1">
+          <a:blip r:embed="rId4">
+            <a:alphaModFix/>
+          </a:blip>
+          <a:srcRect/>
+          <a:stretch/>
+        </p:blipFill>
+        <p:spPr>
+          <a:xfrm>
+            <a:off x="469898" y="343798"/>
+            <a:ext cx="2858518" cy="1338697"/>
           </a:xfrm>
           <a:prstGeom prst="rect">
             <a:avLst/>
           </a:prstGeom>
           <a:noFill/>
-          <a:ln w="12700" cap="flat">
+          <a:ln>
             <a:noFill/>
-            <a:miter lim="400000"/>
           </a:ln>
-          <a:effectLst/>
         </p:spPr>
-        <p:style>
-          <a:lnRef idx="0">
-            <a:scrgbClr r="0" g="0" b="0"/>
-          </a:lnRef>
-          <a:fillRef idx="0">
-            <a:scrgbClr r="0" g="0" b="0"/>
-          </a:fillRef>
-          <a:effectRef idx="0">
-            <a:scrgbClr r="0" g="0" b="0"/>
-          </a:effectRef>
-          <a:fontRef idx="none"/>
-        </p:style>
-        <p:txBody>
-          <a:bodyPr wrap="square">
-            <a:spAutoFit/>
-          </a:bodyPr>
-          <a:lstStyle/>
-          <a:p>
-            <a:pPr marL="0" indent="0">
-              <a:buNone/>
-            </a:pPr>
-            <a:r>
-              <a:rPr lang="pt-BR" sz="2000" dirty="0" err="1">
-                <a:latin typeface="Times New Roman" panose="02020603050405020304" pitchFamily="18" charset="0"/>
-                <a:cs typeface="Times New Roman" panose="02020603050405020304" pitchFamily="18" charset="0"/>
-              </a:rPr>
-              <a:t>void</a:t>
-            </a:r>
-            <a:r>
-              <a:rPr lang="pt-BR" sz="2000" dirty="0">
-                <a:latin typeface="Times New Roman" panose="02020603050405020304" pitchFamily="18" charset="0"/>
-                <a:cs typeface="Times New Roman" panose="02020603050405020304" pitchFamily="18" charset="0"/>
-              </a:rPr>
-              <a:t> </a:t>
-            </a:r>
-            <a:r>
-              <a:rPr lang="pt-BR" sz="2000" b="1" dirty="0">
-                <a:latin typeface="Times New Roman" panose="02020603050405020304" pitchFamily="18" charset="0"/>
-                <a:cs typeface="Times New Roman" panose="02020603050405020304" pitchFamily="18" charset="0"/>
-              </a:rPr>
-              <a:t>loop</a:t>
-            </a:r>
-            <a:r>
-              <a:rPr lang="pt-BR" sz="2000" dirty="0">
-                <a:latin typeface="Times New Roman" panose="02020603050405020304" pitchFamily="18" charset="0"/>
-                <a:cs typeface="Times New Roman" panose="02020603050405020304" pitchFamily="18" charset="0"/>
-              </a:rPr>
-              <a:t>()</a:t>
-            </a:r>
-          </a:p>
-          <a:p>
-            <a:pPr marL="0" indent="0">
-              <a:buNone/>
-            </a:pPr>
-            <a:r>
-              <a:rPr lang="pt-BR" sz="2000" dirty="0">
-                <a:latin typeface="Times New Roman" panose="02020603050405020304" pitchFamily="18" charset="0"/>
-                <a:cs typeface="Times New Roman" panose="02020603050405020304" pitchFamily="18" charset="0"/>
-              </a:rPr>
-              <a:t>{</a:t>
-            </a:r>
-          </a:p>
-          <a:p>
-            <a:pPr marL="0" indent="0">
-              <a:buNone/>
-            </a:pPr>
-            <a:r>
-              <a:rPr lang="pt-BR" sz="2000" dirty="0">
-                <a:latin typeface="Times New Roman" panose="02020603050405020304" pitchFamily="18" charset="0"/>
-                <a:cs typeface="Times New Roman" panose="02020603050405020304" pitchFamily="18" charset="0"/>
-              </a:rPr>
-              <a:t>  </a:t>
-            </a:r>
-            <a:r>
-              <a:rPr lang="pt-BR" sz="2000" b="1" dirty="0" err="1">
-                <a:latin typeface="Times New Roman" panose="02020603050405020304" pitchFamily="18" charset="0"/>
-                <a:cs typeface="Times New Roman" panose="02020603050405020304" pitchFamily="18" charset="0"/>
-              </a:rPr>
-              <a:t>digitalWrite</a:t>
-            </a:r>
-            <a:r>
-              <a:rPr lang="pt-BR" sz="2000" dirty="0">
-                <a:latin typeface="Times New Roman" panose="02020603050405020304" pitchFamily="18" charset="0"/>
-                <a:cs typeface="Times New Roman" panose="02020603050405020304" pitchFamily="18" charset="0"/>
-              </a:rPr>
-              <a:t>(</a:t>
-            </a:r>
-            <a:r>
-              <a:rPr lang="pt-BR" sz="2000" dirty="0" err="1">
-                <a:latin typeface="Times New Roman" panose="02020603050405020304" pitchFamily="18" charset="0"/>
-                <a:cs typeface="Times New Roman" panose="02020603050405020304" pitchFamily="18" charset="0"/>
-              </a:rPr>
-              <a:t>pinoLed</a:t>
-            </a:r>
-            <a:r>
-              <a:rPr lang="pt-BR" sz="2000" dirty="0">
-                <a:latin typeface="Times New Roman" panose="02020603050405020304" pitchFamily="18" charset="0"/>
-                <a:cs typeface="Times New Roman" panose="02020603050405020304" pitchFamily="18" charset="0"/>
-              </a:rPr>
-              <a:t>, </a:t>
-            </a:r>
-            <a:r>
-              <a:rPr lang="pt-BR" sz="2000" b="1" dirty="0">
-                <a:latin typeface="Times New Roman" panose="02020603050405020304" pitchFamily="18" charset="0"/>
-                <a:cs typeface="Times New Roman" panose="02020603050405020304" pitchFamily="18" charset="0"/>
-              </a:rPr>
-              <a:t>HIGH</a:t>
-            </a:r>
-            <a:r>
-              <a:rPr lang="pt-BR" sz="2000" dirty="0">
-                <a:latin typeface="Times New Roman" panose="02020603050405020304" pitchFamily="18" charset="0"/>
-                <a:cs typeface="Times New Roman" panose="02020603050405020304" pitchFamily="18" charset="0"/>
-              </a:rPr>
-              <a:t>);</a:t>
-            </a:r>
-          </a:p>
-          <a:p>
-            <a:pPr marL="0" indent="0">
-              <a:buNone/>
-            </a:pPr>
-            <a:r>
-              <a:rPr lang="pt-BR" sz="2000" dirty="0">
-                <a:latin typeface="Times New Roman" panose="02020603050405020304" pitchFamily="18" charset="0"/>
-                <a:cs typeface="Times New Roman" panose="02020603050405020304" pitchFamily="18" charset="0"/>
-              </a:rPr>
-              <a:t>  </a:t>
-            </a:r>
-            <a:r>
-              <a:rPr lang="pt-BR" sz="2000" b="1" dirty="0">
-                <a:latin typeface="Times New Roman" panose="02020603050405020304" pitchFamily="18" charset="0"/>
-                <a:cs typeface="Times New Roman" panose="02020603050405020304" pitchFamily="18" charset="0"/>
-              </a:rPr>
-              <a:t>delay</a:t>
-            </a:r>
-            <a:r>
-              <a:rPr lang="pt-BR" sz="2000" dirty="0">
-                <a:latin typeface="Times New Roman" panose="02020603050405020304" pitchFamily="18" charset="0"/>
-                <a:cs typeface="Times New Roman" panose="02020603050405020304" pitchFamily="18" charset="0"/>
-              </a:rPr>
-              <a:t>(tempo); // </a:t>
-            </a:r>
-            <a:r>
-              <a:rPr lang="pt-BR" sz="2000" dirty="0" err="1">
-                <a:latin typeface="Times New Roman" panose="02020603050405020304" pitchFamily="18" charset="0"/>
-                <a:cs typeface="Times New Roman" panose="02020603050405020304" pitchFamily="18" charset="0"/>
-              </a:rPr>
-              <a:t>Wait</a:t>
-            </a:r>
-            <a:r>
-              <a:rPr lang="pt-BR" sz="2000" dirty="0">
-                <a:latin typeface="Times New Roman" panose="02020603050405020304" pitchFamily="18" charset="0"/>
-                <a:cs typeface="Times New Roman" panose="02020603050405020304" pitchFamily="18" charset="0"/>
-              </a:rPr>
-              <a:t> for 1000 </a:t>
-            </a:r>
-            <a:r>
-              <a:rPr lang="pt-BR" sz="2000" dirty="0" err="1">
-                <a:latin typeface="Times New Roman" panose="02020603050405020304" pitchFamily="18" charset="0"/>
-                <a:cs typeface="Times New Roman" panose="02020603050405020304" pitchFamily="18" charset="0"/>
-              </a:rPr>
-              <a:t>millisecond</a:t>
-            </a:r>
-            <a:r>
-              <a:rPr lang="pt-BR" sz="2000" dirty="0">
-                <a:latin typeface="Times New Roman" panose="02020603050405020304" pitchFamily="18" charset="0"/>
-                <a:cs typeface="Times New Roman" panose="02020603050405020304" pitchFamily="18" charset="0"/>
-              </a:rPr>
-              <a:t>(s)</a:t>
-            </a:r>
-          </a:p>
-          <a:p>
-            <a:pPr marL="0" indent="0">
-              <a:buNone/>
-            </a:pPr>
-            <a:r>
-              <a:rPr lang="pt-BR" sz="2000" dirty="0">
-                <a:latin typeface="Times New Roman" panose="02020603050405020304" pitchFamily="18" charset="0"/>
-                <a:cs typeface="Times New Roman" panose="02020603050405020304" pitchFamily="18" charset="0"/>
-              </a:rPr>
-              <a:t>  </a:t>
-            </a:r>
-            <a:r>
-              <a:rPr lang="pt-BR" sz="2000" b="1" dirty="0" err="1">
-                <a:latin typeface="Times New Roman" panose="02020603050405020304" pitchFamily="18" charset="0"/>
-                <a:cs typeface="Times New Roman" panose="02020603050405020304" pitchFamily="18" charset="0"/>
-              </a:rPr>
-              <a:t>digitalWrite</a:t>
-            </a:r>
-            <a:r>
-              <a:rPr lang="pt-BR" sz="2000" dirty="0">
-                <a:latin typeface="Times New Roman" panose="02020603050405020304" pitchFamily="18" charset="0"/>
-                <a:cs typeface="Times New Roman" panose="02020603050405020304" pitchFamily="18" charset="0"/>
-              </a:rPr>
-              <a:t>(</a:t>
-            </a:r>
-            <a:r>
-              <a:rPr lang="pt-BR" sz="2000" dirty="0" err="1">
-                <a:latin typeface="Times New Roman" panose="02020603050405020304" pitchFamily="18" charset="0"/>
-                <a:cs typeface="Times New Roman" panose="02020603050405020304" pitchFamily="18" charset="0"/>
-              </a:rPr>
-              <a:t>pinoLed</a:t>
-            </a:r>
-            <a:r>
-              <a:rPr lang="pt-BR" sz="2000" dirty="0">
-                <a:latin typeface="Times New Roman" panose="02020603050405020304" pitchFamily="18" charset="0"/>
-                <a:cs typeface="Times New Roman" panose="02020603050405020304" pitchFamily="18" charset="0"/>
-              </a:rPr>
-              <a:t>, </a:t>
-            </a:r>
-            <a:r>
-              <a:rPr lang="pt-BR" sz="2000" b="1" dirty="0">
-                <a:latin typeface="Times New Roman" panose="02020603050405020304" pitchFamily="18" charset="0"/>
-                <a:cs typeface="Times New Roman" panose="02020603050405020304" pitchFamily="18" charset="0"/>
-              </a:rPr>
-              <a:t>LOW</a:t>
-            </a:r>
-            <a:r>
-              <a:rPr lang="pt-BR" sz="2000" dirty="0">
-                <a:latin typeface="Times New Roman" panose="02020603050405020304" pitchFamily="18" charset="0"/>
-                <a:cs typeface="Times New Roman" panose="02020603050405020304" pitchFamily="18" charset="0"/>
-              </a:rPr>
-              <a:t>);</a:t>
-            </a:r>
-          </a:p>
-          <a:p>
-            <a:pPr marL="0" indent="0">
-              <a:buNone/>
-            </a:pPr>
-            <a:r>
-              <a:rPr lang="pt-BR" sz="2000" dirty="0">
-                <a:latin typeface="Times New Roman" panose="02020603050405020304" pitchFamily="18" charset="0"/>
-                <a:cs typeface="Times New Roman" panose="02020603050405020304" pitchFamily="18" charset="0"/>
-              </a:rPr>
-              <a:t>  </a:t>
-            </a:r>
-            <a:r>
-              <a:rPr lang="pt-BR" sz="2000" b="1" dirty="0">
-                <a:latin typeface="Times New Roman" panose="02020603050405020304" pitchFamily="18" charset="0"/>
-                <a:cs typeface="Times New Roman" panose="02020603050405020304" pitchFamily="18" charset="0"/>
-              </a:rPr>
-              <a:t>delay</a:t>
-            </a:r>
-            <a:r>
-              <a:rPr lang="pt-BR" sz="2000" dirty="0">
-                <a:latin typeface="Times New Roman" panose="02020603050405020304" pitchFamily="18" charset="0"/>
-                <a:cs typeface="Times New Roman" panose="02020603050405020304" pitchFamily="18" charset="0"/>
-              </a:rPr>
-              <a:t>(tempo); // </a:t>
-            </a:r>
-            <a:r>
-              <a:rPr lang="pt-BR" sz="2000" dirty="0" err="1">
-                <a:latin typeface="Times New Roman" panose="02020603050405020304" pitchFamily="18" charset="0"/>
-                <a:cs typeface="Times New Roman" panose="02020603050405020304" pitchFamily="18" charset="0"/>
-              </a:rPr>
-              <a:t>Wait</a:t>
-            </a:r>
-            <a:r>
-              <a:rPr lang="pt-BR" sz="2000" dirty="0">
-                <a:latin typeface="Times New Roman" panose="02020603050405020304" pitchFamily="18" charset="0"/>
-                <a:cs typeface="Times New Roman" panose="02020603050405020304" pitchFamily="18" charset="0"/>
-              </a:rPr>
-              <a:t> for 1000 </a:t>
-            </a:r>
-            <a:r>
-              <a:rPr lang="pt-BR" sz="2000" dirty="0" err="1">
-                <a:latin typeface="Times New Roman" panose="02020603050405020304" pitchFamily="18" charset="0"/>
-                <a:cs typeface="Times New Roman" panose="02020603050405020304" pitchFamily="18" charset="0"/>
-              </a:rPr>
-              <a:t>millisecond</a:t>
-            </a:r>
-            <a:r>
-              <a:rPr lang="pt-BR" sz="2000" dirty="0">
-                <a:latin typeface="Times New Roman" panose="02020603050405020304" pitchFamily="18" charset="0"/>
-                <a:cs typeface="Times New Roman" panose="02020603050405020304" pitchFamily="18" charset="0"/>
-              </a:rPr>
-              <a:t>(s)</a:t>
-            </a:r>
-          </a:p>
-          <a:p>
-            <a:pPr marL="0" indent="0">
-              <a:buNone/>
-            </a:pPr>
-            <a:r>
-              <a:rPr lang="pt-BR" sz="2000" dirty="0">
-                <a:latin typeface="Times New Roman" panose="02020603050405020304" pitchFamily="18" charset="0"/>
-                <a:cs typeface="Times New Roman" panose="02020603050405020304" pitchFamily="18" charset="0"/>
-              </a:rPr>
-              <a:t>}</a:t>
-            </a:r>
-          </a:p>
-          <a:p>
-            <a:pPr marL="0" indent="0">
-              <a:buNone/>
-            </a:pPr>
-            <a:endParaRPr lang="pt-BR" sz="2000" dirty="0">
-              <a:solidFill>
-                <a:schemeClr val="tx1"/>
-              </a:solidFill>
-              <a:latin typeface="Times New Roman" panose="02020603050405020304" pitchFamily="18" charset="0"/>
-              <a:cs typeface="Times New Roman" panose="02020603050405020304" pitchFamily="18" charset="0"/>
-            </a:endParaRPr>
-          </a:p>
-        </p:txBody>
-      </p:sp>
+      </p:pic>
     </p:spTree>
-    <p:extLst>
-      <p:ext uri="{BB962C8B-B14F-4D97-AF65-F5344CB8AC3E}">
-        <p14:creationId xmlns:p14="http://schemas.microsoft.com/office/powerpoint/2010/main" val="3650963491"/>
-      </p:ext>
-    </p:extLst>
-  </p:cSld>
-  <p:clrMapOvr>
-    <a:masterClrMapping/>
-  </p:clrMapOvr>
-  <p:transition spd="med"/>
-</p:sld>
-</file>
-
-<file path=ppt/slides/slide14.xml><?xml version="1.0" encoding="utf-8"?>
-<p:sld xmlns:a="http://schemas.openxmlformats.org/drawingml/2006/main" xmlns:r="http://schemas.openxmlformats.org/officeDocument/2006/relationships" xmlns:p="http://schemas.openxmlformats.org/presentationml/2006/main">
-  <p:cSld>
-    <p:spTree>
-      <p:nvGrpSpPr>
-        <p:cNvPr id="1" name=""/>
-        <p:cNvGrpSpPr/>
-        <p:nvPr/>
-      </p:nvGrpSpPr>
-      <p:grpSpPr>
-        <a:xfrm>
-          <a:off x="0" y="0"/>
-          <a:ext cx="0" cy="0"/>
-          <a:chOff x="0" y="0"/>
-          <a:chExt cx="0" cy="0"/>
-        </a:xfrm>
-      </p:grpSpPr>
-      <p:sp>
-        <p:nvSpPr>
-          <p:cNvPr id="6" name="Title 1"/>
-          <p:cNvSpPr>
-            <a:spLocks noGrp="1"/>
-          </p:cNvSpPr>
-          <p:nvPr>
-            <p:ph type="title"/>
-          </p:nvPr>
-        </p:nvSpPr>
-        <p:spPr>
-          <a:xfrm>
-            <a:off x="457200" y="205980"/>
-            <a:ext cx="8229600" cy="857251"/>
-          </a:xfrm>
-        </p:spPr>
-        <p:txBody>
-          <a:bodyPr>
-            <a:normAutofit/>
-          </a:bodyPr>
-          <a:lstStyle/>
-          <a:p>
-            <a:r>
-              <a:rPr lang="en-US" b="1" dirty="0" err="1">
-                <a:solidFill>
-                  <a:srgbClr val="0070C0"/>
-                </a:solidFill>
-              </a:rPr>
-              <a:t>Tinkercad</a:t>
-            </a:r>
-            <a:r>
-              <a:rPr lang="en-US" b="1" dirty="0">
-                <a:solidFill>
-                  <a:srgbClr val="0070C0"/>
-                </a:solidFill>
-              </a:rPr>
-              <a:t> – </a:t>
-            </a:r>
-            <a:r>
-              <a:rPr lang="en-US" b="1" dirty="0" err="1">
-                <a:solidFill>
-                  <a:srgbClr val="0070C0"/>
-                </a:solidFill>
-              </a:rPr>
-              <a:t>Piscar</a:t>
-            </a:r>
-            <a:r>
-              <a:rPr lang="en-US" b="1" dirty="0">
-                <a:solidFill>
-                  <a:srgbClr val="0070C0"/>
-                </a:solidFill>
-              </a:rPr>
-              <a:t> 4 </a:t>
-            </a:r>
-            <a:r>
-              <a:rPr lang="en-US" b="1" dirty="0" err="1">
-                <a:solidFill>
-                  <a:srgbClr val="0070C0"/>
-                </a:solidFill>
-              </a:rPr>
-              <a:t>Leds</a:t>
-            </a:r>
-            <a:endParaRPr lang="en-US" b="1" dirty="0">
-              <a:solidFill>
-                <a:srgbClr val="0070C0"/>
-              </a:solidFill>
-            </a:endParaRPr>
-          </a:p>
-        </p:txBody>
-      </p:sp>
-      <p:sp>
-        <p:nvSpPr>
-          <p:cNvPr id="8" name="Text Placeholder 2"/>
-          <p:cNvSpPr>
-            <a:spLocks noGrp="1"/>
-          </p:cNvSpPr>
-          <p:nvPr>
-            <p:ph type="body" sz="half" idx="1"/>
-          </p:nvPr>
-        </p:nvSpPr>
-        <p:spPr>
-          <a:xfrm>
-            <a:off x="142865" y="914400"/>
-            <a:ext cx="8865056" cy="3864864"/>
-          </a:xfrm>
-        </p:spPr>
-        <p:txBody>
-          <a:bodyPr>
-            <a:noAutofit/>
-          </a:bodyPr>
-          <a:lstStyle/>
-          <a:p>
-            <a:pPr marL="0" indent="0">
-              <a:buNone/>
-            </a:pPr>
-            <a:r>
-              <a:rPr lang="pt-BR" sz="1600" dirty="0">
-                <a:latin typeface="Times New Roman" panose="02020603050405020304" pitchFamily="18" charset="0"/>
-                <a:cs typeface="Times New Roman" panose="02020603050405020304" pitchFamily="18" charset="0"/>
-              </a:rPr>
-              <a:t>#</a:t>
-            </a:r>
-            <a:r>
-              <a:rPr lang="pt-BR" sz="1600" b="1" dirty="0">
-                <a:latin typeface="Times New Roman" panose="02020603050405020304" pitchFamily="18" charset="0"/>
-                <a:cs typeface="Times New Roman" panose="02020603050405020304" pitchFamily="18" charset="0"/>
-              </a:rPr>
-              <a:t>define</a:t>
-            </a:r>
-            <a:r>
-              <a:rPr lang="pt-BR" sz="1600" dirty="0">
-                <a:latin typeface="Times New Roman" panose="02020603050405020304" pitchFamily="18" charset="0"/>
-                <a:cs typeface="Times New Roman" panose="02020603050405020304" pitchFamily="18" charset="0"/>
-              </a:rPr>
-              <a:t> tempo 1000</a:t>
-            </a:r>
-          </a:p>
-          <a:p>
-            <a:pPr marL="0" indent="0">
-              <a:buNone/>
-            </a:pPr>
-            <a:r>
-              <a:rPr lang="pt-BR" sz="1600" b="1" dirty="0" err="1">
-                <a:latin typeface="Times New Roman" panose="02020603050405020304" pitchFamily="18" charset="0"/>
-                <a:cs typeface="Times New Roman" panose="02020603050405020304" pitchFamily="18" charset="0"/>
-              </a:rPr>
-              <a:t>int</a:t>
-            </a:r>
-            <a:r>
-              <a:rPr lang="pt-BR" sz="1600" dirty="0">
-                <a:latin typeface="Times New Roman" panose="02020603050405020304" pitchFamily="18" charset="0"/>
-                <a:cs typeface="Times New Roman" panose="02020603050405020304" pitchFamily="18" charset="0"/>
-              </a:rPr>
-              <a:t> pinoLed9 = 9;</a:t>
-            </a:r>
-          </a:p>
-          <a:p>
-            <a:pPr marL="0" indent="0">
-              <a:buNone/>
-            </a:pPr>
-            <a:r>
-              <a:rPr lang="pt-BR" sz="1600" b="1" dirty="0" err="1">
-                <a:latin typeface="Times New Roman" panose="02020603050405020304" pitchFamily="18" charset="0"/>
-                <a:cs typeface="Times New Roman" panose="02020603050405020304" pitchFamily="18" charset="0"/>
-              </a:rPr>
-              <a:t>int</a:t>
-            </a:r>
-            <a:r>
-              <a:rPr lang="pt-BR" sz="1600" dirty="0">
-                <a:latin typeface="Times New Roman" panose="02020603050405020304" pitchFamily="18" charset="0"/>
-                <a:cs typeface="Times New Roman" panose="02020603050405020304" pitchFamily="18" charset="0"/>
-              </a:rPr>
-              <a:t> pinoLed10 = 10;</a:t>
-            </a:r>
-          </a:p>
-          <a:p>
-            <a:pPr marL="0" indent="0">
-              <a:buNone/>
-            </a:pPr>
-            <a:r>
-              <a:rPr lang="pt-BR" sz="1600" b="1" dirty="0" err="1">
-                <a:latin typeface="Times New Roman" panose="02020603050405020304" pitchFamily="18" charset="0"/>
-                <a:cs typeface="Times New Roman" panose="02020603050405020304" pitchFamily="18" charset="0"/>
-              </a:rPr>
-              <a:t>int</a:t>
-            </a:r>
-            <a:r>
-              <a:rPr lang="pt-BR" sz="1600" dirty="0">
-                <a:latin typeface="Times New Roman" panose="02020603050405020304" pitchFamily="18" charset="0"/>
-                <a:cs typeface="Times New Roman" panose="02020603050405020304" pitchFamily="18" charset="0"/>
-              </a:rPr>
-              <a:t> pinoLed11 = 11;</a:t>
-            </a:r>
-          </a:p>
-          <a:p>
-            <a:pPr marL="0" indent="0">
-              <a:buNone/>
-            </a:pPr>
-            <a:r>
-              <a:rPr lang="pt-BR" sz="1600" b="1" dirty="0" err="1">
-                <a:latin typeface="Times New Roman" panose="02020603050405020304" pitchFamily="18" charset="0"/>
-                <a:cs typeface="Times New Roman" panose="02020603050405020304" pitchFamily="18" charset="0"/>
-              </a:rPr>
-              <a:t>int</a:t>
-            </a:r>
-            <a:r>
-              <a:rPr lang="pt-BR" sz="1600" dirty="0">
-                <a:latin typeface="Times New Roman" panose="02020603050405020304" pitchFamily="18" charset="0"/>
-                <a:cs typeface="Times New Roman" panose="02020603050405020304" pitchFamily="18" charset="0"/>
-              </a:rPr>
-              <a:t> pinoLed12 = 12;</a:t>
-            </a:r>
-          </a:p>
-          <a:p>
-            <a:pPr marL="0" indent="0">
-              <a:buNone/>
-            </a:pPr>
-            <a:r>
-              <a:rPr lang="pt-BR" sz="1600" dirty="0" err="1">
-                <a:latin typeface="Times New Roman" panose="02020603050405020304" pitchFamily="18" charset="0"/>
-                <a:cs typeface="Times New Roman" panose="02020603050405020304" pitchFamily="18" charset="0"/>
-              </a:rPr>
-              <a:t>void</a:t>
-            </a:r>
-            <a:r>
-              <a:rPr lang="pt-BR" sz="1600" dirty="0">
-                <a:latin typeface="Times New Roman" panose="02020603050405020304" pitchFamily="18" charset="0"/>
-                <a:cs typeface="Times New Roman" panose="02020603050405020304" pitchFamily="18" charset="0"/>
-              </a:rPr>
-              <a:t> </a:t>
-            </a:r>
-            <a:r>
-              <a:rPr lang="pt-BR" sz="1600" b="1" dirty="0">
-                <a:latin typeface="Times New Roman" panose="02020603050405020304" pitchFamily="18" charset="0"/>
-                <a:cs typeface="Times New Roman" panose="02020603050405020304" pitchFamily="18" charset="0"/>
-              </a:rPr>
-              <a:t>setup</a:t>
-            </a:r>
-            <a:r>
-              <a:rPr lang="pt-BR" sz="1600" dirty="0">
-                <a:latin typeface="Times New Roman" panose="02020603050405020304" pitchFamily="18" charset="0"/>
-                <a:cs typeface="Times New Roman" panose="02020603050405020304" pitchFamily="18" charset="0"/>
-              </a:rPr>
-              <a:t>() {</a:t>
-            </a:r>
-          </a:p>
-          <a:p>
-            <a:pPr marL="0" indent="0">
-              <a:buNone/>
-            </a:pPr>
-            <a:r>
-              <a:rPr lang="pt-BR" sz="1600" dirty="0">
-                <a:latin typeface="Times New Roman" panose="02020603050405020304" pitchFamily="18" charset="0"/>
-                <a:cs typeface="Times New Roman" panose="02020603050405020304" pitchFamily="18" charset="0"/>
-              </a:rPr>
-              <a:t>  </a:t>
-            </a:r>
-            <a:r>
-              <a:rPr lang="pt-BR" sz="1600" b="1" dirty="0" err="1">
-                <a:latin typeface="Times New Roman" panose="02020603050405020304" pitchFamily="18" charset="0"/>
-                <a:cs typeface="Times New Roman" panose="02020603050405020304" pitchFamily="18" charset="0"/>
-              </a:rPr>
-              <a:t>pinMode</a:t>
-            </a:r>
-            <a:r>
-              <a:rPr lang="pt-BR" sz="1600" dirty="0">
-                <a:latin typeface="Times New Roman" panose="02020603050405020304" pitchFamily="18" charset="0"/>
-                <a:cs typeface="Times New Roman" panose="02020603050405020304" pitchFamily="18" charset="0"/>
-              </a:rPr>
-              <a:t>(pinoLed9, </a:t>
-            </a:r>
-            <a:r>
-              <a:rPr lang="pt-BR" sz="1600" b="1" dirty="0">
-                <a:latin typeface="Times New Roman" panose="02020603050405020304" pitchFamily="18" charset="0"/>
-                <a:cs typeface="Times New Roman" panose="02020603050405020304" pitchFamily="18" charset="0"/>
-              </a:rPr>
-              <a:t>OUTPUT</a:t>
-            </a:r>
-            <a:r>
-              <a:rPr lang="pt-BR" sz="1600" dirty="0">
-                <a:latin typeface="Times New Roman" panose="02020603050405020304" pitchFamily="18" charset="0"/>
-                <a:cs typeface="Times New Roman" panose="02020603050405020304" pitchFamily="18" charset="0"/>
-              </a:rPr>
-              <a:t>);</a:t>
-            </a:r>
-          </a:p>
-          <a:p>
-            <a:pPr marL="0" indent="0">
-              <a:buNone/>
-            </a:pPr>
-            <a:r>
-              <a:rPr lang="pt-BR" sz="1600" dirty="0">
-                <a:latin typeface="Times New Roman" panose="02020603050405020304" pitchFamily="18" charset="0"/>
-                <a:cs typeface="Times New Roman" panose="02020603050405020304" pitchFamily="18" charset="0"/>
-              </a:rPr>
-              <a:t>  </a:t>
-            </a:r>
-            <a:r>
-              <a:rPr lang="pt-BR" sz="1600" b="1" dirty="0" err="1">
-                <a:latin typeface="Times New Roman" panose="02020603050405020304" pitchFamily="18" charset="0"/>
-                <a:cs typeface="Times New Roman" panose="02020603050405020304" pitchFamily="18" charset="0"/>
-              </a:rPr>
-              <a:t>pinMode</a:t>
-            </a:r>
-            <a:r>
-              <a:rPr lang="pt-BR" sz="1600" dirty="0">
-                <a:latin typeface="Times New Roman" panose="02020603050405020304" pitchFamily="18" charset="0"/>
-                <a:cs typeface="Times New Roman" panose="02020603050405020304" pitchFamily="18" charset="0"/>
-              </a:rPr>
-              <a:t>(pinoLed10, </a:t>
-            </a:r>
-            <a:r>
-              <a:rPr lang="pt-BR" sz="1600" b="1" dirty="0">
-                <a:latin typeface="Times New Roman" panose="02020603050405020304" pitchFamily="18" charset="0"/>
-                <a:cs typeface="Times New Roman" panose="02020603050405020304" pitchFamily="18" charset="0"/>
-              </a:rPr>
-              <a:t>OUTPUT</a:t>
-            </a:r>
-            <a:r>
-              <a:rPr lang="pt-BR" sz="1600" dirty="0">
-                <a:latin typeface="Times New Roman" panose="02020603050405020304" pitchFamily="18" charset="0"/>
-                <a:cs typeface="Times New Roman" panose="02020603050405020304" pitchFamily="18" charset="0"/>
-              </a:rPr>
-              <a:t>);</a:t>
-            </a:r>
-          </a:p>
-          <a:p>
-            <a:pPr marL="0" indent="0">
-              <a:buNone/>
-            </a:pPr>
-            <a:r>
-              <a:rPr lang="pt-BR" sz="1600" dirty="0">
-                <a:latin typeface="Times New Roman" panose="02020603050405020304" pitchFamily="18" charset="0"/>
-                <a:cs typeface="Times New Roman" panose="02020603050405020304" pitchFamily="18" charset="0"/>
-              </a:rPr>
-              <a:t>  </a:t>
-            </a:r>
-            <a:r>
-              <a:rPr lang="pt-BR" sz="1600" b="1" dirty="0" err="1">
-                <a:latin typeface="Times New Roman" panose="02020603050405020304" pitchFamily="18" charset="0"/>
-                <a:cs typeface="Times New Roman" panose="02020603050405020304" pitchFamily="18" charset="0"/>
-              </a:rPr>
-              <a:t>pinMode</a:t>
-            </a:r>
-            <a:r>
-              <a:rPr lang="pt-BR" sz="1600" dirty="0">
-                <a:latin typeface="Times New Roman" panose="02020603050405020304" pitchFamily="18" charset="0"/>
-                <a:cs typeface="Times New Roman" panose="02020603050405020304" pitchFamily="18" charset="0"/>
-              </a:rPr>
-              <a:t>(pinoLed11, </a:t>
-            </a:r>
-            <a:r>
-              <a:rPr lang="pt-BR" sz="1600" b="1" dirty="0">
-                <a:latin typeface="Times New Roman" panose="02020603050405020304" pitchFamily="18" charset="0"/>
-                <a:cs typeface="Times New Roman" panose="02020603050405020304" pitchFamily="18" charset="0"/>
-              </a:rPr>
-              <a:t>OUTPUT</a:t>
-            </a:r>
-            <a:r>
-              <a:rPr lang="pt-BR" sz="1600" dirty="0">
-                <a:latin typeface="Times New Roman" panose="02020603050405020304" pitchFamily="18" charset="0"/>
-                <a:cs typeface="Times New Roman" panose="02020603050405020304" pitchFamily="18" charset="0"/>
-              </a:rPr>
-              <a:t>);</a:t>
-            </a:r>
-          </a:p>
-          <a:p>
-            <a:pPr marL="0" indent="0">
-              <a:buNone/>
-            </a:pPr>
-            <a:r>
-              <a:rPr lang="pt-BR" sz="1600" dirty="0">
-                <a:latin typeface="Times New Roman" panose="02020603050405020304" pitchFamily="18" charset="0"/>
-                <a:cs typeface="Times New Roman" panose="02020603050405020304" pitchFamily="18" charset="0"/>
-              </a:rPr>
-              <a:t>  </a:t>
-            </a:r>
-            <a:r>
-              <a:rPr lang="pt-BR" sz="1600" b="1" dirty="0" err="1">
-                <a:latin typeface="Times New Roman" panose="02020603050405020304" pitchFamily="18" charset="0"/>
-                <a:cs typeface="Times New Roman" panose="02020603050405020304" pitchFamily="18" charset="0"/>
-              </a:rPr>
-              <a:t>pinMode</a:t>
-            </a:r>
-            <a:r>
-              <a:rPr lang="pt-BR" sz="1600" dirty="0">
-                <a:latin typeface="Times New Roman" panose="02020603050405020304" pitchFamily="18" charset="0"/>
-                <a:cs typeface="Times New Roman" panose="02020603050405020304" pitchFamily="18" charset="0"/>
-              </a:rPr>
-              <a:t>(pinoLed12, </a:t>
-            </a:r>
-            <a:r>
-              <a:rPr lang="pt-BR" sz="1600" b="1" dirty="0">
-                <a:latin typeface="Times New Roman" panose="02020603050405020304" pitchFamily="18" charset="0"/>
-                <a:cs typeface="Times New Roman" panose="02020603050405020304" pitchFamily="18" charset="0"/>
-              </a:rPr>
-              <a:t>OUTPUT</a:t>
-            </a:r>
-            <a:r>
-              <a:rPr lang="pt-BR" sz="1800" dirty="0">
-                <a:latin typeface="Times New Roman" panose="02020603050405020304" pitchFamily="18" charset="0"/>
-                <a:cs typeface="Times New Roman" panose="02020603050405020304" pitchFamily="18" charset="0"/>
-              </a:rPr>
-              <a:t>); }</a:t>
-            </a:r>
-          </a:p>
-        </p:txBody>
-      </p:sp>
-      <p:sp>
-        <p:nvSpPr>
-          <p:cNvPr id="4" name="CaixaDeTexto 3">
-            <a:extLst>
-              <a:ext uri="{FF2B5EF4-FFF2-40B4-BE49-F238E27FC236}">
-                <a16:creationId xmlns:a16="http://schemas.microsoft.com/office/drawing/2014/main" id="{F0790EAA-BD40-6646-0955-2EDBC47F45A4}"/>
-              </a:ext>
-            </a:extLst>
-          </p:cNvPr>
-          <p:cNvSpPr txBox="1"/>
-          <p:nvPr/>
-        </p:nvSpPr>
-        <p:spPr>
-          <a:xfrm>
-            <a:off x="3142097" y="914400"/>
-            <a:ext cx="5544703" cy="3970318"/>
-          </a:xfrm>
-          <a:prstGeom prst="rect">
-            <a:avLst/>
-          </a:prstGeom>
-          <a:noFill/>
-          <a:ln w="12700" cap="flat">
-            <a:noFill/>
-            <a:miter lim="400000"/>
-          </a:ln>
-          <a:effectLst/>
-        </p:spPr>
-        <p:style>
-          <a:lnRef idx="0">
-            <a:scrgbClr r="0" g="0" b="0"/>
-          </a:lnRef>
-          <a:fillRef idx="0">
-            <a:scrgbClr r="0" g="0" b="0"/>
-          </a:fillRef>
-          <a:effectRef idx="0">
-            <a:scrgbClr r="0" g="0" b="0"/>
-          </a:effectRef>
-          <a:fontRef idx="none"/>
-        </p:style>
-        <p:txBody>
-          <a:bodyPr wrap="square">
-            <a:spAutoFit/>
-          </a:bodyPr>
-          <a:lstStyle/>
-          <a:p>
-            <a:pPr marL="0" indent="0">
-              <a:buNone/>
-            </a:pPr>
-            <a:r>
-              <a:rPr lang="pt-BR" sz="1400" dirty="0" err="1">
-                <a:latin typeface="Times New Roman" panose="02020603050405020304" pitchFamily="18" charset="0"/>
-                <a:cs typeface="Times New Roman" panose="02020603050405020304" pitchFamily="18" charset="0"/>
-              </a:rPr>
-              <a:t>void</a:t>
-            </a:r>
-            <a:r>
-              <a:rPr lang="pt-BR" sz="1400" dirty="0">
-                <a:latin typeface="Times New Roman" panose="02020603050405020304" pitchFamily="18" charset="0"/>
-                <a:cs typeface="Times New Roman" panose="02020603050405020304" pitchFamily="18" charset="0"/>
-              </a:rPr>
-              <a:t> </a:t>
-            </a:r>
-            <a:r>
-              <a:rPr lang="pt-BR" sz="1400" b="1" dirty="0">
-                <a:latin typeface="Times New Roman" panose="02020603050405020304" pitchFamily="18" charset="0"/>
-                <a:cs typeface="Times New Roman" panose="02020603050405020304" pitchFamily="18" charset="0"/>
-              </a:rPr>
-              <a:t>loop</a:t>
-            </a:r>
-            <a:r>
-              <a:rPr lang="pt-BR" sz="1400" dirty="0">
-                <a:latin typeface="Times New Roman" panose="02020603050405020304" pitchFamily="18" charset="0"/>
-                <a:cs typeface="Times New Roman" panose="02020603050405020304" pitchFamily="18" charset="0"/>
-              </a:rPr>
-              <a:t>() {</a:t>
-            </a:r>
-          </a:p>
-          <a:p>
-            <a:pPr marL="0" indent="0">
-              <a:buNone/>
-            </a:pPr>
-            <a:r>
-              <a:rPr lang="pt-BR" sz="1400" dirty="0">
-                <a:latin typeface="Times New Roman" panose="02020603050405020304" pitchFamily="18" charset="0"/>
-                <a:cs typeface="Times New Roman" panose="02020603050405020304" pitchFamily="18" charset="0"/>
-              </a:rPr>
-              <a:t>  </a:t>
-            </a:r>
-            <a:r>
-              <a:rPr lang="pt-BR" sz="1400" b="1" dirty="0">
-                <a:latin typeface="Times New Roman" panose="02020603050405020304" pitchFamily="18" charset="0"/>
-                <a:cs typeface="Times New Roman" panose="02020603050405020304" pitchFamily="18" charset="0"/>
-              </a:rPr>
-              <a:t>delay</a:t>
-            </a:r>
-            <a:r>
-              <a:rPr lang="pt-BR" sz="1400" dirty="0">
-                <a:latin typeface="Times New Roman" panose="02020603050405020304" pitchFamily="18" charset="0"/>
-                <a:cs typeface="Times New Roman" panose="02020603050405020304" pitchFamily="18" charset="0"/>
-              </a:rPr>
-              <a:t>(tempo); // </a:t>
-            </a:r>
-            <a:r>
-              <a:rPr lang="pt-BR" sz="1400" dirty="0" err="1">
-                <a:latin typeface="Times New Roman" panose="02020603050405020304" pitchFamily="18" charset="0"/>
-                <a:cs typeface="Times New Roman" panose="02020603050405020304" pitchFamily="18" charset="0"/>
-              </a:rPr>
-              <a:t>Wait</a:t>
-            </a:r>
-            <a:r>
-              <a:rPr lang="pt-BR" sz="1400" dirty="0">
-                <a:latin typeface="Times New Roman" panose="02020603050405020304" pitchFamily="18" charset="0"/>
-                <a:cs typeface="Times New Roman" panose="02020603050405020304" pitchFamily="18" charset="0"/>
-              </a:rPr>
-              <a:t> for 1000 </a:t>
-            </a:r>
-            <a:r>
-              <a:rPr lang="pt-BR" sz="1400" dirty="0" err="1">
-                <a:latin typeface="Times New Roman" panose="02020603050405020304" pitchFamily="18" charset="0"/>
-                <a:cs typeface="Times New Roman" panose="02020603050405020304" pitchFamily="18" charset="0"/>
-              </a:rPr>
-              <a:t>millisecond</a:t>
-            </a:r>
-            <a:r>
-              <a:rPr lang="pt-BR" sz="1400" dirty="0">
-                <a:latin typeface="Times New Roman" panose="02020603050405020304" pitchFamily="18" charset="0"/>
-                <a:cs typeface="Times New Roman" panose="02020603050405020304" pitchFamily="18" charset="0"/>
-              </a:rPr>
-              <a:t>(s)</a:t>
-            </a:r>
-          </a:p>
-          <a:p>
-            <a:pPr marL="0" indent="0">
-              <a:buNone/>
-            </a:pPr>
-            <a:r>
-              <a:rPr lang="pt-BR" sz="1400" dirty="0">
-                <a:latin typeface="Times New Roman" panose="02020603050405020304" pitchFamily="18" charset="0"/>
-                <a:cs typeface="Times New Roman" panose="02020603050405020304" pitchFamily="18" charset="0"/>
-              </a:rPr>
-              <a:t>  </a:t>
-            </a:r>
-            <a:r>
-              <a:rPr lang="pt-BR" sz="1400" b="1" dirty="0" err="1">
-                <a:latin typeface="Times New Roman" panose="02020603050405020304" pitchFamily="18" charset="0"/>
-                <a:cs typeface="Times New Roman" panose="02020603050405020304" pitchFamily="18" charset="0"/>
-              </a:rPr>
-              <a:t>digitalWrite</a:t>
-            </a:r>
-            <a:r>
-              <a:rPr lang="pt-BR" sz="1400" dirty="0">
-                <a:latin typeface="Times New Roman" panose="02020603050405020304" pitchFamily="18" charset="0"/>
-                <a:cs typeface="Times New Roman" panose="02020603050405020304" pitchFamily="18" charset="0"/>
-              </a:rPr>
-              <a:t>(pinoLed9, HIGH);</a:t>
-            </a:r>
-          </a:p>
-          <a:p>
-            <a:pPr marL="0" indent="0">
-              <a:buNone/>
-            </a:pPr>
-            <a:r>
-              <a:rPr lang="pt-BR" sz="1400" dirty="0">
-                <a:latin typeface="Times New Roman" panose="02020603050405020304" pitchFamily="18" charset="0"/>
-                <a:cs typeface="Times New Roman" panose="02020603050405020304" pitchFamily="18" charset="0"/>
-              </a:rPr>
-              <a:t>  </a:t>
-            </a:r>
-            <a:r>
-              <a:rPr lang="pt-BR" sz="1400" b="1" dirty="0">
-                <a:latin typeface="Times New Roman" panose="02020603050405020304" pitchFamily="18" charset="0"/>
-                <a:cs typeface="Times New Roman" panose="02020603050405020304" pitchFamily="18" charset="0"/>
-              </a:rPr>
-              <a:t>delay</a:t>
-            </a:r>
-            <a:r>
-              <a:rPr lang="pt-BR" sz="1400" dirty="0">
-                <a:latin typeface="Times New Roman" panose="02020603050405020304" pitchFamily="18" charset="0"/>
-                <a:cs typeface="Times New Roman" panose="02020603050405020304" pitchFamily="18" charset="0"/>
-              </a:rPr>
-              <a:t>(tempo); // </a:t>
-            </a:r>
-            <a:r>
-              <a:rPr lang="pt-BR" sz="1400" dirty="0" err="1">
-                <a:latin typeface="Times New Roman" panose="02020603050405020304" pitchFamily="18" charset="0"/>
-                <a:cs typeface="Times New Roman" panose="02020603050405020304" pitchFamily="18" charset="0"/>
-              </a:rPr>
-              <a:t>Wait</a:t>
-            </a:r>
-            <a:r>
-              <a:rPr lang="pt-BR" sz="1400" dirty="0">
-                <a:latin typeface="Times New Roman" panose="02020603050405020304" pitchFamily="18" charset="0"/>
-                <a:cs typeface="Times New Roman" panose="02020603050405020304" pitchFamily="18" charset="0"/>
-              </a:rPr>
-              <a:t> for 1000 </a:t>
-            </a:r>
-            <a:r>
-              <a:rPr lang="pt-BR" sz="1400" dirty="0" err="1">
-                <a:latin typeface="Times New Roman" panose="02020603050405020304" pitchFamily="18" charset="0"/>
-                <a:cs typeface="Times New Roman" panose="02020603050405020304" pitchFamily="18" charset="0"/>
-              </a:rPr>
-              <a:t>millisecond</a:t>
-            </a:r>
-            <a:r>
-              <a:rPr lang="pt-BR" sz="1400" dirty="0">
-                <a:latin typeface="Times New Roman" panose="02020603050405020304" pitchFamily="18" charset="0"/>
-                <a:cs typeface="Times New Roman" panose="02020603050405020304" pitchFamily="18" charset="0"/>
-              </a:rPr>
-              <a:t>(s)</a:t>
-            </a:r>
-          </a:p>
-          <a:p>
-            <a:pPr marL="0" indent="0">
-              <a:buNone/>
-            </a:pPr>
-            <a:r>
-              <a:rPr lang="pt-BR" sz="1400" dirty="0">
-                <a:latin typeface="Times New Roman" panose="02020603050405020304" pitchFamily="18" charset="0"/>
-                <a:cs typeface="Times New Roman" panose="02020603050405020304" pitchFamily="18" charset="0"/>
-              </a:rPr>
-              <a:t>  </a:t>
-            </a:r>
-            <a:r>
-              <a:rPr lang="pt-BR" sz="1400" b="1" dirty="0" err="1">
-                <a:latin typeface="Times New Roman" panose="02020603050405020304" pitchFamily="18" charset="0"/>
-                <a:cs typeface="Times New Roman" panose="02020603050405020304" pitchFamily="18" charset="0"/>
-              </a:rPr>
-              <a:t>digitalWrite</a:t>
-            </a:r>
-            <a:r>
-              <a:rPr lang="pt-BR" sz="1400" dirty="0">
-                <a:latin typeface="Times New Roman" panose="02020603050405020304" pitchFamily="18" charset="0"/>
-                <a:cs typeface="Times New Roman" panose="02020603050405020304" pitchFamily="18" charset="0"/>
-              </a:rPr>
-              <a:t>(pinoLed9, LOW);</a:t>
-            </a:r>
-          </a:p>
-          <a:p>
-            <a:pPr marL="0" indent="0">
-              <a:buNone/>
-            </a:pPr>
-            <a:r>
-              <a:rPr lang="pt-BR" sz="1400" dirty="0">
-                <a:latin typeface="Times New Roman" panose="02020603050405020304" pitchFamily="18" charset="0"/>
-                <a:cs typeface="Times New Roman" panose="02020603050405020304" pitchFamily="18" charset="0"/>
-              </a:rPr>
-              <a:t>  </a:t>
-            </a:r>
-            <a:r>
-              <a:rPr lang="pt-BR" sz="1400" b="1" dirty="0">
-                <a:latin typeface="Times New Roman" panose="02020603050405020304" pitchFamily="18" charset="0"/>
-                <a:cs typeface="Times New Roman" panose="02020603050405020304" pitchFamily="18" charset="0"/>
-              </a:rPr>
-              <a:t>delay</a:t>
-            </a:r>
-            <a:r>
-              <a:rPr lang="pt-BR" sz="1400" dirty="0">
-                <a:latin typeface="Times New Roman" panose="02020603050405020304" pitchFamily="18" charset="0"/>
-                <a:cs typeface="Times New Roman" panose="02020603050405020304" pitchFamily="18" charset="0"/>
-              </a:rPr>
-              <a:t>(tempo); // </a:t>
-            </a:r>
-            <a:r>
-              <a:rPr lang="pt-BR" sz="1400" dirty="0" err="1">
-                <a:latin typeface="Times New Roman" panose="02020603050405020304" pitchFamily="18" charset="0"/>
-                <a:cs typeface="Times New Roman" panose="02020603050405020304" pitchFamily="18" charset="0"/>
-              </a:rPr>
-              <a:t>Wait</a:t>
-            </a:r>
-            <a:r>
-              <a:rPr lang="pt-BR" sz="1400" dirty="0">
-                <a:latin typeface="Times New Roman" panose="02020603050405020304" pitchFamily="18" charset="0"/>
-                <a:cs typeface="Times New Roman" panose="02020603050405020304" pitchFamily="18" charset="0"/>
-              </a:rPr>
-              <a:t> for 1000 </a:t>
-            </a:r>
-            <a:r>
-              <a:rPr lang="pt-BR" sz="1400" dirty="0" err="1">
-                <a:latin typeface="Times New Roman" panose="02020603050405020304" pitchFamily="18" charset="0"/>
-                <a:cs typeface="Times New Roman" panose="02020603050405020304" pitchFamily="18" charset="0"/>
-              </a:rPr>
-              <a:t>millisecond</a:t>
-            </a:r>
-            <a:r>
-              <a:rPr lang="pt-BR" sz="1400" dirty="0">
-                <a:latin typeface="Times New Roman" panose="02020603050405020304" pitchFamily="18" charset="0"/>
-                <a:cs typeface="Times New Roman" panose="02020603050405020304" pitchFamily="18" charset="0"/>
-              </a:rPr>
-              <a:t>(s)</a:t>
-            </a:r>
-          </a:p>
-          <a:p>
-            <a:pPr marL="0" indent="0">
-              <a:buNone/>
-            </a:pPr>
-            <a:r>
-              <a:rPr lang="pt-BR" sz="1400" dirty="0">
-                <a:latin typeface="Times New Roman" panose="02020603050405020304" pitchFamily="18" charset="0"/>
-                <a:cs typeface="Times New Roman" panose="02020603050405020304" pitchFamily="18" charset="0"/>
-              </a:rPr>
-              <a:t>  </a:t>
-            </a:r>
-            <a:r>
-              <a:rPr lang="pt-BR" sz="1400" b="1" dirty="0" err="1">
-                <a:latin typeface="Times New Roman" panose="02020603050405020304" pitchFamily="18" charset="0"/>
-                <a:cs typeface="Times New Roman" panose="02020603050405020304" pitchFamily="18" charset="0"/>
-              </a:rPr>
-              <a:t>digitalWrite</a:t>
-            </a:r>
-            <a:r>
-              <a:rPr lang="pt-BR" sz="1400" dirty="0">
-                <a:latin typeface="Times New Roman" panose="02020603050405020304" pitchFamily="18" charset="0"/>
-                <a:cs typeface="Times New Roman" panose="02020603050405020304" pitchFamily="18" charset="0"/>
-              </a:rPr>
-              <a:t>(pinoLed10, HIGH);</a:t>
-            </a:r>
-          </a:p>
-          <a:p>
-            <a:pPr marL="0" indent="0">
-              <a:buNone/>
-            </a:pPr>
-            <a:r>
-              <a:rPr lang="pt-BR" sz="1400" dirty="0">
-                <a:latin typeface="Times New Roman" panose="02020603050405020304" pitchFamily="18" charset="0"/>
-                <a:cs typeface="Times New Roman" panose="02020603050405020304" pitchFamily="18" charset="0"/>
-              </a:rPr>
-              <a:t>  </a:t>
-            </a:r>
-            <a:r>
-              <a:rPr lang="pt-BR" sz="1400" b="1" dirty="0">
-                <a:latin typeface="Times New Roman" panose="02020603050405020304" pitchFamily="18" charset="0"/>
-                <a:cs typeface="Times New Roman" panose="02020603050405020304" pitchFamily="18" charset="0"/>
-              </a:rPr>
-              <a:t>delay</a:t>
-            </a:r>
-            <a:r>
-              <a:rPr lang="pt-BR" sz="1400" dirty="0">
-                <a:latin typeface="Times New Roman" panose="02020603050405020304" pitchFamily="18" charset="0"/>
-                <a:cs typeface="Times New Roman" panose="02020603050405020304" pitchFamily="18" charset="0"/>
-              </a:rPr>
-              <a:t>(tempo); // </a:t>
-            </a:r>
-            <a:r>
-              <a:rPr lang="pt-BR" sz="1400" dirty="0" err="1">
-                <a:latin typeface="Times New Roman" panose="02020603050405020304" pitchFamily="18" charset="0"/>
-                <a:cs typeface="Times New Roman" panose="02020603050405020304" pitchFamily="18" charset="0"/>
-              </a:rPr>
-              <a:t>Wait</a:t>
-            </a:r>
-            <a:r>
-              <a:rPr lang="pt-BR" sz="1400" dirty="0">
-                <a:latin typeface="Times New Roman" panose="02020603050405020304" pitchFamily="18" charset="0"/>
-                <a:cs typeface="Times New Roman" panose="02020603050405020304" pitchFamily="18" charset="0"/>
-              </a:rPr>
-              <a:t> for 1000 </a:t>
-            </a:r>
-            <a:r>
-              <a:rPr lang="pt-BR" sz="1400" dirty="0" err="1">
-                <a:latin typeface="Times New Roman" panose="02020603050405020304" pitchFamily="18" charset="0"/>
-                <a:cs typeface="Times New Roman" panose="02020603050405020304" pitchFamily="18" charset="0"/>
-              </a:rPr>
-              <a:t>millisecond</a:t>
-            </a:r>
-            <a:r>
-              <a:rPr lang="pt-BR" sz="1400" dirty="0">
-                <a:latin typeface="Times New Roman" panose="02020603050405020304" pitchFamily="18" charset="0"/>
-                <a:cs typeface="Times New Roman" panose="02020603050405020304" pitchFamily="18" charset="0"/>
-              </a:rPr>
-              <a:t>(s)</a:t>
-            </a:r>
-          </a:p>
-          <a:p>
-            <a:pPr marL="0" indent="0">
-              <a:buNone/>
-            </a:pPr>
-            <a:r>
-              <a:rPr lang="pt-BR" sz="1400" dirty="0">
-                <a:latin typeface="Times New Roman" panose="02020603050405020304" pitchFamily="18" charset="0"/>
-                <a:cs typeface="Times New Roman" panose="02020603050405020304" pitchFamily="18" charset="0"/>
-              </a:rPr>
-              <a:t>  </a:t>
-            </a:r>
-            <a:r>
-              <a:rPr lang="pt-BR" sz="1400" b="1" dirty="0" err="1">
-                <a:latin typeface="Times New Roman" panose="02020603050405020304" pitchFamily="18" charset="0"/>
-                <a:cs typeface="Times New Roman" panose="02020603050405020304" pitchFamily="18" charset="0"/>
-              </a:rPr>
-              <a:t>digitalWrite</a:t>
-            </a:r>
-            <a:r>
-              <a:rPr lang="pt-BR" sz="1400" dirty="0">
-                <a:latin typeface="Times New Roman" panose="02020603050405020304" pitchFamily="18" charset="0"/>
-                <a:cs typeface="Times New Roman" panose="02020603050405020304" pitchFamily="18" charset="0"/>
-              </a:rPr>
-              <a:t>(pinoLed10, LOW);</a:t>
-            </a:r>
-          </a:p>
-          <a:p>
-            <a:pPr marL="0" indent="0">
-              <a:buNone/>
-            </a:pPr>
-            <a:r>
-              <a:rPr lang="pt-BR" sz="1400" dirty="0">
-                <a:latin typeface="Times New Roman" panose="02020603050405020304" pitchFamily="18" charset="0"/>
-                <a:cs typeface="Times New Roman" panose="02020603050405020304" pitchFamily="18" charset="0"/>
-              </a:rPr>
-              <a:t>  </a:t>
-            </a:r>
-            <a:r>
-              <a:rPr lang="pt-BR" sz="1400" b="1" dirty="0">
-                <a:latin typeface="Times New Roman" panose="02020603050405020304" pitchFamily="18" charset="0"/>
-                <a:cs typeface="Times New Roman" panose="02020603050405020304" pitchFamily="18" charset="0"/>
-              </a:rPr>
-              <a:t>delay</a:t>
-            </a:r>
-            <a:r>
-              <a:rPr lang="pt-BR" sz="1400" dirty="0">
-                <a:latin typeface="Times New Roman" panose="02020603050405020304" pitchFamily="18" charset="0"/>
-                <a:cs typeface="Times New Roman" panose="02020603050405020304" pitchFamily="18" charset="0"/>
-              </a:rPr>
-              <a:t>(tempo); // </a:t>
-            </a:r>
-            <a:r>
-              <a:rPr lang="pt-BR" sz="1400" dirty="0" err="1">
-                <a:latin typeface="Times New Roman" panose="02020603050405020304" pitchFamily="18" charset="0"/>
-                <a:cs typeface="Times New Roman" panose="02020603050405020304" pitchFamily="18" charset="0"/>
-              </a:rPr>
-              <a:t>Wait</a:t>
-            </a:r>
-            <a:r>
-              <a:rPr lang="pt-BR" sz="1400" dirty="0">
-                <a:latin typeface="Times New Roman" panose="02020603050405020304" pitchFamily="18" charset="0"/>
-                <a:cs typeface="Times New Roman" panose="02020603050405020304" pitchFamily="18" charset="0"/>
-              </a:rPr>
-              <a:t> for 1000 </a:t>
-            </a:r>
-            <a:r>
-              <a:rPr lang="pt-BR" sz="1400" dirty="0" err="1">
-                <a:latin typeface="Times New Roman" panose="02020603050405020304" pitchFamily="18" charset="0"/>
-                <a:cs typeface="Times New Roman" panose="02020603050405020304" pitchFamily="18" charset="0"/>
-              </a:rPr>
-              <a:t>millisecond</a:t>
-            </a:r>
-            <a:r>
-              <a:rPr lang="pt-BR" sz="1400" dirty="0">
-                <a:latin typeface="Times New Roman" panose="02020603050405020304" pitchFamily="18" charset="0"/>
-                <a:cs typeface="Times New Roman" panose="02020603050405020304" pitchFamily="18" charset="0"/>
-              </a:rPr>
-              <a:t>(s)</a:t>
-            </a:r>
-          </a:p>
-          <a:p>
-            <a:pPr marL="0" indent="0">
-              <a:buNone/>
-            </a:pPr>
-            <a:r>
-              <a:rPr lang="pt-BR" sz="1400" dirty="0">
-                <a:latin typeface="Times New Roman" panose="02020603050405020304" pitchFamily="18" charset="0"/>
-                <a:cs typeface="Times New Roman" panose="02020603050405020304" pitchFamily="18" charset="0"/>
-              </a:rPr>
-              <a:t>  </a:t>
-            </a:r>
-            <a:r>
-              <a:rPr lang="pt-BR" sz="1400" b="1" dirty="0" err="1">
-                <a:latin typeface="Times New Roman" panose="02020603050405020304" pitchFamily="18" charset="0"/>
-                <a:cs typeface="Times New Roman" panose="02020603050405020304" pitchFamily="18" charset="0"/>
-              </a:rPr>
-              <a:t>digitalWrite</a:t>
-            </a:r>
-            <a:r>
-              <a:rPr lang="pt-BR" sz="1400" dirty="0">
-                <a:latin typeface="Times New Roman" panose="02020603050405020304" pitchFamily="18" charset="0"/>
-                <a:cs typeface="Times New Roman" panose="02020603050405020304" pitchFamily="18" charset="0"/>
-              </a:rPr>
-              <a:t>(pinoLed11, HIGH);</a:t>
-            </a:r>
-          </a:p>
-          <a:p>
-            <a:pPr marL="0" indent="0">
-              <a:buNone/>
-            </a:pPr>
-            <a:r>
-              <a:rPr lang="pt-BR" sz="1400" dirty="0">
-                <a:latin typeface="Times New Roman" panose="02020603050405020304" pitchFamily="18" charset="0"/>
-                <a:cs typeface="Times New Roman" panose="02020603050405020304" pitchFamily="18" charset="0"/>
-              </a:rPr>
-              <a:t>  </a:t>
-            </a:r>
-            <a:r>
-              <a:rPr lang="pt-BR" sz="1400" b="1" dirty="0">
-                <a:latin typeface="Times New Roman" panose="02020603050405020304" pitchFamily="18" charset="0"/>
-                <a:cs typeface="Times New Roman" panose="02020603050405020304" pitchFamily="18" charset="0"/>
-              </a:rPr>
-              <a:t>delay</a:t>
-            </a:r>
-            <a:r>
-              <a:rPr lang="pt-BR" sz="1400" dirty="0">
-                <a:latin typeface="Times New Roman" panose="02020603050405020304" pitchFamily="18" charset="0"/>
-                <a:cs typeface="Times New Roman" panose="02020603050405020304" pitchFamily="18" charset="0"/>
-              </a:rPr>
-              <a:t>(tempo); // </a:t>
-            </a:r>
-            <a:r>
-              <a:rPr lang="pt-BR" sz="1400" dirty="0" err="1">
-                <a:latin typeface="Times New Roman" panose="02020603050405020304" pitchFamily="18" charset="0"/>
-                <a:cs typeface="Times New Roman" panose="02020603050405020304" pitchFamily="18" charset="0"/>
-              </a:rPr>
-              <a:t>Wait</a:t>
-            </a:r>
-            <a:r>
-              <a:rPr lang="pt-BR" sz="1400" dirty="0">
-                <a:latin typeface="Times New Roman" panose="02020603050405020304" pitchFamily="18" charset="0"/>
-                <a:cs typeface="Times New Roman" panose="02020603050405020304" pitchFamily="18" charset="0"/>
-              </a:rPr>
-              <a:t> for 1000 </a:t>
-            </a:r>
-            <a:r>
-              <a:rPr lang="pt-BR" sz="1400" dirty="0" err="1">
-                <a:latin typeface="Times New Roman" panose="02020603050405020304" pitchFamily="18" charset="0"/>
-                <a:cs typeface="Times New Roman" panose="02020603050405020304" pitchFamily="18" charset="0"/>
-              </a:rPr>
-              <a:t>millisecond</a:t>
-            </a:r>
-            <a:r>
-              <a:rPr lang="pt-BR" sz="1400" dirty="0">
-                <a:latin typeface="Times New Roman" panose="02020603050405020304" pitchFamily="18" charset="0"/>
-                <a:cs typeface="Times New Roman" panose="02020603050405020304" pitchFamily="18" charset="0"/>
-              </a:rPr>
-              <a:t>(s)</a:t>
-            </a:r>
-          </a:p>
-          <a:p>
-            <a:pPr marL="0" indent="0">
-              <a:buNone/>
-            </a:pPr>
-            <a:r>
-              <a:rPr lang="pt-BR" sz="1400" dirty="0">
-                <a:latin typeface="Times New Roman" panose="02020603050405020304" pitchFamily="18" charset="0"/>
-                <a:cs typeface="Times New Roman" panose="02020603050405020304" pitchFamily="18" charset="0"/>
-              </a:rPr>
-              <a:t>  </a:t>
-            </a:r>
-            <a:r>
-              <a:rPr lang="pt-BR" sz="1400" b="1" dirty="0" err="1">
-                <a:latin typeface="Times New Roman" panose="02020603050405020304" pitchFamily="18" charset="0"/>
-                <a:cs typeface="Times New Roman" panose="02020603050405020304" pitchFamily="18" charset="0"/>
-              </a:rPr>
-              <a:t>digitalWrite</a:t>
-            </a:r>
-            <a:r>
-              <a:rPr lang="pt-BR" sz="1400" dirty="0">
-                <a:latin typeface="Times New Roman" panose="02020603050405020304" pitchFamily="18" charset="0"/>
-                <a:cs typeface="Times New Roman" panose="02020603050405020304" pitchFamily="18" charset="0"/>
-              </a:rPr>
-              <a:t>(pinoLed11, LOW);</a:t>
-            </a:r>
-          </a:p>
-          <a:p>
-            <a:pPr marL="0" indent="0">
-              <a:buNone/>
-            </a:pPr>
-            <a:r>
-              <a:rPr lang="pt-BR" sz="1400" dirty="0">
-                <a:latin typeface="Times New Roman" panose="02020603050405020304" pitchFamily="18" charset="0"/>
-                <a:cs typeface="Times New Roman" panose="02020603050405020304" pitchFamily="18" charset="0"/>
-              </a:rPr>
-              <a:t>  </a:t>
-            </a:r>
-            <a:r>
-              <a:rPr lang="pt-BR" sz="1400" b="1" dirty="0">
-                <a:latin typeface="Times New Roman" panose="02020603050405020304" pitchFamily="18" charset="0"/>
-                <a:cs typeface="Times New Roman" panose="02020603050405020304" pitchFamily="18" charset="0"/>
-              </a:rPr>
-              <a:t>delay</a:t>
-            </a:r>
-            <a:r>
-              <a:rPr lang="pt-BR" sz="1400" dirty="0">
-                <a:latin typeface="Times New Roman" panose="02020603050405020304" pitchFamily="18" charset="0"/>
-                <a:cs typeface="Times New Roman" panose="02020603050405020304" pitchFamily="18" charset="0"/>
-              </a:rPr>
-              <a:t>(tempo); // </a:t>
-            </a:r>
-            <a:r>
-              <a:rPr lang="pt-BR" sz="1400" dirty="0" err="1">
-                <a:latin typeface="Times New Roman" panose="02020603050405020304" pitchFamily="18" charset="0"/>
-                <a:cs typeface="Times New Roman" panose="02020603050405020304" pitchFamily="18" charset="0"/>
-              </a:rPr>
-              <a:t>Wait</a:t>
-            </a:r>
-            <a:r>
-              <a:rPr lang="pt-BR" sz="1400" dirty="0">
-                <a:latin typeface="Times New Roman" panose="02020603050405020304" pitchFamily="18" charset="0"/>
-                <a:cs typeface="Times New Roman" panose="02020603050405020304" pitchFamily="18" charset="0"/>
-              </a:rPr>
-              <a:t> for 1000 </a:t>
-            </a:r>
-            <a:r>
-              <a:rPr lang="pt-BR" sz="1400" dirty="0" err="1">
-                <a:latin typeface="Times New Roman" panose="02020603050405020304" pitchFamily="18" charset="0"/>
-                <a:cs typeface="Times New Roman" panose="02020603050405020304" pitchFamily="18" charset="0"/>
-              </a:rPr>
-              <a:t>millisecond</a:t>
-            </a:r>
-            <a:r>
-              <a:rPr lang="pt-BR" sz="1400" dirty="0">
-                <a:latin typeface="Times New Roman" panose="02020603050405020304" pitchFamily="18" charset="0"/>
-                <a:cs typeface="Times New Roman" panose="02020603050405020304" pitchFamily="18" charset="0"/>
-              </a:rPr>
-              <a:t>(s)</a:t>
-            </a:r>
-          </a:p>
-          <a:p>
-            <a:pPr marL="0" indent="0">
-              <a:buNone/>
-            </a:pPr>
-            <a:r>
-              <a:rPr lang="pt-BR" sz="1400" dirty="0">
-                <a:latin typeface="Times New Roman" panose="02020603050405020304" pitchFamily="18" charset="0"/>
-                <a:cs typeface="Times New Roman" panose="02020603050405020304" pitchFamily="18" charset="0"/>
-              </a:rPr>
-              <a:t>  </a:t>
-            </a:r>
-            <a:r>
-              <a:rPr lang="pt-BR" sz="1400" b="1" dirty="0" err="1">
-                <a:latin typeface="Times New Roman" panose="02020603050405020304" pitchFamily="18" charset="0"/>
-                <a:cs typeface="Times New Roman" panose="02020603050405020304" pitchFamily="18" charset="0"/>
-              </a:rPr>
-              <a:t>digitalWrite</a:t>
-            </a:r>
-            <a:r>
-              <a:rPr lang="pt-BR" sz="1400" dirty="0">
-                <a:latin typeface="Times New Roman" panose="02020603050405020304" pitchFamily="18" charset="0"/>
-                <a:cs typeface="Times New Roman" panose="02020603050405020304" pitchFamily="18" charset="0"/>
-              </a:rPr>
-              <a:t>(pinoLed12, HIGH);</a:t>
-            </a:r>
-          </a:p>
-          <a:p>
-            <a:pPr marL="0" indent="0">
-              <a:buNone/>
-            </a:pPr>
-            <a:r>
-              <a:rPr lang="pt-BR" sz="1400" dirty="0">
-                <a:latin typeface="Times New Roman" panose="02020603050405020304" pitchFamily="18" charset="0"/>
-                <a:cs typeface="Times New Roman" panose="02020603050405020304" pitchFamily="18" charset="0"/>
-              </a:rPr>
-              <a:t>  </a:t>
-            </a:r>
-            <a:r>
-              <a:rPr lang="pt-BR" sz="1400" b="1" dirty="0">
-                <a:latin typeface="Times New Roman" panose="02020603050405020304" pitchFamily="18" charset="0"/>
-                <a:cs typeface="Times New Roman" panose="02020603050405020304" pitchFamily="18" charset="0"/>
-              </a:rPr>
-              <a:t>delay</a:t>
-            </a:r>
-            <a:r>
-              <a:rPr lang="pt-BR" sz="1400" dirty="0">
-                <a:latin typeface="Times New Roman" panose="02020603050405020304" pitchFamily="18" charset="0"/>
-                <a:cs typeface="Times New Roman" panose="02020603050405020304" pitchFamily="18" charset="0"/>
-              </a:rPr>
-              <a:t>(tempo); // </a:t>
-            </a:r>
-            <a:r>
-              <a:rPr lang="pt-BR" sz="1400" dirty="0" err="1">
-                <a:latin typeface="Times New Roman" panose="02020603050405020304" pitchFamily="18" charset="0"/>
-                <a:cs typeface="Times New Roman" panose="02020603050405020304" pitchFamily="18" charset="0"/>
-              </a:rPr>
-              <a:t>Wait</a:t>
-            </a:r>
-            <a:r>
-              <a:rPr lang="pt-BR" sz="1400" dirty="0">
-                <a:latin typeface="Times New Roman" panose="02020603050405020304" pitchFamily="18" charset="0"/>
-                <a:cs typeface="Times New Roman" panose="02020603050405020304" pitchFamily="18" charset="0"/>
-              </a:rPr>
-              <a:t> for 1000 </a:t>
-            </a:r>
-            <a:r>
-              <a:rPr lang="pt-BR" sz="1400" dirty="0" err="1">
-                <a:latin typeface="Times New Roman" panose="02020603050405020304" pitchFamily="18" charset="0"/>
-                <a:cs typeface="Times New Roman" panose="02020603050405020304" pitchFamily="18" charset="0"/>
-              </a:rPr>
-              <a:t>millisecond</a:t>
-            </a:r>
-            <a:r>
-              <a:rPr lang="pt-BR" sz="1400" dirty="0">
-                <a:latin typeface="Times New Roman" panose="02020603050405020304" pitchFamily="18" charset="0"/>
-                <a:cs typeface="Times New Roman" panose="02020603050405020304" pitchFamily="18" charset="0"/>
-              </a:rPr>
-              <a:t>(s)</a:t>
-            </a:r>
-          </a:p>
-          <a:p>
-            <a:pPr marL="0" indent="0">
-              <a:buNone/>
-            </a:pPr>
-            <a:r>
-              <a:rPr lang="pt-BR" sz="1400" dirty="0">
-                <a:latin typeface="Times New Roman" panose="02020603050405020304" pitchFamily="18" charset="0"/>
-                <a:cs typeface="Times New Roman" panose="02020603050405020304" pitchFamily="18" charset="0"/>
-              </a:rPr>
-              <a:t>  </a:t>
-            </a:r>
-            <a:r>
-              <a:rPr lang="pt-BR" sz="1400" b="1" dirty="0" err="1">
-                <a:latin typeface="Times New Roman" panose="02020603050405020304" pitchFamily="18" charset="0"/>
-                <a:cs typeface="Times New Roman" panose="02020603050405020304" pitchFamily="18" charset="0"/>
-              </a:rPr>
-              <a:t>digitalWrite</a:t>
-            </a:r>
-            <a:r>
-              <a:rPr lang="pt-BR" sz="1400" dirty="0">
-                <a:latin typeface="Times New Roman" panose="02020603050405020304" pitchFamily="18" charset="0"/>
-                <a:cs typeface="Times New Roman" panose="02020603050405020304" pitchFamily="18" charset="0"/>
-              </a:rPr>
-              <a:t>(pinoLed12, LOW);</a:t>
-            </a:r>
-          </a:p>
-          <a:p>
-            <a:pPr marL="0" indent="0">
-              <a:buNone/>
-            </a:pPr>
-            <a:r>
-              <a:rPr lang="pt-BR" sz="1400" dirty="0">
-                <a:latin typeface="Times New Roman" panose="02020603050405020304" pitchFamily="18" charset="0"/>
-                <a:cs typeface="Times New Roman" panose="02020603050405020304" pitchFamily="18" charset="0"/>
-              </a:rPr>
-              <a:t>  </a:t>
-            </a:r>
-            <a:r>
-              <a:rPr lang="pt-BR" sz="1400" b="1" dirty="0">
-                <a:latin typeface="Times New Roman" panose="02020603050405020304" pitchFamily="18" charset="0"/>
-                <a:cs typeface="Times New Roman" panose="02020603050405020304" pitchFamily="18" charset="0"/>
-              </a:rPr>
-              <a:t>delay</a:t>
-            </a:r>
-            <a:r>
-              <a:rPr lang="pt-BR" sz="1400" dirty="0">
-                <a:latin typeface="Times New Roman" panose="02020603050405020304" pitchFamily="18" charset="0"/>
-                <a:cs typeface="Times New Roman" panose="02020603050405020304" pitchFamily="18" charset="0"/>
-              </a:rPr>
-              <a:t>(tempo); // </a:t>
-            </a:r>
-            <a:r>
-              <a:rPr lang="pt-BR" sz="1400" dirty="0" err="1">
-                <a:latin typeface="Times New Roman" panose="02020603050405020304" pitchFamily="18" charset="0"/>
-                <a:cs typeface="Times New Roman" panose="02020603050405020304" pitchFamily="18" charset="0"/>
-              </a:rPr>
-              <a:t>Wait</a:t>
-            </a:r>
-            <a:r>
-              <a:rPr lang="pt-BR" sz="1400" dirty="0">
-                <a:latin typeface="Times New Roman" panose="02020603050405020304" pitchFamily="18" charset="0"/>
-                <a:cs typeface="Times New Roman" panose="02020603050405020304" pitchFamily="18" charset="0"/>
-              </a:rPr>
-              <a:t> for 1000 </a:t>
-            </a:r>
-            <a:r>
-              <a:rPr lang="pt-BR" sz="1400" dirty="0" err="1">
-                <a:latin typeface="Times New Roman" panose="02020603050405020304" pitchFamily="18" charset="0"/>
-                <a:cs typeface="Times New Roman" panose="02020603050405020304" pitchFamily="18" charset="0"/>
-              </a:rPr>
-              <a:t>millisecond</a:t>
-            </a:r>
-            <a:r>
-              <a:rPr lang="pt-BR" sz="1400" dirty="0">
-                <a:latin typeface="Times New Roman" panose="02020603050405020304" pitchFamily="18" charset="0"/>
-                <a:cs typeface="Times New Roman" panose="02020603050405020304" pitchFamily="18" charset="0"/>
-              </a:rPr>
-              <a:t>(s)     }</a:t>
-            </a:r>
-          </a:p>
-        </p:txBody>
-      </p:sp>
-    </p:spTree>
-    <p:extLst>
-      <p:ext uri="{BB962C8B-B14F-4D97-AF65-F5344CB8AC3E}">
-        <p14:creationId xmlns:p14="http://schemas.microsoft.com/office/powerpoint/2010/main" val="3247763153"/>
-      </p:ext>
-    </p:extLst>
-  </p:cSld>
-  <p:clrMapOvr>
-    <a:masterClrMapping/>
-  </p:clrMapOvr>
-  <p:transition spd="med"/>
-</p:sld>
-</file>
-
-<file path=ppt/slides/slide15.xml><?xml version="1.0" encoding="utf-8"?>
-<p:sld xmlns:a="http://schemas.openxmlformats.org/drawingml/2006/main" xmlns:r="http://schemas.openxmlformats.org/officeDocument/2006/relationships" xmlns:p="http://schemas.openxmlformats.org/presentationml/2006/main">
-  <p:cSld>
-    <p:spTree>
-      <p:nvGrpSpPr>
-        <p:cNvPr id="1" name=""/>
-        <p:cNvGrpSpPr/>
-        <p:nvPr/>
-      </p:nvGrpSpPr>
-      <p:grpSpPr>
-        <a:xfrm>
-          <a:off x="0" y="0"/>
-          <a:ext cx="0" cy="0"/>
-          <a:chOff x="0" y="0"/>
-          <a:chExt cx="0" cy="0"/>
-        </a:xfrm>
-      </p:grpSpPr>
-      <p:sp>
-        <p:nvSpPr>
-          <p:cNvPr id="6" name="Title 1"/>
-          <p:cNvSpPr>
-            <a:spLocks noGrp="1"/>
-          </p:cNvSpPr>
-          <p:nvPr>
-            <p:ph type="title"/>
-          </p:nvPr>
-        </p:nvSpPr>
-        <p:spPr>
-          <a:xfrm>
-            <a:off x="457200" y="205980"/>
-            <a:ext cx="8229600" cy="857251"/>
-          </a:xfrm>
-        </p:spPr>
-        <p:txBody>
-          <a:bodyPr>
-            <a:normAutofit/>
-          </a:bodyPr>
-          <a:lstStyle/>
-          <a:p>
-            <a:r>
-              <a:rPr lang="en-US" b="1" dirty="0" err="1">
-                <a:solidFill>
-                  <a:srgbClr val="0070C0"/>
-                </a:solidFill>
-              </a:rPr>
-              <a:t>Tinkercad</a:t>
-            </a:r>
-            <a:r>
-              <a:rPr lang="en-US" b="1" dirty="0">
-                <a:solidFill>
-                  <a:srgbClr val="0070C0"/>
-                </a:solidFill>
-              </a:rPr>
-              <a:t> – </a:t>
-            </a:r>
-            <a:r>
-              <a:rPr lang="en-US" b="1" dirty="0" err="1">
-                <a:solidFill>
-                  <a:srgbClr val="0070C0"/>
-                </a:solidFill>
-              </a:rPr>
-              <a:t>Lâmpada</a:t>
-            </a:r>
-            <a:endParaRPr lang="en-US" b="1" dirty="0">
-              <a:solidFill>
-                <a:srgbClr val="0070C0"/>
-              </a:solidFill>
-            </a:endParaRPr>
-          </a:p>
-        </p:txBody>
-      </p:sp>
-      <p:sp>
-        <p:nvSpPr>
-          <p:cNvPr id="8" name="Text Placeholder 2"/>
-          <p:cNvSpPr>
-            <a:spLocks noGrp="1"/>
-          </p:cNvSpPr>
-          <p:nvPr>
-            <p:ph type="body" sz="half" idx="1"/>
-          </p:nvPr>
-        </p:nvSpPr>
-        <p:spPr>
-          <a:xfrm>
-            <a:off x="142865" y="914400"/>
-            <a:ext cx="8865056" cy="4120896"/>
-          </a:xfrm>
-        </p:spPr>
-        <p:txBody>
-          <a:bodyPr>
-            <a:noAutofit/>
-          </a:bodyPr>
-          <a:lstStyle/>
-          <a:p>
-            <a:pPr marL="0" indent="0">
-              <a:buNone/>
-            </a:pPr>
-            <a:r>
-              <a:rPr lang="pt-BR" sz="2000" dirty="0">
-                <a:latin typeface="Times New Roman" panose="02020603050405020304" pitchFamily="18" charset="0"/>
-                <a:cs typeface="Times New Roman" panose="02020603050405020304" pitchFamily="18" charset="0"/>
-              </a:rPr>
-              <a:t>#</a:t>
-            </a:r>
-            <a:r>
-              <a:rPr lang="pt-BR" sz="2000" b="1" dirty="0">
-                <a:latin typeface="Times New Roman" panose="02020603050405020304" pitchFamily="18" charset="0"/>
-                <a:cs typeface="Times New Roman" panose="02020603050405020304" pitchFamily="18" charset="0"/>
-              </a:rPr>
-              <a:t>define</a:t>
-            </a:r>
-            <a:r>
-              <a:rPr lang="pt-BR" sz="2000" dirty="0">
-                <a:latin typeface="Times New Roman" panose="02020603050405020304" pitchFamily="18" charset="0"/>
-                <a:cs typeface="Times New Roman" panose="02020603050405020304" pitchFamily="18" charset="0"/>
-              </a:rPr>
-              <a:t> tempo 1000</a:t>
-            </a:r>
-          </a:p>
-          <a:p>
-            <a:pPr marL="0" indent="0">
-              <a:buNone/>
-            </a:pPr>
-            <a:r>
-              <a:rPr lang="pt-BR" sz="2000" b="1" dirty="0" err="1">
-                <a:latin typeface="Times New Roman" panose="02020603050405020304" pitchFamily="18" charset="0"/>
-                <a:cs typeface="Times New Roman" panose="02020603050405020304" pitchFamily="18" charset="0"/>
-              </a:rPr>
-              <a:t>int</a:t>
-            </a:r>
-            <a:r>
-              <a:rPr lang="pt-BR" sz="2000" dirty="0">
-                <a:latin typeface="Times New Roman" panose="02020603050405020304" pitchFamily="18" charset="0"/>
-                <a:cs typeface="Times New Roman" panose="02020603050405020304" pitchFamily="18" charset="0"/>
-              </a:rPr>
-              <a:t> </a:t>
-            </a:r>
-            <a:r>
-              <a:rPr lang="pt-BR" sz="2000" dirty="0" err="1">
-                <a:latin typeface="Times New Roman" panose="02020603050405020304" pitchFamily="18" charset="0"/>
-                <a:cs typeface="Times New Roman" panose="02020603050405020304" pitchFamily="18" charset="0"/>
-              </a:rPr>
-              <a:t>pinoLed</a:t>
-            </a:r>
-            <a:r>
-              <a:rPr lang="pt-BR" sz="2000" dirty="0">
-                <a:latin typeface="Times New Roman" panose="02020603050405020304" pitchFamily="18" charset="0"/>
-                <a:cs typeface="Times New Roman" panose="02020603050405020304" pitchFamily="18" charset="0"/>
-              </a:rPr>
-              <a:t> = 12</a:t>
-            </a:r>
-          </a:p>
-          <a:p>
-            <a:pPr marL="0" indent="0">
-              <a:buNone/>
-            </a:pPr>
-            <a:r>
-              <a:rPr lang="pt-BR" sz="2000" dirty="0" err="1">
-                <a:latin typeface="Times New Roman" panose="02020603050405020304" pitchFamily="18" charset="0"/>
-                <a:cs typeface="Times New Roman" panose="02020603050405020304" pitchFamily="18" charset="0"/>
-              </a:rPr>
-              <a:t>void</a:t>
-            </a:r>
-            <a:r>
-              <a:rPr lang="pt-BR" sz="2000" dirty="0">
-                <a:latin typeface="Times New Roman" panose="02020603050405020304" pitchFamily="18" charset="0"/>
-                <a:cs typeface="Times New Roman" panose="02020603050405020304" pitchFamily="18" charset="0"/>
-              </a:rPr>
-              <a:t> </a:t>
-            </a:r>
-            <a:r>
-              <a:rPr lang="pt-BR" sz="2000" b="1" dirty="0">
-                <a:latin typeface="Times New Roman" panose="02020603050405020304" pitchFamily="18" charset="0"/>
-                <a:cs typeface="Times New Roman" panose="02020603050405020304" pitchFamily="18" charset="0"/>
-              </a:rPr>
-              <a:t>setup</a:t>
-            </a:r>
-            <a:r>
-              <a:rPr lang="pt-BR" sz="2000" dirty="0">
-                <a:latin typeface="Times New Roman" panose="02020603050405020304" pitchFamily="18" charset="0"/>
-                <a:cs typeface="Times New Roman" panose="02020603050405020304" pitchFamily="18" charset="0"/>
-              </a:rPr>
-              <a:t>() </a:t>
-            </a:r>
-          </a:p>
-          <a:p>
-            <a:pPr marL="0" indent="0">
-              <a:buNone/>
-            </a:pPr>
-            <a:r>
-              <a:rPr lang="pt-BR" sz="2000" dirty="0">
-                <a:latin typeface="Times New Roman" panose="02020603050405020304" pitchFamily="18" charset="0"/>
-                <a:cs typeface="Times New Roman" panose="02020603050405020304" pitchFamily="18" charset="0"/>
-              </a:rPr>
-              <a:t>{</a:t>
-            </a:r>
-          </a:p>
-          <a:p>
-            <a:pPr marL="0" indent="0">
-              <a:buNone/>
-            </a:pPr>
-            <a:r>
-              <a:rPr lang="pt-BR" sz="2000" dirty="0">
-                <a:latin typeface="Times New Roman" panose="02020603050405020304" pitchFamily="18" charset="0"/>
-                <a:cs typeface="Times New Roman" panose="02020603050405020304" pitchFamily="18" charset="0"/>
-              </a:rPr>
-              <a:t>  </a:t>
-            </a:r>
-            <a:r>
-              <a:rPr lang="pt-BR" sz="2000" b="1" dirty="0" err="1">
-                <a:latin typeface="Times New Roman" panose="02020603050405020304" pitchFamily="18" charset="0"/>
-                <a:cs typeface="Times New Roman" panose="02020603050405020304" pitchFamily="18" charset="0"/>
-              </a:rPr>
-              <a:t>pinMode</a:t>
-            </a:r>
-            <a:r>
-              <a:rPr lang="pt-BR" sz="2000" dirty="0">
-                <a:latin typeface="Times New Roman" panose="02020603050405020304" pitchFamily="18" charset="0"/>
-                <a:cs typeface="Times New Roman" panose="02020603050405020304" pitchFamily="18" charset="0"/>
-              </a:rPr>
-              <a:t>(</a:t>
-            </a:r>
-            <a:r>
-              <a:rPr lang="pt-BR" sz="2000" dirty="0" err="1">
-                <a:latin typeface="Times New Roman" panose="02020603050405020304" pitchFamily="18" charset="0"/>
-                <a:cs typeface="Times New Roman" panose="02020603050405020304" pitchFamily="18" charset="0"/>
-              </a:rPr>
-              <a:t>pinoLed</a:t>
-            </a:r>
-            <a:r>
-              <a:rPr lang="pt-BR" sz="2000" dirty="0">
-                <a:latin typeface="Times New Roman" panose="02020603050405020304" pitchFamily="18" charset="0"/>
-                <a:cs typeface="Times New Roman" panose="02020603050405020304" pitchFamily="18" charset="0"/>
-              </a:rPr>
-              <a:t>, </a:t>
-            </a:r>
-            <a:r>
-              <a:rPr lang="pt-BR" sz="2000" b="1" dirty="0">
-                <a:latin typeface="Times New Roman" panose="02020603050405020304" pitchFamily="18" charset="0"/>
-                <a:cs typeface="Times New Roman" panose="02020603050405020304" pitchFamily="18" charset="0"/>
-              </a:rPr>
-              <a:t>OUTPUT</a:t>
-            </a:r>
-            <a:r>
-              <a:rPr lang="pt-BR" sz="2000" dirty="0">
-                <a:latin typeface="Times New Roman" panose="02020603050405020304" pitchFamily="18" charset="0"/>
-                <a:cs typeface="Times New Roman" panose="02020603050405020304" pitchFamily="18" charset="0"/>
-              </a:rPr>
-              <a:t>); </a:t>
-            </a:r>
-          </a:p>
-          <a:p>
-            <a:pPr marL="0" indent="0">
-              <a:buNone/>
-            </a:pPr>
-            <a:r>
-              <a:rPr lang="pt-BR" sz="2000" dirty="0">
-                <a:latin typeface="Times New Roman" panose="02020603050405020304" pitchFamily="18" charset="0"/>
-                <a:cs typeface="Times New Roman" panose="02020603050405020304" pitchFamily="18" charset="0"/>
-              </a:rPr>
-              <a:t>}</a:t>
-            </a:r>
-          </a:p>
-          <a:p>
-            <a:pPr marL="0" indent="0">
-              <a:buNone/>
-            </a:pPr>
-            <a:r>
-              <a:rPr lang="pt-BR" sz="1800" b="1" dirty="0">
-                <a:solidFill>
-                  <a:srgbClr val="FF0000"/>
-                </a:solidFill>
-                <a:latin typeface="Times New Roman" panose="02020603050405020304" pitchFamily="18" charset="0"/>
-                <a:cs typeface="Times New Roman" panose="02020603050405020304" pitchFamily="18" charset="0"/>
-              </a:rPr>
-              <a:t>Adicionar ao Projeto</a:t>
-            </a:r>
-            <a:r>
-              <a:rPr lang="pt-BR" sz="1800" dirty="0">
-                <a:latin typeface="Times New Roman" panose="02020603050405020304" pitchFamily="18" charset="0"/>
-                <a:cs typeface="Times New Roman" panose="02020603050405020304" pitchFamily="18" charset="0"/>
-              </a:rPr>
-              <a:t>:</a:t>
-            </a:r>
-          </a:p>
-          <a:p>
-            <a:r>
-              <a:rPr lang="pt-BR" sz="1800" dirty="0">
-                <a:latin typeface="Times New Roman" panose="02020603050405020304" pitchFamily="18" charset="0"/>
-                <a:cs typeface="Times New Roman" panose="02020603050405020304" pitchFamily="18" charset="0"/>
-              </a:rPr>
-              <a:t>Arduino UNO R3</a:t>
-            </a:r>
-          </a:p>
-          <a:p>
-            <a:r>
-              <a:rPr lang="pt-BR" sz="1800" dirty="0">
-                <a:latin typeface="Times New Roman" panose="02020603050405020304" pitchFamily="18" charset="0"/>
-                <a:cs typeface="Times New Roman" panose="02020603050405020304" pitchFamily="18" charset="0"/>
-              </a:rPr>
-              <a:t>Lâmpada</a:t>
-            </a:r>
-          </a:p>
-          <a:p>
-            <a:r>
-              <a:rPr lang="pt-BR" sz="1800" dirty="0">
-                <a:latin typeface="Times New Roman" panose="02020603050405020304" pitchFamily="18" charset="0"/>
-                <a:cs typeface="Times New Roman" panose="02020603050405020304" pitchFamily="18" charset="0"/>
-              </a:rPr>
-              <a:t>Bateria de 9V</a:t>
-            </a:r>
-          </a:p>
-          <a:p>
-            <a:r>
-              <a:rPr lang="pt-BR" sz="1800" dirty="0">
-                <a:latin typeface="Times New Roman" panose="02020603050405020304" pitchFamily="18" charset="0"/>
-                <a:cs typeface="Times New Roman" panose="02020603050405020304" pitchFamily="18" charset="0"/>
-              </a:rPr>
-              <a:t>Relé </a:t>
-            </a:r>
-            <a:r>
-              <a:rPr lang="pt-BR" sz="1800" b="1" dirty="0">
-                <a:latin typeface="Times New Roman" panose="02020603050405020304" pitchFamily="18" charset="0"/>
-                <a:cs typeface="Times New Roman" panose="02020603050405020304" pitchFamily="18" charset="0"/>
-              </a:rPr>
-              <a:t>SPDT</a:t>
-            </a:r>
-            <a:r>
-              <a:rPr lang="pt-BR" sz="1800" dirty="0">
-                <a:latin typeface="Times New Roman" panose="02020603050405020304" pitchFamily="18" charset="0"/>
-                <a:cs typeface="Times New Roman" panose="02020603050405020304" pitchFamily="18" charset="0"/>
-              </a:rPr>
-              <a:t> (p/ open/close circuito)</a:t>
-            </a:r>
-          </a:p>
-        </p:txBody>
-      </p:sp>
-      <p:sp>
-        <p:nvSpPr>
-          <p:cNvPr id="4" name="CaixaDeTexto 3">
-            <a:extLst>
-              <a:ext uri="{FF2B5EF4-FFF2-40B4-BE49-F238E27FC236}">
-                <a16:creationId xmlns:a16="http://schemas.microsoft.com/office/drawing/2014/main" id="{F0790EAA-BD40-6646-0955-2EDBC47F45A4}"/>
-              </a:ext>
-            </a:extLst>
-          </p:cNvPr>
-          <p:cNvSpPr txBox="1"/>
-          <p:nvPr/>
-        </p:nvSpPr>
-        <p:spPr>
-          <a:xfrm>
-            <a:off x="3675889" y="1661923"/>
-            <a:ext cx="5230368" cy="2554545"/>
-          </a:xfrm>
-          <a:prstGeom prst="rect">
-            <a:avLst/>
-          </a:prstGeom>
-          <a:noFill/>
-          <a:ln w="12700" cap="flat">
-            <a:noFill/>
-            <a:miter lim="400000"/>
-          </a:ln>
-          <a:effectLst/>
-        </p:spPr>
-        <p:style>
-          <a:lnRef idx="0">
-            <a:scrgbClr r="0" g="0" b="0"/>
-          </a:lnRef>
-          <a:fillRef idx="0">
-            <a:scrgbClr r="0" g="0" b="0"/>
-          </a:fillRef>
-          <a:effectRef idx="0">
-            <a:scrgbClr r="0" g="0" b="0"/>
-          </a:effectRef>
-          <a:fontRef idx="none"/>
-        </p:style>
-        <p:txBody>
-          <a:bodyPr wrap="square">
-            <a:spAutoFit/>
-          </a:bodyPr>
-          <a:lstStyle/>
-          <a:p>
-            <a:pPr marL="0" indent="0">
-              <a:buNone/>
-            </a:pPr>
-            <a:r>
-              <a:rPr lang="pt-BR" sz="2000" dirty="0" err="1">
-                <a:latin typeface="Times New Roman" panose="02020603050405020304" pitchFamily="18" charset="0"/>
-                <a:cs typeface="Times New Roman" panose="02020603050405020304" pitchFamily="18" charset="0"/>
-              </a:rPr>
-              <a:t>void</a:t>
-            </a:r>
-            <a:r>
-              <a:rPr lang="pt-BR" sz="2000" dirty="0">
-                <a:latin typeface="Times New Roman" panose="02020603050405020304" pitchFamily="18" charset="0"/>
-                <a:cs typeface="Times New Roman" panose="02020603050405020304" pitchFamily="18" charset="0"/>
-              </a:rPr>
-              <a:t> </a:t>
-            </a:r>
-            <a:r>
-              <a:rPr lang="pt-BR" sz="2000" b="1" dirty="0">
-                <a:latin typeface="Times New Roman" panose="02020603050405020304" pitchFamily="18" charset="0"/>
-                <a:cs typeface="Times New Roman" panose="02020603050405020304" pitchFamily="18" charset="0"/>
-              </a:rPr>
-              <a:t>loop</a:t>
-            </a:r>
-            <a:r>
-              <a:rPr lang="pt-BR" sz="2000" dirty="0">
-                <a:latin typeface="Times New Roman" panose="02020603050405020304" pitchFamily="18" charset="0"/>
-                <a:cs typeface="Times New Roman" panose="02020603050405020304" pitchFamily="18" charset="0"/>
-              </a:rPr>
-              <a:t>()</a:t>
-            </a:r>
-          </a:p>
-          <a:p>
-            <a:pPr marL="0" indent="0">
-              <a:buNone/>
-            </a:pPr>
-            <a:r>
-              <a:rPr lang="pt-BR" sz="2000" dirty="0">
-                <a:latin typeface="Times New Roman" panose="02020603050405020304" pitchFamily="18" charset="0"/>
-                <a:cs typeface="Times New Roman" panose="02020603050405020304" pitchFamily="18" charset="0"/>
-              </a:rPr>
-              <a:t>{</a:t>
-            </a:r>
-          </a:p>
-          <a:p>
-            <a:pPr marL="0" indent="0">
-              <a:buNone/>
-            </a:pPr>
-            <a:r>
-              <a:rPr lang="pt-BR" sz="2000" dirty="0">
-                <a:latin typeface="Times New Roman" panose="02020603050405020304" pitchFamily="18" charset="0"/>
-                <a:cs typeface="Times New Roman" panose="02020603050405020304" pitchFamily="18" charset="0"/>
-              </a:rPr>
-              <a:t>  </a:t>
-            </a:r>
-            <a:r>
-              <a:rPr lang="pt-BR" sz="2000" b="1" dirty="0" err="1">
-                <a:latin typeface="Times New Roman" panose="02020603050405020304" pitchFamily="18" charset="0"/>
-                <a:cs typeface="Times New Roman" panose="02020603050405020304" pitchFamily="18" charset="0"/>
-              </a:rPr>
-              <a:t>digitalWrite</a:t>
-            </a:r>
-            <a:r>
-              <a:rPr lang="pt-BR" sz="2000" dirty="0">
-                <a:latin typeface="Times New Roman" panose="02020603050405020304" pitchFamily="18" charset="0"/>
-                <a:cs typeface="Times New Roman" panose="02020603050405020304" pitchFamily="18" charset="0"/>
-              </a:rPr>
-              <a:t>(</a:t>
-            </a:r>
-            <a:r>
-              <a:rPr lang="pt-BR" sz="2000" dirty="0" err="1">
-                <a:latin typeface="Times New Roman" panose="02020603050405020304" pitchFamily="18" charset="0"/>
-                <a:cs typeface="Times New Roman" panose="02020603050405020304" pitchFamily="18" charset="0"/>
-              </a:rPr>
-              <a:t>pinoLed</a:t>
-            </a:r>
-            <a:r>
-              <a:rPr lang="pt-BR" sz="2000" dirty="0">
-                <a:latin typeface="Times New Roman" panose="02020603050405020304" pitchFamily="18" charset="0"/>
-                <a:cs typeface="Times New Roman" panose="02020603050405020304" pitchFamily="18" charset="0"/>
-              </a:rPr>
-              <a:t>, </a:t>
-            </a:r>
-            <a:r>
-              <a:rPr lang="pt-BR" sz="2000" b="1" dirty="0">
-                <a:latin typeface="Times New Roman" panose="02020603050405020304" pitchFamily="18" charset="0"/>
-                <a:cs typeface="Times New Roman" panose="02020603050405020304" pitchFamily="18" charset="0"/>
-              </a:rPr>
-              <a:t>HIGH</a:t>
-            </a:r>
-            <a:r>
-              <a:rPr lang="pt-BR" sz="2000" dirty="0">
-                <a:latin typeface="Times New Roman" panose="02020603050405020304" pitchFamily="18" charset="0"/>
-                <a:cs typeface="Times New Roman" panose="02020603050405020304" pitchFamily="18" charset="0"/>
-              </a:rPr>
-              <a:t>);</a:t>
-            </a:r>
-          </a:p>
-          <a:p>
-            <a:pPr marL="0" indent="0">
-              <a:buNone/>
-            </a:pPr>
-            <a:r>
-              <a:rPr lang="pt-BR" sz="2000" dirty="0">
-                <a:latin typeface="Times New Roman" panose="02020603050405020304" pitchFamily="18" charset="0"/>
-                <a:cs typeface="Times New Roman" panose="02020603050405020304" pitchFamily="18" charset="0"/>
-              </a:rPr>
-              <a:t>  </a:t>
-            </a:r>
-            <a:r>
-              <a:rPr lang="pt-BR" sz="2000" b="1" dirty="0">
-                <a:latin typeface="Times New Roman" panose="02020603050405020304" pitchFamily="18" charset="0"/>
-                <a:cs typeface="Times New Roman" panose="02020603050405020304" pitchFamily="18" charset="0"/>
-              </a:rPr>
-              <a:t>delay</a:t>
-            </a:r>
-            <a:r>
-              <a:rPr lang="pt-BR" sz="2000" dirty="0">
-                <a:latin typeface="Times New Roman" panose="02020603050405020304" pitchFamily="18" charset="0"/>
-                <a:cs typeface="Times New Roman" panose="02020603050405020304" pitchFamily="18" charset="0"/>
-              </a:rPr>
-              <a:t>(tempo); // </a:t>
-            </a:r>
-            <a:r>
-              <a:rPr lang="pt-BR" sz="2000" dirty="0" err="1">
-                <a:latin typeface="Times New Roman" panose="02020603050405020304" pitchFamily="18" charset="0"/>
-                <a:cs typeface="Times New Roman" panose="02020603050405020304" pitchFamily="18" charset="0"/>
-              </a:rPr>
-              <a:t>Wait</a:t>
-            </a:r>
-            <a:r>
-              <a:rPr lang="pt-BR" sz="2000" dirty="0">
-                <a:latin typeface="Times New Roman" panose="02020603050405020304" pitchFamily="18" charset="0"/>
-                <a:cs typeface="Times New Roman" panose="02020603050405020304" pitchFamily="18" charset="0"/>
-              </a:rPr>
-              <a:t> for 1000 </a:t>
-            </a:r>
-            <a:r>
-              <a:rPr lang="pt-BR" sz="2000" dirty="0" err="1">
-                <a:latin typeface="Times New Roman" panose="02020603050405020304" pitchFamily="18" charset="0"/>
-                <a:cs typeface="Times New Roman" panose="02020603050405020304" pitchFamily="18" charset="0"/>
-              </a:rPr>
-              <a:t>millisecond</a:t>
-            </a:r>
-            <a:r>
-              <a:rPr lang="pt-BR" sz="2000" dirty="0">
-                <a:latin typeface="Times New Roman" panose="02020603050405020304" pitchFamily="18" charset="0"/>
-                <a:cs typeface="Times New Roman" panose="02020603050405020304" pitchFamily="18" charset="0"/>
-              </a:rPr>
-              <a:t>(s)</a:t>
-            </a:r>
-          </a:p>
-          <a:p>
-            <a:pPr marL="0" indent="0">
-              <a:buNone/>
-            </a:pPr>
-            <a:r>
-              <a:rPr lang="pt-BR" sz="2000" dirty="0">
-                <a:latin typeface="Times New Roman" panose="02020603050405020304" pitchFamily="18" charset="0"/>
-                <a:cs typeface="Times New Roman" panose="02020603050405020304" pitchFamily="18" charset="0"/>
-              </a:rPr>
-              <a:t>  </a:t>
-            </a:r>
-            <a:r>
-              <a:rPr lang="pt-BR" sz="2000" b="1" dirty="0" err="1">
-                <a:latin typeface="Times New Roman" panose="02020603050405020304" pitchFamily="18" charset="0"/>
-                <a:cs typeface="Times New Roman" panose="02020603050405020304" pitchFamily="18" charset="0"/>
-              </a:rPr>
-              <a:t>digitalWrite</a:t>
-            </a:r>
-            <a:r>
-              <a:rPr lang="pt-BR" sz="2000" dirty="0">
-                <a:latin typeface="Times New Roman" panose="02020603050405020304" pitchFamily="18" charset="0"/>
-                <a:cs typeface="Times New Roman" panose="02020603050405020304" pitchFamily="18" charset="0"/>
-              </a:rPr>
-              <a:t>(</a:t>
-            </a:r>
-            <a:r>
-              <a:rPr lang="pt-BR" sz="2000" dirty="0" err="1">
-                <a:latin typeface="Times New Roman" panose="02020603050405020304" pitchFamily="18" charset="0"/>
-                <a:cs typeface="Times New Roman" panose="02020603050405020304" pitchFamily="18" charset="0"/>
-              </a:rPr>
-              <a:t>pinoLed</a:t>
-            </a:r>
-            <a:r>
-              <a:rPr lang="pt-BR" sz="2000" dirty="0">
-                <a:latin typeface="Times New Roman" panose="02020603050405020304" pitchFamily="18" charset="0"/>
-                <a:cs typeface="Times New Roman" panose="02020603050405020304" pitchFamily="18" charset="0"/>
-              </a:rPr>
-              <a:t>, </a:t>
-            </a:r>
-            <a:r>
-              <a:rPr lang="pt-BR" sz="2000" b="1" dirty="0">
-                <a:latin typeface="Times New Roman" panose="02020603050405020304" pitchFamily="18" charset="0"/>
-                <a:cs typeface="Times New Roman" panose="02020603050405020304" pitchFamily="18" charset="0"/>
-              </a:rPr>
-              <a:t>LOW</a:t>
-            </a:r>
-            <a:r>
-              <a:rPr lang="pt-BR" sz="2000" dirty="0">
-                <a:latin typeface="Times New Roman" panose="02020603050405020304" pitchFamily="18" charset="0"/>
-                <a:cs typeface="Times New Roman" panose="02020603050405020304" pitchFamily="18" charset="0"/>
-              </a:rPr>
-              <a:t>);</a:t>
-            </a:r>
-          </a:p>
-          <a:p>
-            <a:pPr marL="0" indent="0">
-              <a:buNone/>
-            </a:pPr>
-            <a:r>
-              <a:rPr lang="pt-BR" sz="2000" dirty="0">
-                <a:latin typeface="Times New Roman" panose="02020603050405020304" pitchFamily="18" charset="0"/>
-                <a:cs typeface="Times New Roman" panose="02020603050405020304" pitchFamily="18" charset="0"/>
-              </a:rPr>
-              <a:t>  </a:t>
-            </a:r>
-            <a:r>
-              <a:rPr lang="pt-BR" sz="2000" b="1" dirty="0">
-                <a:latin typeface="Times New Roman" panose="02020603050405020304" pitchFamily="18" charset="0"/>
-                <a:cs typeface="Times New Roman" panose="02020603050405020304" pitchFamily="18" charset="0"/>
-              </a:rPr>
-              <a:t>delay</a:t>
-            </a:r>
-            <a:r>
-              <a:rPr lang="pt-BR" sz="2000" dirty="0">
-                <a:latin typeface="Times New Roman" panose="02020603050405020304" pitchFamily="18" charset="0"/>
-                <a:cs typeface="Times New Roman" panose="02020603050405020304" pitchFamily="18" charset="0"/>
-              </a:rPr>
-              <a:t>(tempo); // </a:t>
-            </a:r>
-            <a:r>
-              <a:rPr lang="pt-BR" sz="2000" dirty="0" err="1">
-                <a:latin typeface="Times New Roman" panose="02020603050405020304" pitchFamily="18" charset="0"/>
-                <a:cs typeface="Times New Roman" panose="02020603050405020304" pitchFamily="18" charset="0"/>
-              </a:rPr>
-              <a:t>Wait</a:t>
-            </a:r>
-            <a:r>
-              <a:rPr lang="pt-BR" sz="2000" dirty="0">
-                <a:latin typeface="Times New Roman" panose="02020603050405020304" pitchFamily="18" charset="0"/>
-                <a:cs typeface="Times New Roman" panose="02020603050405020304" pitchFamily="18" charset="0"/>
-              </a:rPr>
-              <a:t> for 1000 </a:t>
-            </a:r>
-            <a:r>
-              <a:rPr lang="pt-BR" sz="2000" dirty="0" err="1">
-                <a:latin typeface="Times New Roman" panose="02020603050405020304" pitchFamily="18" charset="0"/>
-                <a:cs typeface="Times New Roman" panose="02020603050405020304" pitchFamily="18" charset="0"/>
-              </a:rPr>
-              <a:t>millisecond</a:t>
-            </a:r>
-            <a:r>
-              <a:rPr lang="pt-BR" sz="2000" dirty="0">
-                <a:latin typeface="Times New Roman" panose="02020603050405020304" pitchFamily="18" charset="0"/>
-                <a:cs typeface="Times New Roman" panose="02020603050405020304" pitchFamily="18" charset="0"/>
-              </a:rPr>
-              <a:t>(s)</a:t>
-            </a:r>
-          </a:p>
-          <a:p>
-            <a:pPr marL="0" indent="0">
-              <a:buNone/>
-            </a:pPr>
-            <a:r>
-              <a:rPr lang="pt-BR" sz="2000" dirty="0">
-                <a:latin typeface="Times New Roman" panose="02020603050405020304" pitchFamily="18" charset="0"/>
-                <a:cs typeface="Times New Roman" panose="02020603050405020304" pitchFamily="18" charset="0"/>
-              </a:rPr>
-              <a:t>}</a:t>
-            </a:r>
-          </a:p>
-          <a:p>
-            <a:pPr marL="0" indent="0">
-              <a:buNone/>
-            </a:pPr>
-            <a:endParaRPr lang="pt-BR" sz="2000" dirty="0">
-              <a:solidFill>
-                <a:schemeClr val="tx1"/>
-              </a:solidFill>
-              <a:latin typeface="Times New Roman" panose="02020603050405020304" pitchFamily="18" charset="0"/>
-              <a:cs typeface="Times New Roman" panose="02020603050405020304" pitchFamily="18" charset="0"/>
-            </a:endParaRPr>
-          </a:p>
-        </p:txBody>
-      </p:sp>
-      <p:sp>
-        <p:nvSpPr>
-          <p:cNvPr id="3" name="CaixaDeTexto 2">
-            <a:extLst>
-              <a:ext uri="{FF2B5EF4-FFF2-40B4-BE49-F238E27FC236}">
-                <a16:creationId xmlns:a16="http://schemas.microsoft.com/office/drawing/2014/main" id="{5D2E68B4-0FB0-8A4A-0B47-A3E79F02C2FF}"/>
-              </a:ext>
-            </a:extLst>
-          </p:cNvPr>
-          <p:cNvSpPr txBox="1"/>
-          <p:nvPr/>
-        </p:nvSpPr>
-        <p:spPr>
-          <a:xfrm>
-            <a:off x="3822192" y="3557968"/>
-            <a:ext cx="4572000" cy="1477328"/>
-          </a:xfrm>
-          <a:prstGeom prst="rect">
-            <a:avLst/>
-          </a:prstGeom>
-          <a:noFill/>
-          <a:ln w="12700" cap="flat">
-            <a:noFill/>
-            <a:miter lim="400000"/>
-          </a:ln>
-          <a:effectLst/>
-        </p:spPr>
-        <p:style>
-          <a:lnRef idx="0">
-            <a:scrgbClr r="0" g="0" b="0"/>
-          </a:lnRef>
-          <a:fillRef idx="0">
-            <a:scrgbClr r="0" g="0" b="0"/>
-          </a:fillRef>
-          <a:effectRef idx="0">
-            <a:scrgbClr r="0" g="0" b="0"/>
-          </a:effectRef>
-          <a:fontRef idx="none"/>
-        </p:style>
-        <p:txBody>
-          <a:bodyPr wrap="square">
-            <a:spAutoFit/>
-          </a:bodyPr>
-          <a:lstStyle/>
-          <a:p>
-            <a:pPr marL="0" indent="0">
-              <a:buNone/>
-            </a:pPr>
-            <a:r>
-              <a:rPr lang="pt-BR" sz="1800" b="1" dirty="0">
-                <a:solidFill>
-                  <a:srgbClr val="FF0000"/>
-                </a:solidFill>
-                <a:latin typeface="Times New Roman" panose="02020603050405020304" pitchFamily="18" charset="0"/>
-                <a:cs typeface="Times New Roman" panose="02020603050405020304" pitchFamily="18" charset="0"/>
-              </a:rPr>
-              <a:t>ATENÇÃO Ligação do Relé</a:t>
-            </a:r>
-            <a:r>
-              <a:rPr lang="pt-BR" sz="1800" dirty="0">
-                <a:latin typeface="Times New Roman" panose="02020603050405020304" pitchFamily="18" charset="0"/>
-                <a:cs typeface="Times New Roman" panose="02020603050405020304" pitchFamily="18" charset="0"/>
-              </a:rPr>
-              <a:t>:</a:t>
-            </a:r>
-          </a:p>
-          <a:p>
-            <a:pPr marL="285750" indent="-285750">
-              <a:buFont typeface="Wingdings" panose="05000000000000000000" pitchFamily="2" charset="2"/>
-              <a:buChar char="§"/>
-            </a:pPr>
-            <a:r>
-              <a:rPr lang="pt-BR" sz="1800" b="1" dirty="0">
-                <a:latin typeface="Times New Roman" panose="02020603050405020304" pitchFamily="18" charset="0"/>
-                <a:cs typeface="Times New Roman" panose="02020603050405020304" pitchFamily="18" charset="0"/>
-              </a:rPr>
-              <a:t>Terminal 1</a:t>
-            </a:r>
-            <a:r>
-              <a:rPr lang="pt-BR" sz="1800" dirty="0">
-                <a:latin typeface="Times New Roman" panose="02020603050405020304" pitchFamily="18" charset="0"/>
-                <a:cs typeface="Times New Roman" panose="02020603050405020304" pitchFamily="18" charset="0"/>
-              </a:rPr>
-              <a:t> ligar na bateria</a:t>
-            </a:r>
-          </a:p>
-          <a:p>
-            <a:pPr marL="285750" indent="-285750">
-              <a:buFont typeface="Wingdings" panose="05000000000000000000" pitchFamily="2" charset="2"/>
-              <a:buChar char="§"/>
-            </a:pPr>
-            <a:r>
-              <a:rPr lang="pt-BR" sz="1800" b="1" dirty="0">
-                <a:latin typeface="Times New Roman" panose="02020603050405020304" pitchFamily="18" charset="0"/>
-                <a:cs typeface="Times New Roman" panose="02020603050405020304" pitchFamily="18" charset="0"/>
-              </a:rPr>
-              <a:t>Terminal 5</a:t>
-            </a:r>
-            <a:r>
-              <a:rPr lang="pt-BR" sz="1800" dirty="0">
-                <a:latin typeface="Times New Roman" panose="02020603050405020304" pitchFamily="18" charset="0"/>
-                <a:cs typeface="Times New Roman" panose="02020603050405020304" pitchFamily="18" charset="0"/>
-              </a:rPr>
-              <a:t> ligar no pino 12</a:t>
-            </a:r>
-          </a:p>
-          <a:p>
-            <a:pPr marL="285750" indent="-285750">
-              <a:buFont typeface="Wingdings" panose="05000000000000000000" pitchFamily="2" charset="2"/>
-              <a:buChar char="§"/>
-            </a:pPr>
-            <a:r>
-              <a:rPr lang="pt-BR" sz="1800" b="1" dirty="0">
-                <a:latin typeface="Times New Roman" panose="02020603050405020304" pitchFamily="18" charset="0"/>
-                <a:cs typeface="Times New Roman" panose="02020603050405020304" pitchFamily="18" charset="0"/>
-              </a:rPr>
-              <a:t>Terminal 6</a:t>
-            </a:r>
-            <a:r>
-              <a:rPr lang="pt-BR" sz="1800" dirty="0">
-                <a:latin typeface="Times New Roman" panose="02020603050405020304" pitchFamily="18" charset="0"/>
-                <a:cs typeface="Times New Roman" panose="02020603050405020304" pitchFamily="18" charset="0"/>
-              </a:rPr>
-              <a:t> ligar na lâmpada</a:t>
-            </a:r>
-          </a:p>
-          <a:p>
-            <a:pPr marL="285750" indent="-285750">
-              <a:buFont typeface="Wingdings" panose="05000000000000000000" pitchFamily="2" charset="2"/>
-              <a:buChar char="§"/>
-            </a:pPr>
-            <a:r>
-              <a:rPr lang="pt-BR" sz="1800" b="1" dirty="0">
-                <a:latin typeface="Times New Roman" panose="02020603050405020304" pitchFamily="18" charset="0"/>
-                <a:cs typeface="Times New Roman" panose="02020603050405020304" pitchFamily="18" charset="0"/>
-              </a:rPr>
-              <a:t>Terminal 8</a:t>
-            </a:r>
-            <a:r>
-              <a:rPr lang="pt-BR" sz="1800" dirty="0">
-                <a:latin typeface="Times New Roman" panose="02020603050405020304" pitchFamily="18" charset="0"/>
-                <a:cs typeface="Times New Roman" panose="02020603050405020304" pitchFamily="18" charset="0"/>
-              </a:rPr>
-              <a:t> ligar no GND digital</a:t>
-            </a:r>
-          </a:p>
-        </p:txBody>
-      </p:sp>
-    </p:spTree>
-    <p:extLst>
-      <p:ext uri="{BB962C8B-B14F-4D97-AF65-F5344CB8AC3E}">
-        <p14:creationId xmlns:p14="http://schemas.microsoft.com/office/powerpoint/2010/main" val="803760142"/>
-      </p:ext>
-    </p:extLst>
-  </p:cSld>
-  <p:clrMapOvr>
-    <a:masterClrMapping/>
-  </p:clrMapOvr>
-  <p:transition spd="med"/>
-</p:sld>
-</file>
-
-<file path=ppt/slides/slide16.xml><?xml version="1.0" encoding="utf-8"?>
-<p:sld xmlns:a="http://schemas.openxmlformats.org/drawingml/2006/main" xmlns:r="http://schemas.openxmlformats.org/officeDocument/2006/relationships" xmlns:p="http://schemas.openxmlformats.org/presentationml/2006/main">
-  <p:cSld>
-    <p:spTree>
-      <p:nvGrpSpPr>
-        <p:cNvPr id="1" name=""/>
-        <p:cNvGrpSpPr/>
-        <p:nvPr/>
-      </p:nvGrpSpPr>
-      <p:grpSpPr>
-        <a:xfrm>
-          <a:off x="0" y="0"/>
-          <a:ext cx="0" cy="0"/>
-          <a:chOff x="0" y="0"/>
-          <a:chExt cx="0" cy="0"/>
-        </a:xfrm>
-      </p:grpSpPr>
-      <p:sp>
-        <p:nvSpPr>
-          <p:cNvPr id="6" name="Title 1"/>
-          <p:cNvSpPr>
-            <a:spLocks noGrp="1"/>
-          </p:cNvSpPr>
-          <p:nvPr>
-            <p:ph type="title"/>
-          </p:nvPr>
-        </p:nvSpPr>
-        <p:spPr>
-          <a:xfrm>
-            <a:off x="457200" y="205980"/>
-            <a:ext cx="8229600" cy="857251"/>
-          </a:xfrm>
-        </p:spPr>
-        <p:txBody>
-          <a:bodyPr>
-            <a:normAutofit fontScale="90000"/>
-          </a:bodyPr>
-          <a:lstStyle/>
-          <a:p>
-            <a:r>
-              <a:rPr lang="en-US" b="1" dirty="0" err="1">
-                <a:solidFill>
-                  <a:srgbClr val="0070C0"/>
-                </a:solidFill>
-              </a:rPr>
-              <a:t>Tinkercad</a:t>
-            </a:r>
-            <a:r>
-              <a:rPr lang="en-US" b="1" dirty="0">
-                <a:solidFill>
-                  <a:srgbClr val="0070C0"/>
-                </a:solidFill>
-              </a:rPr>
-              <a:t> – Contador no Display LCD</a:t>
-            </a:r>
-          </a:p>
-        </p:txBody>
-      </p:sp>
-      <p:sp>
-        <p:nvSpPr>
-          <p:cNvPr id="8" name="Text Placeholder 2"/>
-          <p:cNvSpPr>
-            <a:spLocks noGrp="1"/>
-          </p:cNvSpPr>
-          <p:nvPr>
-            <p:ph type="body" sz="half" idx="1"/>
-          </p:nvPr>
-        </p:nvSpPr>
-        <p:spPr>
-          <a:xfrm>
-            <a:off x="142865" y="914399"/>
-            <a:ext cx="8865056" cy="4105487"/>
-          </a:xfrm>
-        </p:spPr>
-        <p:txBody>
-          <a:bodyPr>
-            <a:noAutofit/>
-          </a:bodyPr>
-          <a:lstStyle/>
-          <a:p>
-            <a:pPr marL="0" indent="0">
-              <a:buNone/>
-            </a:pPr>
-            <a:r>
-              <a:rPr lang="pt-BR" sz="2000" dirty="0">
-                <a:latin typeface="Times New Roman" panose="02020603050405020304" pitchFamily="18" charset="0"/>
-                <a:cs typeface="Times New Roman" panose="02020603050405020304" pitchFamily="18" charset="0"/>
-              </a:rPr>
-              <a:t>#include &lt;</a:t>
-            </a:r>
-            <a:r>
-              <a:rPr lang="pt-BR" sz="2000" b="1" dirty="0" err="1">
-                <a:latin typeface="Times New Roman" panose="02020603050405020304" pitchFamily="18" charset="0"/>
-                <a:cs typeface="Times New Roman" panose="02020603050405020304" pitchFamily="18" charset="0"/>
-              </a:rPr>
-              <a:t>Adafruit_LiquidCrystal</a:t>
-            </a:r>
-            <a:r>
-              <a:rPr lang="pt-BR" sz="2000" dirty="0" err="1">
-                <a:latin typeface="Times New Roman" panose="02020603050405020304" pitchFamily="18" charset="0"/>
-                <a:cs typeface="Times New Roman" panose="02020603050405020304" pitchFamily="18" charset="0"/>
-              </a:rPr>
-              <a:t>.h</a:t>
-            </a:r>
-            <a:r>
-              <a:rPr lang="pt-BR" sz="2000" dirty="0">
-                <a:latin typeface="Times New Roman" panose="02020603050405020304" pitchFamily="18" charset="0"/>
-                <a:cs typeface="Times New Roman" panose="02020603050405020304" pitchFamily="18" charset="0"/>
-              </a:rPr>
-              <a:t>&gt;</a:t>
-            </a:r>
-          </a:p>
-          <a:p>
-            <a:pPr marL="0" indent="0">
-              <a:buNone/>
-            </a:pPr>
-            <a:r>
-              <a:rPr lang="pt-BR" sz="2000" dirty="0">
-                <a:latin typeface="Times New Roman" panose="02020603050405020304" pitchFamily="18" charset="0"/>
-                <a:cs typeface="Times New Roman" panose="02020603050405020304" pitchFamily="18" charset="0"/>
-              </a:rPr>
-              <a:t>#</a:t>
-            </a:r>
-            <a:r>
-              <a:rPr lang="pt-BR" sz="2000" b="1" dirty="0">
-                <a:latin typeface="Times New Roman" panose="02020603050405020304" pitchFamily="18" charset="0"/>
-                <a:cs typeface="Times New Roman" panose="02020603050405020304" pitchFamily="18" charset="0"/>
-              </a:rPr>
-              <a:t>define</a:t>
-            </a:r>
-            <a:r>
-              <a:rPr lang="pt-BR" sz="2000" dirty="0">
-                <a:latin typeface="Times New Roman" panose="02020603050405020304" pitchFamily="18" charset="0"/>
-                <a:cs typeface="Times New Roman" panose="02020603050405020304" pitchFamily="18" charset="0"/>
-              </a:rPr>
-              <a:t> tempo 800</a:t>
-            </a:r>
-          </a:p>
-          <a:p>
-            <a:pPr marL="0" indent="0">
-              <a:buNone/>
-            </a:pPr>
-            <a:r>
-              <a:rPr lang="pt-BR" sz="2000" b="1" dirty="0" err="1">
-                <a:latin typeface="Times New Roman" panose="02020603050405020304" pitchFamily="18" charset="0"/>
-                <a:cs typeface="Times New Roman" panose="02020603050405020304" pitchFamily="18" charset="0"/>
-              </a:rPr>
-              <a:t>int</a:t>
-            </a:r>
-            <a:r>
-              <a:rPr lang="pt-BR" sz="2000" dirty="0">
-                <a:latin typeface="Times New Roman" panose="02020603050405020304" pitchFamily="18" charset="0"/>
-                <a:cs typeface="Times New Roman" panose="02020603050405020304" pitchFamily="18" charset="0"/>
-              </a:rPr>
-              <a:t> </a:t>
-            </a:r>
-            <a:r>
-              <a:rPr lang="pt-BR" sz="2000" dirty="0" err="1">
-                <a:latin typeface="Times New Roman" panose="02020603050405020304" pitchFamily="18" charset="0"/>
-                <a:cs typeface="Times New Roman" panose="02020603050405020304" pitchFamily="18" charset="0"/>
-              </a:rPr>
-              <a:t>cont_segs</a:t>
-            </a:r>
-            <a:r>
-              <a:rPr lang="pt-BR" sz="2000" dirty="0">
-                <a:latin typeface="Times New Roman" panose="02020603050405020304" pitchFamily="18" charset="0"/>
-                <a:cs typeface="Times New Roman" panose="02020603050405020304" pitchFamily="18" charset="0"/>
-              </a:rPr>
-              <a:t> </a:t>
-            </a:r>
-            <a:r>
-              <a:rPr lang="pt-BR" sz="2000">
-                <a:latin typeface="Times New Roman" panose="02020603050405020304" pitchFamily="18" charset="0"/>
-                <a:cs typeface="Times New Roman" panose="02020603050405020304" pitchFamily="18" charset="0"/>
-              </a:rPr>
-              <a:t>= 1; </a:t>
-            </a:r>
-            <a:r>
-              <a:rPr lang="pt-BR" sz="2000" dirty="0">
-                <a:latin typeface="Times New Roman" panose="02020603050405020304" pitchFamily="18" charset="0"/>
-                <a:cs typeface="Times New Roman" panose="02020603050405020304" pitchFamily="18" charset="0"/>
-              </a:rPr>
-              <a:t>// contador de segundos</a:t>
-            </a:r>
-          </a:p>
-          <a:p>
-            <a:pPr marL="0" indent="0">
-              <a:buNone/>
-            </a:pPr>
-            <a:endParaRPr lang="pt-BR" sz="2000" dirty="0">
-              <a:latin typeface="Times New Roman" panose="02020603050405020304" pitchFamily="18" charset="0"/>
-              <a:cs typeface="Times New Roman" panose="02020603050405020304" pitchFamily="18" charset="0"/>
-            </a:endParaRPr>
-          </a:p>
-          <a:p>
-            <a:pPr marL="0" indent="0">
-              <a:buNone/>
-            </a:pPr>
-            <a:r>
-              <a:rPr lang="pt-BR" sz="2000" b="1" dirty="0" err="1">
-                <a:latin typeface="Times New Roman" panose="02020603050405020304" pitchFamily="18" charset="0"/>
-                <a:cs typeface="Times New Roman" panose="02020603050405020304" pitchFamily="18" charset="0"/>
-              </a:rPr>
-              <a:t>Adafruit_LiquidCrystal</a:t>
-            </a:r>
-            <a:r>
-              <a:rPr lang="pt-BR" sz="2000" b="1" dirty="0">
-                <a:latin typeface="Times New Roman" panose="02020603050405020304" pitchFamily="18" charset="0"/>
-                <a:cs typeface="Times New Roman" panose="02020603050405020304" pitchFamily="18" charset="0"/>
-              </a:rPr>
-              <a:t> </a:t>
-            </a:r>
-            <a:r>
-              <a:rPr lang="pt-BR" sz="2000" dirty="0">
-                <a:latin typeface="Times New Roman" panose="02020603050405020304" pitchFamily="18" charset="0"/>
-                <a:cs typeface="Times New Roman" panose="02020603050405020304" pitchFamily="18" charset="0"/>
-              </a:rPr>
-              <a:t>lcd_1(0);</a:t>
-            </a:r>
-          </a:p>
-          <a:p>
-            <a:pPr marL="0" indent="0">
-              <a:buNone/>
-            </a:pPr>
-            <a:endParaRPr lang="pt-BR" sz="2000" dirty="0">
-              <a:latin typeface="Times New Roman" panose="02020603050405020304" pitchFamily="18" charset="0"/>
-              <a:cs typeface="Times New Roman" panose="02020603050405020304" pitchFamily="18" charset="0"/>
-            </a:endParaRPr>
-          </a:p>
-          <a:p>
-            <a:pPr marL="0" indent="0">
-              <a:buNone/>
-            </a:pPr>
-            <a:r>
-              <a:rPr lang="pt-BR" sz="2000" dirty="0" err="1">
-                <a:latin typeface="Times New Roman" panose="02020603050405020304" pitchFamily="18" charset="0"/>
-                <a:cs typeface="Times New Roman" panose="02020603050405020304" pitchFamily="18" charset="0"/>
-              </a:rPr>
-              <a:t>void</a:t>
-            </a:r>
-            <a:r>
-              <a:rPr lang="pt-BR" sz="2000" dirty="0">
-                <a:latin typeface="Times New Roman" panose="02020603050405020304" pitchFamily="18" charset="0"/>
-                <a:cs typeface="Times New Roman" panose="02020603050405020304" pitchFamily="18" charset="0"/>
-              </a:rPr>
-              <a:t> </a:t>
-            </a:r>
-            <a:r>
-              <a:rPr lang="pt-BR" sz="2000" b="1" dirty="0">
-                <a:solidFill>
-                  <a:srgbClr val="FF0000"/>
-                </a:solidFill>
-                <a:latin typeface="Times New Roman" panose="02020603050405020304" pitchFamily="18" charset="0"/>
-                <a:cs typeface="Times New Roman" panose="02020603050405020304" pitchFamily="18" charset="0"/>
-              </a:rPr>
-              <a:t>setup</a:t>
-            </a:r>
-            <a:r>
-              <a:rPr lang="pt-BR" sz="2000" dirty="0">
-                <a:latin typeface="Times New Roman" panose="02020603050405020304" pitchFamily="18" charset="0"/>
-                <a:cs typeface="Times New Roman" panose="02020603050405020304" pitchFamily="18" charset="0"/>
-              </a:rPr>
-              <a:t>() {</a:t>
-            </a:r>
-          </a:p>
-          <a:p>
-            <a:pPr marL="0" indent="0">
-              <a:buNone/>
-            </a:pPr>
-            <a:r>
-              <a:rPr lang="pt-BR" sz="2000" dirty="0">
-                <a:latin typeface="Times New Roman" panose="02020603050405020304" pitchFamily="18" charset="0"/>
-                <a:cs typeface="Times New Roman" panose="02020603050405020304" pitchFamily="18" charset="0"/>
-              </a:rPr>
-              <a:t>  lcd_1.</a:t>
-            </a:r>
-            <a:r>
-              <a:rPr lang="pt-BR" sz="2000" b="1" dirty="0">
-                <a:latin typeface="Times New Roman" panose="02020603050405020304" pitchFamily="18" charset="0"/>
-                <a:cs typeface="Times New Roman" panose="02020603050405020304" pitchFamily="18" charset="0"/>
-              </a:rPr>
-              <a:t>begin</a:t>
-            </a:r>
-            <a:r>
-              <a:rPr lang="pt-BR" sz="2000" dirty="0">
-                <a:latin typeface="Times New Roman" panose="02020603050405020304" pitchFamily="18" charset="0"/>
-                <a:cs typeface="Times New Roman" panose="02020603050405020304" pitchFamily="18" charset="0"/>
-              </a:rPr>
-              <a:t>(16, 2);</a:t>
-            </a:r>
-          </a:p>
-          <a:p>
-            <a:pPr marL="0" indent="0">
-              <a:buNone/>
-            </a:pPr>
-            <a:r>
-              <a:rPr lang="pt-BR" sz="2000" dirty="0">
-                <a:latin typeface="Times New Roman" panose="02020603050405020304" pitchFamily="18" charset="0"/>
-                <a:cs typeface="Times New Roman" panose="02020603050405020304" pitchFamily="18" charset="0"/>
-              </a:rPr>
-              <a:t>  lcd_1.</a:t>
-            </a:r>
-            <a:r>
-              <a:rPr lang="pt-BR" sz="2000" b="1" dirty="0">
-                <a:latin typeface="Times New Roman" panose="02020603050405020304" pitchFamily="18" charset="0"/>
-                <a:cs typeface="Times New Roman" panose="02020603050405020304" pitchFamily="18" charset="0"/>
-              </a:rPr>
-              <a:t>print</a:t>
-            </a:r>
-            <a:r>
-              <a:rPr lang="pt-BR" sz="2000" dirty="0">
-                <a:latin typeface="Times New Roman" panose="02020603050405020304" pitchFamily="18" charset="0"/>
-                <a:cs typeface="Times New Roman" panose="02020603050405020304" pitchFamily="18" charset="0"/>
-              </a:rPr>
-              <a:t>(“</a:t>
-            </a:r>
-            <a:r>
-              <a:rPr lang="pt-BR" sz="2000" b="1" dirty="0">
-                <a:solidFill>
-                  <a:srgbClr val="0070C0"/>
-                </a:solidFill>
-                <a:latin typeface="Times New Roman" panose="02020603050405020304" pitchFamily="18" charset="0"/>
-                <a:cs typeface="Times New Roman" panose="02020603050405020304" pitchFamily="18" charset="0"/>
-              </a:rPr>
-              <a:t>Senha</a:t>
-            </a:r>
-            <a:r>
-              <a:rPr lang="pt-BR" sz="2000" dirty="0">
-                <a:latin typeface="Times New Roman" panose="02020603050405020304" pitchFamily="18" charset="0"/>
-                <a:cs typeface="Times New Roman" panose="02020603050405020304" pitchFamily="18" charset="0"/>
-              </a:rPr>
-              <a:t>"); }</a:t>
-            </a:r>
-          </a:p>
-          <a:p>
-            <a:pPr marL="0" indent="0">
-              <a:buNone/>
-            </a:pPr>
-            <a:endParaRPr lang="pt-BR" sz="2000" dirty="0">
-              <a:latin typeface="Times New Roman" panose="02020603050405020304" pitchFamily="18" charset="0"/>
-              <a:cs typeface="Times New Roman" panose="02020603050405020304" pitchFamily="18" charset="0"/>
-            </a:endParaRPr>
-          </a:p>
-        </p:txBody>
-      </p:sp>
-      <p:sp>
-        <p:nvSpPr>
-          <p:cNvPr id="4" name="CaixaDeTexto 3">
-            <a:extLst>
-              <a:ext uri="{FF2B5EF4-FFF2-40B4-BE49-F238E27FC236}">
-                <a16:creationId xmlns:a16="http://schemas.microsoft.com/office/drawing/2014/main" id="{F0790EAA-BD40-6646-0955-2EDBC47F45A4}"/>
-              </a:ext>
-            </a:extLst>
-          </p:cNvPr>
-          <p:cNvSpPr txBox="1"/>
-          <p:nvPr/>
-        </p:nvSpPr>
-        <p:spPr>
-          <a:xfrm>
-            <a:off x="3980687" y="2465342"/>
-            <a:ext cx="4919473" cy="2554545"/>
-          </a:xfrm>
-          <a:prstGeom prst="rect">
-            <a:avLst/>
-          </a:prstGeom>
-          <a:noFill/>
-          <a:ln w="12700" cap="flat">
-            <a:noFill/>
-            <a:miter lim="400000"/>
-          </a:ln>
-          <a:effectLst/>
-        </p:spPr>
-        <p:style>
-          <a:lnRef idx="0">
-            <a:scrgbClr r="0" g="0" b="0"/>
-          </a:lnRef>
-          <a:fillRef idx="0">
-            <a:scrgbClr r="0" g="0" b="0"/>
-          </a:fillRef>
-          <a:effectRef idx="0">
-            <a:scrgbClr r="0" g="0" b="0"/>
-          </a:effectRef>
-          <a:fontRef idx="none"/>
-        </p:style>
-        <p:txBody>
-          <a:bodyPr wrap="square">
-            <a:spAutoFit/>
-          </a:bodyPr>
-          <a:lstStyle/>
-          <a:p>
-            <a:pPr marL="0" indent="0">
-              <a:buNone/>
-            </a:pPr>
-            <a:r>
-              <a:rPr lang="pt-BR" sz="2000" dirty="0" err="1">
-                <a:latin typeface="Times New Roman" panose="02020603050405020304" pitchFamily="18" charset="0"/>
-                <a:cs typeface="Times New Roman" panose="02020603050405020304" pitchFamily="18" charset="0"/>
-              </a:rPr>
-              <a:t>void</a:t>
-            </a:r>
-            <a:r>
-              <a:rPr lang="pt-BR" sz="2000" dirty="0">
-                <a:latin typeface="Times New Roman" panose="02020603050405020304" pitchFamily="18" charset="0"/>
-                <a:cs typeface="Times New Roman" panose="02020603050405020304" pitchFamily="18" charset="0"/>
-              </a:rPr>
-              <a:t> </a:t>
-            </a:r>
-            <a:r>
-              <a:rPr lang="pt-BR" sz="2000" b="1" dirty="0">
-                <a:solidFill>
-                  <a:srgbClr val="FF0000"/>
-                </a:solidFill>
-                <a:latin typeface="Times New Roman" panose="02020603050405020304" pitchFamily="18" charset="0"/>
-                <a:cs typeface="Times New Roman" panose="02020603050405020304" pitchFamily="18" charset="0"/>
-              </a:rPr>
-              <a:t>loop</a:t>
-            </a:r>
-            <a:r>
-              <a:rPr lang="pt-BR" sz="2000" dirty="0">
-                <a:latin typeface="Times New Roman" panose="02020603050405020304" pitchFamily="18" charset="0"/>
-                <a:cs typeface="Times New Roman" panose="02020603050405020304" pitchFamily="18" charset="0"/>
-              </a:rPr>
-              <a:t>(){</a:t>
-            </a:r>
-          </a:p>
-          <a:p>
-            <a:pPr marL="0" indent="0">
-              <a:buNone/>
-            </a:pPr>
-            <a:r>
-              <a:rPr lang="pt-BR" sz="2000" dirty="0">
-                <a:latin typeface="Times New Roman" panose="02020603050405020304" pitchFamily="18" charset="0"/>
-                <a:cs typeface="Times New Roman" panose="02020603050405020304" pitchFamily="18" charset="0"/>
-              </a:rPr>
-              <a:t>  lcd_1.</a:t>
-            </a:r>
-            <a:r>
-              <a:rPr lang="pt-BR" sz="2000" b="1" dirty="0">
-                <a:latin typeface="Times New Roman" panose="02020603050405020304" pitchFamily="18" charset="0"/>
-                <a:cs typeface="Times New Roman" panose="02020603050405020304" pitchFamily="18" charset="0"/>
-              </a:rPr>
-              <a:t>setCursor</a:t>
-            </a:r>
-            <a:r>
-              <a:rPr lang="pt-BR" sz="2000" dirty="0">
-                <a:latin typeface="Times New Roman" panose="02020603050405020304" pitchFamily="18" charset="0"/>
-                <a:cs typeface="Times New Roman" panose="02020603050405020304" pitchFamily="18" charset="0"/>
-              </a:rPr>
-              <a:t>(0, 1);</a:t>
-            </a:r>
-          </a:p>
-          <a:p>
-            <a:pPr marL="0" indent="0">
-              <a:buNone/>
-            </a:pPr>
-            <a:r>
-              <a:rPr lang="pt-BR" sz="2000" dirty="0">
-                <a:latin typeface="Times New Roman" panose="02020603050405020304" pitchFamily="18" charset="0"/>
-                <a:cs typeface="Times New Roman" panose="02020603050405020304" pitchFamily="18" charset="0"/>
-              </a:rPr>
-              <a:t>  lcd_1.</a:t>
-            </a:r>
-            <a:r>
-              <a:rPr lang="pt-BR" sz="2000" b="1" dirty="0">
-                <a:latin typeface="Times New Roman" panose="02020603050405020304" pitchFamily="18" charset="0"/>
-                <a:cs typeface="Times New Roman" panose="02020603050405020304" pitchFamily="18" charset="0"/>
-              </a:rPr>
-              <a:t>print</a:t>
-            </a:r>
-            <a:r>
-              <a:rPr lang="pt-BR" sz="2000" dirty="0">
-                <a:latin typeface="Times New Roman" panose="02020603050405020304" pitchFamily="18" charset="0"/>
-                <a:cs typeface="Times New Roman" panose="02020603050405020304" pitchFamily="18" charset="0"/>
-              </a:rPr>
-              <a:t>(</a:t>
-            </a:r>
-            <a:r>
-              <a:rPr lang="pt-BR" sz="2000" dirty="0" err="1">
-                <a:latin typeface="Times New Roman" panose="02020603050405020304" pitchFamily="18" charset="0"/>
-                <a:cs typeface="Times New Roman" panose="02020603050405020304" pitchFamily="18" charset="0"/>
-              </a:rPr>
-              <a:t>cont_segs</a:t>
-            </a:r>
-            <a:r>
-              <a:rPr lang="pt-BR" sz="2000" dirty="0">
-                <a:latin typeface="Times New Roman" panose="02020603050405020304" pitchFamily="18" charset="0"/>
-                <a:cs typeface="Times New Roman" panose="02020603050405020304" pitchFamily="18" charset="0"/>
-              </a:rPr>
-              <a:t>);</a:t>
-            </a:r>
-          </a:p>
-          <a:p>
-            <a:pPr marL="0" indent="0">
-              <a:buNone/>
-            </a:pPr>
-            <a:r>
-              <a:rPr lang="pt-BR" sz="2000" dirty="0">
-                <a:latin typeface="Times New Roman" panose="02020603050405020304" pitchFamily="18" charset="0"/>
-                <a:cs typeface="Times New Roman" panose="02020603050405020304" pitchFamily="18" charset="0"/>
-              </a:rPr>
-              <a:t>  lcd_1.</a:t>
-            </a:r>
-            <a:r>
-              <a:rPr lang="pt-BR" sz="2000" b="1" dirty="0">
-                <a:latin typeface="Times New Roman" panose="02020603050405020304" pitchFamily="18" charset="0"/>
-                <a:cs typeface="Times New Roman" panose="02020603050405020304" pitchFamily="18" charset="0"/>
-              </a:rPr>
-              <a:t>setBacklight</a:t>
-            </a:r>
-            <a:r>
-              <a:rPr lang="pt-BR" sz="2000" dirty="0">
-                <a:latin typeface="Times New Roman" panose="02020603050405020304" pitchFamily="18" charset="0"/>
-                <a:cs typeface="Times New Roman" panose="02020603050405020304" pitchFamily="18" charset="0"/>
-              </a:rPr>
-              <a:t>(1);</a:t>
-            </a:r>
-          </a:p>
-          <a:p>
-            <a:pPr marL="0" indent="0">
-              <a:buNone/>
-            </a:pPr>
-            <a:r>
-              <a:rPr lang="pt-BR" sz="2000" dirty="0">
-                <a:latin typeface="Times New Roman" panose="02020603050405020304" pitchFamily="18" charset="0"/>
-                <a:cs typeface="Times New Roman" panose="02020603050405020304" pitchFamily="18" charset="0"/>
-              </a:rPr>
-              <a:t>  </a:t>
-            </a:r>
-            <a:r>
-              <a:rPr lang="pt-BR" sz="2000" b="1" dirty="0">
-                <a:latin typeface="Times New Roman" panose="02020603050405020304" pitchFamily="18" charset="0"/>
-                <a:cs typeface="Times New Roman" panose="02020603050405020304" pitchFamily="18" charset="0"/>
-              </a:rPr>
-              <a:t>delay</a:t>
-            </a:r>
-            <a:r>
-              <a:rPr lang="pt-BR" sz="2000" dirty="0">
-                <a:latin typeface="Times New Roman" panose="02020603050405020304" pitchFamily="18" charset="0"/>
-                <a:cs typeface="Times New Roman" panose="02020603050405020304" pitchFamily="18" charset="0"/>
-              </a:rPr>
-              <a:t>(tempo); // aguarda 800 </a:t>
-            </a:r>
-            <a:r>
-              <a:rPr lang="pt-BR" sz="2000" dirty="0" err="1">
-                <a:latin typeface="Times New Roman" panose="02020603050405020304" pitchFamily="18" charset="0"/>
-                <a:cs typeface="Times New Roman" panose="02020603050405020304" pitchFamily="18" charset="0"/>
-              </a:rPr>
-              <a:t>millisecond</a:t>
-            </a:r>
-            <a:r>
-              <a:rPr lang="pt-BR" sz="2000" dirty="0">
-                <a:latin typeface="Times New Roman" panose="02020603050405020304" pitchFamily="18" charset="0"/>
-                <a:cs typeface="Times New Roman" panose="02020603050405020304" pitchFamily="18" charset="0"/>
-              </a:rPr>
-              <a:t>(s)</a:t>
-            </a:r>
-          </a:p>
-          <a:p>
-            <a:pPr marL="0" indent="0">
-              <a:buNone/>
-            </a:pPr>
-            <a:r>
-              <a:rPr lang="pt-BR" sz="2000" dirty="0">
-                <a:latin typeface="Times New Roman" panose="02020603050405020304" pitchFamily="18" charset="0"/>
-                <a:cs typeface="Times New Roman" panose="02020603050405020304" pitchFamily="18" charset="0"/>
-              </a:rPr>
-              <a:t>  lcd_1.</a:t>
-            </a:r>
-            <a:r>
-              <a:rPr lang="pt-BR" sz="2000" b="1" dirty="0">
-                <a:latin typeface="Times New Roman" panose="02020603050405020304" pitchFamily="18" charset="0"/>
-                <a:cs typeface="Times New Roman" panose="02020603050405020304" pitchFamily="18" charset="0"/>
-              </a:rPr>
-              <a:t>setBacklight</a:t>
-            </a:r>
-            <a:r>
-              <a:rPr lang="pt-BR" sz="2000" dirty="0">
-                <a:latin typeface="Times New Roman" panose="02020603050405020304" pitchFamily="18" charset="0"/>
-                <a:cs typeface="Times New Roman" panose="02020603050405020304" pitchFamily="18" charset="0"/>
-              </a:rPr>
-              <a:t>(0);</a:t>
-            </a:r>
-          </a:p>
-          <a:p>
-            <a:pPr marL="0" indent="0">
-              <a:buNone/>
-            </a:pPr>
-            <a:r>
-              <a:rPr lang="pt-BR" sz="2000" dirty="0">
-                <a:latin typeface="Times New Roman" panose="02020603050405020304" pitchFamily="18" charset="0"/>
-                <a:cs typeface="Times New Roman" panose="02020603050405020304" pitchFamily="18" charset="0"/>
-              </a:rPr>
-              <a:t>  </a:t>
-            </a:r>
-            <a:r>
-              <a:rPr lang="pt-BR" sz="2000" b="1" dirty="0">
-                <a:latin typeface="Times New Roman" panose="02020603050405020304" pitchFamily="18" charset="0"/>
-                <a:cs typeface="Times New Roman" panose="02020603050405020304" pitchFamily="18" charset="0"/>
-              </a:rPr>
-              <a:t>delay</a:t>
-            </a:r>
-            <a:r>
-              <a:rPr lang="pt-BR" sz="2000" dirty="0">
-                <a:latin typeface="Times New Roman" panose="02020603050405020304" pitchFamily="18" charset="0"/>
-                <a:cs typeface="Times New Roman" panose="02020603050405020304" pitchFamily="18" charset="0"/>
-              </a:rPr>
-              <a:t>(tempo); // aguarda 800 </a:t>
-            </a:r>
-            <a:r>
-              <a:rPr lang="pt-BR" sz="2000" dirty="0" err="1">
-                <a:latin typeface="Times New Roman" panose="02020603050405020304" pitchFamily="18" charset="0"/>
-                <a:cs typeface="Times New Roman" panose="02020603050405020304" pitchFamily="18" charset="0"/>
-              </a:rPr>
-              <a:t>millisecond</a:t>
-            </a:r>
-            <a:r>
-              <a:rPr lang="pt-BR" sz="2000" dirty="0">
-                <a:latin typeface="Times New Roman" panose="02020603050405020304" pitchFamily="18" charset="0"/>
-                <a:cs typeface="Times New Roman" panose="02020603050405020304" pitchFamily="18" charset="0"/>
-              </a:rPr>
-              <a:t>(s)</a:t>
-            </a:r>
-          </a:p>
-          <a:p>
-            <a:pPr marL="0" indent="0">
-              <a:buNone/>
-            </a:pPr>
-            <a:r>
-              <a:rPr lang="pt-BR" sz="2000" dirty="0">
-                <a:latin typeface="Times New Roman" panose="02020603050405020304" pitchFamily="18" charset="0"/>
-                <a:cs typeface="Times New Roman" panose="02020603050405020304" pitchFamily="18" charset="0"/>
-              </a:rPr>
-              <a:t> </a:t>
-            </a:r>
-            <a:r>
-              <a:rPr lang="pt-BR" sz="2000" dirty="0" err="1">
-                <a:latin typeface="Times New Roman" panose="02020603050405020304" pitchFamily="18" charset="0"/>
-                <a:cs typeface="Times New Roman" panose="02020603050405020304" pitchFamily="18" charset="0"/>
-              </a:rPr>
-              <a:t>cont_segs</a:t>
-            </a:r>
-            <a:r>
-              <a:rPr lang="pt-BR" sz="2000" dirty="0">
-                <a:latin typeface="Times New Roman" panose="02020603050405020304" pitchFamily="18" charset="0"/>
-                <a:cs typeface="Times New Roman" panose="02020603050405020304" pitchFamily="18" charset="0"/>
-              </a:rPr>
-              <a:t> += 1; }</a:t>
-            </a:r>
-            <a:endParaRPr lang="pt-BR" sz="2000" dirty="0">
-              <a:solidFill>
-                <a:schemeClr val="tx1"/>
-              </a:solidFill>
-              <a:latin typeface="Times New Roman" panose="02020603050405020304" pitchFamily="18" charset="0"/>
-              <a:cs typeface="Times New Roman" panose="02020603050405020304" pitchFamily="18" charset="0"/>
-            </a:endParaRPr>
-          </a:p>
-        </p:txBody>
-      </p:sp>
-    </p:spTree>
-    <p:extLst>
-      <p:ext uri="{BB962C8B-B14F-4D97-AF65-F5344CB8AC3E}">
-        <p14:creationId xmlns:p14="http://schemas.microsoft.com/office/powerpoint/2010/main" val="2459608027"/>
-      </p:ext>
-    </p:extLst>
-  </p:cSld>
-  <p:clrMapOvr>
-    <a:masterClrMapping/>
-  </p:clrMapOvr>
-  <p:transition spd="med"/>
-</p:sld>
-</file>
-
-<file path=ppt/slides/slide17.xml><?xml version="1.0" encoding="utf-8"?>
-<p:sld xmlns:a="http://schemas.openxmlformats.org/drawingml/2006/main" xmlns:r="http://schemas.openxmlformats.org/officeDocument/2006/relationships" xmlns:p="http://schemas.openxmlformats.org/presentationml/2006/main">
-  <p:cSld>
-    <p:spTree>
-      <p:nvGrpSpPr>
-        <p:cNvPr id="1" name=""/>
-        <p:cNvGrpSpPr/>
-        <p:nvPr/>
-      </p:nvGrpSpPr>
-      <p:grpSpPr>
-        <a:xfrm>
-          <a:off x="0" y="0"/>
-          <a:ext cx="0" cy="0"/>
-          <a:chOff x="0" y="0"/>
-          <a:chExt cx="0" cy="0"/>
-        </a:xfrm>
-      </p:grpSpPr>
-      <p:sp>
-        <p:nvSpPr>
-          <p:cNvPr id="6" name="Title 1"/>
-          <p:cNvSpPr>
-            <a:spLocks noGrp="1"/>
-          </p:cNvSpPr>
-          <p:nvPr>
-            <p:ph type="title"/>
-          </p:nvPr>
-        </p:nvSpPr>
-        <p:spPr>
-          <a:xfrm>
-            <a:off x="457200" y="205980"/>
-            <a:ext cx="8229600" cy="857251"/>
-          </a:xfrm>
-        </p:spPr>
-        <p:txBody>
-          <a:bodyPr>
-            <a:normAutofit/>
-          </a:bodyPr>
-          <a:lstStyle/>
-          <a:p>
-            <a:r>
-              <a:rPr lang="en-US" b="1" dirty="0" err="1">
-                <a:solidFill>
-                  <a:srgbClr val="0070C0"/>
-                </a:solidFill>
-              </a:rPr>
-              <a:t>Leitura</a:t>
-            </a:r>
-            <a:r>
-              <a:rPr lang="en-US" b="1" dirty="0">
-                <a:solidFill>
-                  <a:srgbClr val="0070C0"/>
-                </a:solidFill>
-              </a:rPr>
-              <a:t> </a:t>
-            </a:r>
-            <a:r>
-              <a:rPr lang="en-US" b="1" dirty="0" err="1">
-                <a:solidFill>
-                  <a:srgbClr val="0070C0"/>
-                </a:solidFill>
-              </a:rPr>
-              <a:t>Específica</a:t>
-            </a:r>
-            <a:endParaRPr lang="en-US" b="1" dirty="0">
-              <a:solidFill>
-                <a:srgbClr val="0070C0"/>
-              </a:solidFill>
-            </a:endParaRPr>
-          </a:p>
-        </p:txBody>
-      </p:sp>
-      <p:sp>
-        <p:nvSpPr>
-          <p:cNvPr id="8" name="Text Placeholder 2"/>
-          <p:cNvSpPr>
-            <a:spLocks noGrp="1"/>
-          </p:cNvSpPr>
-          <p:nvPr>
-            <p:ph type="body" sz="half" idx="1"/>
-          </p:nvPr>
-        </p:nvSpPr>
-        <p:spPr>
-          <a:xfrm>
-            <a:off x="142865" y="1200150"/>
-            <a:ext cx="8865056" cy="3737369"/>
-          </a:xfrm>
-        </p:spPr>
-        <p:txBody>
-          <a:bodyPr>
-            <a:noAutofit/>
-          </a:bodyPr>
-          <a:lstStyle/>
-          <a:p>
-            <a:pPr marL="0" indent="0" algn="just">
-              <a:buNone/>
-            </a:pPr>
-            <a:r>
-              <a:rPr lang="pt-BR" sz="2000" dirty="0">
-                <a:latin typeface="Times New Roman" panose="02020603050405020304" pitchFamily="18" charset="0"/>
-                <a:cs typeface="Times New Roman" panose="02020603050405020304" pitchFamily="18" charset="0"/>
-              </a:rPr>
-              <a:t>[1] Sistemas Embarcados.</a:t>
-            </a:r>
-          </a:p>
-          <a:p>
-            <a:pPr marL="0" indent="0" algn="just">
-              <a:buNone/>
-            </a:pPr>
-            <a:r>
-              <a:rPr lang="pt-BR" sz="2000" b="1" dirty="0">
-                <a:solidFill>
-                  <a:srgbClr val="FF0000"/>
-                </a:solidFill>
-                <a:latin typeface="Times New Roman" panose="02020603050405020304" pitchFamily="18" charset="0"/>
-                <a:cs typeface="Times New Roman" panose="02020603050405020304" pitchFamily="18" charset="0"/>
-              </a:rPr>
-              <a:t>Disponível em: </a:t>
-            </a:r>
-            <a:r>
-              <a:rPr lang="pt-BR" sz="2000" dirty="0">
-                <a:latin typeface="Times New Roman" panose="02020603050405020304" pitchFamily="18" charset="0"/>
-                <a:cs typeface="Times New Roman" panose="02020603050405020304" pitchFamily="18" charset="0"/>
-                <a:hlinkClick r:id="rId3"/>
-              </a:rPr>
-              <a:t>https://files.comunidades.net/mutcom/ARTIGO_SIST_EMB.pdf</a:t>
-            </a:r>
-            <a:endParaRPr lang="pt-BR" sz="2000" dirty="0">
-              <a:latin typeface="Times New Roman" panose="02020603050405020304" pitchFamily="18" charset="0"/>
-              <a:cs typeface="Times New Roman" panose="02020603050405020304" pitchFamily="18" charset="0"/>
-            </a:endParaRPr>
-          </a:p>
-          <a:p>
-            <a:pPr marL="0" indent="0" algn="just">
-              <a:buNone/>
-            </a:pPr>
-            <a:endParaRPr lang="pt-BR" sz="2000" dirty="0">
-              <a:latin typeface="Times New Roman" panose="02020603050405020304" pitchFamily="18" charset="0"/>
-              <a:cs typeface="Times New Roman" panose="02020603050405020304" pitchFamily="18" charset="0"/>
-            </a:endParaRPr>
-          </a:p>
-          <a:p>
-            <a:pPr marL="0" indent="0" algn="just">
-              <a:buNone/>
-            </a:pPr>
-            <a:endParaRPr lang="pt-BR" sz="2000" dirty="0">
-              <a:latin typeface="Times New Roman" panose="02020603050405020304" pitchFamily="18" charset="0"/>
-              <a:cs typeface="Times New Roman" panose="02020603050405020304" pitchFamily="18" charset="0"/>
-            </a:endParaRPr>
-          </a:p>
-          <a:p>
-            <a:pPr marL="0" indent="0" algn="just">
-              <a:buNone/>
-            </a:pPr>
-            <a:r>
-              <a:rPr lang="pt-BR" sz="2000" dirty="0">
-                <a:latin typeface="Times New Roman" panose="02020603050405020304" pitchFamily="18" charset="0"/>
-                <a:cs typeface="Times New Roman" panose="02020603050405020304" pitchFamily="18" charset="0"/>
-              </a:rPr>
-              <a:t>[2] </a:t>
-            </a:r>
-            <a:r>
-              <a:rPr lang="pt-BR" sz="2000" dirty="0" err="1">
-                <a:latin typeface="Times New Roman" panose="02020603050405020304" pitchFamily="18" charset="0"/>
-                <a:cs typeface="Times New Roman" panose="02020603050405020304" pitchFamily="18" charset="0"/>
-              </a:rPr>
-              <a:t>Elicitação</a:t>
-            </a:r>
-            <a:r>
-              <a:rPr lang="pt-BR" sz="2000" dirty="0">
-                <a:latin typeface="Times New Roman" panose="02020603050405020304" pitchFamily="18" charset="0"/>
-                <a:cs typeface="Times New Roman" panose="02020603050405020304" pitchFamily="18" charset="0"/>
-              </a:rPr>
-              <a:t> e Especificação de Requisitos Sistemas Embarcados. </a:t>
-            </a:r>
-          </a:p>
-          <a:p>
-            <a:pPr marL="0" indent="0" algn="just">
-              <a:buNone/>
-            </a:pPr>
-            <a:r>
-              <a:rPr lang="pt-BR" sz="2000" b="1" dirty="0">
-                <a:solidFill>
-                  <a:srgbClr val="FF0000"/>
-                </a:solidFill>
-                <a:latin typeface="Times New Roman" panose="02020603050405020304" pitchFamily="18" charset="0"/>
-                <a:cs typeface="Times New Roman" panose="02020603050405020304" pitchFamily="18" charset="0"/>
-              </a:rPr>
-              <a:t>Disponível em: </a:t>
-            </a:r>
-            <a:r>
-              <a:rPr lang="pt-BR" sz="2000" dirty="0">
-                <a:latin typeface="Times New Roman" panose="02020603050405020304" pitchFamily="18" charset="0"/>
-                <a:cs typeface="Times New Roman" panose="02020603050405020304" pitchFamily="18" charset="0"/>
-                <a:hlinkClick r:id="rId4"/>
-              </a:rPr>
-              <a:t>https://eventos.spc.org.pe/cibse2015/pdfs/07_WER15.pdf</a:t>
-            </a:r>
-            <a:endParaRPr lang="pt-BR" sz="2000" dirty="0">
-              <a:latin typeface="Times New Roman" panose="02020603050405020304" pitchFamily="18" charset="0"/>
-              <a:cs typeface="Times New Roman" panose="02020603050405020304" pitchFamily="18" charset="0"/>
-            </a:endParaRPr>
-          </a:p>
-        </p:txBody>
-      </p:sp>
-    </p:spTree>
-    <p:extLst>
-      <p:ext uri="{BB962C8B-B14F-4D97-AF65-F5344CB8AC3E}">
-        <p14:creationId xmlns:p14="http://schemas.microsoft.com/office/powerpoint/2010/main" val="3680270425"/>
-      </p:ext>
-    </p:extLst>
-  </p:cSld>
-  <p:clrMapOvr>
-    <a:masterClrMapping/>
-  </p:clrMapOvr>
-  <p:transition spd="med"/>
-</p:sld>
-</file>
-
-<file path=ppt/slides/slide18.xml><?xml version="1.0" encoding="utf-8"?>
-<p:sld xmlns:a="http://schemas.openxmlformats.org/drawingml/2006/main" xmlns:r="http://schemas.openxmlformats.org/officeDocument/2006/relationships" xmlns:p="http://schemas.openxmlformats.org/presentationml/2006/main">
-  <p:cSld>
-    <p:spTree>
-      <p:nvGrpSpPr>
-        <p:cNvPr id="1" name=""/>
-        <p:cNvGrpSpPr/>
-        <p:nvPr/>
-      </p:nvGrpSpPr>
-      <p:grpSpPr>
-        <a:xfrm>
-          <a:off x="0" y="0"/>
-          <a:ext cx="0" cy="0"/>
-          <a:chOff x="0" y="0"/>
-          <a:chExt cx="0" cy="0"/>
-        </a:xfrm>
-      </p:grpSpPr>
-      <p:sp>
-        <p:nvSpPr>
-          <p:cNvPr id="6" name="Title 1"/>
-          <p:cNvSpPr>
-            <a:spLocks noGrp="1"/>
-          </p:cNvSpPr>
-          <p:nvPr>
-            <p:ph type="title"/>
-          </p:nvPr>
-        </p:nvSpPr>
-        <p:spPr>
-          <a:xfrm>
-            <a:off x="457200" y="205980"/>
-            <a:ext cx="8229600" cy="857251"/>
-          </a:xfrm>
-        </p:spPr>
-        <p:txBody>
-          <a:bodyPr>
-            <a:normAutofit/>
-          </a:bodyPr>
-          <a:lstStyle/>
-          <a:p>
-            <a:r>
-              <a:rPr lang="en-US" b="1" dirty="0" err="1">
-                <a:solidFill>
-                  <a:srgbClr val="0070C0"/>
-                </a:solidFill>
-              </a:rPr>
-              <a:t>Aprenda</a:t>
-            </a:r>
-            <a:r>
-              <a:rPr lang="en-US" b="1" dirty="0">
-                <a:solidFill>
-                  <a:srgbClr val="0070C0"/>
-                </a:solidFill>
-              </a:rPr>
-              <a:t>+</a:t>
-            </a:r>
-          </a:p>
-        </p:txBody>
-      </p:sp>
-      <p:sp>
-        <p:nvSpPr>
-          <p:cNvPr id="8" name="Text Placeholder 2"/>
-          <p:cNvSpPr>
-            <a:spLocks noGrp="1"/>
-          </p:cNvSpPr>
-          <p:nvPr>
-            <p:ph type="body" sz="half" idx="1"/>
-          </p:nvPr>
-        </p:nvSpPr>
-        <p:spPr>
-          <a:xfrm>
-            <a:off x="142865" y="1200150"/>
-            <a:ext cx="8865056" cy="3737370"/>
-          </a:xfrm>
-        </p:spPr>
-        <p:txBody>
-          <a:bodyPr>
-            <a:noAutofit/>
-          </a:bodyPr>
-          <a:lstStyle/>
-          <a:p>
-            <a:pPr marL="0" indent="0" algn="just">
-              <a:buNone/>
-            </a:pPr>
-            <a:r>
-              <a:rPr lang="pt-BR" sz="2400" dirty="0">
-                <a:latin typeface="Times New Roman" panose="02020603050405020304" pitchFamily="18" charset="0"/>
-                <a:cs typeface="Times New Roman" panose="02020603050405020304" pitchFamily="18" charset="0"/>
-              </a:rPr>
-              <a:t>[1] Cursos Sistemas Embarcados - Microcontroladores</a:t>
-            </a:r>
-          </a:p>
-          <a:p>
-            <a:pPr marL="0" indent="0" algn="just">
-              <a:buNone/>
-            </a:pPr>
-            <a:r>
-              <a:rPr lang="pt-BR" sz="2400" b="1" dirty="0">
-                <a:solidFill>
-                  <a:srgbClr val="FF0000"/>
-                </a:solidFill>
-                <a:latin typeface="Times New Roman" panose="02020603050405020304" pitchFamily="18" charset="0"/>
-                <a:cs typeface="Times New Roman" panose="02020603050405020304" pitchFamily="18" charset="0"/>
-              </a:rPr>
-              <a:t>Disponível em: </a:t>
-            </a:r>
-            <a:r>
-              <a:rPr lang="pt-BR" sz="2400" dirty="0">
-                <a:latin typeface="Times New Roman" panose="02020603050405020304" pitchFamily="18" charset="0"/>
-                <a:cs typeface="Times New Roman" panose="02020603050405020304" pitchFamily="18" charset="0"/>
-                <a:hlinkClick r:id="rId3"/>
-              </a:rPr>
-              <a:t>https://embarcados.com.br/cursos/</a:t>
-            </a:r>
-            <a:endParaRPr lang="pt-BR" sz="2400" dirty="0">
-              <a:latin typeface="Times New Roman" panose="02020603050405020304" pitchFamily="18" charset="0"/>
-              <a:cs typeface="Times New Roman" panose="02020603050405020304" pitchFamily="18" charset="0"/>
-            </a:endParaRPr>
-          </a:p>
-          <a:p>
-            <a:pPr marL="0" indent="0" algn="just">
-              <a:buNone/>
-            </a:pPr>
-            <a:endParaRPr lang="pt-BR" sz="2400" dirty="0">
-              <a:latin typeface="Times New Roman" panose="02020603050405020304" pitchFamily="18" charset="0"/>
-              <a:cs typeface="Times New Roman" panose="02020603050405020304" pitchFamily="18" charset="0"/>
-            </a:endParaRPr>
-          </a:p>
-          <a:p>
-            <a:pPr marL="0" indent="0" algn="just">
-              <a:buNone/>
-            </a:pPr>
-            <a:endParaRPr lang="pt-BR" sz="2400" dirty="0">
-              <a:latin typeface="Times New Roman" panose="02020603050405020304" pitchFamily="18" charset="0"/>
-              <a:cs typeface="Times New Roman" panose="02020603050405020304" pitchFamily="18" charset="0"/>
-            </a:endParaRPr>
-          </a:p>
-          <a:p>
-            <a:pPr marL="0" indent="0" algn="just">
-              <a:buNone/>
-            </a:pPr>
-            <a:r>
-              <a:rPr lang="pt-BR" sz="2400" dirty="0">
-                <a:latin typeface="Times New Roman" panose="02020603050405020304" pitchFamily="18" charset="0"/>
-                <a:cs typeface="Times New Roman" panose="02020603050405020304" pitchFamily="18" charset="0"/>
-              </a:rPr>
-              <a:t>[2] Arquitetura de Software para Sistemas Embarcados</a:t>
-            </a:r>
-          </a:p>
-          <a:p>
-            <a:pPr marL="0" indent="0" algn="just">
-              <a:buNone/>
-            </a:pPr>
-            <a:r>
-              <a:rPr lang="pt-BR" sz="2400" b="1" dirty="0">
-                <a:solidFill>
-                  <a:srgbClr val="FF0000"/>
-                </a:solidFill>
-                <a:latin typeface="Times New Roman" panose="02020603050405020304" pitchFamily="18" charset="0"/>
-                <a:cs typeface="Times New Roman" panose="02020603050405020304" pitchFamily="18" charset="0"/>
-              </a:rPr>
-              <a:t>Disponível em: </a:t>
-            </a:r>
-            <a:r>
-              <a:rPr lang="pt-BR" sz="2400" dirty="0">
-                <a:latin typeface="Times New Roman" panose="02020603050405020304" pitchFamily="18" charset="0"/>
-                <a:cs typeface="Times New Roman" panose="02020603050405020304" pitchFamily="18" charset="0"/>
-                <a:hlinkClick r:id="rId4"/>
-              </a:rPr>
-              <a:t>https://www.youtube.com/watch?v=UIAOR32H1vk</a:t>
-            </a:r>
-            <a:endParaRPr lang="pt-BR" sz="2400" dirty="0">
-              <a:latin typeface="Times New Roman" panose="02020603050405020304" pitchFamily="18" charset="0"/>
-              <a:cs typeface="Times New Roman" panose="02020603050405020304" pitchFamily="18" charset="0"/>
-            </a:endParaRPr>
-          </a:p>
-        </p:txBody>
-      </p:sp>
-    </p:spTree>
-    <p:extLst>
-      <p:ext uri="{BB962C8B-B14F-4D97-AF65-F5344CB8AC3E}">
-        <p14:creationId xmlns:p14="http://schemas.microsoft.com/office/powerpoint/2010/main" val="2747596967"/>
-      </p:ext>
-    </p:extLst>
-  </p:cSld>
-  <p:clrMapOvr>
-    <a:masterClrMapping/>
-  </p:clrMapOvr>
-  <p:transition spd="med"/>
-</p:sld>
-</file>
-
-<file path=ppt/slides/slide19.xml><?xml version="1.0" encoding="utf-8"?>
-<p:sld xmlns:a="http://schemas.openxmlformats.org/drawingml/2006/main" xmlns:r="http://schemas.openxmlformats.org/officeDocument/2006/relationships" xmlns:p="http://schemas.openxmlformats.org/presentationml/2006/main">
-  <p:cSld>
-    <p:spTree>
-      <p:nvGrpSpPr>
-        <p:cNvPr id="1" name=""/>
-        <p:cNvGrpSpPr/>
-        <p:nvPr/>
-      </p:nvGrpSpPr>
-      <p:grpSpPr>
-        <a:xfrm>
-          <a:off x="0" y="0"/>
-          <a:ext cx="0" cy="0"/>
-          <a:chOff x="0" y="0"/>
-          <a:chExt cx="0" cy="0"/>
-        </a:xfrm>
-      </p:grpSpPr>
-      <p:sp>
-        <p:nvSpPr>
-          <p:cNvPr id="6" name="Title 1"/>
-          <p:cNvSpPr>
-            <a:spLocks noGrp="1"/>
-          </p:cNvSpPr>
-          <p:nvPr>
-            <p:ph type="title"/>
-          </p:nvPr>
-        </p:nvSpPr>
-        <p:spPr>
-          <a:xfrm>
-            <a:off x="457200" y="205980"/>
-            <a:ext cx="8229600" cy="857251"/>
-          </a:xfrm>
-        </p:spPr>
-        <p:txBody>
-          <a:bodyPr>
-            <a:normAutofit/>
-          </a:bodyPr>
-          <a:lstStyle/>
-          <a:p>
-            <a:r>
-              <a:rPr lang="en-US" b="1" dirty="0" err="1">
-                <a:solidFill>
-                  <a:srgbClr val="0070C0"/>
-                </a:solidFill>
-              </a:rPr>
-              <a:t>Dinâmica</a:t>
-            </a:r>
-            <a:r>
-              <a:rPr lang="en-US" b="1" dirty="0">
-                <a:solidFill>
-                  <a:srgbClr val="0070C0"/>
-                </a:solidFill>
-              </a:rPr>
-              <a:t>/</a:t>
-            </a:r>
-            <a:r>
-              <a:rPr lang="en-US" b="1" dirty="0" err="1">
-                <a:solidFill>
-                  <a:srgbClr val="0070C0"/>
-                </a:solidFill>
-              </a:rPr>
-              <a:t>Atividades</a:t>
-            </a:r>
-            <a:r>
-              <a:rPr lang="en-US" b="1" dirty="0">
-                <a:solidFill>
-                  <a:srgbClr val="0070C0"/>
-                </a:solidFill>
-              </a:rPr>
-              <a:t> - </a:t>
-            </a:r>
-            <a:r>
-              <a:rPr lang="en-US" b="1" dirty="0" err="1">
-                <a:solidFill>
-                  <a:srgbClr val="0070C0"/>
-                </a:solidFill>
-              </a:rPr>
-              <a:t>Exercícios</a:t>
-            </a:r>
-            <a:endParaRPr lang="en-US" b="1" dirty="0">
-              <a:solidFill>
-                <a:srgbClr val="0070C0"/>
-              </a:solidFill>
-            </a:endParaRPr>
-          </a:p>
-        </p:txBody>
-      </p:sp>
-      <p:sp>
-        <p:nvSpPr>
-          <p:cNvPr id="8" name="Text Placeholder 2"/>
-          <p:cNvSpPr>
-            <a:spLocks noGrp="1"/>
-          </p:cNvSpPr>
-          <p:nvPr>
-            <p:ph type="body" sz="half" idx="1"/>
-          </p:nvPr>
-        </p:nvSpPr>
-        <p:spPr>
-          <a:xfrm>
-            <a:off x="139472" y="1063230"/>
-            <a:ext cx="8865056" cy="3996450"/>
-          </a:xfrm>
-        </p:spPr>
-        <p:txBody>
-          <a:bodyPr>
-            <a:noAutofit/>
-          </a:bodyPr>
-          <a:lstStyle/>
-          <a:p>
-            <a:pPr marL="0" indent="0" algn="just">
-              <a:buNone/>
-            </a:pPr>
-            <a:r>
-              <a:rPr lang="pt-BR" sz="2000" dirty="0">
-                <a:latin typeface="Times New Roman" panose="02020603050405020304" pitchFamily="18" charset="0"/>
-                <a:cs typeface="Times New Roman" panose="02020603050405020304" pitchFamily="18" charset="0"/>
-              </a:rPr>
-              <a:t>Criar </a:t>
-            </a:r>
-            <a:r>
-              <a:rPr lang="pt-BR" sz="2000" b="1" dirty="0">
-                <a:solidFill>
-                  <a:srgbClr val="FF0000"/>
-                </a:solidFill>
-                <a:latin typeface="Times New Roman" panose="02020603050405020304" pitchFamily="18" charset="0"/>
-                <a:cs typeface="Times New Roman" panose="02020603050405020304" pitchFamily="18" charset="0"/>
-              </a:rPr>
-              <a:t>projeto</a:t>
-            </a:r>
-            <a:r>
-              <a:rPr lang="pt-BR" sz="2000" dirty="0">
-                <a:solidFill>
-                  <a:srgbClr val="FF0000"/>
-                </a:solidFill>
-                <a:latin typeface="Times New Roman" panose="02020603050405020304" pitchFamily="18" charset="0"/>
-                <a:cs typeface="Times New Roman" panose="02020603050405020304" pitchFamily="18" charset="0"/>
-              </a:rPr>
-              <a:t> </a:t>
-            </a:r>
-            <a:r>
-              <a:rPr lang="pt-BR" sz="2000" b="1" dirty="0">
-                <a:solidFill>
-                  <a:srgbClr val="FF0000"/>
-                </a:solidFill>
-                <a:latin typeface="Times New Roman" panose="02020603050405020304" pitchFamily="18" charset="0"/>
-                <a:cs typeface="Times New Roman" panose="02020603050405020304" pitchFamily="18" charset="0"/>
-              </a:rPr>
-              <a:t>Arduino</a:t>
-            </a:r>
-            <a:r>
-              <a:rPr lang="pt-BR" sz="2000" dirty="0">
-                <a:latin typeface="Times New Roman" panose="02020603050405020304" pitchFamily="18" charset="0"/>
-                <a:cs typeface="Times New Roman" panose="02020603050405020304" pitchFamily="18" charset="0"/>
-              </a:rPr>
-              <a:t> para:</a:t>
-            </a:r>
-          </a:p>
-          <a:p>
-            <a:pPr marL="0" indent="0" algn="just">
-              <a:buNone/>
-            </a:pPr>
-            <a:endParaRPr lang="pt-BR" sz="2000" dirty="0">
-              <a:latin typeface="Times New Roman" panose="02020603050405020304" pitchFamily="18" charset="0"/>
-              <a:cs typeface="Times New Roman" panose="02020603050405020304" pitchFamily="18" charset="0"/>
-            </a:endParaRPr>
-          </a:p>
-          <a:p>
-            <a:pPr marL="457200" indent="-457200" algn="just">
-              <a:buFont typeface="+mj-lt"/>
-              <a:buAutoNum type="arabicPeriod"/>
-            </a:pPr>
-            <a:r>
-              <a:rPr lang="pt-BR" sz="2000" dirty="0">
-                <a:latin typeface="Times New Roman" panose="02020603050405020304" pitchFamily="18" charset="0"/>
-                <a:cs typeface="Times New Roman" panose="02020603050405020304" pitchFamily="18" charset="0"/>
-              </a:rPr>
-              <a:t>Imprimir na porta serial </a:t>
-            </a:r>
-            <a:r>
-              <a:rPr lang="pt-BR" sz="2000" b="1" dirty="0" err="1">
-                <a:latin typeface="Times New Roman" panose="02020603050405020304" pitchFamily="18" charset="0"/>
-                <a:cs typeface="Times New Roman" panose="02020603050405020304" pitchFamily="18" charset="0"/>
-              </a:rPr>
-              <a:t>Hello</a:t>
-            </a:r>
-            <a:r>
-              <a:rPr lang="pt-BR" sz="2000" b="1" dirty="0">
-                <a:latin typeface="Times New Roman" panose="02020603050405020304" pitchFamily="18" charset="0"/>
-                <a:cs typeface="Times New Roman" panose="02020603050405020304" pitchFamily="18" charset="0"/>
-              </a:rPr>
-              <a:t> World </a:t>
-            </a:r>
-            <a:r>
-              <a:rPr lang="pt-BR" sz="2000" dirty="0">
-                <a:latin typeface="Times New Roman" panose="02020603050405020304" pitchFamily="18" charset="0"/>
-                <a:cs typeface="Times New Roman" panose="02020603050405020304" pitchFamily="18" charset="0"/>
-              </a:rPr>
-              <a:t>no Monitor;</a:t>
-            </a:r>
-          </a:p>
-          <a:p>
-            <a:pPr marL="457200" indent="-457200" algn="just">
-              <a:buFont typeface="+mj-lt"/>
-              <a:buAutoNum type="arabicPeriod"/>
-            </a:pPr>
-            <a:r>
-              <a:rPr lang="pt-BR" sz="2000" dirty="0">
-                <a:latin typeface="Times New Roman" panose="02020603050405020304" pitchFamily="18" charset="0"/>
-                <a:cs typeface="Times New Roman" panose="02020603050405020304" pitchFamily="18" charset="0"/>
-              </a:rPr>
-              <a:t>Fazer um led piscar no pino 12, </a:t>
-            </a:r>
-            <a:r>
-              <a:rPr lang="pt-BR" sz="2000" b="1" dirty="0" err="1">
-                <a:latin typeface="Times New Roman" panose="02020603050405020304" pitchFamily="18" charset="0"/>
-                <a:cs typeface="Times New Roman" panose="02020603050405020304" pitchFamily="18" charset="0"/>
-              </a:rPr>
-              <a:t>Blink</a:t>
-            </a:r>
-            <a:r>
-              <a:rPr lang="pt-BR" sz="2000" dirty="0">
-                <a:latin typeface="Times New Roman" panose="02020603050405020304" pitchFamily="18" charset="0"/>
-                <a:cs typeface="Times New Roman" panose="02020603050405020304" pitchFamily="18" charset="0"/>
-              </a:rPr>
-              <a:t>;</a:t>
-            </a:r>
-          </a:p>
-          <a:p>
-            <a:pPr marL="457200" indent="-457200" algn="just">
-              <a:buFont typeface="+mj-lt"/>
-              <a:buAutoNum type="arabicPeriod"/>
-            </a:pPr>
-            <a:r>
-              <a:rPr lang="pt-BR" sz="2000" dirty="0">
-                <a:latin typeface="Times New Roman" panose="02020603050405020304" pitchFamily="18" charset="0"/>
-                <a:cs typeface="Times New Roman" panose="02020603050405020304" pitchFamily="18" charset="0"/>
-              </a:rPr>
-              <a:t>Fazer </a:t>
-            </a:r>
-            <a:r>
-              <a:rPr lang="pt-BR" sz="2000" b="1" dirty="0">
-                <a:latin typeface="Times New Roman" panose="02020603050405020304" pitchFamily="18" charset="0"/>
-                <a:cs typeface="Times New Roman" panose="02020603050405020304" pitchFamily="18" charset="0"/>
-              </a:rPr>
-              <a:t>piscar 4 Leds</a:t>
-            </a:r>
-          </a:p>
-          <a:p>
-            <a:pPr marL="457200" indent="-457200" algn="just">
-              <a:buFont typeface="+mj-lt"/>
-              <a:buAutoNum type="arabicPeriod"/>
-            </a:pPr>
-            <a:r>
-              <a:rPr lang="pt-BR" sz="2000" dirty="0">
-                <a:latin typeface="Times New Roman" panose="02020603050405020304" pitchFamily="18" charset="0"/>
-                <a:cs typeface="Times New Roman" panose="02020603050405020304" pitchFamily="18" charset="0"/>
-              </a:rPr>
-              <a:t>Acender</a:t>
-            </a:r>
-            <a:r>
-              <a:rPr lang="pt-BR" sz="2000" b="1" dirty="0">
-                <a:latin typeface="Times New Roman" panose="02020603050405020304" pitchFamily="18" charset="0"/>
-                <a:cs typeface="Times New Roman" panose="02020603050405020304" pitchFamily="18" charset="0"/>
-              </a:rPr>
-              <a:t> uma Lâmpada</a:t>
-            </a:r>
-            <a:r>
-              <a:rPr lang="pt-BR" sz="2000" dirty="0">
-                <a:latin typeface="Times New Roman" panose="02020603050405020304" pitchFamily="18" charset="0"/>
-                <a:cs typeface="Times New Roman" panose="02020603050405020304" pitchFamily="18" charset="0"/>
-              </a:rPr>
-              <a:t>;</a:t>
-            </a:r>
-          </a:p>
-          <a:p>
-            <a:pPr marL="457200" indent="-457200" algn="just">
-              <a:buFont typeface="+mj-lt"/>
-              <a:buAutoNum type="arabicPeriod"/>
-            </a:pPr>
-            <a:r>
-              <a:rPr lang="pt-BR" sz="2000" dirty="0">
-                <a:latin typeface="Times New Roman" panose="02020603050405020304" pitchFamily="18" charset="0"/>
-                <a:cs typeface="Times New Roman" panose="02020603050405020304" pitchFamily="18" charset="0"/>
-              </a:rPr>
-              <a:t>Contador no </a:t>
-            </a:r>
-            <a:r>
-              <a:rPr lang="pt-BR" sz="2000" b="1" dirty="0">
-                <a:latin typeface="Times New Roman" panose="02020603050405020304" pitchFamily="18" charset="0"/>
-                <a:cs typeface="Times New Roman" panose="02020603050405020304" pitchFamily="18" charset="0"/>
-              </a:rPr>
-              <a:t>display LCD I2C</a:t>
-            </a:r>
-          </a:p>
-          <a:p>
-            <a:pPr marL="457200" indent="-457200" algn="just">
-              <a:buFont typeface="+mj-lt"/>
-              <a:buAutoNum type="arabicPeriod"/>
-            </a:pPr>
-            <a:r>
-              <a:rPr lang="pt-BR" sz="2000" dirty="0">
-                <a:latin typeface="Times New Roman" panose="02020603050405020304" pitchFamily="18" charset="0"/>
-                <a:cs typeface="Times New Roman" panose="02020603050405020304" pitchFamily="18" charset="0"/>
-              </a:rPr>
-              <a:t>Otimizar o código do projeto 3 utilizando estrutura de repetição </a:t>
-            </a:r>
-            <a:r>
-              <a:rPr lang="pt-BR" sz="2000" b="1" dirty="0">
-                <a:latin typeface="Times New Roman" panose="02020603050405020304" pitchFamily="18" charset="0"/>
-                <a:cs typeface="Times New Roman" panose="02020603050405020304" pitchFamily="18" charset="0"/>
-              </a:rPr>
-              <a:t>FOR</a:t>
-            </a:r>
-          </a:p>
-          <a:p>
-            <a:pPr marL="457200" indent="-457200" algn="just">
-              <a:buFont typeface="+mj-lt"/>
-              <a:buAutoNum type="arabicPeriod"/>
-            </a:pPr>
-            <a:r>
-              <a:rPr lang="pt-BR" sz="2000" dirty="0">
-                <a:latin typeface="Times New Roman" panose="02020603050405020304" pitchFamily="18" charset="0"/>
-                <a:cs typeface="Times New Roman" panose="02020603050405020304" pitchFamily="18" charset="0"/>
-              </a:rPr>
-              <a:t>Projeto Livre</a:t>
-            </a:r>
-          </a:p>
-          <a:p>
-            <a:pPr marL="0" indent="0" algn="just">
-              <a:buNone/>
-            </a:pPr>
-            <a:endParaRPr lang="pt-BR" sz="2000" dirty="0">
-              <a:latin typeface="Times New Roman" panose="02020603050405020304" pitchFamily="18" charset="0"/>
-              <a:cs typeface="Times New Roman" panose="02020603050405020304" pitchFamily="18" charset="0"/>
-            </a:endParaRPr>
-          </a:p>
-        </p:txBody>
-      </p:sp>
-    </p:spTree>
-    <p:extLst>
-      <p:ext uri="{BB962C8B-B14F-4D97-AF65-F5344CB8AC3E}">
-        <p14:creationId xmlns:p14="http://schemas.microsoft.com/office/powerpoint/2010/main" val="2470652989"/>
-      </p:ext>
-    </p:extLst>
   </p:cSld>
   <p:clrMapOvr>
     <a:masterClrMapping/>
@@ -10996,777 +5873,6 @@
 </p:sld>
 </file>
 
-<file path=ppt/slides/slide20.xml><?xml version="1.0" encoding="utf-8"?>
-<p:sld xmlns:a="http://schemas.openxmlformats.org/drawingml/2006/main" xmlns:r="http://schemas.openxmlformats.org/officeDocument/2006/relationships" xmlns:p="http://schemas.openxmlformats.org/presentationml/2006/main">
-  <p:cSld>
-    <p:spTree>
-      <p:nvGrpSpPr>
-        <p:cNvPr id="1" name=""/>
-        <p:cNvGrpSpPr/>
-        <p:nvPr/>
-      </p:nvGrpSpPr>
-      <p:grpSpPr>
-        <a:xfrm>
-          <a:off x="0" y="0"/>
-          <a:ext cx="0" cy="0"/>
-          <a:chOff x="0" y="0"/>
-          <a:chExt cx="0" cy="0"/>
-        </a:xfrm>
-      </p:grpSpPr>
-      <p:sp>
-        <p:nvSpPr>
-          <p:cNvPr id="6" name="Title 1"/>
-          <p:cNvSpPr>
-            <a:spLocks noGrp="1"/>
-          </p:cNvSpPr>
-          <p:nvPr>
-            <p:ph type="title"/>
-          </p:nvPr>
-        </p:nvSpPr>
-        <p:spPr>
-          <a:xfrm>
-            <a:off x="457200" y="205980"/>
-            <a:ext cx="8229600" cy="857251"/>
-          </a:xfrm>
-        </p:spPr>
-        <p:txBody>
-          <a:bodyPr>
-            <a:normAutofit/>
-          </a:bodyPr>
-          <a:lstStyle/>
-          <a:p>
-            <a:r>
-              <a:rPr lang="en-US" b="1" dirty="0" err="1">
-                <a:solidFill>
-                  <a:srgbClr val="0070C0"/>
-                </a:solidFill>
-              </a:rPr>
-              <a:t>Referências</a:t>
-            </a:r>
-            <a:r>
-              <a:rPr lang="en-US" b="1" dirty="0">
-                <a:solidFill>
-                  <a:srgbClr val="0070C0"/>
-                </a:solidFill>
-              </a:rPr>
-              <a:t> </a:t>
-            </a:r>
-            <a:r>
-              <a:rPr lang="en-US" b="1" dirty="0" err="1">
-                <a:solidFill>
-                  <a:srgbClr val="0070C0"/>
-                </a:solidFill>
-              </a:rPr>
-              <a:t>Bibliográficas</a:t>
-            </a:r>
-            <a:endParaRPr lang="en-US" b="1" dirty="0">
-              <a:solidFill>
-                <a:srgbClr val="0070C0"/>
-              </a:solidFill>
-            </a:endParaRPr>
-          </a:p>
-        </p:txBody>
-      </p:sp>
-      <p:sp>
-        <p:nvSpPr>
-          <p:cNvPr id="8" name="Text Placeholder 2"/>
-          <p:cNvSpPr>
-            <a:spLocks noGrp="1"/>
-          </p:cNvSpPr>
-          <p:nvPr>
-            <p:ph type="body" sz="half" idx="1"/>
-          </p:nvPr>
-        </p:nvSpPr>
-        <p:spPr>
-          <a:xfrm>
-            <a:off x="142865" y="1200150"/>
-            <a:ext cx="8865056" cy="3737369"/>
-          </a:xfrm>
-        </p:spPr>
-        <p:txBody>
-          <a:bodyPr>
-            <a:noAutofit/>
-          </a:bodyPr>
-          <a:lstStyle/>
-          <a:p>
-            <a:pPr marL="0" indent="0" algn="just">
-              <a:buNone/>
-            </a:pPr>
-            <a:r>
-              <a:rPr lang="pt-BR" sz="1800" dirty="0">
-                <a:latin typeface="Calibri" panose="020F0502020204030204" pitchFamily="34" charset="0"/>
-              </a:rPr>
-              <a:t>[1] </a:t>
-            </a:r>
-            <a:r>
-              <a:rPr lang="pt-BR" sz="1800" b="1" dirty="0">
-                <a:latin typeface="Calibri" panose="020F0502020204030204" pitchFamily="34" charset="0"/>
-              </a:rPr>
-              <a:t>OSSADA, Jaime </a:t>
-            </a:r>
-            <a:r>
-              <a:rPr lang="pt-BR" sz="1800" b="1" dirty="0" err="1">
-                <a:latin typeface="Calibri" panose="020F0502020204030204" pitchFamily="34" charset="0"/>
-              </a:rPr>
-              <a:t>Cazuhiro</a:t>
-            </a:r>
-            <a:r>
-              <a:rPr lang="pt-BR" sz="1800" b="1" dirty="0">
-                <a:latin typeface="Calibri" panose="020F0502020204030204" pitchFamily="34" charset="0"/>
-              </a:rPr>
-              <a:t> et al. GERSE</a:t>
-            </a:r>
-            <a:r>
-              <a:rPr lang="pt-BR" sz="1800" dirty="0">
-                <a:latin typeface="Calibri" panose="020F0502020204030204" pitchFamily="34" charset="0"/>
-              </a:rPr>
-              <a:t>: Guia de </a:t>
-            </a:r>
-            <a:r>
-              <a:rPr lang="pt-BR" sz="1800" dirty="0" err="1">
-                <a:latin typeface="Calibri" panose="020F0502020204030204" pitchFamily="34" charset="0"/>
-              </a:rPr>
-              <a:t>Elicitação</a:t>
-            </a:r>
-            <a:r>
-              <a:rPr lang="pt-BR" sz="1800" dirty="0">
-                <a:latin typeface="Calibri" panose="020F0502020204030204" pitchFamily="34" charset="0"/>
-              </a:rPr>
-              <a:t> de Requisitos para Sistemas Embarcados. In: WER. 2012.</a:t>
-            </a:r>
-          </a:p>
-          <a:p>
-            <a:pPr marL="0" indent="0" algn="just">
-              <a:buNone/>
-            </a:pPr>
-            <a:endParaRPr lang="pt-BR" sz="1800" dirty="0">
-              <a:latin typeface="Calibri" panose="020F0502020204030204" pitchFamily="34" charset="0"/>
-            </a:endParaRPr>
-          </a:p>
-          <a:p>
-            <a:pPr marL="0" indent="0" algn="just">
-              <a:buNone/>
-            </a:pPr>
-            <a:r>
-              <a:rPr lang="pt-BR" sz="1800" dirty="0">
-                <a:latin typeface="Calibri" panose="020F0502020204030204" pitchFamily="34" charset="0"/>
-              </a:rPr>
-              <a:t>[2] </a:t>
-            </a:r>
-            <a:r>
-              <a:rPr lang="pt-BR" sz="1800" b="1" dirty="0">
-                <a:latin typeface="Calibri" panose="020F0502020204030204" pitchFamily="34" charset="0"/>
-              </a:rPr>
-              <a:t>BARBIERO, Andréia Aparecida; HEXSEL, Roberto André.</a:t>
-            </a:r>
-            <a:r>
-              <a:rPr lang="pt-BR" sz="1800" dirty="0">
-                <a:latin typeface="Calibri" panose="020F0502020204030204" pitchFamily="34" charset="0"/>
-              </a:rPr>
-              <a:t> </a:t>
-            </a:r>
-            <a:r>
-              <a:rPr lang="pt-BR" sz="1800" dirty="0" err="1">
-                <a:latin typeface="Calibri" panose="020F0502020204030204" pitchFamily="34" charset="0"/>
-              </a:rPr>
-              <a:t>Simulaçao</a:t>
-            </a:r>
-            <a:r>
-              <a:rPr lang="pt-BR" sz="1800" dirty="0">
-                <a:latin typeface="Calibri" panose="020F0502020204030204" pitchFamily="34" charset="0"/>
-              </a:rPr>
-              <a:t> de Sistemas Embarcados utilizando </a:t>
-            </a:r>
-            <a:r>
-              <a:rPr lang="pt-BR" sz="1800" dirty="0" err="1">
-                <a:latin typeface="Calibri" panose="020F0502020204030204" pitchFamily="34" charset="0"/>
-              </a:rPr>
-              <a:t>ArchC</a:t>
-            </a:r>
-            <a:r>
-              <a:rPr lang="pt-BR" sz="1800" dirty="0">
-                <a:latin typeface="Calibri" panose="020F0502020204030204" pitchFamily="34" charset="0"/>
-              </a:rPr>
-              <a:t>. In: Anais do VII Workshop em Sistemas Computacionais de Alto Desempenho. SBC, 2006. p. 17-24.</a:t>
-            </a:r>
-          </a:p>
-          <a:p>
-            <a:pPr marL="0" indent="0" algn="just">
-              <a:buNone/>
-            </a:pPr>
-            <a:endParaRPr lang="pt-BR" sz="1800" dirty="0">
-              <a:latin typeface="Calibri" panose="020F0502020204030204" pitchFamily="34" charset="0"/>
-            </a:endParaRPr>
-          </a:p>
-          <a:p>
-            <a:pPr marL="0" indent="0" algn="just">
-              <a:buNone/>
-            </a:pPr>
-            <a:r>
-              <a:rPr lang="pt-BR" sz="1800" dirty="0">
-                <a:latin typeface="Times New Roman" panose="02020603050405020304" pitchFamily="18" charset="0"/>
-                <a:cs typeface="Times New Roman" panose="02020603050405020304" pitchFamily="18" charset="0"/>
-              </a:rPr>
-              <a:t>[3] </a:t>
-            </a:r>
-            <a:r>
-              <a:rPr lang="pt-BR" sz="1800" b="1" dirty="0">
-                <a:latin typeface="Times New Roman" panose="02020603050405020304" pitchFamily="18" charset="0"/>
-                <a:cs typeface="Times New Roman" panose="02020603050405020304" pitchFamily="18" charset="0"/>
-              </a:rPr>
-              <a:t>CUNHA, Alessandro F</a:t>
-            </a:r>
-            <a:r>
-              <a:rPr lang="pt-BR" sz="1800" dirty="0">
-                <a:latin typeface="Times New Roman" panose="02020603050405020304" pitchFamily="18" charset="0"/>
-                <a:cs typeface="Times New Roman" panose="02020603050405020304" pitchFamily="18" charset="0"/>
-              </a:rPr>
-              <a:t>. O que são sistemas embarcados. Saber Eletrônica, v. 43, n. 414, p. 1-6, 2007.</a:t>
-            </a:r>
-          </a:p>
-          <a:p>
-            <a:pPr marL="0" indent="0" algn="just">
-              <a:buNone/>
-            </a:pPr>
-            <a:endParaRPr lang="pt-BR" sz="1800" dirty="0">
-              <a:latin typeface="Times New Roman" panose="02020603050405020304" pitchFamily="18" charset="0"/>
-              <a:cs typeface="Times New Roman" panose="02020603050405020304" pitchFamily="18" charset="0"/>
-            </a:endParaRPr>
-          </a:p>
-          <a:p>
-            <a:pPr marL="0" indent="0" algn="just">
-              <a:buNone/>
-            </a:pPr>
-            <a:r>
-              <a:rPr lang="pt-BR" sz="1800" dirty="0">
-                <a:latin typeface="Times New Roman" panose="02020603050405020304" pitchFamily="18" charset="0"/>
-                <a:cs typeface="Times New Roman" panose="02020603050405020304" pitchFamily="18" charset="0"/>
-              </a:rPr>
-              <a:t>[4] </a:t>
-            </a:r>
-            <a:r>
-              <a:rPr lang="pt-BR" sz="1800" b="1" dirty="0">
-                <a:latin typeface="Times New Roman" panose="02020603050405020304" pitchFamily="18" charset="0"/>
-                <a:cs typeface="Times New Roman" panose="02020603050405020304" pitchFamily="18" charset="0"/>
-              </a:rPr>
-              <a:t>OSSADA, Jaime </a:t>
-            </a:r>
-            <a:r>
-              <a:rPr lang="pt-BR" sz="1800" b="1" dirty="0" err="1">
-                <a:latin typeface="Times New Roman" panose="02020603050405020304" pitchFamily="18" charset="0"/>
-                <a:cs typeface="Times New Roman" panose="02020603050405020304" pitchFamily="18" charset="0"/>
-              </a:rPr>
-              <a:t>Cazuhiro</a:t>
-            </a:r>
-            <a:r>
-              <a:rPr lang="pt-BR" sz="1800" b="1" dirty="0">
-                <a:latin typeface="Times New Roman" panose="02020603050405020304" pitchFamily="18" charset="0"/>
-                <a:cs typeface="Times New Roman" panose="02020603050405020304" pitchFamily="18" charset="0"/>
-              </a:rPr>
-              <a:t> et al. GERSE</a:t>
-            </a:r>
-            <a:r>
-              <a:rPr lang="pt-BR" sz="1800" dirty="0">
-                <a:latin typeface="Times New Roman" panose="02020603050405020304" pitchFamily="18" charset="0"/>
-                <a:cs typeface="Times New Roman" panose="02020603050405020304" pitchFamily="18" charset="0"/>
-              </a:rPr>
-              <a:t>: Guia de </a:t>
-            </a:r>
-            <a:r>
-              <a:rPr lang="pt-BR" sz="1800" dirty="0" err="1">
-                <a:latin typeface="Times New Roman" panose="02020603050405020304" pitchFamily="18" charset="0"/>
-                <a:cs typeface="Times New Roman" panose="02020603050405020304" pitchFamily="18" charset="0"/>
-              </a:rPr>
-              <a:t>Elicitação</a:t>
-            </a:r>
-            <a:r>
-              <a:rPr lang="pt-BR" sz="1800" dirty="0">
-                <a:latin typeface="Times New Roman" panose="02020603050405020304" pitchFamily="18" charset="0"/>
-                <a:cs typeface="Times New Roman" panose="02020603050405020304" pitchFamily="18" charset="0"/>
-              </a:rPr>
-              <a:t> de Requisitos para Sistemas Embarcados. In: WER. 2012.</a:t>
-            </a:r>
-          </a:p>
-          <a:p>
-            <a:pPr marL="0" indent="0" algn="just">
-              <a:buNone/>
-            </a:pPr>
-            <a:endParaRPr lang="pt-BR" sz="1800" dirty="0">
-              <a:latin typeface="Times New Roman" panose="02020603050405020304" pitchFamily="18" charset="0"/>
-              <a:cs typeface="Times New Roman" panose="02020603050405020304" pitchFamily="18" charset="0"/>
-            </a:endParaRPr>
-          </a:p>
-        </p:txBody>
-      </p:sp>
-    </p:spTree>
-    <p:extLst>
-      <p:ext uri="{BB962C8B-B14F-4D97-AF65-F5344CB8AC3E}">
-        <p14:creationId xmlns:p14="http://schemas.microsoft.com/office/powerpoint/2010/main" val="1115311843"/>
-      </p:ext>
-    </p:extLst>
-  </p:cSld>
-  <p:clrMapOvr>
-    <a:masterClrMapping/>
-  </p:clrMapOvr>
-  <p:transition spd="med"/>
-</p:sld>
-</file>
-
-<file path=ppt/slides/slide21.xml><?xml version="1.0" encoding="utf-8"?>
-<p:sld xmlns:a="http://schemas.openxmlformats.org/drawingml/2006/main" xmlns:r="http://schemas.openxmlformats.org/officeDocument/2006/relationships" xmlns:p="http://schemas.openxmlformats.org/presentationml/2006/main">
-  <p:cSld>
-    <p:spTree>
-      <p:nvGrpSpPr>
-        <p:cNvPr id="1" name=""/>
-        <p:cNvGrpSpPr/>
-        <p:nvPr/>
-      </p:nvGrpSpPr>
-      <p:grpSpPr>
-        <a:xfrm>
-          <a:off x="0" y="0"/>
-          <a:ext cx="0" cy="0"/>
-          <a:chOff x="0" y="0"/>
-          <a:chExt cx="0" cy="0"/>
-        </a:xfrm>
-      </p:grpSpPr>
-      <p:pic>
-        <p:nvPicPr>
-          <p:cNvPr id="112" name="Picture 6" descr="Picture 6"/>
-          <p:cNvPicPr>
-            <a:picLocks noChangeAspect="1"/>
-          </p:cNvPicPr>
-          <p:nvPr/>
-        </p:nvPicPr>
-        <p:blipFill>
-          <a:blip r:embed="rId2"/>
-          <a:stretch>
-            <a:fillRect/>
-          </a:stretch>
-        </p:blipFill>
-        <p:spPr>
-          <a:xfrm>
-            <a:off x="0" y="0"/>
-            <a:ext cx="9144000" cy="5143500"/>
-          </a:xfrm>
-          <a:prstGeom prst="rect">
-            <a:avLst/>
-          </a:prstGeom>
-          <a:ln w="12700">
-            <a:miter lim="400000"/>
-            <a:headEnd/>
-            <a:tailEnd/>
-          </a:ln>
-        </p:spPr>
-      </p:pic>
-      <p:pic>
-        <p:nvPicPr>
-          <p:cNvPr id="114" name="Picture 5" descr="Picture 5"/>
-          <p:cNvPicPr>
-            <a:picLocks noChangeAspect="1"/>
-          </p:cNvPicPr>
-          <p:nvPr/>
-        </p:nvPicPr>
-        <p:blipFill>
-          <a:blip r:embed="rId3"/>
-          <a:stretch>
-            <a:fillRect/>
-          </a:stretch>
-        </p:blipFill>
-        <p:spPr>
-          <a:xfrm>
-            <a:off x="469900" y="0"/>
-            <a:ext cx="4391984" cy="171450"/>
-          </a:xfrm>
-          <a:prstGeom prst="rect">
-            <a:avLst/>
-          </a:prstGeom>
-          <a:ln w="12700">
-            <a:miter lim="400000"/>
-            <a:headEnd/>
-            <a:tailEnd/>
-          </a:ln>
-        </p:spPr>
-      </p:pic>
-      <p:sp>
-        <p:nvSpPr>
-          <p:cNvPr id="3" name="Título 2"/>
-          <p:cNvSpPr>
-            <a:spLocks noGrp="1"/>
-          </p:cNvSpPr>
-          <p:nvPr>
-            <p:ph type="title"/>
-          </p:nvPr>
-        </p:nvSpPr>
-        <p:spPr>
-          <a:xfrm>
-            <a:off x="285751" y="2386770"/>
-            <a:ext cx="8615364" cy="1102519"/>
-          </a:xfrm>
-        </p:spPr>
-        <p:txBody>
-          <a:bodyPr>
-            <a:noAutofit/>
-          </a:bodyPr>
-          <a:lstStyle/>
-          <a:p>
-            <a:r>
-              <a:rPr lang="pt-BR" sz="4800" b="1" dirty="0">
-                <a:solidFill>
-                  <a:schemeClr val="bg1"/>
-                </a:solidFill>
-              </a:rPr>
-              <a:t>Programação Microcontroladores</a:t>
-            </a:r>
-          </a:p>
-        </p:txBody>
-      </p:sp>
-      <p:sp>
-        <p:nvSpPr>
-          <p:cNvPr id="6" name="Título 2"/>
-          <p:cNvSpPr txBox="1"/>
-          <p:nvPr/>
-        </p:nvSpPr>
-        <p:spPr>
-          <a:xfrm>
-            <a:off x="975683" y="3866663"/>
-            <a:ext cx="7772400" cy="1102519"/>
-          </a:xfrm>
-          <a:prstGeom prst="rect">
-            <a:avLst/>
-          </a:prstGeom>
-          <a:ln w="12700">
-            <a:miter lim="400000"/>
-          </a:ln>
-        </p:spPr>
-        <p:txBody>
-          <a:bodyPr lIns="45718" tIns="45718" rIns="45718" bIns="45718" anchor="ctr">
-            <a:noAutofit/>
-          </a:bodyPr>
-          <a:lstStyle>
-            <a:lvl1pPr marL="0" marR="0" indent="0" algn="ctr" defTabSz="457200" rtl="0" latinLnBrk="0">
-              <a:lnSpc>
-                <a:spcPct val="100000"/>
-              </a:lnSpc>
-              <a:spcBef>
-                <a:spcPts val="0"/>
-              </a:spcBef>
-              <a:spcAft>
-                <a:spcPts val="0"/>
-              </a:spcAft>
-              <a:buClrTx/>
-              <a:buSzTx/>
-              <a:buFontTx/>
-              <a:buNone/>
-              <a:defRPr sz="4400" b="0" i="0" u="none" strike="noStrike" cap="none" spc="0" baseline="0">
-                <a:ln>
-                  <a:noFill/>
-                </a:ln>
-                <a:solidFill>
-                  <a:srgbClr val="000000"/>
-                </a:solidFill>
-                <a:uFillTx/>
-                <a:latin typeface="+mj-lt"/>
-                <a:ea typeface="+mj-ea"/>
-                <a:cs typeface="+mj-cs"/>
-                <a:sym typeface="Calibri"/>
-              </a:defRPr>
-            </a:lvl1pPr>
-            <a:lvl2pPr marL="0" marR="0" indent="0" algn="ctr" defTabSz="457200" rtl="0" latinLnBrk="0">
-              <a:lnSpc>
-                <a:spcPct val="100000"/>
-              </a:lnSpc>
-              <a:spcBef>
-                <a:spcPts val="0"/>
-              </a:spcBef>
-              <a:spcAft>
-                <a:spcPts val="0"/>
-              </a:spcAft>
-              <a:buClrTx/>
-              <a:buSzTx/>
-              <a:buFontTx/>
-              <a:buNone/>
-              <a:defRPr sz="4400" b="0" i="0" u="none" strike="noStrike" cap="none" spc="0" baseline="0">
-                <a:ln>
-                  <a:noFill/>
-                </a:ln>
-                <a:solidFill>
-                  <a:srgbClr val="000000"/>
-                </a:solidFill>
-                <a:uFillTx/>
-                <a:latin typeface="+mj-lt"/>
-                <a:ea typeface="+mj-ea"/>
-                <a:cs typeface="+mj-cs"/>
-                <a:sym typeface="Calibri"/>
-              </a:defRPr>
-            </a:lvl2pPr>
-            <a:lvl3pPr marL="0" marR="0" indent="0" algn="ctr" defTabSz="457200" rtl="0" latinLnBrk="0">
-              <a:lnSpc>
-                <a:spcPct val="100000"/>
-              </a:lnSpc>
-              <a:spcBef>
-                <a:spcPts val="0"/>
-              </a:spcBef>
-              <a:spcAft>
-                <a:spcPts val="0"/>
-              </a:spcAft>
-              <a:buClrTx/>
-              <a:buSzTx/>
-              <a:buFontTx/>
-              <a:buNone/>
-              <a:defRPr sz="4400" b="0" i="0" u="none" strike="noStrike" cap="none" spc="0" baseline="0">
-                <a:ln>
-                  <a:noFill/>
-                </a:ln>
-                <a:solidFill>
-                  <a:srgbClr val="000000"/>
-                </a:solidFill>
-                <a:uFillTx/>
-                <a:latin typeface="+mj-lt"/>
-                <a:ea typeface="+mj-ea"/>
-                <a:cs typeface="+mj-cs"/>
-                <a:sym typeface="Calibri"/>
-              </a:defRPr>
-            </a:lvl3pPr>
-            <a:lvl4pPr marL="0" marR="0" indent="0" algn="ctr" defTabSz="457200" rtl="0" latinLnBrk="0">
-              <a:lnSpc>
-                <a:spcPct val="100000"/>
-              </a:lnSpc>
-              <a:spcBef>
-                <a:spcPts val="0"/>
-              </a:spcBef>
-              <a:spcAft>
-                <a:spcPts val="0"/>
-              </a:spcAft>
-              <a:buClrTx/>
-              <a:buSzTx/>
-              <a:buFontTx/>
-              <a:buNone/>
-              <a:defRPr sz="4400" b="0" i="0" u="none" strike="noStrike" cap="none" spc="0" baseline="0">
-                <a:ln>
-                  <a:noFill/>
-                </a:ln>
-                <a:solidFill>
-                  <a:srgbClr val="000000"/>
-                </a:solidFill>
-                <a:uFillTx/>
-                <a:latin typeface="+mj-lt"/>
-                <a:ea typeface="+mj-ea"/>
-                <a:cs typeface="+mj-cs"/>
-                <a:sym typeface="Calibri"/>
-              </a:defRPr>
-            </a:lvl4pPr>
-            <a:lvl5pPr marL="0" marR="0" indent="0" algn="ctr" defTabSz="457200" rtl="0" latinLnBrk="0">
-              <a:lnSpc>
-                <a:spcPct val="100000"/>
-              </a:lnSpc>
-              <a:spcBef>
-                <a:spcPts val="0"/>
-              </a:spcBef>
-              <a:spcAft>
-                <a:spcPts val="0"/>
-              </a:spcAft>
-              <a:buClrTx/>
-              <a:buSzTx/>
-              <a:buFontTx/>
-              <a:buNone/>
-              <a:defRPr sz="4400" b="0" i="0" u="none" strike="noStrike" cap="none" spc="0" baseline="0">
-                <a:ln>
-                  <a:noFill/>
-                </a:ln>
-                <a:solidFill>
-                  <a:srgbClr val="000000"/>
-                </a:solidFill>
-                <a:uFillTx/>
-                <a:latin typeface="+mj-lt"/>
-                <a:ea typeface="+mj-ea"/>
-                <a:cs typeface="+mj-cs"/>
-                <a:sym typeface="Calibri"/>
-              </a:defRPr>
-            </a:lvl5pPr>
-            <a:lvl6pPr marL="0" marR="0" indent="0" algn="ctr" defTabSz="457200" rtl="0" latinLnBrk="0">
-              <a:lnSpc>
-                <a:spcPct val="100000"/>
-              </a:lnSpc>
-              <a:spcBef>
-                <a:spcPts val="0"/>
-              </a:spcBef>
-              <a:spcAft>
-                <a:spcPts val="0"/>
-              </a:spcAft>
-              <a:buClrTx/>
-              <a:buSzTx/>
-              <a:buFontTx/>
-              <a:buNone/>
-              <a:defRPr sz="4400" b="0" i="0" u="none" strike="noStrike" cap="none" spc="0" baseline="0">
-                <a:ln>
-                  <a:noFill/>
-                </a:ln>
-                <a:solidFill>
-                  <a:srgbClr val="000000"/>
-                </a:solidFill>
-                <a:uFillTx/>
-                <a:latin typeface="+mj-lt"/>
-                <a:ea typeface="+mj-ea"/>
-                <a:cs typeface="+mj-cs"/>
-                <a:sym typeface="Calibri"/>
-              </a:defRPr>
-            </a:lvl6pPr>
-            <a:lvl7pPr marL="0" marR="0" indent="0" algn="ctr" defTabSz="457200" rtl="0" latinLnBrk="0">
-              <a:lnSpc>
-                <a:spcPct val="100000"/>
-              </a:lnSpc>
-              <a:spcBef>
-                <a:spcPts val="0"/>
-              </a:spcBef>
-              <a:spcAft>
-                <a:spcPts val="0"/>
-              </a:spcAft>
-              <a:buClrTx/>
-              <a:buSzTx/>
-              <a:buFontTx/>
-              <a:buNone/>
-              <a:defRPr sz="4400" b="0" i="0" u="none" strike="noStrike" cap="none" spc="0" baseline="0">
-                <a:ln>
-                  <a:noFill/>
-                </a:ln>
-                <a:solidFill>
-                  <a:srgbClr val="000000"/>
-                </a:solidFill>
-                <a:uFillTx/>
-                <a:latin typeface="+mj-lt"/>
-                <a:ea typeface="+mj-ea"/>
-                <a:cs typeface="+mj-cs"/>
-                <a:sym typeface="Calibri"/>
-              </a:defRPr>
-            </a:lvl7pPr>
-            <a:lvl8pPr marL="0" marR="0" indent="0" algn="ctr" defTabSz="457200" rtl="0" latinLnBrk="0">
-              <a:lnSpc>
-                <a:spcPct val="100000"/>
-              </a:lnSpc>
-              <a:spcBef>
-                <a:spcPts val="0"/>
-              </a:spcBef>
-              <a:spcAft>
-                <a:spcPts val="0"/>
-              </a:spcAft>
-              <a:buClrTx/>
-              <a:buSzTx/>
-              <a:buFontTx/>
-              <a:buNone/>
-              <a:defRPr sz="4400" b="0" i="0" u="none" strike="noStrike" cap="none" spc="0" baseline="0">
-                <a:ln>
-                  <a:noFill/>
-                </a:ln>
-                <a:solidFill>
-                  <a:srgbClr val="000000"/>
-                </a:solidFill>
-                <a:uFillTx/>
-                <a:latin typeface="+mj-lt"/>
-                <a:ea typeface="+mj-ea"/>
-                <a:cs typeface="+mj-cs"/>
-                <a:sym typeface="Calibri"/>
-              </a:defRPr>
-            </a:lvl8pPr>
-            <a:lvl9pPr marL="0" marR="0" indent="0" algn="ctr" defTabSz="457200" rtl="0" latinLnBrk="0">
-              <a:lnSpc>
-                <a:spcPct val="100000"/>
-              </a:lnSpc>
-              <a:spcBef>
-                <a:spcPts val="0"/>
-              </a:spcBef>
-              <a:spcAft>
-                <a:spcPts val="0"/>
-              </a:spcAft>
-              <a:buClrTx/>
-              <a:buSzTx/>
-              <a:buFontTx/>
-              <a:buNone/>
-              <a:defRPr sz="4400" b="0" i="0" u="none" strike="noStrike" cap="none" spc="0" baseline="0">
-                <a:ln>
-                  <a:noFill/>
-                </a:ln>
-                <a:solidFill>
-                  <a:srgbClr val="000000"/>
-                </a:solidFill>
-                <a:uFillTx/>
-                <a:latin typeface="+mj-lt"/>
-                <a:ea typeface="+mj-ea"/>
-                <a:cs typeface="+mj-cs"/>
-                <a:sym typeface="Calibri"/>
-              </a:defRPr>
-            </a:lvl9pPr>
-          </a:lstStyle>
-          <a:p>
-            <a:pPr algn="r" hangingPunct="1"/>
-            <a:r>
-              <a:rPr lang="pt-BR" sz="2000" b="1" dirty="0">
-                <a:solidFill>
-                  <a:schemeClr val="bg1"/>
-                </a:solidFill>
-              </a:rPr>
-              <a:t>Professor </a:t>
-            </a:r>
-            <a:r>
-              <a:rPr lang="pt-BR" sz="2000" b="1">
-                <a:solidFill>
-                  <a:schemeClr val="bg1"/>
-                </a:solidFill>
-              </a:rPr>
-              <a:t>M.Sc</a:t>
-            </a:r>
-            <a:r>
-              <a:rPr lang="pt-BR" sz="2000" b="1" dirty="0">
-                <a:solidFill>
-                  <a:schemeClr val="bg1"/>
-                </a:solidFill>
-              </a:rPr>
-              <a:t>. Heleno Cardoso</a:t>
-            </a:r>
-          </a:p>
-        </p:txBody>
-      </p:sp>
-      <p:pic>
-        <p:nvPicPr>
-          <p:cNvPr id="2" name="Google Shape;62;p1" descr="Imagem">
-            <a:extLst>
-              <a:ext uri="{FF2B5EF4-FFF2-40B4-BE49-F238E27FC236}">
-                <a16:creationId xmlns:a16="http://schemas.microsoft.com/office/drawing/2014/main" id="{9C895622-2963-024D-634E-EA58F5381D06}"/>
-              </a:ext>
-            </a:extLst>
-          </p:cNvPr>
-          <p:cNvPicPr preferRelativeResize="0"/>
-          <p:nvPr/>
-        </p:nvPicPr>
-        <p:blipFill rotWithShape="1">
-          <a:blip r:embed="rId4">
-            <a:alphaModFix/>
-          </a:blip>
-          <a:srcRect/>
-          <a:stretch/>
-        </p:blipFill>
-        <p:spPr>
-          <a:xfrm>
-            <a:off x="469898" y="343798"/>
-            <a:ext cx="2858518" cy="1338697"/>
-          </a:xfrm>
-          <a:prstGeom prst="rect">
-            <a:avLst/>
-          </a:prstGeom>
-          <a:noFill/>
-          <a:ln>
-            <a:noFill/>
-          </a:ln>
-        </p:spPr>
-      </p:pic>
-    </p:spTree>
-  </p:cSld>
-  <p:clrMapOvr>
-    <a:masterClrMapping/>
-  </p:clrMapOvr>
-  <p:transition spd="med"/>
-</p:sld>
-</file>
-
 <file path=ppt/slides/slide3.xml><?xml version="1.0" encoding="utf-8"?>
 <p:sld xmlns:a="http://schemas.openxmlformats.org/drawingml/2006/main" xmlns:r="http://schemas.openxmlformats.org/officeDocument/2006/relationships" xmlns:p="http://schemas.openxmlformats.org/presentationml/2006/main">
   <p:cSld>
@@ -14260,12 +8366,20 @@
           <a:lstStyle/>
           <a:p>
             <a:r>
+              <a:rPr lang="en-US" b="1" dirty="0" err="1">
+                <a:solidFill>
+                  <a:srgbClr val="0070C0"/>
+                </a:solidFill>
+              </a:rPr>
+              <a:t>Leitura</a:t>
+            </a:r>
+            <a:r>
               <a:rPr lang="en-US" b="1" dirty="0">
                 <a:solidFill>
                   <a:srgbClr val="0070C0"/>
                 </a:solidFill>
               </a:rPr>
-              <a:t>Plataforma Arduino </a:t>
+              <a:t> </a:t>
             </a:r>
             <a:r>
               <a:rPr lang="en-US" b="1" dirty="0" err="1">
@@ -14273,7 +8387,7 @@
                   <a:srgbClr val="0070C0"/>
                 </a:solidFill>
               </a:rPr>
-              <a:t>Tinkercad</a:t>
+              <a:t>Específica</a:t>
             </a:r>
             <a:endParaRPr lang="en-US" b="1" dirty="0">
               <a:solidFill>
@@ -14295,8 +8409,8 @@
         </p:nvSpPr>
         <p:spPr>
           <a:xfrm>
-            <a:off x="142865" y="938784"/>
-            <a:ext cx="8865056" cy="3914662"/>
+            <a:off x="142865" y="1200150"/>
+            <a:ext cx="8865056" cy="3737369"/>
           </a:xfrm>
         </p:spPr>
         <p:txBody>
@@ -14308,10 +8422,37 @@
             <a:pPr marL="0" indent="0" algn="just">
               <a:buNone/>
             </a:pPr>
+            <a:r>
+              <a:rPr lang="pt-BR" sz="2000" dirty="0">
+                <a:latin typeface="Times New Roman" panose="02020603050405020304" pitchFamily="18" charset="0"/>
+                <a:cs typeface="Times New Roman" panose="02020603050405020304" pitchFamily="18" charset="0"/>
+              </a:rPr>
+              <a:t>[1] Sistemas Embarcados.</a:t>
+            </a:r>
+          </a:p>
+          <a:p>
+            <a:pPr marL="0" indent="0" algn="just">
+              <a:buNone/>
+            </a:pPr>
+            <a:r>
+              <a:rPr lang="pt-BR" sz="2000" b="1" dirty="0">
+                <a:solidFill>
+                  <a:srgbClr val="FF0000"/>
+                </a:solidFill>
+                <a:latin typeface="Times New Roman" panose="02020603050405020304" pitchFamily="18" charset="0"/>
+                <a:cs typeface="Times New Roman" panose="02020603050405020304" pitchFamily="18" charset="0"/>
+              </a:rPr>
+              <a:t>Disponível em: </a:t>
+            </a:r>
+            <a:r>
+              <a:rPr lang="pt-BR" sz="2000" dirty="0">
+                <a:latin typeface="Times New Roman" panose="02020603050405020304" pitchFamily="18" charset="0"/>
+                <a:cs typeface="Times New Roman" panose="02020603050405020304" pitchFamily="18" charset="0"/>
+                <a:hlinkClick r:id="rId3"/>
+              </a:rPr>
+              <a:t>https://files.comunidades.net/mutcom/ARTIGO_SIST_EMB.pdf</a:t>
+            </a:r>
             <a:endParaRPr lang="pt-BR" sz="2000" dirty="0">
-              <a:solidFill>
-                <a:schemeClr val="tx1"/>
-              </a:solidFill>
               <a:latin typeface="Times New Roman" panose="02020603050405020304" pitchFamily="18" charset="0"/>
               <a:cs typeface="Times New Roman" panose="02020603050405020304" pitchFamily="18" charset="0"/>
             </a:endParaRPr>
@@ -14321,9 +8462,6 @@
               <a:buNone/>
             </a:pPr>
             <a:endParaRPr lang="pt-BR" sz="2000" dirty="0">
-              <a:solidFill>
-                <a:schemeClr val="tx1"/>
-              </a:solidFill>
               <a:latin typeface="Times New Roman" panose="02020603050405020304" pitchFamily="18" charset="0"/>
               <a:cs typeface="Times New Roman" panose="02020603050405020304" pitchFamily="18" charset="0"/>
             </a:endParaRPr>
@@ -14333,9 +8471,6 @@
               <a:buNone/>
             </a:pPr>
             <a:endParaRPr lang="pt-BR" sz="2000" dirty="0">
-              <a:solidFill>
-                <a:schemeClr val="tx1"/>
-              </a:solidFill>
               <a:latin typeface="Times New Roman" panose="02020603050405020304" pitchFamily="18" charset="0"/>
               <a:cs typeface="Times New Roman" panose="02020603050405020304" pitchFamily="18" charset="0"/>
             </a:endParaRPr>
@@ -14344,171 +8479,61 @@
             <a:pPr marL="0" indent="0" algn="just">
               <a:buNone/>
             </a:pPr>
+            <a:r>
+              <a:rPr lang="pt-BR" sz="2000" dirty="0">
+                <a:latin typeface="Times New Roman" panose="02020603050405020304" pitchFamily="18" charset="0"/>
+                <a:cs typeface="Times New Roman" panose="02020603050405020304" pitchFamily="18" charset="0"/>
+              </a:rPr>
+              <a:t>[2] </a:t>
+            </a:r>
+            <a:r>
+              <a:rPr lang="pt-BR" sz="2000" dirty="0" err="1">
+                <a:latin typeface="Times New Roman" panose="02020603050405020304" pitchFamily="18" charset="0"/>
+                <a:cs typeface="Times New Roman" panose="02020603050405020304" pitchFamily="18" charset="0"/>
+              </a:rPr>
+              <a:t>Elicitação</a:t>
+            </a:r>
+            <a:r>
+              <a:rPr lang="pt-BR" sz="2000" dirty="0">
+                <a:latin typeface="Times New Roman" panose="02020603050405020304" pitchFamily="18" charset="0"/>
+                <a:cs typeface="Times New Roman" panose="02020603050405020304" pitchFamily="18" charset="0"/>
+              </a:rPr>
+              <a:t> e Especificação de Requisitos Sistemas Embarcados. </a:t>
+            </a:r>
+          </a:p>
+          <a:p>
+            <a:pPr marL="0" indent="0" algn="just">
+              <a:buNone/>
+            </a:pPr>
+            <a:r>
+              <a:rPr lang="pt-BR" sz="2000" b="1" dirty="0">
+                <a:solidFill>
+                  <a:srgbClr val="FF0000"/>
+                </a:solidFill>
+                <a:latin typeface="Times New Roman" panose="02020603050405020304" pitchFamily="18" charset="0"/>
+                <a:cs typeface="Times New Roman" panose="02020603050405020304" pitchFamily="18" charset="0"/>
+              </a:rPr>
+              <a:t>Disponível em: </a:t>
+            </a:r>
+            <a:r>
+              <a:rPr lang="pt-BR" sz="2000" dirty="0">
+                <a:latin typeface="Times New Roman" panose="02020603050405020304" pitchFamily="18" charset="0"/>
+                <a:cs typeface="Times New Roman" panose="02020603050405020304" pitchFamily="18" charset="0"/>
+                <a:hlinkClick r:id="rId4"/>
+              </a:rPr>
+              <a:t>https://eventos.spc.org.pe/cibse2015/pdfs/07_WER15.pdf</a:t>
+            </a:r>
             <a:endParaRPr lang="pt-BR" sz="2000" dirty="0">
-              <a:solidFill>
-                <a:schemeClr val="tx1"/>
-              </a:solidFill>
               <a:latin typeface="Times New Roman" panose="02020603050405020304" pitchFamily="18" charset="0"/>
               <a:cs typeface="Times New Roman" panose="02020603050405020304" pitchFamily="18" charset="0"/>
             </a:endParaRPr>
           </a:p>
-          <a:p>
-            <a:pPr marL="0" indent="0" algn="just">
-              <a:buNone/>
-            </a:pPr>
-            <a:endParaRPr lang="pt-BR" sz="2000" dirty="0">
-              <a:solidFill>
-                <a:schemeClr val="tx1"/>
-              </a:solidFill>
-              <a:latin typeface="Times New Roman" panose="02020603050405020304" pitchFamily="18" charset="0"/>
-              <a:cs typeface="Times New Roman" panose="02020603050405020304" pitchFamily="18" charset="0"/>
-            </a:endParaRPr>
-          </a:p>
-          <a:p>
-            <a:pPr marL="0" indent="0" algn="just">
-              <a:buNone/>
-            </a:pPr>
-            <a:endParaRPr lang="pt-BR" sz="2000" dirty="0">
-              <a:solidFill>
-                <a:schemeClr val="tx1"/>
-              </a:solidFill>
-              <a:latin typeface="Times New Roman" panose="02020603050405020304" pitchFamily="18" charset="0"/>
-              <a:cs typeface="Times New Roman" panose="02020603050405020304" pitchFamily="18" charset="0"/>
-            </a:endParaRPr>
-          </a:p>
-          <a:p>
-            <a:pPr marL="0" indent="0" algn="just">
-              <a:buNone/>
-            </a:pPr>
-            <a:endParaRPr lang="pt-BR" sz="2000" dirty="0">
-              <a:solidFill>
-                <a:schemeClr val="tx1"/>
-              </a:solidFill>
-              <a:latin typeface="Times New Roman" panose="02020603050405020304" pitchFamily="18" charset="0"/>
-              <a:cs typeface="Times New Roman" panose="02020603050405020304" pitchFamily="18" charset="0"/>
-            </a:endParaRPr>
-          </a:p>
-          <a:p>
-            <a:pPr marL="0" indent="0" algn="just">
-              <a:buNone/>
-            </a:pPr>
-            <a:endParaRPr lang="pt-BR" sz="2000" dirty="0">
-              <a:solidFill>
-                <a:schemeClr val="tx1"/>
-              </a:solidFill>
-              <a:latin typeface="Times New Roman" panose="02020603050405020304" pitchFamily="18" charset="0"/>
-              <a:cs typeface="Times New Roman" panose="02020603050405020304" pitchFamily="18" charset="0"/>
-            </a:endParaRPr>
-          </a:p>
-          <a:p>
-            <a:pPr marL="0" indent="0" algn="just">
-              <a:buNone/>
-            </a:pPr>
-            <a:endParaRPr lang="pt-BR" sz="2000" dirty="0">
-              <a:solidFill>
-                <a:schemeClr val="tx1"/>
-              </a:solidFill>
-              <a:latin typeface="Times New Roman" panose="02020603050405020304" pitchFamily="18" charset="0"/>
-              <a:cs typeface="Times New Roman" panose="02020603050405020304" pitchFamily="18" charset="0"/>
-              <a:hlinkClick r:id="rId3"/>
-            </a:endParaRPr>
-          </a:p>
-          <a:p>
-            <a:pPr marL="0" indent="0" algn="just">
-              <a:buNone/>
-            </a:pPr>
-            <a:endParaRPr lang="pt-BR" sz="2000" dirty="0">
-              <a:solidFill>
-                <a:schemeClr val="tx1"/>
-              </a:solidFill>
-              <a:latin typeface="Times New Roman" panose="02020603050405020304" pitchFamily="18" charset="0"/>
-              <a:cs typeface="Times New Roman" panose="02020603050405020304" pitchFamily="18" charset="0"/>
-              <a:hlinkClick r:id="rId3"/>
-            </a:endParaRPr>
-          </a:p>
-          <a:p>
-            <a:pPr marL="0" indent="0" algn="just">
-              <a:buNone/>
-            </a:pPr>
-            <a:r>
-              <a:rPr lang="pt-BR" sz="2000" dirty="0">
-                <a:solidFill>
-                  <a:schemeClr val="tx1"/>
-                </a:solidFill>
-                <a:latin typeface="Times New Roman" panose="02020603050405020304" pitchFamily="18" charset="0"/>
-                <a:cs typeface="Times New Roman" panose="02020603050405020304" pitchFamily="18" charset="0"/>
-                <a:hlinkClick r:id="rId3"/>
-              </a:rPr>
-              <a:t>https://embarcados.com.br/tinkercad/</a:t>
-            </a:r>
-            <a:endParaRPr lang="pt-BR" sz="2000" dirty="0">
-              <a:solidFill>
-                <a:schemeClr val="tx1"/>
-              </a:solidFill>
-              <a:latin typeface="Times New Roman" panose="02020603050405020304" pitchFamily="18" charset="0"/>
-              <a:cs typeface="Times New Roman" panose="02020603050405020304" pitchFamily="18" charset="0"/>
-            </a:endParaRPr>
-          </a:p>
-          <a:p>
-            <a:pPr marL="0" indent="0" algn="just">
-              <a:buNone/>
-            </a:pPr>
-            <a:endParaRPr lang="pt-BR" sz="2000" dirty="0">
-              <a:solidFill>
-                <a:schemeClr val="tx1"/>
-              </a:solidFill>
-              <a:latin typeface="Times New Roman" panose="02020603050405020304" pitchFamily="18" charset="0"/>
-              <a:cs typeface="Times New Roman" panose="02020603050405020304" pitchFamily="18" charset="0"/>
-            </a:endParaRPr>
-          </a:p>
-          <a:p>
-            <a:pPr marL="0" indent="0" algn="just">
-              <a:buNone/>
-            </a:pPr>
-            <a:endParaRPr lang="pt-BR" sz="2000" dirty="0">
-              <a:solidFill>
-                <a:schemeClr val="tx1"/>
-              </a:solidFill>
-              <a:latin typeface="Times New Roman" panose="02020603050405020304" pitchFamily="18" charset="0"/>
-              <a:cs typeface="Times New Roman" panose="02020603050405020304" pitchFamily="18" charset="0"/>
-            </a:endParaRPr>
-          </a:p>
         </p:txBody>
       </p:sp>
-      <p:pic>
-        <p:nvPicPr>
-          <p:cNvPr id="3" name="Imagem 2">
-            <a:extLst>
-              <a:ext uri="{FF2B5EF4-FFF2-40B4-BE49-F238E27FC236}">
-                <a16:creationId xmlns:a16="http://schemas.microsoft.com/office/drawing/2014/main" id="{AC3DC84B-0383-9EFC-0BC1-FB70E21A181A}"/>
-              </a:ext>
-            </a:extLst>
-          </p:cNvPr>
-          <p:cNvPicPr>
-            <a:picLocks noChangeAspect="1"/>
-          </p:cNvPicPr>
-          <p:nvPr/>
-        </p:nvPicPr>
-        <p:blipFill>
-          <a:blip r:embed="rId4"/>
-          <a:stretch>
-            <a:fillRect/>
-          </a:stretch>
-        </p:blipFill>
-        <p:spPr>
-          <a:xfrm>
-            <a:off x="142865" y="1063231"/>
-            <a:ext cx="7297994" cy="3520961"/>
-          </a:xfrm>
-          <a:prstGeom prst="rect">
-            <a:avLst/>
-          </a:prstGeom>
-        </p:spPr>
-      </p:pic>
     </p:spTree>
     <p:extLst>
       <p:ext uri="{BB962C8B-B14F-4D97-AF65-F5344CB8AC3E}">
-        <p14:creationId xmlns:p14="http://schemas.microsoft.com/office/powerpoint/2010/main" val="122018930"/>
+        <p14:creationId xmlns:p14="http://schemas.microsoft.com/office/powerpoint/2010/main" val="3680270425"/>
       </p:ext>
     </p:extLst>
   </p:cSld>
